--- a/eda notebooks/Case Predictive Maintanance.pptx
+++ b/eda notebooks/Case Predictive Maintanance.pptx
@@ -5,7 +5,7 @@
     <p:sldMasterId id="2147483833" r:id="rId1"/>
   </p:sldMasterIdLst>
   <p:notesMasterIdLst>
-    <p:notesMasterId r:id="rId17"/>
+    <p:notesMasterId r:id="rId18"/>
   </p:notesMasterIdLst>
   <p:sldIdLst>
     <p:sldId id="256" r:id="rId2"/>
@@ -22,7 +22,8 @@
     <p:sldId id="262" r:id="rId13"/>
     <p:sldId id="275" r:id="rId14"/>
     <p:sldId id="272" r:id="rId15"/>
-    <p:sldId id="273" r:id="rId16"/>
+    <p:sldId id="276" r:id="rId16"/>
+    <p:sldId id="273" r:id="rId17"/>
   </p:sldIdLst>
   <p:sldSz cx="12192000" cy="6858000"/>
   <p:notesSz cx="6858000" cy="9144000"/>
@@ -121,6 +122,11 @@
       </a:defRPr>
     </a:lvl9pPr>
   </p:defaultTextStyle>
+  <p:extLst>
+    <p:ext uri="{EFAFB233-063F-42B5-8137-9DF3F51BA10A}">
+      <p15:sldGuideLst xmlns:p15="http://schemas.microsoft.com/office/powerpoint/2012/main"/>
+    </p:ext>
+  </p:extLst>
 </p:presentation>
 </file>
 
@@ -1619,6 +1625,753 @@
 </file>
 
 <file path=ppt/diagrams/colors3.xml><?xml version="1.0" encoding="utf-8"?>
+<dgm:colorsDef xmlns:dgm="http://schemas.openxmlformats.org/drawingml/2006/diagram" xmlns:a="http://schemas.openxmlformats.org/drawingml/2006/main" uniqueId="urn:microsoft.com/office/officeart/2005/8/colors/accent1_2">
+  <dgm:title val=""/>
+  <dgm:desc val=""/>
+  <dgm:catLst>
+    <dgm:cat type="accent1" pri="11200"/>
+  </dgm:catLst>
+  <dgm:styleLbl name="node0">
+    <dgm:fillClrLst meth="repeat">
+      <a:schemeClr val="accent1"/>
+    </dgm:fillClrLst>
+    <dgm:linClrLst meth="repeat">
+      <a:schemeClr val="lt1"/>
+    </dgm:linClrLst>
+    <dgm:effectClrLst/>
+    <dgm:txLinClrLst/>
+    <dgm:txFillClrLst/>
+    <dgm:txEffectClrLst/>
+  </dgm:styleLbl>
+  <dgm:styleLbl name="alignNode1">
+    <dgm:fillClrLst meth="repeat">
+      <a:schemeClr val="accent1"/>
+    </dgm:fillClrLst>
+    <dgm:linClrLst meth="repeat">
+      <a:schemeClr val="accent1"/>
+    </dgm:linClrLst>
+    <dgm:effectClrLst/>
+    <dgm:txLinClrLst/>
+    <dgm:txFillClrLst/>
+    <dgm:txEffectClrLst/>
+  </dgm:styleLbl>
+  <dgm:styleLbl name="node1">
+    <dgm:fillClrLst meth="repeat">
+      <a:schemeClr val="accent1"/>
+    </dgm:fillClrLst>
+    <dgm:linClrLst meth="repeat">
+      <a:schemeClr val="lt1"/>
+    </dgm:linClrLst>
+    <dgm:effectClrLst/>
+    <dgm:txLinClrLst/>
+    <dgm:txFillClrLst/>
+    <dgm:txEffectClrLst/>
+  </dgm:styleLbl>
+  <dgm:styleLbl name="lnNode1">
+    <dgm:fillClrLst meth="repeat">
+      <a:schemeClr val="accent1"/>
+    </dgm:fillClrLst>
+    <dgm:linClrLst meth="repeat">
+      <a:schemeClr val="lt1"/>
+    </dgm:linClrLst>
+    <dgm:effectClrLst/>
+    <dgm:txLinClrLst/>
+    <dgm:txFillClrLst/>
+    <dgm:txEffectClrLst/>
+  </dgm:styleLbl>
+  <dgm:styleLbl name="vennNode1">
+    <dgm:fillClrLst meth="repeat">
+      <a:schemeClr val="accent1">
+        <a:alpha val="50000"/>
+      </a:schemeClr>
+    </dgm:fillClrLst>
+    <dgm:linClrLst meth="repeat">
+      <a:schemeClr val="lt1"/>
+    </dgm:linClrLst>
+    <dgm:effectClrLst/>
+    <dgm:txLinClrLst/>
+    <dgm:txFillClrLst/>
+    <dgm:txEffectClrLst/>
+  </dgm:styleLbl>
+  <dgm:styleLbl name="node2">
+    <dgm:fillClrLst meth="repeat">
+      <a:schemeClr val="accent1"/>
+    </dgm:fillClrLst>
+    <dgm:linClrLst meth="repeat">
+      <a:schemeClr val="lt1"/>
+    </dgm:linClrLst>
+    <dgm:effectClrLst/>
+    <dgm:txLinClrLst/>
+    <dgm:txFillClrLst/>
+    <dgm:txEffectClrLst/>
+  </dgm:styleLbl>
+  <dgm:styleLbl name="node3">
+    <dgm:fillClrLst meth="repeat">
+      <a:schemeClr val="accent1"/>
+    </dgm:fillClrLst>
+    <dgm:linClrLst meth="repeat">
+      <a:schemeClr val="lt1"/>
+    </dgm:linClrLst>
+    <dgm:effectClrLst/>
+    <dgm:txLinClrLst/>
+    <dgm:txFillClrLst/>
+    <dgm:txEffectClrLst/>
+  </dgm:styleLbl>
+  <dgm:styleLbl name="node4">
+    <dgm:fillClrLst meth="repeat">
+      <a:schemeClr val="accent1"/>
+    </dgm:fillClrLst>
+    <dgm:linClrLst meth="repeat">
+      <a:schemeClr val="lt1"/>
+    </dgm:linClrLst>
+    <dgm:effectClrLst/>
+    <dgm:txLinClrLst/>
+    <dgm:txFillClrLst/>
+    <dgm:txEffectClrLst/>
+  </dgm:styleLbl>
+  <dgm:styleLbl name="fgImgPlace1">
+    <dgm:fillClrLst meth="repeat">
+      <a:schemeClr val="accent1">
+        <a:tint val="50000"/>
+      </a:schemeClr>
+    </dgm:fillClrLst>
+    <dgm:linClrLst meth="repeat">
+      <a:schemeClr val="lt1"/>
+    </dgm:linClrLst>
+    <dgm:effectClrLst/>
+    <dgm:txLinClrLst/>
+    <dgm:txFillClrLst meth="repeat">
+      <a:schemeClr val="lt1"/>
+    </dgm:txFillClrLst>
+    <dgm:txEffectClrLst/>
+  </dgm:styleLbl>
+  <dgm:styleLbl name="alignImgPlace1">
+    <dgm:fillClrLst meth="repeat">
+      <a:schemeClr val="accent1">
+        <a:tint val="50000"/>
+      </a:schemeClr>
+    </dgm:fillClrLst>
+    <dgm:linClrLst meth="repeat">
+      <a:schemeClr val="lt1"/>
+    </dgm:linClrLst>
+    <dgm:effectClrLst/>
+    <dgm:txLinClrLst/>
+    <dgm:txFillClrLst meth="repeat">
+      <a:schemeClr val="lt1"/>
+    </dgm:txFillClrLst>
+    <dgm:txEffectClrLst/>
+  </dgm:styleLbl>
+  <dgm:styleLbl name="bgImgPlace1">
+    <dgm:fillClrLst meth="repeat">
+      <a:schemeClr val="accent1">
+        <a:tint val="50000"/>
+      </a:schemeClr>
+    </dgm:fillClrLst>
+    <dgm:linClrLst meth="repeat">
+      <a:schemeClr val="lt1"/>
+    </dgm:linClrLst>
+    <dgm:effectClrLst/>
+    <dgm:txLinClrLst/>
+    <dgm:txFillClrLst meth="repeat">
+      <a:schemeClr val="lt1"/>
+    </dgm:txFillClrLst>
+    <dgm:txEffectClrLst/>
+  </dgm:styleLbl>
+  <dgm:styleLbl name="sibTrans2D1">
+    <dgm:fillClrLst meth="repeat">
+      <a:schemeClr val="accent1">
+        <a:tint val="60000"/>
+      </a:schemeClr>
+    </dgm:fillClrLst>
+    <dgm:linClrLst meth="repeat">
+      <a:schemeClr val="accent1">
+        <a:tint val="60000"/>
+      </a:schemeClr>
+    </dgm:linClrLst>
+    <dgm:effectClrLst/>
+    <dgm:txLinClrLst/>
+    <dgm:txFillClrLst/>
+    <dgm:txEffectClrLst/>
+  </dgm:styleLbl>
+  <dgm:styleLbl name="fgSibTrans2D1">
+    <dgm:fillClrLst meth="repeat">
+      <a:schemeClr val="accent1">
+        <a:tint val="60000"/>
+      </a:schemeClr>
+    </dgm:fillClrLst>
+    <dgm:linClrLst meth="repeat">
+      <a:schemeClr val="accent1">
+        <a:tint val="60000"/>
+      </a:schemeClr>
+    </dgm:linClrLst>
+    <dgm:effectClrLst/>
+    <dgm:txLinClrLst/>
+    <dgm:txFillClrLst/>
+    <dgm:txEffectClrLst/>
+  </dgm:styleLbl>
+  <dgm:styleLbl name="bgSibTrans2D1">
+    <dgm:fillClrLst meth="repeat">
+      <a:schemeClr val="accent1">
+        <a:tint val="60000"/>
+      </a:schemeClr>
+    </dgm:fillClrLst>
+    <dgm:linClrLst meth="repeat">
+      <a:schemeClr val="accent1">
+        <a:tint val="60000"/>
+      </a:schemeClr>
+    </dgm:linClrLst>
+    <dgm:effectClrLst/>
+    <dgm:txLinClrLst/>
+    <dgm:txFillClrLst/>
+    <dgm:txEffectClrLst/>
+  </dgm:styleLbl>
+  <dgm:styleLbl name="sibTrans1D1">
+    <dgm:fillClrLst meth="repeat">
+      <a:schemeClr val="accent1"/>
+    </dgm:fillClrLst>
+    <dgm:linClrLst meth="repeat">
+      <a:schemeClr val="accent1"/>
+    </dgm:linClrLst>
+    <dgm:effectClrLst/>
+    <dgm:txLinClrLst/>
+    <dgm:txFillClrLst meth="repeat">
+      <a:schemeClr val="tx1"/>
+    </dgm:txFillClrLst>
+    <dgm:txEffectClrLst/>
+  </dgm:styleLbl>
+  <dgm:styleLbl name="callout">
+    <dgm:fillClrLst meth="repeat">
+      <a:schemeClr val="accent1"/>
+    </dgm:fillClrLst>
+    <dgm:linClrLst meth="repeat">
+      <a:schemeClr val="accent1">
+        <a:tint val="50000"/>
+      </a:schemeClr>
+    </dgm:linClrLst>
+    <dgm:effectClrLst/>
+    <dgm:txLinClrLst/>
+    <dgm:txFillClrLst meth="repeat">
+      <a:schemeClr val="tx1"/>
+    </dgm:txFillClrLst>
+    <dgm:txEffectClrLst/>
+  </dgm:styleLbl>
+  <dgm:styleLbl name="asst0">
+    <dgm:fillClrLst meth="repeat">
+      <a:schemeClr val="accent1"/>
+    </dgm:fillClrLst>
+    <dgm:linClrLst meth="repeat">
+      <a:schemeClr val="lt1"/>
+    </dgm:linClrLst>
+    <dgm:effectClrLst/>
+    <dgm:txLinClrLst/>
+    <dgm:txFillClrLst/>
+    <dgm:txEffectClrLst/>
+  </dgm:styleLbl>
+  <dgm:styleLbl name="asst1">
+    <dgm:fillClrLst meth="repeat">
+      <a:schemeClr val="accent1"/>
+    </dgm:fillClrLst>
+    <dgm:linClrLst meth="repeat">
+      <a:schemeClr val="lt1"/>
+    </dgm:linClrLst>
+    <dgm:effectClrLst/>
+    <dgm:txLinClrLst/>
+    <dgm:txFillClrLst/>
+    <dgm:txEffectClrLst/>
+  </dgm:styleLbl>
+  <dgm:styleLbl name="asst2">
+    <dgm:fillClrLst meth="repeat">
+      <a:schemeClr val="accent1"/>
+    </dgm:fillClrLst>
+    <dgm:linClrLst meth="repeat">
+      <a:schemeClr val="lt1"/>
+    </dgm:linClrLst>
+    <dgm:effectClrLst/>
+    <dgm:txLinClrLst/>
+    <dgm:txFillClrLst/>
+    <dgm:txEffectClrLst/>
+  </dgm:styleLbl>
+  <dgm:styleLbl name="asst3">
+    <dgm:fillClrLst meth="repeat">
+      <a:schemeClr val="accent1"/>
+    </dgm:fillClrLst>
+    <dgm:linClrLst meth="repeat">
+      <a:schemeClr val="lt1"/>
+    </dgm:linClrLst>
+    <dgm:effectClrLst/>
+    <dgm:txLinClrLst/>
+    <dgm:txFillClrLst/>
+    <dgm:txEffectClrLst/>
+  </dgm:styleLbl>
+  <dgm:styleLbl name="asst4">
+    <dgm:fillClrLst meth="repeat">
+      <a:schemeClr val="accent1"/>
+    </dgm:fillClrLst>
+    <dgm:linClrLst meth="repeat">
+      <a:schemeClr val="lt1"/>
+    </dgm:linClrLst>
+    <dgm:effectClrLst/>
+    <dgm:txLinClrLst/>
+    <dgm:txFillClrLst/>
+    <dgm:txEffectClrLst/>
+  </dgm:styleLbl>
+  <dgm:styleLbl name="parChTrans2D1">
+    <dgm:fillClrLst meth="repeat">
+      <a:schemeClr val="accent1">
+        <a:tint val="60000"/>
+      </a:schemeClr>
+    </dgm:fillClrLst>
+    <dgm:linClrLst meth="repeat">
+      <a:schemeClr val="accent1">
+        <a:tint val="60000"/>
+      </a:schemeClr>
+    </dgm:linClrLst>
+    <dgm:effectClrLst/>
+    <dgm:txLinClrLst/>
+    <dgm:txFillClrLst meth="repeat">
+      <a:schemeClr val="lt1"/>
+    </dgm:txFillClrLst>
+    <dgm:txEffectClrLst/>
+  </dgm:styleLbl>
+  <dgm:styleLbl name="parChTrans2D2">
+    <dgm:fillClrLst meth="repeat">
+      <a:schemeClr val="accent1"/>
+    </dgm:fillClrLst>
+    <dgm:linClrLst meth="repeat">
+      <a:schemeClr val="accent1"/>
+    </dgm:linClrLst>
+    <dgm:effectClrLst/>
+    <dgm:txLinClrLst/>
+    <dgm:txFillClrLst meth="repeat">
+      <a:schemeClr val="lt1"/>
+    </dgm:txFillClrLst>
+    <dgm:txEffectClrLst/>
+  </dgm:styleLbl>
+  <dgm:styleLbl name="parChTrans2D3">
+    <dgm:fillClrLst meth="repeat">
+      <a:schemeClr val="accent1"/>
+    </dgm:fillClrLst>
+    <dgm:linClrLst meth="repeat">
+      <a:schemeClr val="accent1"/>
+    </dgm:linClrLst>
+    <dgm:effectClrLst/>
+    <dgm:txLinClrLst/>
+    <dgm:txFillClrLst meth="repeat">
+      <a:schemeClr val="lt1"/>
+    </dgm:txFillClrLst>
+    <dgm:txEffectClrLst/>
+  </dgm:styleLbl>
+  <dgm:styleLbl name="parChTrans2D4">
+    <dgm:fillClrLst meth="repeat">
+      <a:schemeClr val="accent1"/>
+    </dgm:fillClrLst>
+    <dgm:linClrLst meth="repeat">
+      <a:schemeClr val="accent1"/>
+    </dgm:linClrLst>
+    <dgm:effectClrLst/>
+    <dgm:txLinClrLst/>
+    <dgm:txFillClrLst meth="repeat">
+      <a:schemeClr val="lt1"/>
+    </dgm:txFillClrLst>
+    <dgm:txEffectClrLst/>
+  </dgm:styleLbl>
+  <dgm:styleLbl name="parChTrans1D1">
+    <dgm:fillClrLst meth="repeat">
+      <a:schemeClr val="accent1"/>
+    </dgm:fillClrLst>
+    <dgm:linClrLst meth="repeat">
+      <a:schemeClr val="accent1">
+        <a:shade val="60000"/>
+      </a:schemeClr>
+    </dgm:linClrLst>
+    <dgm:effectClrLst/>
+    <dgm:txLinClrLst/>
+    <dgm:txFillClrLst meth="repeat">
+      <a:schemeClr val="tx1"/>
+    </dgm:txFillClrLst>
+    <dgm:txEffectClrLst/>
+  </dgm:styleLbl>
+  <dgm:styleLbl name="parChTrans1D2">
+    <dgm:fillClrLst meth="repeat">
+      <a:schemeClr val="accent1"/>
+    </dgm:fillClrLst>
+    <dgm:linClrLst meth="repeat">
+      <a:schemeClr val="accent1">
+        <a:shade val="60000"/>
+      </a:schemeClr>
+    </dgm:linClrLst>
+    <dgm:effectClrLst/>
+    <dgm:txLinClrLst/>
+    <dgm:txFillClrLst meth="repeat">
+      <a:schemeClr val="tx1"/>
+    </dgm:txFillClrLst>
+    <dgm:txEffectClrLst/>
+  </dgm:styleLbl>
+  <dgm:styleLbl name="parChTrans1D3">
+    <dgm:fillClrLst meth="repeat">
+      <a:schemeClr val="accent1"/>
+    </dgm:fillClrLst>
+    <dgm:linClrLst meth="repeat">
+      <a:schemeClr val="accent1">
+        <a:shade val="80000"/>
+      </a:schemeClr>
+    </dgm:linClrLst>
+    <dgm:effectClrLst/>
+    <dgm:txLinClrLst/>
+    <dgm:txFillClrLst meth="repeat">
+      <a:schemeClr val="tx1"/>
+    </dgm:txFillClrLst>
+    <dgm:txEffectClrLst/>
+  </dgm:styleLbl>
+  <dgm:styleLbl name="parChTrans1D4">
+    <dgm:fillClrLst meth="repeat">
+      <a:schemeClr val="accent1"/>
+    </dgm:fillClrLst>
+    <dgm:linClrLst meth="repeat">
+      <a:schemeClr val="accent1">
+        <a:shade val="80000"/>
+      </a:schemeClr>
+    </dgm:linClrLst>
+    <dgm:effectClrLst/>
+    <dgm:txLinClrLst/>
+    <dgm:txFillClrLst meth="repeat">
+      <a:schemeClr val="tx1"/>
+    </dgm:txFillClrLst>
+    <dgm:txEffectClrLst/>
+  </dgm:styleLbl>
+  <dgm:styleLbl name="fgAcc1">
+    <dgm:fillClrLst meth="repeat">
+      <a:schemeClr val="lt1">
+        <a:alpha val="90000"/>
+      </a:schemeClr>
+    </dgm:fillClrLst>
+    <dgm:linClrLst meth="repeat">
+      <a:schemeClr val="accent1"/>
+    </dgm:linClrLst>
+    <dgm:effectClrLst/>
+    <dgm:txLinClrLst/>
+    <dgm:txFillClrLst meth="repeat">
+      <a:schemeClr val="dk1"/>
+    </dgm:txFillClrLst>
+    <dgm:txEffectClrLst/>
+  </dgm:styleLbl>
+  <dgm:styleLbl name="conFgAcc1">
+    <dgm:fillClrLst meth="repeat">
+      <a:schemeClr val="lt1">
+        <a:alpha val="90000"/>
+      </a:schemeClr>
+    </dgm:fillClrLst>
+    <dgm:linClrLst meth="repeat">
+      <a:schemeClr val="accent1"/>
+    </dgm:linClrLst>
+    <dgm:effectClrLst/>
+    <dgm:txLinClrLst/>
+    <dgm:txFillClrLst meth="repeat">
+      <a:schemeClr val="dk1"/>
+    </dgm:txFillClrLst>
+    <dgm:txEffectClrLst/>
+  </dgm:styleLbl>
+  <dgm:styleLbl name="alignAcc1">
+    <dgm:fillClrLst meth="repeat">
+      <a:schemeClr val="lt1">
+        <a:alpha val="90000"/>
+      </a:schemeClr>
+    </dgm:fillClrLst>
+    <dgm:linClrLst meth="repeat">
+      <a:schemeClr val="accent1"/>
+    </dgm:linClrLst>
+    <dgm:effectClrLst/>
+    <dgm:txLinClrLst/>
+    <dgm:txFillClrLst meth="repeat">
+      <a:schemeClr val="dk1"/>
+    </dgm:txFillClrLst>
+    <dgm:txEffectClrLst/>
+  </dgm:styleLbl>
+  <dgm:styleLbl name="trAlignAcc1">
+    <dgm:fillClrLst meth="repeat">
+      <a:schemeClr val="lt1">
+        <a:alpha val="40000"/>
+      </a:schemeClr>
+    </dgm:fillClrLst>
+    <dgm:linClrLst meth="repeat">
+      <a:schemeClr val="accent1"/>
+    </dgm:linClrLst>
+    <dgm:effectClrLst/>
+    <dgm:txLinClrLst/>
+    <dgm:txFillClrLst meth="repeat">
+      <a:schemeClr val="dk1"/>
+    </dgm:txFillClrLst>
+    <dgm:txEffectClrLst/>
+  </dgm:styleLbl>
+  <dgm:styleLbl name="bgAcc1">
+    <dgm:fillClrLst meth="repeat">
+      <a:schemeClr val="lt1">
+        <a:alpha val="90000"/>
+      </a:schemeClr>
+    </dgm:fillClrLst>
+    <dgm:linClrLst meth="repeat">
+      <a:schemeClr val="accent1"/>
+    </dgm:linClrLst>
+    <dgm:effectClrLst/>
+    <dgm:txLinClrLst/>
+    <dgm:txFillClrLst meth="repeat">
+      <a:schemeClr val="dk1"/>
+    </dgm:txFillClrLst>
+    <dgm:txEffectClrLst/>
+  </dgm:styleLbl>
+  <dgm:styleLbl name="solidFgAcc1">
+    <dgm:fillClrLst meth="repeat">
+      <a:schemeClr val="lt1"/>
+    </dgm:fillClrLst>
+    <dgm:linClrLst meth="repeat">
+      <a:schemeClr val="accent1"/>
+    </dgm:linClrLst>
+    <dgm:effectClrLst/>
+    <dgm:txLinClrLst/>
+    <dgm:txFillClrLst meth="repeat">
+      <a:schemeClr val="dk1"/>
+    </dgm:txFillClrLst>
+    <dgm:txEffectClrLst/>
+  </dgm:styleLbl>
+  <dgm:styleLbl name="solidAlignAcc1">
+    <dgm:fillClrLst meth="repeat">
+      <a:schemeClr val="lt1"/>
+    </dgm:fillClrLst>
+    <dgm:linClrLst meth="repeat">
+      <a:schemeClr val="accent1"/>
+    </dgm:linClrLst>
+    <dgm:effectClrLst/>
+    <dgm:txLinClrLst/>
+    <dgm:txFillClrLst meth="repeat">
+      <a:schemeClr val="dk1"/>
+    </dgm:txFillClrLst>
+    <dgm:txEffectClrLst/>
+  </dgm:styleLbl>
+  <dgm:styleLbl name="solidBgAcc1">
+    <dgm:fillClrLst meth="repeat">
+      <a:schemeClr val="lt1"/>
+    </dgm:fillClrLst>
+    <dgm:linClrLst meth="repeat">
+      <a:schemeClr val="accent1"/>
+    </dgm:linClrLst>
+    <dgm:effectClrLst/>
+    <dgm:txLinClrLst/>
+    <dgm:txFillClrLst meth="repeat">
+      <a:schemeClr val="dk1"/>
+    </dgm:txFillClrLst>
+    <dgm:txEffectClrLst/>
+  </dgm:styleLbl>
+  <dgm:styleLbl name="fgAccFollowNode1">
+    <dgm:fillClrLst meth="repeat">
+      <a:schemeClr val="accent1">
+        <a:alpha val="90000"/>
+        <a:tint val="40000"/>
+      </a:schemeClr>
+    </dgm:fillClrLst>
+    <dgm:linClrLst meth="repeat">
+      <a:schemeClr val="accent1">
+        <a:alpha val="90000"/>
+        <a:tint val="40000"/>
+      </a:schemeClr>
+    </dgm:linClrLst>
+    <dgm:effectClrLst/>
+    <dgm:txLinClrLst/>
+    <dgm:txFillClrLst meth="repeat">
+      <a:schemeClr val="dk1"/>
+    </dgm:txFillClrLst>
+    <dgm:txEffectClrLst/>
+  </dgm:styleLbl>
+  <dgm:styleLbl name="alignAccFollowNode1">
+    <dgm:fillClrLst meth="repeat">
+      <a:schemeClr val="accent1">
+        <a:alpha val="90000"/>
+        <a:tint val="40000"/>
+      </a:schemeClr>
+    </dgm:fillClrLst>
+    <dgm:linClrLst meth="repeat">
+      <a:schemeClr val="accent1">
+        <a:alpha val="90000"/>
+        <a:tint val="40000"/>
+      </a:schemeClr>
+    </dgm:linClrLst>
+    <dgm:effectClrLst/>
+    <dgm:txLinClrLst/>
+    <dgm:txFillClrLst meth="repeat">
+      <a:schemeClr val="dk1"/>
+    </dgm:txFillClrLst>
+    <dgm:txEffectClrLst/>
+  </dgm:styleLbl>
+  <dgm:styleLbl name="bgAccFollowNode1">
+    <dgm:fillClrLst meth="repeat">
+      <a:schemeClr val="accent1">
+        <a:alpha val="90000"/>
+        <a:tint val="40000"/>
+      </a:schemeClr>
+    </dgm:fillClrLst>
+    <dgm:linClrLst meth="repeat">
+      <a:schemeClr val="accent1">
+        <a:alpha val="90000"/>
+        <a:tint val="40000"/>
+      </a:schemeClr>
+    </dgm:linClrLst>
+    <dgm:effectClrLst/>
+    <dgm:txLinClrLst/>
+    <dgm:txFillClrLst meth="repeat">
+      <a:schemeClr val="dk1"/>
+    </dgm:txFillClrLst>
+    <dgm:txEffectClrLst/>
+  </dgm:styleLbl>
+  <dgm:styleLbl name="fgAcc0">
+    <dgm:fillClrLst meth="repeat">
+      <a:schemeClr val="lt1">
+        <a:alpha val="90000"/>
+      </a:schemeClr>
+    </dgm:fillClrLst>
+    <dgm:linClrLst meth="repeat">
+      <a:schemeClr val="accent1"/>
+    </dgm:linClrLst>
+    <dgm:effectClrLst/>
+    <dgm:txLinClrLst/>
+    <dgm:txFillClrLst meth="repeat">
+      <a:schemeClr val="dk1"/>
+    </dgm:txFillClrLst>
+    <dgm:txEffectClrLst/>
+  </dgm:styleLbl>
+  <dgm:styleLbl name="fgAcc2">
+    <dgm:fillClrLst meth="repeat">
+      <a:schemeClr val="lt1">
+        <a:alpha val="90000"/>
+      </a:schemeClr>
+    </dgm:fillClrLst>
+    <dgm:linClrLst meth="repeat">
+      <a:schemeClr val="accent1"/>
+    </dgm:linClrLst>
+    <dgm:effectClrLst/>
+    <dgm:txLinClrLst/>
+    <dgm:txFillClrLst meth="repeat">
+      <a:schemeClr val="dk1"/>
+    </dgm:txFillClrLst>
+    <dgm:txEffectClrLst/>
+  </dgm:styleLbl>
+  <dgm:styleLbl name="fgAcc3">
+    <dgm:fillClrLst meth="repeat">
+      <a:schemeClr val="lt1">
+        <a:alpha val="90000"/>
+      </a:schemeClr>
+    </dgm:fillClrLst>
+    <dgm:linClrLst meth="repeat">
+      <a:schemeClr val="accent1"/>
+    </dgm:linClrLst>
+    <dgm:effectClrLst/>
+    <dgm:txLinClrLst/>
+    <dgm:txFillClrLst meth="repeat">
+      <a:schemeClr val="dk1"/>
+    </dgm:txFillClrLst>
+    <dgm:txEffectClrLst/>
+  </dgm:styleLbl>
+  <dgm:styleLbl name="fgAcc4">
+    <dgm:fillClrLst meth="repeat">
+      <a:schemeClr val="lt1">
+        <a:alpha val="90000"/>
+      </a:schemeClr>
+    </dgm:fillClrLst>
+    <dgm:linClrLst meth="repeat">
+      <a:schemeClr val="accent1"/>
+    </dgm:linClrLst>
+    <dgm:effectClrLst/>
+    <dgm:txLinClrLst/>
+    <dgm:txFillClrLst meth="repeat">
+      <a:schemeClr val="dk1"/>
+    </dgm:txFillClrLst>
+    <dgm:txEffectClrLst/>
+  </dgm:styleLbl>
+  <dgm:styleLbl name="bgShp">
+    <dgm:fillClrLst meth="repeat">
+      <a:schemeClr val="accent1">
+        <a:tint val="40000"/>
+      </a:schemeClr>
+    </dgm:fillClrLst>
+    <dgm:linClrLst meth="repeat">
+      <a:schemeClr val="accent1"/>
+    </dgm:linClrLst>
+    <dgm:effectClrLst/>
+    <dgm:txLinClrLst/>
+    <dgm:txFillClrLst meth="repeat">
+      <a:schemeClr val="dk1"/>
+    </dgm:txFillClrLst>
+    <dgm:txEffectClrLst/>
+  </dgm:styleLbl>
+  <dgm:styleLbl name="dkBgShp">
+    <dgm:fillClrLst meth="repeat">
+      <a:schemeClr val="accent1">
+        <a:shade val="80000"/>
+      </a:schemeClr>
+    </dgm:fillClrLst>
+    <dgm:linClrLst meth="repeat">
+      <a:schemeClr val="accent1"/>
+    </dgm:linClrLst>
+    <dgm:effectClrLst/>
+    <dgm:txLinClrLst/>
+    <dgm:txFillClrLst meth="repeat">
+      <a:schemeClr val="lt1"/>
+    </dgm:txFillClrLst>
+    <dgm:txEffectClrLst/>
+  </dgm:styleLbl>
+  <dgm:styleLbl name="trBgShp">
+    <dgm:fillClrLst meth="repeat">
+      <a:schemeClr val="accent1">
+        <a:tint val="50000"/>
+        <a:alpha val="40000"/>
+      </a:schemeClr>
+    </dgm:fillClrLst>
+    <dgm:linClrLst meth="repeat">
+      <a:schemeClr val="accent1"/>
+    </dgm:linClrLst>
+    <dgm:effectClrLst/>
+    <dgm:txLinClrLst/>
+    <dgm:txFillClrLst meth="repeat">
+      <a:schemeClr val="lt1"/>
+    </dgm:txFillClrLst>
+    <dgm:txEffectClrLst/>
+  </dgm:styleLbl>
+  <dgm:styleLbl name="fgShp">
+    <dgm:fillClrLst meth="repeat">
+      <a:schemeClr val="accent1">
+        <a:tint val="60000"/>
+      </a:schemeClr>
+    </dgm:fillClrLst>
+    <dgm:linClrLst meth="repeat">
+      <a:schemeClr val="lt1"/>
+    </dgm:linClrLst>
+    <dgm:effectClrLst/>
+    <dgm:txLinClrLst/>
+    <dgm:txFillClrLst meth="repeat">
+      <a:schemeClr val="dk1"/>
+    </dgm:txFillClrLst>
+    <dgm:txEffectClrLst/>
+  </dgm:styleLbl>
+  <dgm:styleLbl name="revTx">
+    <dgm:fillClrLst meth="repeat">
+      <a:schemeClr val="lt1">
+        <a:alpha val="0"/>
+      </a:schemeClr>
+    </dgm:fillClrLst>
+    <dgm:linClrLst meth="repeat">
+      <a:schemeClr val="dk1">
+        <a:alpha val="0"/>
+      </a:schemeClr>
+    </dgm:linClrLst>
+    <dgm:effectClrLst/>
+    <dgm:txLinClrLst/>
+    <dgm:txFillClrLst meth="repeat">
+      <a:schemeClr val="tx1"/>
+    </dgm:txFillClrLst>
+    <dgm:txEffectClrLst/>
+  </dgm:styleLbl>
+</dgm:colorsDef>
+</file>
+
+<file path=ppt/diagrams/colors4.xml><?xml version="1.0" encoding="utf-8"?>
 <dgm:colorsDef xmlns:dgm="http://schemas.openxmlformats.org/drawingml/2006/diagram" xmlns:a="http://schemas.openxmlformats.org/drawingml/2006/main" uniqueId="urn:microsoft.com/office/officeart/2005/8/colors/accent1_2">
   <dgm:title val=""/>
   <dgm:desc val=""/>
@@ -4396,6 +5149,411 @@
   <dgm:extLst>
     <a:ext uri="http://schemas.microsoft.com/office/drawing/2008/diagram">
       <dsp:dataModelExt xmlns:dsp="http://schemas.microsoft.com/office/drawing/2008/diagram" relId="rId7" minVer="http://schemas.openxmlformats.org/drawingml/2006/diagram"/>
+    </a:ext>
+  </dgm:extLst>
+</dgm:dataModel>
+</file>
+
+<file path=ppt/diagrams/data4.xml><?xml version="1.0" encoding="utf-8"?>
+<dgm:dataModel xmlns:dgm="http://schemas.openxmlformats.org/drawingml/2006/diagram" xmlns:a="http://schemas.openxmlformats.org/drawingml/2006/main">
+  <dgm:ptLst>
+    <dgm:pt modelId="{2B47A0F6-2FA9-4E38-92B1-C3E8A98B4554}" type="doc">
+      <dgm:prSet loTypeId="urn:microsoft.com/office/officeart/2008/layout/LinedList" loCatId="list" qsTypeId="urn:microsoft.com/office/officeart/2005/8/quickstyle/simple1" qsCatId="simple" csTypeId="urn:microsoft.com/office/officeart/2005/8/colors/accent1_2" csCatId="accent1" phldr="1"/>
+      <dgm:spPr/>
+      <dgm:t>
+        <a:bodyPr/>
+        <a:lstStyle/>
+        <a:p>
+          <a:endParaRPr lang="pt-BR"/>
+        </a:p>
+      </dgm:t>
+    </dgm:pt>
+    <dgm:pt modelId="{F88669E7-B2DA-43C1-96F7-80C019362A2F}">
+      <dgm:prSet phldrT="[Texto]" phldr="0"/>
+      <dgm:spPr/>
+      <dgm:t>
+        <a:bodyPr/>
+        <a:lstStyle/>
+        <a:p>
+          <a:endParaRPr lang="pt-BR" dirty="0"/>
+        </a:p>
+      </dgm:t>
+    </dgm:pt>
+    <dgm:pt modelId="{A754D644-063D-4236-A725-7A09329FA73A}" type="parTrans" cxnId="{AD3264AD-E826-4C32-96F8-7F5981ABD94D}">
+      <dgm:prSet/>
+      <dgm:spPr/>
+      <dgm:t>
+        <a:bodyPr/>
+        <a:lstStyle/>
+        <a:p>
+          <a:endParaRPr lang="pt-BR"/>
+        </a:p>
+      </dgm:t>
+    </dgm:pt>
+    <dgm:pt modelId="{F9BEED6F-4010-416F-8FA6-7E2449FAE764}" type="sibTrans" cxnId="{AD3264AD-E826-4C32-96F8-7F5981ABD94D}">
+      <dgm:prSet/>
+      <dgm:spPr/>
+      <dgm:t>
+        <a:bodyPr/>
+        <a:lstStyle/>
+        <a:p>
+          <a:endParaRPr lang="pt-BR"/>
+        </a:p>
+      </dgm:t>
+    </dgm:pt>
+    <dgm:pt modelId="{8FD80590-C7F5-4A74-8527-68E46442DBA6}">
+      <dgm:prSet phldrT="[Texto]" phldr="0"/>
+      <dgm:spPr/>
+      <dgm:t>
+        <a:bodyPr/>
+        <a:lstStyle/>
+        <a:p>
+          <a:r>
+            <a:rPr lang="pt-BR" dirty="0"/>
+            <a:t>Balanceamento de Classes (</a:t>
+          </a:r>
+          <a:r>
+            <a:rPr lang="pt-BR" dirty="0" err="1"/>
+            <a:t>Classification</a:t>
+          </a:r>
+          <a:r>
+            <a:rPr lang="pt-BR" dirty="0"/>
+            <a:t>). </a:t>
+          </a:r>
+          <a:r>
+            <a:rPr lang="pt-BR" dirty="0" err="1"/>
+            <a:t>Ex</a:t>
+          </a:r>
+          <a:r>
+            <a:rPr lang="pt-BR" dirty="0"/>
+            <a:t>: </a:t>
+          </a:r>
+          <a:r>
+            <a:rPr lang="pt-BR" b="0" i="0" dirty="0"/>
+            <a:t>SMOTE</a:t>
+          </a:r>
+          <a:endParaRPr lang="pt-BR" dirty="0"/>
+        </a:p>
+      </dgm:t>
+    </dgm:pt>
+    <dgm:pt modelId="{598C9AFE-A681-46D2-B201-ADA7AAA6C7E5}" type="parTrans" cxnId="{FCEEDF47-21EC-4B81-BFAF-BCA7498E9558}">
+      <dgm:prSet/>
+      <dgm:spPr/>
+      <dgm:t>
+        <a:bodyPr/>
+        <a:lstStyle/>
+        <a:p>
+          <a:endParaRPr lang="pt-BR"/>
+        </a:p>
+      </dgm:t>
+    </dgm:pt>
+    <dgm:pt modelId="{E667067B-90E1-436A-A841-F2835B0E74E0}" type="sibTrans" cxnId="{FCEEDF47-21EC-4B81-BFAF-BCA7498E9558}">
+      <dgm:prSet/>
+      <dgm:spPr/>
+      <dgm:t>
+        <a:bodyPr/>
+        <a:lstStyle/>
+        <a:p>
+          <a:endParaRPr lang="pt-BR"/>
+        </a:p>
+      </dgm:t>
+    </dgm:pt>
+    <dgm:pt modelId="{1EA4C1D9-FCE4-495F-B2EF-CDACE3F4BA9B}">
+      <dgm:prSet phldrT="[Texto]" phldr="0"/>
+      <dgm:spPr/>
+      <dgm:t>
+        <a:bodyPr/>
+        <a:lstStyle/>
+        <a:p>
+          <a:r>
+            <a:rPr lang="pt-BR" dirty="0"/>
+            <a:t>Avaliar efeito de maior período da janela das métricas (Features). </a:t>
+          </a:r>
+          <a:r>
+            <a:rPr lang="pt-BR" dirty="0" err="1"/>
+            <a:t>Ex</a:t>
+          </a:r>
+          <a:r>
+            <a:rPr lang="pt-BR" dirty="0"/>
+            <a:t>: </a:t>
+          </a:r>
+          <a:r>
+            <a:rPr lang="pt-BR" b="0" i="0" dirty="0"/>
+            <a:t>SMOTE</a:t>
+          </a:r>
+          <a:endParaRPr lang="pt-BR" b="0" dirty="0"/>
+        </a:p>
+      </dgm:t>
+    </dgm:pt>
+    <dgm:pt modelId="{39FF6ABC-35B0-49C9-A76C-633D3867EC8A}" type="parTrans" cxnId="{AFAEA735-FC10-4FFD-93C1-2F186FE8E37A}">
+      <dgm:prSet/>
+      <dgm:spPr/>
+      <dgm:t>
+        <a:bodyPr/>
+        <a:lstStyle/>
+        <a:p>
+          <a:endParaRPr lang="pt-BR"/>
+        </a:p>
+      </dgm:t>
+    </dgm:pt>
+    <dgm:pt modelId="{6E491550-9C97-4A4B-8A31-3B95760C8D42}" type="sibTrans" cxnId="{AFAEA735-FC10-4FFD-93C1-2F186FE8E37A}">
+      <dgm:prSet/>
+      <dgm:spPr/>
+      <dgm:t>
+        <a:bodyPr/>
+        <a:lstStyle/>
+        <a:p>
+          <a:endParaRPr lang="pt-BR"/>
+        </a:p>
+      </dgm:t>
+    </dgm:pt>
+    <dgm:pt modelId="{380FA72A-CE5E-4EB9-AB78-3B8058B6E10D}">
+      <dgm:prSet phldrT="[Texto]" phldr="0"/>
+      <dgm:spPr/>
+      <dgm:t>
+        <a:bodyPr/>
+        <a:lstStyle/>
+        <a:p>
+          <a:r>
+            <a:rPr lang="pt-BR"/>
+            <a:t>Utilizar a predição de RUL na Classificação. Ou, usar a predição de Classificação na predição de RUL</a:t>
+          </a:r>
+          <a:endParaRPr lang="pt-BR" dirty="0"/>
+        </a:p>
+      </dgm:t>
+    </dgm:pt>
+    <dgm:pt modelId="{7D87C63D-4781-4451-8E17-A3EB2976DE31}" type="parTrans" cxnId="{43463CF1-E9FC-464B-88D0-3A4D039A4825}">
+      <dgm:prSet/>
+      <dgm:spPr/>
+      <dgm:t>
+        <a:bodyPr/>
+        <a:lstStyle/>
+        <a:p>
+          <a:endParaRPr lang="pt-BR"/>
+        </a:p>
+      </dgm:t>
+    </dgm:pt>
+    <dgm:pt modelId="{394271DA-C6FC-4513-868E-5585A5BAF07D}" type="sibTrans" cxnId="{43463CF1-E9FC-464B-88D0-3A4D039A4825}">
+      <dgm:prSet/>
+      <dgm:spPr/>
+      <dgm:t>
+        <a:bodyPr/>
+        <a:lstStyle/>
+        <a:p>
+          <a:endParaRPr lang="pt-BR"/>
+        </a:p>
+      </dgm:t>
+    </dgm:pt>
+    <dgm:pt modelId="{4FFEFBD0-DA44-4820-BAC3-0FD599CDFD81}">
+      <dgm:prSet phldrT="[Texto]" phldr="0"/>
+      <dgm:spPr/>
+      <dgm:t>
+        <a:bodyPr/>
+        <a:lstStyle/>
+        <a:p>
+          <a:r>
+            <a:rPr lang="pt-BR" b="1" i="0" dirty="0"/>
+            <a:t>SMOTE</a:t>
+          </a:r>
+          <a:endParaRPr lang="pt-BR" dirty="0"/>
+        </a:p>
+        <a:p>
+          <a:r>
+            <a:rPr lang="pt-BR" dirty="0">
+              <a:hlinkClick xmlns:r="http://schemas.openxmlformats.org/officeDocument/2006/relationships" r:id="rId1"/>
+            </a:rPr>
+            <a:t>https://imbalanced-learn.org/stable/references/generated/imblearn.over_sampling.SMOTE.html</a:t>
+          </a:r>
+          <a:endParaRPr lang="pt-BR" dirty="0"/>
+        </a:p>
+      </dgm:t>
+    </dgm:pt>
+    <dgm:pt modelId="{B920231F-0EAF-403E-B46C-56E3AA7565C1}" type="parTrans" cxnId="{6F9589CB-7EB3-4964-8040-2D76F9512A48}">
+      <dgm:prSet/>
+      <dgm:spPr/>
+      <dgm:t>
+        <a:bodyPr/>
+        <a:lstStyle/>
+        <a:p>
+          <a:endParaRPr lang="pt-BR"/>
+        </a:p>
+      </dgm:t>
+    </dgm:pt>
+    <dgm:pt modelId="{E45A2274-F101-424E-B38C-3968A8A2B4CD}" type="sibTrans" cxnId="{6F9589CB-7EB3-4964-8040-2D76F9512A48}">
+      <dgm:prSet/>
+      <dgm:spPr/>
+      <dgm:t>
+        <a:bodyPr/>
+        <a:lstStyle/>
+        <a:p>
+          <a:endParaRPr lang="pt-BR"/>
+        </a:p>
+      </dgm:t>
+    </dgm:pt>
+    <dgm:pt modelId="{79C58CD1-7250-4B23-84BE-58728D5DCBA7}" type="pres">
+      <dgm:prSet presAssocID="{2B47A0F6-2FA9-4E38-92B1-C3E8A98B4554}" presName="vert0" presStyleCnt="0">
+        <dgm:presLayoutVars>
+          <dgm:dir/>
+          <dgm:animOne val="branch"/>
+          <dgm:animLvl val="lvl"/>
+        </dgm:presLayoutVars>
+      </dgm:prSet>
+      <dgm:spPr/>
+    </dgm:pt>
+    <dgm:pt modelId="{3F3DB835-D83C-46F0-A0FE-8678B5162E69}" type="pres">
+      <dgm:prSet presAssocID="{F88669E7-B2DA-43C1-96F7-80C019362A2F}" presName="thickLine" presStyleLbl="alignNode1" presStyleIdx="0" presStyleCnt="1"/>
+      <dgm:spPr/>
+    </dgm:pt>
+    <dgm:pt modelId="{03E717AE-6428-475A-BD44-13336F0EB902}" type="pres">
+      <dgm:prSet presAssocID="{F88669E7-B2DA-43C1-96F7-80C019362A2F}" presName="horz1" presStyleCnt="0"/>
+      <dgm:spPr/>
+    </dgm:pt>
+    <dgm:pt modelId="{BF2EAB99-B567-4A28-99AC-3C590E2D1025}" type="pres">
+      <dgm:prSet presAssocID="{F88669E7-B2DA-43C1-96F7-80C019362A2F}" presName="tx1" presStyleLbl="revTx" presStyleIdx="0" presStyleCnt="5"/>
+      <dgm:spPr/>
+    </dgm:pt>
+    <dgm:pt modelId="{9F8BF901-1E74-425C-9566-0E97F4ED3F55}" type="pres">
+      <dgm:prSet presAssocID="{F88669E7-B2DA-43C1-96F7-80C019362A2F}" presName="vert1" presStyleCnt="0"/>
+      <dgm:spPr/>
+    </dgm:pt>
+    <dgm:pt modelId="{F11056D6-1173-4F12-BD37-CBF09C4B205F}" type="pres">
+      <dgm:prSet presAssocID="{8FD80590-C7F5-4A74-8527-68E46442DBA6}" presName="vertSpace2a" presStyleCnt="0"/>
+      <dgm:spPr/>
+    </dgm:pt>
+    <dgm:pt modelId="{59B6652F-3A4D-44C7-ACDB-1CC30D1ACC6F}" type="pres">
+      <dgm:prSet presAssocID="{8FD80590-C7F5-4A74-8527-68E46442DBA6}" presName="horz2" presStyleCnt="0"/>
+      <dgm:spPr/>
+    </dgm:pt>
+    <dgm:pt modelId="{3967E957-30E0-46FF-A80A-9B575F7D71BA}" type="pres">
+      <dgm:prSet presAssocID="{8FD80590-C7F5-4A74-8527-68E46442DBA6}" presName="horzSpace2" presStyleCnt="0"/>
+      <dgm:spPr/>
+    </dgm:pt>
+    <dgm:pt modelId="{369B4105-D366-4D35-9F94-ACC9A0DFC354}" type="pres">
+      <dgm:prSet presAssocID="{8FD80590-C7F5-4A74-8527-68E46442DBA6}" presName="tx2" presStyleLbl="revTx" presStyleIdx="1" presStyleCnt="5"/>
+      <dgm:spPr/>
+    </dgm:pt>
+    <dgm:pt modelId="{FF92AC22-93CF-4574-92E4-095C0763385A}" type="pres">
+      <dgm:prSet presAssocID="{8FD80590-C7F5-4A74-8527-68E46442DBA6}" presName="vert2" presStyleCnt="0"/>
+      <dgm:spPr/>
+    </dgm:pt>
+    <dgm:pt modelId="{EBFB311D-2956-4543-B497-07A19D20933B}" type="pres">
+      <dgm:prSet presAssocID="{4FFEFBD0-DA44-4820-BAC3-0FD599CDFD81}" presName="horz3" presStyleCnt="0"/>
+      <dgm:spPr/>
+    </dgm:pt>
+    <dgm:pt modelId="{F48553B4-FCC6-4DEA-A730-8AFEB7FAB3A0}" type="pres">
+      <dgm:prSet presAssocID="{4FFEFBD0-DA44-4820-BAC3-0FD599CDFD81}" presName="horzSpace3" presStyleCnt="0"/>
+      <dgm:spPr/>
+    </dgm:pt>
+    <dgm:pt modelId="{CB83673F-1DFB-48D7-81B4-3DB80EC4AD16}" type="pres">
+      <dgm:prSet presAssocID="{4FFEFBD0-DA44-4820-BAC3-0FD599CDFD81}" presName="tx3" presStyleLbl="revTx" presStyleIdx="2" presStyleCnt="5"/>
+      <dgm:spPr/>
+    </dgm:pt>
+    <dgm:pt modelId="{78414064-C041-426F-8FC9-8BDD671A5A3D}" type="pres">
+      <dgm:prSet presAssocID="{4FFEFBD0-DA44-4820-BAC3-0FD599CDFD81}" presName="vert3" presStyleCnt="0"/>
+      <dgm:spPr/>
+    </dgm:pt>
+    <dgm:pt modelId="{427DBE3D-EC07-487F-BEA1-08E593943B3B}" type="pres">
+      <dgm:prSet presAssocID="{8FD80590-C7F5-4A74-8527-68E46442DBA6}" presName="thinLine2b" presStyleLbl="callout" presStyleIdx="0" presStyleCnt="3"/>
+      <dgm:spPr/>
+    </dgm:pt>
+    <dgm:pt modelId="{7756514A-571B-40E8-9BE3-25A7DB17B776}" type="pres">
+      <dgm:prSet presAssocID="{8FD80590-C7F5-4A74-8527-68E46442DBA6}" presName="vertSpace2b" presStyleCnt="0"/>
+      <dgm:spPr/>
+    </dgm:pt>
+    <dgm:pt modelId="{53E12393-2BA7-4127-AB4B-1FB1ECC2F21E}" type="pres">
+      <dgm:prSet presAssocID="{1EA4C1D9-FCE4-495F-B2EF-CDACE3F4BA9B}" presName="horz2" presStyleCnt="0"/>
+      <dgm:spPr/>
+    </dgm:pt>
+    <dgm:pt modelId="{757A12FA-6D70-4B51-9648-5330D258CB2D}" type="pres">
+      <dgm:prSet presAssocID="{1EA4C1D9-FCE4-495F-B2EF-CDACE3F4BA9B}" presName="horzSpace2" presStyleCnt="0"/>
+      <dgm:spPr/>
+    </dgm:pt>
+    <dgm:pt modelId="{A5F3EBC6-324B-4A26-A5E2-3F33A6F46762}" type="pres">
+      <dgm:prSet presAssocID="{1EA4C1D9-FCE4-495F-B2EF-CDACE3F4BA9B}" presName="tx2" presStyleLbl="revTx" presStyleIdx="3" presStyleCnt="5"/>
+      <dgm:spPr/>
+    </dgm:pt>
+    <dgm:pt modelId="{0694889A-5E47-44DA-B3EE-F88293584B65}" type="pres">
+      <dgm:prSet presAssocID="{1EA4C1D9-FCE4-495F-B2EF-CDACE3F4BA9B}" presName="vert2" presStyleCnt="0"/>
+      <dgm:spPr/>
+    </dgm:pt>
+    <dgm:pt modelId="{CA427285-019A-471E-B1B3-723ECBF1E5B0}" type="pres">
+      <dgm:prSet presAssocID="{1EA4C1D9-FCE4-495F-B2EF-CDACE3F4BA9B}" presName="thinLine2b" presStyleLbl="callout" presStyleIdx="1" presStyleCnt="3"/>
+      <dgm:spPr/>
+    </dgm:pt>
+    <dgm:pt modelId="{147F88FE-2133-459A-8A75-F7367F1AADAC}" type="pres">
+      <dgm:prSet presAssocID="{1EA4C1D9-FCE4-495F-B2EF-CDACE3F4BA9B}" presName="vertSpace2b" presStyleCnt="0"/>
+      <dgm:spPr/>
+    </dgm:pt>
+    <dgm:pt modelId="{0EF4E7CC-9102-484E-924E-06ECE1CDA8F7}" type="pres">
+      <dgm:prSet presAssocID="{380FA72A-CE5E-4EB9-AB78-3B8058B6E10D}" presName="horz2" presStyleCnt="0"/>
+      <dgm:spPr/>
+    </dgm:pt>
+    <dgm:pt modelId="{CF0E0724-B2B6-4B4D-97FE-339C7B622870}" type="pres">
+      <dgm:prSet presAssocID="{380FA72A-CE5E-4EB9-AB78-3B8058B6E10D}" presName="horzSpace2" presStyleCnt="0"/>
+      <dgm:spPr/>
+    </dgm:pt>
+    <dgm:pt modelId="{AA1BFEBE-EE3F-4BB6-897F-6CE57540A494}" type="pres">
+      <dgm:prSet presAssocID="{380FA72A-CE5E-4EB9-AB78-3B8058B6E10D}" presName="tx2" presStyleLbl="revTx" presStyleIdx="4" presStyleCnt="5"/>
+      <dgm:spPr/>
+    </dgm:pt>
+    <dgm:pt modelId="{B11AF4AC-9203-43AF-BD9F-6548B6344B16}" type="pres">
+      <dgm:prSet presAssocID="{380FA72A-CE5E-4EB9-AB78-3B8058B6E10D}" presName="vert2" presStyleCnt="0"/>
+      <dgm:spPr/>
+    </dgm:pt>
+    <dgm:pt modelId="{523F9227-928A-4DDF-B36A-C1C5755590BD}" type="pres">
+      <dgm:prSet presAssocID="{380FA72A-CE5E-4EB9-AB78-3B8058B6E10D}" presName="thinLine2b" presStyleLbl="callout" presStyleIdx="2" presStyleCnt="3"/>
+      <dgm:spPr/>
+    </dgm:pt>
+    <dgm:pt modelId="{44AE5FAF-3182-40F3-AD3F-F21A6E8E94E4}" type="pres">
+      <dgm:prSet presAssocID="{380FA72A-CE5E-4EB9-AB78-3B8058B6E10D}" presName="vertSpace2b" presStyleCnt="0"/>
+      <dgm:spPr/>
+    </dgm:pt>
+  </dgm:ptLst>
+  <dgm:cxnLst>
+    <dgm:cxn modelId="{AFAEA735-FC10-4FFD-93C1-2F186FE8E37A}" srcId="{F88669E7-B2DA-43C1-96F7-80C019362A2F}" destId="{1EA4C1D9-FCE4-495F-B2EF-CDACE3F4BA9B}" srcOrd="1" destOrd="0" parTransId="{39FF6ABC-35B0-49C9-A76C-633D3867EC8A}" sibTransId="{6E491550-9C97-4A4B-8A31-3B95760C8D42}"/>
+    <dgm:cxn modelId="{7EA64B65-CBD3-4B2B-ADFD-2E323B0819D1}" type="presOf" srcId="{F88669E7-B2DA-43C1-96F7-80C019362A2F}" destId="{BF2EAB99-B567-4A28-99AC-3C590E2D1025}" srcOrd="0" destOrd="0" presId="urn:microsoft.com/office/officeart/2008/layout/LinedList"/>
+    <dgm:cxn modelId="{FCEEDF47-21EC-4B81-BFAF-BCA7498E9558}" srcId="{F88669E7-B2DA-43C1-96F7-80C019362A2F}" destId="{8FD80590-C7F5-4A74-8527-68E46442DBA6}" srcOrd="0" destOrd="0" parTransId="{598C9AFE-A681-46D2-B201-ADA7AAA6C7E5}" sibTransId="{E667067B-90E1-436A-A841-F2835B0E74E0}"/>
+    <dgm:cxn modelId="{3246C157-DC37-4227-A3D1-F1F1FD512867}" type="presOf" srcId="{380FA72A-CE5E-4EB9-AB78-3B8058B6E10D}" destId="{AA1BFEBE-EE3F-4BB6-897F-6CE57540A494}" srcOrd="0" destOrd="0" presId="urn:microsoft.com/office/officeart/2008/layout/LinedList"/>
+    <dgm:cxn modelId="{023FE48A-AFCA-40E8-929E-F1276C8EBEE5}" type="presOf" srcId="{4FFEFBD0-DA44-4820-BAC3-0FD599CDFD81}" destId="{CB83673F-1DFB-48D7-81B4-3DB80EC4AD16}" srcOrd="0" destOrd="0" presId="urn:microsoft.com/office/officeart/2008/layout/LinedList"/>
+    <dgm:cxn modelId="{AD3264AD-E826-4C32-96F8-7F5981ABD94D}" srcId="{2B47A0F6-2FA9-4E38-92B1-C3E8A98B4554}" destId="{F88669E7-B2DA-43C1-96F7-80C019362A2F}" srcOrd="0" destOrd="0" parTransId="{A754D644-063D-4236-A725-7A09329FA73A}" sibTransId="{F9BEED6F-4010-416F-8FA6-7E2449FAE764}"/>
+    <dgm:cxn modelId="{CFFAA3B9-4608-4073-9172-2EBBE74F6D48}" type="presOf" srcId="{1EA4C1D9-FCE4-495F-B2EF-CDACE3F4BA9B}" destId="{A5F3EBC6-324B-4A26-A5E2-3F33A6F46762}" srcOrd="0" destOrd="0" presId="urn:microsoft.com/office/officeart/2008/layout/LinedList"/>
+    <dgm:cxn modelId="{650EB4C5-6872-49CF-9AC6-B0F7E6C51A8C}" type="presOf" srcId="{8FD80590-C7F5-4A74-8527-68E46442DBA6}" destId="{369B4105-D366-4D35-9F94-ACC9A0DFC354}" srcOrd="0" destOrd="0" presId="urn:microsoft.com/office/officeart/2008/layout/LinedList"/>
+    <dgm:cxn modelId="{6F9589CB-7EB3-4964-8040-2D76F9512A48}" srcId="{8FD80590-C7F5-4A74-8527-68E46442DBA6}" destId="{4FFEFBD0-DA44-4820-BAC3-0FD599CDFD81}" srcOrd="0" destOrd="0" parTransId="{B920231F-0EAF-403E-B46C-56E3AA7565C1}" sibTransId="{E45A2274-F101-424E-B38C-3968A8A2B4CD}"/>
+    <dgm:cxn modelId="{43463CF1-E9FC-464B-88D0-3A4D039A4825}" srcId="{F88669E7-B2DA-43C1-96F7-80C019362A2F}" destId="{380FA72A-CE5E-4EB9-AB78-3B8058B6E10D}" srcOrd="2" destOrd="0" parTransId="{7D87C63D-4781-4451-8E17-A3EB2976DE31}" sibTransId="{394271DA-C6FC-4513-868E-5585A5BAF07D}"/>
+    <dgm:cxn modelId="{CF8CB0F3-8981-410A-A2DF-23D6C5012303}" type="presOf" srcId="{2B47A0F6-2FA9-4E38-92B1-C3E8A98B4554}" destId="{79C58CD1-7250-4B23-84BE-58728D5DCBA7}" srcOrd="0" destOrd="0" presId="urn:microsoft.com/office/officeart/2008/layout/LinedList"/>
+    <dgm:cxn modelId="{17BEA444-5F5B-4ABF-860F-3A91A57FDB1D}" type="presParOf" srcId="{79C58CD1-7250-4B23-84BE-58728D5DCBA7}" destId="{3F3DB835-D83C-46F0-A0FE-8678B5162E69}" srcOrd="0" destOrd="0" presId="urn:microsoft.com/office/officeart/2008/layout/LinedList"/>
+    <dgm:cxn modelId="{6A9BFD74-A47B-48C6-8F7E-6A48CB0B1295}" type="presParOf" srcId="{79C58CD1-7250-4B23-84BE-58728D5DCBA7}" destId="{03E717AE-6428-475A-BD44-13336F0EB902}" srcOrd="1" destOrd="0" presId="urn:microsoft.com/office/officeart/2008/layout/LinedList"/>
+    <dgm:cxn modelId="{B06D78A1-99DA-4791-AABB-3ECA43BCC7EB}" type="presParOf" srcId="{03E717AE-6428-475A-BD44-13336F0EB902}" destId="{BF2EAB99-B567-4A28-99AC-3C590E2D1025}" srcOrd="0" destOrd="0" presId="urn:microsoft.com/office/officeart/2008/layout/LinedList"/>
+    <dgm:cxn modelId="{44F34163-2655-4423-A96D-33D81D03A989}" type="presParOf" srcId="{03E717AE-6428-475A-BD44-13336F0EB902}" destId="{9F8BF901-1E74-425C-9566-0E97F4ED3F55}" srcOrd="1" destOrd="0" presId="urn:microsoft.com/office/officeart/2008/layout/LinedList"/>
+    <dgm:cxn modelId="{E08F6A7A-9CA1-4A11-AF99-187C8B9F1ABF}" type="presParOf" srcId="{9F8BF901-1E74-425C-9566-0E97F4ED3F55}" destId="{F11056D6-1173-4F12-BD37-CBF09C4B205F}" srcOrd="0" destOrd="0" presId="urn:microsoft.com/office/officeart/2008/layout/LinedList"/>
+    <dgm:cxn modelId="{52B47E8C-481D-427E-B367-9B6081C9E06C}" type="presParOf" srcId="{9F8BF901-1E74-425C-9566-0E97F4ED3F55}" destId="{59B6652F-3A4D-44C7-ACDB-1CC30D1ACC6F}" srcOrd="1" destOrd="0" presId="urn:microsoft.com/office/officeart/2008/layout/LinedList"/>
+    <dgm:cxn modelId="{44FF4827-B999-49C7-A519-F7AA496B9C2F}" type="presParOf" srcId="{59B6652F-3A4D-44C7-ACDB-1CC30D1ACC6F}" destId="{3967E957-30E0-46FF-A80A-9B575F7D71BA}" srcOrd="0" destOrd="0" presId="urn:microsoft.com/office/officeart/2008/layout/LinedList"/>
+    <dgm:cxn modelId="{46A27020-BFF5-4472-B56C-6F4E93A518FA}" type="presParOf" srcId="{59B6652F-3A4D-44C7-ACDB-1CC30D1ACC6F}" destId="{369B4105-D366-4D35-9F94-ACC9A0DFC354}" srcOrd="1" destOrd="0" presId="urn:microsoft.com/office/officeart/2008/layout/LinedList"/>
+    <dgm:cxn modelId="{2C445C9A-0615-4BE4-A774-A288847CC4FA}" type="presParOf" srcId="{59B6652F-3A4D-44C7-ACDB-1CC30D1ACC6F}" destId="{FF92AC22-93CF-4574-92E4-095C0763385A}" srcOrd="2" destOrd="0" presId="urn:microsoft.com/office/officeart/2008/layout/LinedList"/>
+    <dgm:cxn modelId="{BA65F73C-062F-4D1E-9318-C98EA44090AC}" type="presParOf" srcId="{FF92AC22-93CF-4574-92E4-095C0763385A}" destId="{EBFB311D-2956-4543-B497-07A19D20933B}" srcOrd="0" destOrd="0" presId="urn:microsoft.com/office/officeart/2008/layout/LinedList"/>
+    <dgm:cxn modelId="{7DED017F-EDFE-4767-A494-6AE2F323D6EC}" type="presParOf" srcId="{EBFB311D-2956-4543-B497-07A19D20933B}" destId="{F48553B4-FCC6-4DEA-A730-8AFEB7FAB3A0}" srcOrd="0" destOrd="0" presId="urn:microsoft.com/office/officeart/2008/layout/LinedList"/>
+    <dgm:cxn modelId="{DCBDBF58-CE37-49FE-9341-A3A33B644E3E}" type="presParOf" srcId="{EBFB311D-2956-4543-B497-07A19D20933B}" destId="{CB83673F-1DFB-48D7-81B4-3DB80EC4AD16}" srcOrd="1" destOrd="0" presId="urn:microsoft.com/office/officeart/2008/layout/LinedList"/>
+    <dgm:cxn modelId="{18F1E8B7-06E0-4ACC-B38A-AE7C0C24B170}" type="presParOf" srcId="{EBFB311D-2956-4543-B497-07A19D20933B}" destId="{78414064-C041-426F-8FC9-8BDD671A5A3D}" srcOrd="2" destOrd="0" presId="urn:microsoft.com/office/officeart/2008/layout/LinedList"/>
+    <dgm:cxn modelId="{B30C12EB-F922-4BDC-A993-2B1C96A1D852}" type="presParOf" srcId="{9F8BF901-1E74-425C-9566-0E97F4ED3F55}" destId="{427DBE3D-EC07-487F-BEA1-08E593943B3B}" srcOrd="2" destOrd="0" presId="urn:microsoft.com/office/officeart/2008/layout/LinedList"/>
+    <dgm:cxn modelId="{585A3131-0C2B-4517-8B9B-61BB730082B3}" type="presParOf" srcId="{9F8BF901-1E74-425C-9566-0E97F4ED3F55}" destId="{7756514A-571B-40E8-9BE3-25A7DB17B776}" srcOrd="3" destOrd="0" presId="urn:microsoft.com/office/officeart/2008/layout/LinedList"/>
+    <dgm:cxn modelId="{A17DAB44-144A-4E05-974F-5A9337D4388B}" type="presParOf" srcId="{9F8BF901-1E74-425C-9566-0E97F4ED3F55}" destId="{53E12393-2BA7-4127-AB4B-1FB1ECC2F21E}" srcOrd="4" destOrd="0" presId="urn:microsoft.com/office/officeart/2008/layout/LinedList"/>
+    <dgm:cxn modelId="{37D270D9-9ED8-4093-9EC4-3421FEEC8BA2}" type="presParOf" srcId="{53E12393-2BA7-4127-AB4B-1FB1ECC2F21E}" destId="{757A12FA-6D70-4B51-9648-5330D258CB2D}" srcOrd="0" destOrd="0" presId="urn:microsoft.com/office/officeart/2008/layout/LinedList"/>
+    <dgm:cxn modelId="{9846D5B1-B4B8-428F-8ADE-66723FD1A212}" type="presParOf" srcId="{53E12393-2BA7-4127-AB4B-1FB1ECC2F21E}" destId="{A5F3EBC6-324B-4A26-A5E2-3F33A6F46762}" srcOrd="1" destOrd="0" presId="urn:microsoft.com/office/officeart/2008/layout/LinedList"/>
+    <dgm:cxn modelId="{58646523-F8F4-4777-81F7-0EDA1EB935D3}" type="presParOf" srcId="{53E12393-2BA7-4127-AB4B-1FB1ECC2F21E}" destId="{0694889A-5E47-44DA-B3EE-F88293584B65}" srcOrd="2" destOrd="0" presId="urn:microsoft.com/office/officeart/2008/layout/LinedList"/>
+    <dgm:cxn modelId="{649D28AD-234C-48D5-BFF0-B94F4330C668}" type="presParOf" srcId="{9F8BF901-1E74-425C-9566-0E97F4ED3F55}" destId="{CA427285-019A-471E-B1B3-723ECBF1E5B0}" srcOrd="5" destOrd="0" presId="urn:microsoft.com/office/officeart/2008/layout/LinedList"/>
+    <dgm:cxn modelId="{268BA2BC-243E-4A9C-857E-B2D3CDB2ED40}" type="presParOf" srcId="{9F8BF901-1E74-425C-9566-0E97F4ED3F55}" destId="{147F88FE-2133-459A-8A75-F7367F1AADAC}" srcOrd="6" destOrd="0" presId="urn:microsoft.com/office/officeart/2008/layout/LinedList"/>
+    <dgm:cxn modelId="{2775AFB8-A1F5-426F-B307-F85EA9C6AE1B}" type="presParOf" srcId="{9F8BF901-1E74-425C-9566-0E97F4ED3F55}" destId="{0EF4E7CC-9102-484E-924E-06ECE1CDA8F7}" srcOrd="7" destOrd="0" presId="urn:microsoft.com/office/officeart/2008/layout/LinedList"/>
+    <dgm:cxn modelId="{20FAC44F-6417-4E15-B5F0-571B5D48239C}" type="presParOf" srcId="{0EF4E7CC-9102-484E-924E-06ECE1CDA8F7}" destId="{CF0E0724-B2B6-4B4D-97FE-339C7B622870}" srcOrd="0" destOrd="0" presId="urn:microsoft.com/office/officeart/2008/layout/LinedList"/>
+    <dgm:cxn modelId="{7879EEEF-C0EB-484C-A182-A245F5705160}" type="presParOf" srcId="{0EF4E7CC-9102-484E-924E-06ECE1CDA8F7}" destId="{AA1BFEBE-EE3F-4BB6-897F-6CE57540A494}" srcOrd="1" destOrd="0" presId="urn:microsoft.com/office/officeart/2008/layout/LinedList"/>
+    <dgm:cxn modelId="{FEE25334-E0B9-40C3-9C94-A5209506D2B3}" type="presParOf" srcId="{0EF4E7CC-9102-484E-924E-06ECE1CDA8F7}" destId="{B11AF4AC-9203-43AF-BD9F-6548B6344B16}" srcOrd="2" destOrd="0" presId="urn:microsoft.com/office/officeart/2008/layout/LinedList"/>
+    <dgm:cxn modelId="{B7639EA4-BEE8-45C4-93C9-BB07E797C6BC}" type="presParOf" srcId="{9F8BF901-1E74-425C-9566-0E97F4ED3F55}" destId="{523F9227-928A-4DDF-B36A-C1C5755590BD}" srcOrd="8" destOrd="0" presId="urn:microsoft.com/office/officeart/2008/layout/LinedList"/>
+    <dgm:cxn modelId="{4608EFA0-BF6F-46D5-A682-EEE7EE77D287}" type="presParOf" srcId="{9F8BF901-1E74-425C-9566-0E97F4ED3F55}" destId="{44AE5FAF-3182-40F3-AD3F-F21A6E8E94E4}" srcOrd="9" destOrd="0" presId="urn:microsoft.com/office/officeart/2008/layout/LinedList"/>
+  </dgm:cxnLst>
+  <dgm:bg/>
+  <dgm:whole/>
+  <dgm:extLst>
+    <a:ext uri="http://schemas.microsoft.com/office/drawing/2008/diagram">
+      <dsp:dataModelExt xmlns:dsp="http://schemas.microsoft.com/office/drawing/2008/diagram" relId="rId6" minVer="http://schemas.openxmlformats.org/drawingml/2006/diagram"/>
     </a:ext>
   </dgm:extLst>
 </dgm:dataModel>
@@ -6715,6 +7873,565 @@
 </dsp:drawing>
 </file>
 
+<file path=ppt/diagrams/drawing4.xml><?xml version="1.0" encoding="utf-8"?>
+<dsp:drawing xmlns:dgm="http://schemas.openxmlformats.org/drawingml/2006/diagram" xmlns:dsp="http://schemas.microsoft.com/office/drawing/2008/diagram" xmlns:a="http://schemas.openxmlformats.org/drawingml/2006/main">
+  <dsp:spTree>
+    <dsp:nvGrpSpPr>
+      <dsp:cNvPr id="0" name=""/>
+      <dsp:cNvGrpSpPr/>
+    </dsp:nvGrpSpPr>
+    <dsp:grpSpPr/>
+    <dsp:sp modelId="{3F3DB835-D83C-46F0-A0FE-8678B5162E69}">
+      <dsp:nvSpPr>
+        <dsp:cNvPr id="0" name=""/>
+        <dsp:cNvSpPr/>
+      </dsp:nvSpPr>
+      <dsp:spPr>
+        <a:xfrm>
+          <a:off x="0" y="0"/>
+          <a:ext cx="10614211" cy="0"/>
+        </a:xfrm>
+        <a:prstGeom prst="line">
+          <a:avLst/>
+        </a:prstGeom>
+        <a:solidFill>
+          <a:schemeClr val="accent1">
+            <a:hueOff val="0"/>
+            <a:satOff val="0"/>
+            <a:lumOff val="0"/>
+            <a:alphaOff val="0"/>
+          </a:schemeClr>
+        </a:solidFill>
+        <a:ln w="12700" cap="flat" cmpd="sng" algn="ctr">
+          <a:solidFill>
+            <a:schemeClr val="accent1">
+              <a:hueOff val="0"/>
+              <a:satOff val="0"/>
+              <a:lumOff val="0"/>
+              <a:alphaOff val="0"/>
+            </a:schemeClr>
+          </a:solidFill>
+          <a:prstDash val="solid"/>
+        </a:ln>
+        <a:effectLst/>
+      </dsp:spPr>
+      <dsp:style>
+        <a:lnRef idx="2">
+          <a:scrgbClr r="0" g="0" b="0"/>
+        </a:lnRef>
+        <a:fillRef idx="1">
+          <a:scrgbClr r="0" g="0" b="0"/>
+        </a:fillRef>
+        <a:effectRef idx="0">
+          <a:scrgbClr r="0" g="0" b="0"/>
+        </a:effectRef>
+        <a:fontRef idx="minor">
+          <a:schemeClr val="lt1"/>
+        </a:fontRef>
+      </dsp:style>
+    </dsp:sp>
+    <dsp:sp modelId="{BF2EAB99-B567-4A28-99AC-3C590E2D1025}">
+      <dsp:nvSpPr>
+        <dsp:cNvPr id="0" name=""/>
+        <dsp:cNvSpPr/>
+      </dsp:nvSpPr>
+      <dsp:spPr>
+        <a:xfrm>
+          <a:off x="0" y="0"/>
+          <a:ext cx="2122842" cy="4948518"/>
+        </a:xfrm>
+        <a:prstGeom prst="rect">
+          <a:avLst/>
+        </a:prstGeom>
+        <a:noFill/>
+        <a:ln>
+          <a:noFill/>
+        </a:ln>
+        <a:effectLst/>
+      </dsp:spPr>
+      <dsp:style>
+        <a:lnRef idx="0">
+          <a:scrgbClr r="0" g="0" b="0"/>
+        </a:lnRef>
+        <a:fillRef idx="0">
+          <a:scrgbClr r="0" g="0" b="0"/>
+        </a:fillRef>
+        <a:effectRef idx="0">
+          <a:scrgbClr r="0" g="0" b="0"/>
+        </a:effectRef>
+        <a:fontRef idx="minor"/>
+      </dsp:style>
+      <dsp:txBody>
+        <a:bodyPr spcFirstLastPara="0" vert="horz" wrap="square" lIns="247650" tIns="247650" rIns="247650" bIns="247650" numCol="1" spcCol="1270" anchor="t" anchorCtr="0">
+          <a:noAutofit/>
+        </a:bodyPr>
+        <a:lstStyle/>
+        <a:p>
+          <a:pPr marL="0" lvl="0" indent="0" algn="l" defTabSz="2889250">
+            <a:lnSpc>
+              <a:spcPct val="90000"/>
+            </a:lnSpc>
+            <a:spcBef>
+              <a:spcPct val="0"/>
+            </a:spcBef>
+            <a:spcAft>
+              <a:spcPct val="35000"/>
+            </a:spcAft>
+            <a:buNone/>
+          </a:pPr>
+          <a:endParaRPr lang="pt-BR" sz="6500" kern="1200" dirty="0"/>
+        </a:p>
+      </dsp:txBody>
+      <dsp:txXfrm>
+        <a:off x="0" y="0"/>
+        <a:ext cx="2122842" cy="4948518"/>
+      </dsp:txXfrm>
+    </dsp:sp>
+    <dsp:sp modelId="{369B4105-D366-4D35-9F94-ACC9A0DFC354}">
+      <dsp:nvSpPr>
+        <dsp:cNvPr id="0" name=""/>
+        <dsp:cNvSpPr/>
+      </dsp:nvSpPr>
+      <dsp:spPr>
+        <a:xfrm>
+          <a:off x="2282055" y="77320"/>
+          <a:ext cx="4086471" cy="1546411"/>
+        </a:xfrm>
+        <a:prstGeom prst="rect">
+          <a:avLst/>
+        </a:prstGeom>
+        <a:noFill/>
+        <a:ln>
+          <a:noFill/>
+        </a:ln>
+        <a:effectLst/>
+      </dsp:spPr>
+      <dsp:style>
+        <a:lnRef idx="0">
+          <a:scrgbClr r="0" g="0" b="0"/>
+        </a:lnRef>
+        <a:fillRef idx="0">
+          <a:scrgbClr r="0" g="0" b="0"/>
+        </a:fillRef>
+        <a:effectRef idx="0">
+          <a:scrgbClr r="0" g="0" b="0"/>
+        </a:effectRef>
+        <a:fontRef idx="minor"/>
+      </dsp:style>
+      <dsp:txBody>
+        <a:bodyPr spcFirstLastPara="0" vert="horz" wrap="square" lIns="91440" tIns="91440" rIns="91440" bIns="91440" numCol="1" spcCol="1270" anchor="t" anchorCtr="0">
+          <a:noAutofit/>
+        </a:bodyPr>
+        <a:lstStyle/>
+        <a:p>
+          <a:pPr marL="0" lvl="0" indent="0" algn="l" defTabSz="1066800">
+            <a:lnSpc>
+              <a:spcPct val="90000"/>
+            </a:lnSpc>
+            <a:spcBef>
+              <a:spcPct val="0"/>
+            </a:spcBef>
+            <a:spcAft>
+              <a:spcPct val="35000"/>
+            </a:spcAft>
+            <a:buNone/>
+          </a:pPr>
+          <a:r>
+            <a:rPr lang="pt-BR" sz="2400" kern="1200" dirty="0"/>
+            <a:t>Balanceamento de Classes (</a:t>
+          </a:r>
+          <a:r>
+            <a:rPr lang="pt-BR" sz="2400" kern="1200" dirty="0" err="1"/>
+            <a:t>Classification</a:t>
+          </a:r>
+          <a:r>
+            <a:rPr lang="pt-BR" sz="2400" kern="1200" dirty="0"/>
+            <a:t>). </a:t>
+          </a:r>
+          <a:r>
+            <a:rPr lang="pt-BR" sz="2400" kern="1200" dirty="0" err="1"/>
+            <a:t>Ex</a:t>
+          </a:r>
+          <a:r>
+            <a:rPr lang="pt-BR" sz="2400" kern="1200" dirty="0"/>
+            <a:t>: </a:t>
+          </a:r>
+          <a:r>
+            <a:rPr lang="pt-BR" sz="2400" b="0" i="0" kern="1200" dirty="0"/>
+            <a:t>SMOTE</a:t>
+          </a:r>
+          <a:endParaRPr lang="pt-BR" sz="2400" kern="1200" dirty="0"/>
+        </a:p>
+      </dsp:txBody>
+      <dsp:txXfrm>
+        <a:off x="2282055" y="77320"/>
+        <a:ext cx="4086471" cy="1546411"/>
+      </dsp:txXfrm>
+    </dsp:sp>
+    <dsp:sp modelId="{CB83673F-1DFB-48D7-81B4-3DB80EC4AD16}">
+      <dsp:nvSpPr>
+        <dsp:cNvPr id="0" name=""/>
+        <dsp:cNvSpPr/>
+      </dsp:nvSpPr>
+      <dsp:spPr>
+        <a:xfrm>
+          <a:off x="6527739" y="77320"/>
+          <a:ext cx="4086471" cy="1546411"/>
+        </a:xfrm>
+        <a:prstGeom prst="rect">
+          <a:avLst/>
+        </a:prstGeom>
+        <a:noFill/>
+        <a:ln>
+          <a:noFill/>
+        </a:ln>
+        <a:effectLst/>
+      </dsp:spPr>
+      <dsp:style>
+        <a:lnRef idx="0">
+          <a:scrgbClr r="0" g="0" b="0"/>
+        </a:lnRef>
+        <a:fillRef idx="0">
+          <a:scrgbClr r="0" g="0" b="0"/>
+        </a:fillRef>
+        <a:effectRef idx="0">
+          <a:scrgbClr r="0" g="0" b="0"/>
+        </a:effectRef>
+        <a:fontRef idx="minor"/>
+      </dsp:style>
+      <dsp:txBody>
+        <a:bodyPr spcFirstLastPara="0" vert="horz" wrap="square" lIns="38100" tIns="38100" rIns="38100" bIns="38100" numCol="1" spcCol="1270" anchor="t" anchorCtr="0">
+          <a:noAutofit/>
+        </a:bodyPr>
+        <a:lstStyle/>
+        <a:p>
+          <a:pPr marL="0" lvl="0" indent="0" algn="l" defTabSz="444500">
+            <a:lnSpc>
+              <a:spcPct val="90000"/>
+            </a:lnSpc>
+            <a:spcBef>
+              <a:spcPct val="0"/>
+            </a:spcBef>
+            <a:spcAft>
+              <a:spcPct val="35000"/>
+            </a:spcAft>
+            <a:buNone/>
+          </a:pPr>
+          <a:r>
+            <a:rPr lang="pt-BR" sz="1000" b="1" i="0" kern="1200" dirty="0"/>
+            <a:t>SMOTE</a:t>
+          </a:r>
+          <a:endParaRPr lang="pt-BR" sz="1000" kern="1200" dirty="0"/>
+        </a:p>
+        <a:p>
+          <a:pPr marL="0" lvl="0" indent="0" algn="l" defTabSz="444500">
+            <a:lnSpc>
+              <a:spcPct val="90000"/>
+            </a:lnSpc>
+            <a:spcBef>
+              <a:spcPct val="0"/>
+            </a:spcBef>
+            <a:spcAft>
+              <a:spcPct val="35000"/>
+            </a:spcAft>
+            <a:buNone/>
+          </a:pPr>
+          <a:r>
+            <a:rPr lang="pt-BR" sz="1000" kern="1200" dirty="0">
+              <a:hlinkClick xmlns:r="http://schemas.openxmlformats.org/officeDocument/2006/relationships" r:id="rId1"/>
+            </a:rPr>
+            <a:t>https://imbalanced-learn.org/stable/references/generated/imblearn.over_sampling.SMOTE.html</a:t>
+          </a:r>
+          <a:endParaRPr lang="pt-BR" sz="1000" kern="1200" dirty="0"/>
+        </a:p>
+      </dsp:txBody>
+      <dsp:txXfrm>
+        <a:off x="6527739" y="77320"/>
+        <a:ext cx="4086471" cy="1546411"/>
+      </dsp:txXfrm>
+    </dsp:sp>
+    <dsp:sp modelId="{427DBE3D-EC07-487F-BEA1-08E593943B3B}">
+      <dsp:nvSpPr>
+        <dsp:cNvPr id="0" name=""/>
+        <dsp:cNvSpPr/>
+      </dsp:nvSpPr>
+      <dsp:spPr>
+        <a:xfrm>
+          <a:off x="2122842" y="1623732"/>
+          <a:ext cx="8491368" cy="0"/>
+        </a:xfrm>
+        <a:prstGeom prst="line">
+          <a:avLst/>
+        </a:prstGeom>
+        <a:solidFill>
+          <a:schemeClr val="accent1">
+            <a:hueOff val="0"/>
+            <a:satOff val="0"/>
+            <a:lumOff val="0"/>
+            <a:alphaOff val="0"/>
+          </a:schemeClr>
+        </a:solidFill>
+        <a:ln w="12700" cap="flat" cmpd="sng" algn="ctr">
+          <a:solidFill>
+            <a:schemeClr val="accent1">
+              <a:tint val="50000"/>
+              <a:hueOff val="0"/>
+              <a:satOff val="0"/>
+              <a:lumOff val="0"/>
+              <a:alphaOff val="0"/>
+            </a:schemeClr>
+          </a:solidFill>
+          <a:prstDash val="solid"/>
+        </a:ln>
+        <a:effectLst/>
+      </dsp:spPr>
+      <dsp:style>
+        <a:lnRef idx="2">
+          <a:scrgbClr r="0" g="0" b="0"/>
+        </a:lnRef>
+        <a:fillRef idx="1">
+          <a:scrgbClr r="0" g="0" b="0"/>
+        </a:fillRef>
+        <a:effectRef idx="0">
+          <a:scrgbClr r="0" g="0" b="0"/>
+        </a:effectRef>
+        <a:fontRef idx="minor"/>
+      </dsp:style>
+    </dsp:sp>
+    <dsp:sp modelId="{A5F3EBC6-324B-4A26-A5E2-3F33A6F46762}">
+      <dsp:nvSpPr>
+        <dsp:cNvPr id="0" name=""/>
+        <dsp:cNvSpPr/>
+      </dsp:nvSpPr>
+      <dsp:spPr>
+        <a:xfrm>
+          <a:off x="2282055" y="1701053"/>
+          <a:ext cx="4086471" cy="1546411"/>
+        </a:xfrm>
+        <a:prstGeom prst="rect">
+          <a:avLst/>
+        </a:prstGeom>
+        <a:noFill/>
+        <a:ln>
+          <a:noFill/>
+        </a:ln>
+        <a:effectLst/>
+      </dsp:spPr>
+      <dsp:style>
+        <a:lnRef idx="0">
+          <a:scrgbClr r="0" g="0" b="0"/>
+        </a:lnRef>
+        <a:fillRef idx="0">
+          <a:scrgbClr r="0" g="0" b="0"/>
+        </a:fillRef>
+        <a:effectRef idx="0">
+          <a:scrgbClr r="0" g="0" b="0"/>
+        </a:effectRef>
+        <a:fontRef idx="minor"/>
+      </dsp:style>
+      <dsp:txBody>
+        <a:bodyPr spcFirstLastPara="0" vert="horz" wrap="square" lIns="91440" tIns="91440" rIns="91440" bIns="91440" numCol="1" spcCol="1270" anchor="t" anchorCtr="0">
+          <a:noAutofit/>
+        </a:bodyPr>
+        <a:lstStyle/>
+        <a:p>
+          <a:pPr marL="0" lvl="0" indent="0" algn="l" defTabSz="1066800">
+            <a:lnSpc>
+              <a:spcPct val="90000"/>
+            </a:lnSpc>
+            <a:spcBef>
+              <a:spcPct val="0"/>
+            </a:spcBef>
+            <a:spcAft>
+              <a:spcPct val="35000"/>
+            </a:spcAft>
+            <a:buNone/>
+          </a:pPr>
+          <a:r>
+            <a:rPr lang="pt-BR" sz="2400" kern="1200" dirty="0"/>
+            <a:t>Avaliar efeito de maior período da janela das métricas (Features). </a:t>
+          </a:r>
+          <a:r>
+            <a:rPr lang="pt-BR" sz="2400" kern="1200" dirty="0" err="1"/>
+            <a:t>Ex</a:t>
+          </a:r>
+          <a:r>
+            <a:rPr lang="pt-BR" sz="2400" kern="1200" dirty="0"/>
+            <a:t>: </a:t>
+          </a:r>
+          <a:r>
+            <a:rPr lang="pt-BR" sz="2400" b="0" i="0" kern="1200" dirty="0"/>
+            <a:t>SMOTE</a:t>
+          </a:r>
+          <a:endParaRPr lang="pt-BR" sz="2400" b="0" kern="1200" dirty="0"/>
+        </a:p>
+      </dsp:txBody>
+      <dsp:txXfrm>
+        <a:off x="2282055" y="1701053"/>
+        <a:ext cx="4086471" cy="1546411"/>
+      </dsp:txXfrm>
+    </dsp:sp>
+    <dsp:sp modelId="{CA427285-019A-471E-B1B3-723ECBF1E5B0}">
+      <dsp:nvSpPr>
+        <dsp:cNvPr id="0" name=""/>
+        <dsp:cNvSpPr/>
+      </dsp:nvSpPr>
+      <dsp:spPr>
+        <a:xfrm>
+          <a:off x="2122842" y="3247464"/>
+          <a:ext cx="8491368" cy="0"/>
+        </a:xfrm>
+        <a:prstGeom prst="line">
+          <a:avLst/>
+        </a:prstGeom>
+        <a:solidFill>
+          <a:schemeClr val="accent1">
+            <a:hueOff val="0"/>
+            <a:satOff val="0"/>
+            <a:lumOff val="0"/>
+            <a:alphaOff val="0"/>
+          </a:schemeClr>
+        </a:solidFill>
+        <a:ln w="12700" cap="flat" cmpd="sng" algn="ctr">
+          <a:solidFill>
+            <a:schemeClr val="accent1">
+              <a:tint val="50000"/>
+              <a:hueOff val="0"/>
+              <a:satOff val="0"/>
+              <a:lumOff val="0"/>
+              <a:alphaOff val="0"/>
+            </a:schemeClr>
+          </a:solidFill>
+          <a:prstDash val="solid"/>
+        </a:ln>
+        <a:effectLst/>
+      </dsp:spPr>
+      <dsp:style>
+        <a:lnRef idx="2">
+          <a:scrgbClr r="0" g="0" b="0"/>
+        </a:lnRef>
+        <a:fillRef idx="1">
+          <a:scrgbClr r="0" g="0" b="0"/>
+        </a:fillRef>
+        <a:effectRef idx="0">
+          <a:scrgbClr r="0" g="0" b="0"/>
+        </a:effectRef>
+        <a:fontRef idx="minor"/>
+      </dsp:style>
+    </dsp:sp>
+    <dsp:sp modelId="{AA1BFEBE-EE3F-4BB6-897F-6CE57540A494}">
+      <dsp:nvSpPr>
+        <dsp:cNvPr id="0" name=""/>
+        <dsp:cNvSpPr/>
+      </dsp:nvSpPr>
+      <dsp:spPr>
+        <a:xfrm>
+          <a:off x="2282055" y="3324785"/>
+          <a:ext cx="4086471" cy="1546411"/>
+        </a:xfrm>
+        <a:prstGeom prst="rect">
+          <a:avLst/>
+        </a:prstGeom>
+        <a:noFill/>
+        <a:ln>
+          <a:noFill/>
+        </a:ln>
+        <a:effectLst/>
+      </dsp:spPr>
+      <dsp:style>
+        <a:lnRef idx="0">
+          <a:scrgbClr r="0" g="0" b="0"/>
+        </a:lnRef>
+        <a:fillRef idx="0">
+          <a:scrgbClr r="0" g="0" b="0"/>
+        </a:fillRef>
+        <a:effectRef idx="0">
+          <a:scrgbClr r="0" g="0" b="0"/>
+        </a:effectRef>
+        <a:fontRef idx="minor"/>
+      </dsp:style>
+      <dsp:txBody>
+        <a:bodyPr spcFirstLastPara="0" vert="horz" wrap="square" lIns="91440" tIns="91440" rIns="91440" bIns="91440" numCol="1" spcCol="1270" anchor="t" anchorCtr="0">
+          <a:noAutofit/>
+        </a:bodyPr>
+        <a:lstStyle/>
+        <a:p>
+          <a:pPr marL="0" lvl="0" indent="0" algn="l" defTabSz="1066800">
+            <a:lnSpc>
+              <a:spcPct val="90000"/>
+            </a:lnSpc>
+            <a:spcBef>
+              <a:spcPct val="0"/>
+            </a:spcBef>
+            <a:spcAft>
+              <a:spcPct val="35000"/>
+            </a:spcAft>
+            <a:buNone/>
+          </a:pPr>
+          <a:r>
+            <a:rPr lang="pt-BR" sz="2400" kern="1200"/>
+            <a:t>Utilizar a predição de RUL na Classificação. Ou, usar a predição de Classificação na predição de RUL</a:t>
+          </a:r>
+          <a:endParaRPr lang="pt-BR" sz="2400" kern="1200" dirty="0"/>
+        </a:p>
+      </dsp:txBody>
+      <dsp:txXfrm>
+        <a:off x="2282055" y="3324785"/>
+        <a:ext cx="4086471" cy="1546411"/>
+      </dsp:txXfrm>
+    </dsp:sp>
+    <dsp:sp modelId="{523F9227-928A-4DDF-B36A-C1C5755590BD}">
+      <dsp:nvSpPr>
+        <dsp:cNvPr id="0" name=""/>
+        <dsp:cNvSpPr/>
+      </dsp:nvSpPr>
+      <dsp:spPr>
+        <a:xfrm>
+          <a:off x="2122842" y="4871197"/>
+          <a:ext cx="8491368" cy="0"/>
+        </a:xfrm>
+        <a:prstGeom prst="line">
+          <a:avLst/>
+        </a:prstGeom>
+        <a:solidFill>
+          <a:schemeClr val="accent1">
+            <a:hueOff val="0"/>
+            <a:satOff val="0"/>
+            <a:lumOff val="0"/>
+            <a:alphaOff val="0"/>
+          </a:schemeClr>
+        </a:solidFill>
+        <a:ln w="12700" cap="flat" cmpd="sng" algn="ctr">
+          <a:solidFill>
+            <a:schemeClr val="accent1">
+              <a:tint val="50000"/>
+              <a:hueOff val="0"/>
+              <a:satOff val="0"/>
+              <a:lumOff val="0"/>
+              <a:alphaOff val="0"/>
+            </a:schemeClr>
+          </a:solidFill>
+          <a:prstDash val="solid"/>
+        </a:ln>
+        <a:effectLst/>
+      </dsp:spPr>
+      <dsp:style>
+        <a:lnRef idx="2">
+          <a:scrgbClr r="0" g="0" b="0"/>
+        </a:lnRef>
+        <a:fillRef idx="1">
+          <a:scrgbClr r="0" g="0" b="0"/>
+        </a:fillRef>
+        <a:effectRef idx="0">
+          <a:scrgbClr r="0" g="0" b="0"/>
+        </a:effectRef>
+        <a:fontRef idx="minor"/>
+      </dsp:style>
+    </dsp:sp>
+  </dsp:spTree>
+</dsp:drawing>
+</file>
+
 <file path=ppt/diagrams/layout1.xml><?xml version="1.0" encoding="utf-8"?>
 <dgm:layoutDef xmlns:dgm="http://schemas.openxmlformats.org/drawingml/2006/diagram" xmlns:a="http://schemas.openxmlformats.org/drawingml/2006/main" uniqueId="urn:microsoft.com/office/officeart/2005/8/layout/default">
   <dgm:title val=""/>
@@ -7310,6 +9027,472 @@
 </dgm:layoutDef>
 </file>
 
+<file path=ppt/diagrams/layout4.xml><?xml version="1.0" encoding="utf-8"?>
+<dgm:layoutDef xmlns:dgm="http://schemas.openxmlformats.org/drawingml/2006/diagram" xmlns:a="http://schemas.openxmlformats.org/drawingml/2006/main" uniqueId="urn:microsoft.com/office/officeart/2008/layout/LinedList">
+  <dgm:title val=""/>
+  <dgm:desc val=""/>
+  <dgm:catLst>
+    <dgm:cat type="hierarchy" pri="8000"/>
+    <dgm:cat type="list" pri="2500"/>
+  </dgm:catLst>
+  <dgm:sampData>
+    <dgm:dataModel>
+      <dgm:ptLst>
+        <dgm:pt modelId="0" type="doc"/>
+        <dgm:pt modelId="1">
+          <dgm:prSet phldr="1"/>
+        </dgm:pt>
+        <dgm:pt modelId="11">
+          <dgm:prSet phldr="1"/>
+        </dgm:pt>
+        <dgm:pt modelId="12">
+          <dgm:prSet phldr="1"/>
+        </dgm:pt>
+        <dgm:pt modelId="13">
+          <dgm:prSet phldr="1"/>
+        </dgm:pt>
+      </dgm:ptLst>
+      <dgm:cxnLst>
+        <dgm:cxn modelId="2" srcId="0" destId="1" srcOrd="0" destOrd="0"/>
+        <dgm:cxn modelId="3" srcId="1" destId="11" srcOrd="0" destOrd="0"/>
+        <dgm:cxn modelId="4" srcId="1" destId="12" srcOrd="1" destOrd="0"/>
+        <dgm:cxn modelId="5" srcId="1" destId="13" srcOrd="2" destOrd="0"/>
+      </dgm:cxnLst>
+      <dgm:bg/>
+      <dgm:whole/>
+    </dgm:dataModel>
+  </dgm:sampData>
+  <dgm:styleData>
+    <dgm:dataModel>
+      <dgm:ptLst>
+        <dgm:pt modelId="0" type="doc"/>
+        <dgm:pt modelId="1">
+          <dgm:prSet phldr="1"/>
+        </dgm:pt>
+        <dgm:pt modelId="11">
+          <dgm:prSet phldr="1"/>
+        </dgm:pt>
+        <dgm:pt modelId="12">
+          <dgm:prSet phldr="1"/>
+        </dgm:pt>
+      </dgm:ptLst>
+      <dgm:cxnLst>
+        <dgm:cxn modelId="2" srcId="0" destId="1" srcOrd="0" destOrd="0"/>
+        <dgm:cxn modelId="3" srcId="1" destId="11" srcOrd="0" destOrd="0"/>
+        <dgm:cxn modelId="4" srcId="1" destId="12" srcOrd="1" destOrd="0"/>
+      </dgm:cxnLst>
+      <dgm:bg/>
+      <dgm:whole/>
+    </dgm:dataModel>
+  </dgm:styleData>
+  <dgm:clrData>
+    <dgm:dataModel>
+      <dgm:ptLst>
+        <dgm:pt modelId="0" type="doc"/>
+        <dgm:pt modelId="1">
+          <dgm:prSet phldr="1"/>
+        </dgm:pt>
+        <dgm:pt modelId="11">
+          <dgm:prSet phldr="1"/>
+        </dgm:pt>
+        <dgm:pt modelId="12">
+          <dgm:prSet phldr="1"/>
+        </dgm:pt>
+      </dgm:ptLst>
+      <dgm:cxnLst>
+        <dgm:cxn modelId="2" srcId="0" destId="1" srcOrd="0" destOrd="0"/>
+        <dgm:cxn modelId="3" srcId="1" destId="11" srcOrd="0" destOrd="0"/>
+        <dgm:cxn modelId="4" srcId="1" destId="12" srcOrd="1" destOrd="0"/>
+      </dgm:cxnLst>
+      <dgm:bg/>
+      <dgm:whole/>
+    </dgm:dataModel>
+  </dgm:clrData>
+  <dgm:layoutNode name="vert0">
+    <dgm:varLst>
+      <dgm:dir/>
+      <dgm:animOne val="branch"/>
+      <dgm:animLvl val="lvl"/>
+    </dgm:varLst>
+    <dgm:choose name="Name0">
+      <dgm:if name="Name1" func="var" arg="dir" op="equ" val="norm">
+        <dgm:alg type="lin">
+          <dgm:param type="linDir" val="fromT"/>
+          <dgm:param type="nodeHorzAlign" val="l"/>
+        </dgm:alg>
+      </dgm:if>
+      <dgm:else name="Name2">
+        <dgm:alg type="lin">
+          <dgm:param type="linDir" val="fromT"/>
+          <dgm:param type="nodeHorzAlign" val="r"/>
+        </dgm:alg>
+      </dgm:else>
+    </dgm:choose>
+    <dgm:shape xmlns:r="http://schemas.openxmlformats.org/officeDocument/2006/relationships" r:blip="">
+      <dgm:adjLst/>
+    </dgm:shape>
+    <dgm:presOf/>
+    <dgm:constrLst>
+      <dgm:constr type="w" for="ch" forName="horz1" refType="w"/>
+      <dgm:constr type="h" for="ch" forName="horz1" refType="h"/>
+      <dgm:constr type="h" for="des" forName="vert1" refType="h"/>
+      <dgm:constr type="h" for="des" forName="tx1" refType="h"/>
+      <dgm:constr type="h" for="des" forName="horz2" refType="h"/>
+      <dgm:constr type="h" for="des" forName="vert2" refType="h"/>
+      <dgm:constr type="h" for="des" forName="horz3" refType="h"/>
+      <dgm:constr type="h" for="des" forName="vert3" refType="h"/>
+      <dgm:constr type="h" for="des" forName="horz4" refType="h"/>
+      <dgm:constr type="h" for="des" ptType="node" refType="h"/>
+      <dgm:constr type="primFontSz" for="des" forName="tx1" op="equ" val="65"/>
+      <dgm:constr type="primFontSz" for="des" forName="tx2" op="equ" val="65"/>
+      <dgm:constr type="primFontSz" for="des" forName="tx3" op="equ" val="65"/>
+      <dgm:constr type="primFontSz" for="des" forName="tx4" op="equ" val="65"/>
+      <dgm:constr type="w" for="des" forName="thickLine" refType="w"/>
+      <dgm:constr type="h" for="des" forName="thickLine"/>
+      <dgm:constr type="h" for="des" forName="thinLine1"/>
+      <dgm:constr type="h" for="des" forName="thinLine2b"/>
+      <dgm:constr type="h" for="des" forName="thinLine3"/>
+      <dgm:constr type="h" for="des" forName="vertSpace2a" refType="h" fact="0.05"/>
+      <dgm:constr type="h" for="des" forName="vertSpace2b" refType="h" refFor="des" refForName="vertSpace2a"/>
+    </dgm:constrLst>
+    <dgm:forEach name="Name3" axis="ch" ptType="node">
+      <dgm:layoutNode name="thickLine" styleLbl="alignNode1">
+        <dgm:alg type="sp"/>
+        <dgm:shape xmlns:r="http://schemas.openxmlformats.org/officeDocument/2006/relationships" type="line" r:blip="">
+          <dgm:adjLst/>
+        </dgm:shape>
+        <dgm:presOf/>
+      </dgm:layoutNode>
+      <dgm:layoutNode name="horz1">
+        <dgm:choose name="Name4">
+          <dgm:if name="Name5" func="var" arg="dir" op="equ" val="norm">
+            <dgm:alg type="lin">
+              <dgm:param type="linDir" val="fromL"/>
+              <dgm:param type="nodeVertAlign" val="t"/>
+            </dgm:alg>
+          </dgm:if>
+          <dgm:else name="Name6">
+            <dgm:alg type="lin">
+              <dgm:param type="linDir" val="fromR"/>
+              <dgm:param type="nodeVertAlign" val="t"/>
+            </dgm:alg>
+          </dgm:else>
+        </dgm:choose>
+        <dgm:shape xmlns:r="http://schemas.openxmlformats.org/officeDocument/2006/relationships" r:blip="">
+          <dgm:adjLst/>
+        </dgm:shape>
+        <dgm:presOf/>
+        <dgm:choose name="Name7">
+          <dgm:if name="Name8" axis="root des" func="maxDepth" op="equ" val="1">
+            <dgm:constrLst>
+              <dgm:constr type="w" for="ch" forName="tx1" refType="w"/>
+            </dgm:constrLst>
+          </dgm:if>
+          <dgm:if name="Name9" axis="root des" func="maxDepth" op="equ" val="2">
+            <dgm:constrLst>
+              <dgm:constr type="w" for="ch" forName="tx1" refType="w" fact="0.2"/>
+              <dgm:constr type="w" for="des" forName="tx2" refType="w" fact="0.785"/>
+              <dgm:constr type="w" for="des" forName="horzSpace2" refType="w" fact="0.015"/>
+              <dgm:constr type="w" for="des" forName="thinLine2b" refType="w" fact="0.8"/>
+            </dgm:constrLst>
+          </dgm:if>
+          <dgm:if name="Name10" axis="root des" func="maxDepth" op="equ" val="3">
+            <dgm:constrLst>
+              <dgm:constr type="w" for="ch" forName="tx1" refType="w" fact="0.2"/>
+              <dgm:constr type="w" for="des" forName="tx2" refType="w" fact="0.385"/>
+              <dgm:constr type="w" for="des" forName="tx3" refType="w" fact="0.385"/>
+              <dgm:constr type="w" for="des" forName="horzSpace2" refType="w" fact="0.015"/>
+              <dgm:constr type="w" for="des" forName="horzSpace3" refType="w" fact="0.015"/>
+              <dgm:constr type="w" for="des" forName="thinLine2b" refType="w" fact="0.8"/>
+              <dgm:constr type="w" for="des" forName="thinLine3" refType="w" fact="0.385"/>
+            </dgm:constrLst>
+          </dgm:if>
+          <dgm:if name="Name11" axis="root des" func="maxDepth" op="gte" val="4">
+            <dgm:constrLst>
+              <dgm:constr type="w" for="ch" forName="tx1" refType="w" fact="0.2"/>
+              <dgm:constr type="w" for="des" forName="tx2" refType="w" fact="0.2516"/>
+              <dgm:constr type="w" for="des" forName="tx3" refType="w" fact="0.2516"/>
+              <dgm:constr type="w" for="des" forName="tx4" refType="w" fact="0.2516"/>
+              <dgm:constr type="w" for="des" forName="horzSpace2" refType="w" fact="0.015"/>
+              <dgm:constr type="w" for="des" forName="horzSpace3" refType="w" fact="0.015"/>
+              <dgm:constr type="w" for="des" forName="horzSpace4" refType="w" fact="0.015"/>
+              <dgm:constr type="w" for="des" forName="thinLine2b" refType="w" fact="0.8"/>
+              <dgm:constr type="w" for="des" forName="thinLine3" refType="w" fact="0.5332"/>
+            </dgm:constrLst>
+          </dgm:if>
+          <dgm:else name="Name12"/>
+        </dgm:choose>
+        <dgm:layoutNode name="tx1" styleLbl="revTx">
+          <dgm:alg type="tx">
+            <dgm:param type="parTxLTRAlign" val="l"/>
+            <dgm:param type="parTxRTLAlign" val="r"/>
+            <dgm:param type="txAnchorVert" val="t"/>
+          </dgm:alg>
+          <dgm:shape xmlns:r="http://schemas.openxmlformats.org/officeDocument/2006/relationships" type="rect" r:blip="">
+            <dgm:adjLst/>
+          </dgm:shape>
+          <dgm:presOf axis="self"/>
+          <dgm:constrLst>
+            <dgm:constr type="tMarg" refType="primFontSz" fact="0.3"/>
+            <dgm:constr type="bMarg" refType="primFontSz" fact="0.3"/>
+            <dgm:constr type="lMarg" refType="primFontSz" fact="0.3"/>
+            <dgm:constr type="rMarg" refType="primFontSz" fact="0.3"/>
+          </dgm:constrLst>
+          <dgm:ruleLst>
+            <dgm:rule type="primFontSz" val="5" fact="NaN" max="NaN"/>
+          </dgm:ruleLst>
+        </dgm:layoutNode>
+        <dgm:layoutNode name="vert1">
+          <dgm:choose name="Name13">
+            <dgm:if name="Name14" func="var" arg="dir" op="equ" val="norm">
+              <dgm:alg type="lin">
+                <dgm:param type="linDir" val="fromT"/>
+                <dgm:param type="nodeHorzAlign" val="l"/>
+              </dgm:alg>
+            </dgm:if>
+            <dgm:else name="Name15">
+              <dgm:alg type="lin">
+                <dgm:param type="linDir" val="fromT"/>
+                <dgm:param type="nodeHorzAlign" val="r"/>
+              </dgm:alg>
+            </dgm:else>
+          </dgm:choose>
+          <dgm:shape xmlns:r="http://schemas.openxmlformats.org/officeDocument/2006/relationships" r:blip="">
+            <dgm:adjLst/>
+          </dgm:shape>
+          <dgm:presOf/>
+          <dgm:forEach name="Name16" axis="ch" ptType="node">
+            <dgm:choose name="Name17">
+              <dgm:if name="Name18" axis="self" ptType="node" func="pos" op="equ" val="1">
+                <dgm:layoutNode name="vertSpace2a">
+                  <dgm:alg type="sp"/>
+                  <dgm:shape xmlns:r="http://schemas.openxmlformats.org/officeDocument/2006/relationships" r:blip="">
+                    <dgm:adjLst/>
+                  </dgm:shape>
+                  <dgm:presOf/>
+                </dgm:layoutNode>
+              </dgm:if>
+              <dgm:else name="Name19"/>
+            </dgm:choose>
+            <dgm:layoutNode name="horz2">
+              <dgm:choose name="Name20">
+                <dgm:if name="Name21" func="var" arg="dir" op="equ" val="norm">
+                  <dgm:alg type="lin">
+                    <dgm:param type="linDir" val="fromL"/>
+                    <dgm:param type="nodeVertAlign" val="t"/>
+                  </dgm:alg>
+                </dgm:if>
+                <dgm:else name="Name22">
+                  <dgm:alg type="lin">
+                    <dgm:param type="linDir" val="fromR"/>
+                    <dgm:param type="nodeVertAlign" val="t"/>
+                  </dgm:alg>
+                </dgm:else>
+              </dgm:choose>
+              <dgm:shape xmlns:r="http://schemas.openxmlformats.org/officeDocument/2006/relationships" r:blip="">
+                <dgm:adjLst/>
+              </dgm:shape>
+              <dgm:presOf/>
+              <dgm:layoutNode name="horzSpace2">
+                <dgm:alg type="sp"/>
+                <dgm:shape xmlns:r="http://schemas.openxmlformats.org/officeDocument/2006/relationships" r:blip="">
+                  <dgm:adjLst/>
+                </dgm:shape>
+                <dgm:presOf/>
+              </dgm:layoutNode>
+              <dgm:layoutNode name="tx2" styleLbl="revTx">
+                <dgm:alg type="tx">
+                  <dgm:param type="parTxLTRAlign" val="l"/>
+                  <dgm:param type="parTxRTLAlign" val="r"/>
+                  <dgm:param type="txAnchorVert" val="t"/>
+                </dgm:alg>
+                <dgm:shape xmlns:r="http://schemas.openxmlformats.org/officeDocument/2006/relationships" type="rect" r:blip="">
+                  <dgm:adjLst/>
+                </dgm:shape>
+                <dgm:presOf axis="self"/>
+                <dgm:constrLst>
+                  <dgm:constr type="tMarg" refType="primFontSz" fact="0.3"/>
+                  <dgm:constr type="bMarg" refType="primFontSz" fact="0.3"/>
+                  <dgm:constr type="lMarg" refType="primFontSz" fact="0.3"/>
+                  <dgm:constr type="rMarg" refType="primFontSz" fact="0.3"/>
+                </dgm:constrLst>
+                <dgm:ruleLst>
+                  <dgm:rule type="primFontSz" val="5" fact="NaN" max="NaN"/>
+                </dgm:ruleLst>
+              </dgm:layoutNode>
+              <dgm:layoutNode name="vert2">
+                <dgm:choose name="Name23">
+                  <dgm:if name="Name24" func="var" arg="dir" op="equ" val="norm">
+                    <dgm:alg type="lin">
+                      <dgm:param type="linDir" val="fromT"/>
+                      <dgm:param type="nodeHorzAlign" val="l"/>
+                    </dgm:alg>
+                  </dgm:if>
+                  <dgm:else name="Name25">
+                    <dgm:alg type="lin">
+                      <dgm:param type="linDir" val="fromT"/>
+                      <dgm:param type="nodeHorzAlign" val="r"/>
+                    </dgm:alg>
+                  </dgm:else>
+                </dgm:choose>
+                <dgm:shape xmlns:r="http://schemas.openxmlformats.org/officeDocument/2006/relationships" r:blip="">
+                  <dgm:adjLst/>
+                </dgm:shape>
+                <dgm:presOf/>
+                <dgm:forEach name="Name26" axis="ch" ptType="node">
+                  <dgm:layoutNode name="horz3">
+                    <dgm:choose name="Name27">
+                      <dgm:if name="Name28" func="var" arg="dir" op="equ" val="norm">
+                        <dgm:alg type="lin">
+                          <dgm:param type="linDir" val="fromL"/>
+                          <dgm:param type="nodeVertAlign" val="t"/>
+                        </dgm:alg>
+                      </dgm:if>
+                      <dgm:else name="Name29">
+                        <dgm:alg type="lin">
+                          <dgm:param type="linDir" val="fromR"/>
+                          <dgm:param type="nodeVertAlign" val="t"/>
+                        </dgm:alg>
+                      </dgm:else>
+                    </dgm:choose>
+                    <dgm:shape xmlns:r="http://schemas.openxmlformats.org/officeDocument/2006/relationships" r:blip="">
+                      <dgm:adjLst/>
+                    </dgm:shape>
+                    <dgm:presOf/>
+                    <dgm:layoutNode name="horzSpace3">
+                      <dgm:alg type="sp"/>
+                      <dgm:shape xmlns:r="http://schemas.openxmlformats.org/officeDocument/2006/relationships" r:blip="">
+                        <dgm:adjLst/>
+                      </dgm:shape>
+                      <dgm:presOf/>
+                    </dgm:layoutNode>
+                    <dgm:layoutNode name="tx3" styleLbl="revTx">
+                      <dgm:alg type="tx">
+                        <dgm:param type="parTxLTRAlign" val="l"/>
+                        <dgm:param type="parTxRTLAlign" val="r"/>
+                        <dgm:param type="txAnchorVert" val="t"/>
+                      </dgm:alg>
+                      <dgm:shape xmlns:r="http://schemas.openxmlformats.org/officeDocument/2006/relationships" type="rect" r:blip="">
+                        <dgm:adjLst/>
+                      </dgm:shape>
+                      <dgm:presOf axis="self"/>
+                      <dgm:constrLst>
+                        <dgm:constr type="tMarg" refType="primFontSz" fact="0.3"/>
+                        <dgm:constr type="bMarg" refType="primFontSz" fact="0.3"/>
+                        <dgm:constr type="lMarg" refType="primFontSz" fact="0.3"/>
+                        <dgm:constr type="rMarg" refType="primFontSz" fact="0.3"/>
+                      </dgm:constrLst>
+                      <dgm:ruleLst>
+                        <dgm:rule type="primFontSz" val="5" fact="NaN" max="NaN"/>
+                      </dgm:ruleLst>
+                    </dgm:layoutNode>
+                    <dgm:layoutNode name="vert3">
+                      <dgm:choose name="Name30">
+                        <dgm:if name="Name31" func="var" arg="dir" op="equ" val="norm">
+                          <dgm:alg type="lin">
+                            <dgm:param type="linDir" val="fromT"/>
+                            <dgm:param type="nodeHorzAlign" val="l"/>
+                          </dgm:alg>
+                        </dgm:if>
+                        <dgm:else name="Name32">
+                          <dgm:alg type="lin">
+                            <dgm:param type="linDir" val="fromT"/>
+                            <dgm:param type="nodeHorzAlign" val="r"/>
+                          </dgm:alg>
+                        </dgm:else>
+                      </dgm:choose>
+                      <dgm:shape xmlns:r="http://schemas.openxmlformats.org/officeDocument/2006/relationships" r:blip="">
+                        <dgm:adjLst/>
+                      </dgm:shape>
+                      <dgm:presOf/>
+                      <dgm:forEach name="Name33" axis="ch" ptType="node">
+                        <dgm:layoutNode name="horz4">
+                          <dgm:choose name="Name34">
+                            <dgm:if name="Name35" func="var" arg="dir" op="equ" val="norm">
+                              <dgm:alg type="lin">
+                                <dgm:param type="linDir" val="fromL"/>
+                                <dgm:param type="nodeVertAlign" val="t"/>
+                              </dgm:alg>
+                            </dgm:if>
+                            <dgm:else name="Name36">
+                              <dgm:alg type="lin">
+                                <dgm:param type="linDir" val="fromR"/>
+                                <dgm:param type="nodeVertAlign" val="t"/>
+                              </dgm:alg>
+                            </dgm:else>
+                          </dgm:choose>
+                          <dgm:shape xmlns:r="http://schemas.openxmlformats.org/officeDocument/2006/relationships" r:blip="">
+                            <dgm:adjLst/>
+                          </dgm:shape>
+                          <dgm:presOf/>
+                          <dgm:layoutNode name="horzSpace4">
+                            <dgm:alg type="sp"/>
+                            <dgm:shape xmlns:r="http://schemas.openxmlformats.org/officeDocument/2006/relationships" r:blip="">
+                              <dgm:adjLst/>
+                            </dgm:shape>
+                            <dgm:presOf/>
+                          </dgm:layoutNode>
+                          <dgm:layoutNode name="tx4" styleLbl="revTx">
+                            <dgm:varLst>
+                              <dgm:bulletEnabled val="1"/>
+                            </dgm:varLst>
+                            <dgm:alg type="tx">
+                              <dgm:param type="parTxLTRAlign" val="l"/>
+                              <dgm:param type="parTxRTLAlign" val="r"/>
+                              <dgm:param type="txAnchorVert" val="t"/>
+                            </dgm:alg>
+                            <dgm:shape xmlns:r="http://schemas.openxmlformats.org/officeDocument/2006/relationships" type="rect" r:blip="">
+                              <dgm:adjLst/>
+                            </dgm:shape>
+                            <dgm:presOf axis="desOrSelf" ptType="node"/>
+                            <dgm:constrLst>
+                              <dgm:constr type="tMarg" refType="primFontSz" fact="0.3"/>
+                              <dgm:constr type="bMarg" refType="primFontSz" fact="0.3"/>
+                              <dgm:constr type="lMarg" refType="primFontSz" fact="0.3"/>
+                              <dgm:constr type="rMarg" refType="primFontSz" fact="0.3"/>
+                            </dgm:constrLst>
+                            <dgm:ruleLst>
+                              <dgm:rule type="primFontSz" val="5" fact="NaN" max="NaN"/>
+                            </dgm:ruleLst>
+                          </dgm:layoutNode>
+                        </dgm:layoutNode>
+                      </dgm:forEach>
+                    </dgm:layoutNode>
+                  </dgm:layoutNode>
+                  <dgm:forEach name="Name37" axis="followSib" ptType="sibTrans" cnt="1">
+                    <dgm:layoutNode name="thinLine3" styleLbl="callout">
+                      <dgm:alg type="sp"/>
+                      <dgm:shape xmlns:r="http://schemas.openxmlformats.org/officeDocument/2006/relationships" type="line" r:blip="">
+                        <dgm:adjLst/>
+                      </dgm:shape>
+                      <dgm:presOf/>
+                    </dgm:layoutNode>
+                  </dgm:forEach>
+                </dgm:forEach>
+              </dgm:layoutNode>
+            </dgm:layoutNode>
+            <dgm:layoutNode name="thinLine2b" styleLbl="callout">
+              <dgm:alg type="sp"/>
+              <dgm:shape xmlns:r="http://schemas.openxmlformats.org/officeDocument/2006/relationships" type="line" r:blip="">
+                <dgm:adjLst/>
+              </dgm:shape>
+              <dgm:presOf/>
+            </dgm:layoutNode>
+            <dgm:layoutNode name="vertSpace2b">
+              <dgm:alg type="sp"/>
+              <dgm:shape xmlns:r="http://schemas.openxmlformats.org/officeDocument/2006/relationships" r:blip="">
+                <dgm:adjLst/>
+              </dgm:shape>
+              <dgm:presOf/>
+            </dgm:layoutNode>
+          </dgm:forEach>
+        </dgm:layoutNode>
+      </dgm:layoutNode>
+    </dgm:forEach>
+  </dgm:layoutNode>
+</dgm:layoutDef>
+</file>
+
 <file path=ppt/diagrams/quickStyle1.xml><?xml version="1.0" encoding="utf-8"?>
 <dgm:styleDef xmlns:dgm="http://schemas.openxmlformats.org/drawingml/2006/diagram" xmlns:a="http://schemas.openxmlformats.org/drawingml/2006/main" uniqueId="urn:microsoft.com/office/officeart/2005/8/quickstyle/simple1">
   <dgm:title val=""/>
@@ -9379,6 +11562,1040 @@
 </file>
 
 <file path=ppt/diagrams/quickStyle3.xml><?xml version="1.0" encoding="utf-8"?>
+<dgm:styleDef xmlns:dgm="http://schemas.openxmlformats.org/drawingml/2006/diagram" xmlns:a="http://schemas.openxmlformats.org/drawingml/2006/main" uniqueId="urn:microsoft.com/office/officeart/2005/8/quickstyle/simple1">
+  <dgm:title val=""/>
+  <dgm:desc val=""/>
+  <dgm:catLst>
+    <dgm:cat type="simple" pri="10100"/>
+  </dgm:catLst>
+  <dgm:scene3d>
+    <a:camera prst="orthographicFront"/>
+    <a:lightRig rig="threePt" dir="t"/>
+  </dgm:scene3d>
+  <dgm:styleLbl name="node0">
+    <dgm:scene3d>
+      <a:camera prst="orthographicFront"/>
+      <a:lightRig rig="threePt" dir="t"/>
+    </dgm:scene3d>
+    <dgm:sp3d/>
+    <dgm:txPr/>
+    <dgm:style>
+      <a:lnRef idx="2">
+        <a:scrgbClr r="0" g="0" b="0"/>
+      </a:lnRef>
+      <a:fillRef idx="1">
+        <a:scrgbClr r="0" g="0" b="0"/>
+      </a:fillRef>
+      <a:effectRef idx="0">
+        <a:scrgbClr r="0" g="0" b="0"/>
+      </a:effectRef>
+      <a:fontRef idx="minor">
+        <a:schemeClr val="lt1"/>
+      </a:fontRef>
+    </dgm:style>
+  </dgm:styleLbl>
+  <dgm:styleLbl name="lnNode1">
+    <dgm:scene3d>
+      <a:camera prst="orthographicFront"/>
+      <a:lightRig rig="threePt" dir="t"/>
+    </dgm:scene3d>
+    <dgm:sp3d/>
+    <dgm:txPr/>
+    <dgm:style>
+      <a:lnRef idx="2">
+        <a:scrgbClr r="0" g="0" b="0"/>
+      </a:lnRef>
+      <a:fillRef idx="1">
+        <a:scrgbClr r="0" g="0" b="0"/>
+      </a:fillRef>
+      <a:effectRef idx="0">
+        <a:scrgbClr r="0" g="0" b="0"/>
+      </a:effectRef>
+      <a:fontRef idx="minor">
+        <a:schemeClr val="lt1"/>
+      </a:fontRef>
+    </dgm:style>
+  </dgm:styleLbl>
+  <dgm:styleLbl name="vennNode1">
+    <dgm:scene3d>
+      <a:camera prst="orthographicFront"/>
+      <a:lightRig rig="threePt" dir="t"/>
+    </dgm:scene3d>
+    <dgm:sp3d/>
+    <dgm:txPr/>
+    <dgm:style>
+      <a:lnRef idx="2">
+        <a:scrgbClr r="0" g="0" b="0"/>
+      </a:lnRef>
+      <a:fillRef idx="1">
+        <a:scrgbClr r="0" g="0" b="0"/>
+      </a:fillRef>
+      <a:effectRef idx="0">
+        <a:scrgbClr r="0" g="0" b="0"/>
+      </a:effectRef>
+      <a:fontRef idx="minor">
+        <a:schemeClr val="tx1"/>
+      </a:fontRef>
+    </dgm:style>
+  </dgm:styleLbl>
+  <dgm:styleLbl name="alignNode1">
+    <dgm:scene3d>
+      <a:camera prst="orthographicFront"/>
+      <a:lightRig rig="threePt" dir="t"/>
+    </dgm:scene3d>
+    <dgm:sp3d/>
+    <dgm:txPr/>
+    <dgm:style>
+      <a:lnRef idx="2">
+        <a:scrgbClr r="0" g="0" b="0"/>
+      </a:lnRef>
+      <a:fillRef idx="1">
+        <a:scrgbClr r="0" g="0" b="0"/>
+      </a:fillRef>
+      <a:effectRef idx="0">
+        <a:scrgbClr r="0" g="0" b="0"/>
+      </a:effectRef>
+      <a:fontRef idx="minor">
+        <a:schemeClr val="lt1"/>
+      </a:fontRef>
+    </dgm:style>
+  </dgm:styleLbl>
+  <dgm:styleLbl name="node1">
+    <dgm:scene3d>
+      <a:camera prst="orthographicFront"/>
+      <a:lightRig rig="threePt" dir="t"/>
+    </dgm:scene3d>
+    <dgm:sp3d/>
+    <dgm:txPr/>
+    <dgm:style>
+      <a:lnRef idx="2">
+        <a:scrgbClr r="0" g="0" b="0"/>
+      </a:lnRef>
+      <a:fillRef idx="1">
+        <a:scrgbClr r="0" g="0" b="0"/>
+      </a:fillRef>
+      <a:effectRef idx="0">
+        <a:scrgbClr r="0" g="0" b="0"/>
+      </a:effectRef>
+      <a:fontRef idx="minor">
+        <a:schemeClr val="lt1"/>
+      </a:fontRef>
+    </dgm:style>
+  </dgm:styleLbl>
+  <dgm:styleLbl name="node2">
+    <dgm:scene3d>
+      <a:camera prst="orthographicFront"/>
+      <a:lightRig rig="threePt" dir="t"/>
+    </dgm:scene3d>
+    <dgm:sp3d/>
+    <dgm:txPr/>
+    <dgm:style>
+      <a:lnRef idx="2">
+        <a:scrgbClr r="0" g="0" b="0"/>
+      </a:lnRef>
+      <a:fillRef idx="1">
+        <a:scrgbClr r="0" g="0" b="0"/>
+      </a:fillRef>
+      <a:effectRef idx="0">
+        <a:scrgbClr r="0" g="0" b="0"/>
+      </a:effectRef>
+      <a:fontRef idx="minor">
+        <a:schemeClr val="lt1"/>
+      </a:fontRef>
+    </dgm:style>
+  </dgm:styleLbl>
+  <dgm:styleLbl name="node3">
+    <dgm:scene3d>
+      <a:camera prst="orthographicFront"/>
+      <a:lightRig rig="threePt" dir="t"/>
+    </dgm:scene3d>
+    <dgm:sp3d/>
+    <dgm:txPr/>
+    <dgm:style>
+      <a:lnRef idx="2">
+        <a:scrgbClr r="0" g="0" b="0"/>
+      </a:lnRef>
+      <a:fillRef idx="1">
+        <a:scrgbClr r="0" g="0" b="0"/>
+      </a:fillRef>
+      <a:effectRef idx="0">
+        <a:scrgbClr r="0" g="0" b="0"/>
+      </a:effectRef>
+      <a:fontRef idx="minor">
+        <a:schemeClr val="lt1"/>
+      </a:fontRef>
+    </dgm:style>
+  </dgm:styleLbl>
+  <dgm:styleLbl name="node4">
+    <dgm:scene3d>
+      <a:camera prst="orthographicFront"/>
+      <a:lightRig rig="threePt" dir="t"/>
+    </dgm:scene3d>
+    <dgm:sp3d/>
+    <dgm:txPr/>
+    <dgm:style>
+      <a:lnRef idx="2">
+        <a:scrgbClr r="0" g="0" b="0"/>
+      </a:lnRef>
+      <a:fillRef idx="1">
+        <a:scrgbClr r="0" g="0" b="0"/>
+      </a:fillRef>
+      <a:effectRef idx="0">
+        <a:scrgbClr r="0" g="0" b="0"/>
+      </a:effectRef>
+      <a:fontRef idx="minor">
+        <a:schemeClr val="lt1"/>
+      </a:fontRef>
+    </dgm:style>
+  </dgm:styleLbl>
+  <dgm:styleLbl name="fgImgPlace1">
+    <dgm:scene3d>
+      <a:camera prst="orthographicFront"/>
+      <a:lightRig rig="threePt" dir="t"/>
+    </dgm:scene3d>
+    <dgm:sp3d/>
+    <dgm:txPr/>
+    <dgm:style>
+      <a:lnRef idx="2">
+        <a:scrgbClr r="0" g="0" b="0"/>
+      </a:lnRef>
+      <a:fillRef idx="1">
+        <a:scrgbClr r="0" g="0" b="0"/>
+      </a:fillRef>
+      <a:effectRef idx="0">
+        <a:scrgbClr r="0" g="0" b="0"/>
+      </a:effectRef>
+      <a:fontRef idx="minor"/>
+    </dgm:style>
+  </dgm:styleLbl>
+  <dgm:styleLbl name="alignImgPlace1">
+    <dgm:scene3d>
+      <a:camera prst="orthographicFront"/>
+      <a:lightRig rig="threePt" dir="t"/>
+    </dgm:scene3d>
+    <dgm:sp3d/>
+    <dgm:txPr/>
+    <dgm:style>
+      <a:lnRef idx="2">
+        <a:scrgbClr r="0" g="0" b="0"/>
+      </a:lnRef>
+      <a:fillRef idx="1">
+        <a:scrgbClr r="0" g="0" b="0"/>
+      </a:fillRef>
+      <a:effectRef idx="0">
+        <a:scrgbClr r="0" g="0" b="0"/>
+      </a:effectRef>
+      <a:fontRef idx="minor"/>
+    </dgm:style>
+  </dgm:styleLbl>
+  <dgm:styleLbl name="bgImgPlace1">
+    <dgm:scene3d>
+      <a:camera prst="orthographicFront"/>
+      <a:lightRig rig="threePt" dir="t"/>
+    </dgm:scene3d>
+    <dgm:sp3d/>
+    <dgm:txPr/>
+    <dgm:style>
+      <a:lnRef idx="2">
+        <a:scrgbClr r="0" g="0" b="0"/>
+      </a:lnRef>
+      <a:fillRef idx="1">
+        <a:scrgbClr r="0" g="0" b="0"/>
+      </a:fillRef>
+      <a:effectRef idx="0">
+        <a:scrgbClr r="0" g="0" b="0"/>
+      </a:effectRef>
+      <a:fontRef idx="minor"/>
+    </dgm:style>
+  </dgm:styleLbl>
+  <dgm:styleLbl name="sibTrans2D1">
+    <dgm:scene3d>
+      <a:camera prst="orthographicFront"/>
+      <a:lightRig rig="threePt" dir="t"/>
+    </dgm:scene3d>
+    <dgm:sp3d/>
+    <dgm:txPr/>
+    <dgm:style>
+      <a:lnRef idx="0">
+        <a:scrgbClr r="0" g="0" b="0"/>
+      </a:lnRef>
+      <a:fillRef idx="1">
+        <a:scrgbClr r="0" g="0" b="0"/>
+      </a:fillRef>
+      <a:effectRef idx="0">
+        <a:scrgbClr r="0" g="0" b="0"/>
+      </a:effectRef>
+      <a:fontRef idx="minor">
+        <a:schemeClr val="lt1"/>
+      </a:fontRef>
+    </dgm:style>
+  </dgm:styleLbl>
+  <dgm:styleLbl name="fgSibTrans2D1">
+    <dgm:scene3d>
+      <a:camera prst="orthographicFront"/>
+      <a:lightRig rig="threePt" dir="t"/>
+    </dgm:scene3d>
+    <dgm:sp3d/>
+    <dgm:txPr/>
+    <dgm:style>
+      <a:lnRef idx="0">
+        <a:scrgbClr r="0" g="0" b="0"/>
+      </a:lnRef>
+      <a:fillRef idx="1">
+        <a:scrgbClr r="0" g="0" b="0"/>
+      </a:fillRef>
+      <a:effectRef idx="0">
+        <a:scrgbClr r="0" g="0" b="0"/>
+      </a:effectRef>
+      <a:fontRef idx="minor">
+        <a:schemeClr val="lt1"/>
+      </a:fontRef>
+    </dgm:style>
+  </dgm:styleLbl>
+  <dgm:styleLbl name="bgSibTrans2D1">
+    <dgm:scene3d>
+      <a:camera prst="orthographicFront"/>
+      <a:lightRig rig="threePt" dir="t"/>
+    </dgm:scene3d>
+    <dgm:sp3d/>
+    <dgm:txPr/>
+    <dgm:style>
+      <a:lnRef idx="0">
+        <a:scrgbClr r="0" g="0" b="0"/>
+      </a:lnRef>
+      <a:fillRef idx="1">
+        <a:scrgbClr r="0" g="0" b="0"/>
+      </a:fillRef>
+      <a:effectRef idx="0">
+        <a:scrgbClr r="0" g="0" b="0"/>
+      </a:effectRef>
+      <a:fontRef idx="minor">
+        <a:schemeClr val="lt1"/>
+      </a:fontRef>
+    </dgm:style>
+  </dgm:styleLbl>
+  <dgm:styleLbl name="sibTrans1D1">
+    <dgm:scene3d>
+      <a:camera prst="orthographicFront"/>
+      <a:lightRig rig="threePt" dir="t"/>
+    </dgm:scene3d>
+    <dgm:sp3d/>
+    <dgm:txPr/>
+    <dgm:style>
+      <a:lnRef idx="1">
+        <a:scrgbClr r="0" g="0" b="0"/>
+      </a:lnRef>
+      <a:fillRef idx="0">
+        <a:scrgbClr r="0" g="0" b="0"/>
+      </a:fillRef>
+      <a:effectRef idx="0">
+        <a:scrgbClr r="0" g="0" b="0"/>
+      </a:effectRef>
+      <a:fontRef idx="minor"/>
+    </dgm:style>
+  </dgm:styleLbl>
+  <dgm:styleLbl name="callout">
+    <dgm:scene3d>
+      <a:camera prst="orthographicFront"/>
+      <a:lightRig rig="threePt" dir="t"/>
+    </dgm:scene3d>
+    <dgm:sp3d/>
+    <dgm:txPr/>
+    <dgm:style>
+      <a:lnRef idx="2">
+        <a:scrgbClr r="0" g="0" b="0"/>
+      </a:lnRef>
+      <a:fillRef idx="1">
+        <a:scrgbClr r="0" g="0" b="0"/>
+      </a:fillRef>
+      <a:effectRef idx="0">
+        <a:scrgbClr r="0" g="0" b="0"/>
+      </a:effectRef>
+      <a:fontRef idx="minor"/>
+    </dgm:style>
+  </dgm:styleLbl>
+  <dgm:styleLbl name="asst0">
+    <dgm:scene3d>
+      <a:camera prst="orthographicFront"/>
+      <a:lightRig rig="threePt" dir="t"/>
+    </dgm:scene3d>
+    <dgm:sp3d/>
+    <dgm:txPr/>
+    <dgm:style>
+      <a:lnRef idx="2">
+        <a:scrgbClr r="0" g="0" b="0"/>
+      </a:lnRef>
+      <a:fillRef idx="1">
+        <a:scrgbClr r="0" g="0" b="0"/>
+      </a:fillRef>
+      <a:effectRef idx="0">
+        <a:scrgbClr r="0" g="0" b="0"/>
+      </a:effectRef>
+      <a:fontRef idx="minor">
+        <a:schemeClr val="lt1"/>
+      </a:fontRef>
+    </dgm:style>
+  </dgm:styleLbl>
+  <dgm:styleLbl name="asst1">
+    <dgm:scene3d>
+      <a:camera prst="orthographicFront"/>
+      <a:lightRig rig="threePt" dir="t"/>
+    </dgm:scene3d>
+    <dgm:sp3d/>
+    <dgm:txPr/>
+    <dgm:style>
+      <a:lnRef idx="2">
+        <a:scrgbClr r="0" g="0" b="0"/>
+      </a:lnRef>
+      <a:fillRef idx="1">
+        <a:scrgbClr r="0" g="0" b="0"/>
+      </a:fillRef>
+      <a:effectRef idx="0">
+        <a:scrgbClr r="0" g="0" b="0"/>
+      </a:effectRef>
+      <a:fontRef idx="minor">
+        <a:schemeClr val="lt1"/>
+      </a:fontRef>
+    </dgm:style>
+  </dgm:styleLbl>
+  <dgm:styleLbl name="asst2">
+    <dgm:scene3d>
+      <a:camera prst="orthographicFront"/>
+      <a:lightRig rig="threePt" dir="t"/>
+    </dgm:scene3d>
+    <dgm:sp3d/>
+    <dgm:txPr/>
+    <dgm:style>
+      <a:lnRef idx="2">
+        <a:scrgbClr r="0" g="0" b="0"/>
+      </a:lnRef>
+      <a:fillRef idx="1">
+        <a:scrgbClr r="0" g="0" b="0"/>
+      </a:fillRef>
+      <a:effectRef idx="0">
+        <a:scrgbClr r="0" g="0" b="0"/>
+      </a:effectRef>
+      <a:fontRef idx="minor">
+        <a:schemeClr val="lt1"/>
+      </a:fontRef>
+    </dgm:style>
+  </dgm:styleLbl>
+  <dgm:styleLbl name="asst3">
+    <dgm:scene3d>
+      <a:camera prst="orthographicFront"/>
+      <a:lightRig rig="threePt" dir="t"/>
+    </dgm:scene3d>
+    <dgm:sp3d/>
+    <dgm:txPr/>
+    <dgm:style>
+      <a:lnRef idx="2">
+        <a:scrgbClr r="0" g="0" b="0"/>
+      </a:lnRef>
+      <a:fillRef idx="1">
+        <a:scrgbClr r="0" g="0" b="0"/>
+      </a:fillRef>
+      <a:effectRef idx="0">
+        <a:scrgbClr r="0" g="0" b="0"/>
+      </a:effectRef>
+      <a:fontRef idx="minor">
+        <a:schemeClr val="lt1"/>
+      </a:fontRef>
+    </dgm:style>
+  </dgm:styleLbl>
+  <dgm:styleLbl name="asst4">
+    <dgm:scene3d>
+      <a:camera prst="orthographicFront"/>
+      <a:lightRig rig="threePt" dir="t"/>
+    </dgm:scene3d>
+    <dgm:sp3d/>
+    <dgm:txPr/>
+    <dgm:style>
+      <a:lnRef idx="2">
+        <a:scrgbClr r="0" g="0" b="0"/>
+      </a:lnRef>
+      <a:fillRef idx="1">
+        <a:scrgbClr r="0" g="0" b="0"/>
+      </a:fillRef>
+      <a:effectRef idx="0">
+        <a:scrgbClr r="0" g="0" b="0"/>
+      </a:effectRef>
+      <a:fontRef idx="minor">
+        <a:schemeClr val="lt1"/>
+      </a:fontRef>
+    </dgm:style>
+  </dgm:styleLbl>
+  <dgm:styleLbl name="parChTrans2D1">
+    <dgm:scene3d>
+      <a:camera prst="orthographicFront"/>
+      <a:lightRig rig="threePt" dir="t"/>
+    </dgm:scene3d>
+    <dgm:sp3d/>
+    <dgm:txPr/>
+    <dgm:style>
+      <a:lnRef idx="2">
+        <a:scrgbClr r="0" g="0" b="0"/>
+      </a:lnRef>
+      <a:fillRef idx="1">
+        <a:scrgbClr r="0" g="0" b="0"/>
+      </a:fillRef>
+      <a:effectRef idx="0">
+        <a:scrgbClr r="0" g="0" b="0"/>
+      </a:effectRef>
+      <a:fontRef idx="minor">
+        <a:schemeClr val="lt1"/>
+      </a:fontRef>
+    </dgm:style>
+  </dgm:styleLbl>
+  <dgm:styleLbl name="parChTrans2D2">
+    <dgm:scene3d>
+      <a:camera prst="orthographicFront"/>
+      <a:lightRig rig="threePt" dir="t"/>
+    </dgm:scene3d>
+    <dgm:sp3d/>
+    <dgm:txPr/>
+    <dgm:style>
+      <a:lnRef idx="2">
+        <a:scrgbClr r="0" g="0" b="0"/>
+      </a:lnRef>
+      <a:fillRef idx="1">
+        <a:scrgbClr r="0" g="0" b="0"/>
+      </a:fillRef>
+      <a:effectRef idx="0">
+        <a:scrgbClr r="0" g="0" b="0"/>
+      </a:effectRef>
+      <a:fontRef idx="minor">
+        <a:schemeClr val="lt1"/>
+      </a:fontRef>
+    </dgm:style>
+  </dgm:styleLbl>
+  <dgm:styleLbl name="parChTrans2D3">
+    <dgm:scene3d>
+      <a:camera prst="orthographicFront"/>
+      <a:lightRig rig="threePt" dir="t"/>
+    </dgm:scene3d>
+    <dgm:sp3d/>
+    <dgm:txPr/>
+    <dgm:style>
+      <a:lnRef idx="2">
+        <a:scrgbClr r="0" g="0" b="0"/>
+      </a:lnRef>
+      <a:fillRef idx="1">
+        <a:scrgbClr r="0" g="0" b="0"/>
+      </a:fillRef>
+      <a:effectRef idx="0">
+        <a:scrgbClr r="0" g="0" b="0"/>
+      </a:effectRef>
+      <a:fontRef idx="minor">
+        <a:schemeClr val="lt1"/>
+      </a:fontRef>
+    </dgm:style>
+  </dgm:styleLbl>
+  <dgm:styleLbl name="parChTrans2D4">
+    <dgm:scene3d>
+      <a:camera prst="orthographicFront"/>
+      <a:lightRig rig="threePt" dir="t"/>
+    </dgm:scene3d>
+    <dgm:sp3d/>
+    <dgm:txPr/>
+    <dgm:style>
+      <a:lnRef idx="2">
+        <a:scrgbClr r="0" g="0" b="0"/>
+      </a:lnRef>
+      <a:fillRef idx="1">
+        <a:scrgbClr r="0" g="0" b="0"/>
+      </a:fillRef>
+      <a:effectRef idx="0">
+        <a:scrgbClr r="0" g="0" b="0"/>
+      </a:effectRef>
+      <a:fontRef idx="minor">
+        <a:schemeClr val="lt1"/>
+      </a:fontRef>
+    </dgm:style>
+  </dgm:styleLbl>
+  <dgm:styleLbl name="parChTrans1D1">
+    <dgm:scene3d>
+      <a:camera prst="orthographicFront"/>
+      <a:lightRig rig="threePt" dir="t"/>
+    </dgm:scene3d>
+    <dgm:sp3d/>
+    <dgm:txPr/>
+    <dgm:style>
+      <a:lnRef idx="2">
+        <a:scrgbClr r="0" g="0" b="0"/>
+      </a:lnRef>
+      <a:fillRef idx="0">
+        <a:scrgbClr r="0" g="0" b="0"/>
+      </a:fillRef>
+      <a:effectRef idx="0">
+        <a:scrgbClr r="0" g="0" b="0"/>
+      </a:effectRef>
+      <a:fontRef idx="minor"/>
+    </dgm:style>
+  </dgm:styleLbl>
+  <dgm:styleLbl name="parChTrans1D2">
+    <dgm:scene3d>
+      <a:camera prst="orthographicFront"/>
+      <a:lightRig rig="threePt" dir="t"/>
+    </dgm:scene3d>
+    <dgm:sp3d/>
+    <dgm:txPr/>
+    <dgm:style>
+      <a:lnRef idx="2">
+        <a:scrgbClr r="0" g="0" b="0"/>
+      </a:lnRef>
+      <a:fillRef idx="0">
+        <a:scrgbClr r="0" g="0" b="0"/>
+      </a:fillRef>
+      <a:effectRef idx="0">
+        <a:scrgbClr r="0" g="0" b="0"/>
+      </a:effectRef>
+      <a:fontRef idx="minor"/>
+    </dgm:style>
+  </dgm:styleLbl>
+  <dgm:styleLbl name="parChTrans1D3">
+    <dgm:scene3d>
+      <a:camera prst="orthographicFront"/>
+      <a:lightRig rig="threePt" dir="t"/>
+    </dgm:scene3d>
+    <dgm:sp3d/>
+    <dgm:txPr/>
+    <dgm:style>
+      <a:lnRef idx="2">
+        <a:scrgbClr r="0" g="0" b="0"/>
+      </a:lnRef>
+      <a:fillRef idx="0">
+        <a:scrgbClr r="0" g="0" b="0"/>
+      </a:fillRef>
+      <a:effectRef idx="0">
+        <a:scrgbClr r="0" g="0" b="0"/>
+      </a:effectRef>
+      <a:fontRef idx="minor"/>
+    </dgm:style>
+  </dgm:styleLbl>
+  <dgm:styleLbl name="parChTrans1D4">
+    <dgm:scene3d>
+      <a:camera prst="orthographicFront"/>
+      <a:lightRig rig="threePt" dir="t"/>
+    </dgm:scene3d>
+    <dgm:sp3d/>
+    <dgm:txPr/>
+    <dgm:style>
+      <a:lnRef idx="2">
+        <a:scrgbClr r="0" g="0" b="0"/>
+      </a:lnRef>
+      <a:fillRef idx="0">
+        <a:scrgbClr r="0" g="0" b="0"/>
+      </a:fillRef>
+      <a:effectRef idx="0">
+        <a:scrgbClr r="0" g="0" b="0"/>
+      </a:effectRef>
+      <a:fontRef idx="minor"/>
+    </dgm:style>
+  </dgm:styleLbl>
+  <dgm:styleLbl name="fgAcc1">
+    <dgm:scene3d>
+      <a:camera prst="orthographicFront"/>
+      <a:lightRig rig="threePt" dir="t"/>
+    </dgm:scene3d>
+    <dgm:sp3d/>
+    <dgm:txPr/>
+    <dgm:style>
+      <a:lnRef idx="2">
+        <a:scrgbClr r="0" g="0" b="0"/>
+      </a:lnRef>
+      <a:fillRef idx="1">
+        <a:scrgbClr r="0" g="0" b="0"/>
+      </a:fillRef>
+      <a:effectRef idx="0">
+        <a:scrgbClr r="0" g="0" b="0"/>
+      </a:effectRef>
+      <a:fontRef idx="minor"/>
+    </dgm:style>
+  </dgm:styleLbl>
+  <dgm:styleLbl name="conFgAcc1">
+    <dgm:scene3d>
+      <a:camera prst="orthographicFront"/>
+      <a:lightRig rig="threePt" dir="t"/>
+    </dgm:scene3d>
+    <dgm:sp3d/>
+    <dgm:txPr/>
+    <dgm:style>
+      <a:lnRef idx="2">
+        <a:scrgbClr r="0" g="0" b="0"/>
+      </a:lnRef>
+      <a:fillRef idx="1">
+        <a:scrgbClr r="0" g="0" b="0"/>
+      </a:fillRef>
+      <a:effectRef idx="0">
+        <a:scrgbClr r="0" g="0" b="0"/>
+      </a:effectRef>
+      <a:fontRef idx="minor"/>
+    </dgm:style>
+  </dgm:styleLbl>
+  <dgm:styleLbl name="alignAcc1">
+    <dgm:scene3d>
+      <a:camera prst="orthographicFront"/>
+      <a:lightRig rig="threePt" dir="t"/>
+    </dgm:scene3d>
+    <dgm:sp3d/>
+    <dgm:txPr/>
+    <dgm:style>
+      <a:lnRef idx="2">
+        <a:scrgbClr r="0" g="0" b="0"/>
+      </a:lnRef>
+      <a:fillRef idx="1">
+        <a:scrgbClr r="0" g="0" b="0"/>
+      </a:fillRef>
+      <a:effectRef idx="0">
+        <a:scrgbClr r="0" g="0" b="0"/>
+      </a:effectRef>
+      <a:fontRef idx="minor"/>
+    </dgm:style>
+  </dgm:styleLbl>
+  <dgm:styleLbl name="trAlignAcc1">
+    <dgm:scene3d>
+      <a:camera prst="orthographicFront"/>
+      <a:lightRig rig="threePt" dir="t"/>
+    </dgm:scene3d>
+    <dgm:sp3d/>
+    <dgm:txPr/>
+    <dgm:style>
+      <a:lnRef idx="1">
+        <a:scrgbClr r="0" g="0" b="0"/>
+      </a:lnRef>
+      <a:fillRef idx="1">
+        <a:scrgbClr r="0" g="0" b="0"/>
+      </a:fillRef>
+      <a:effectRef idx="0">
+        <a:scrgbClr r="0" g="0" b="0"/>
+      </a:effectRef>
+      <a:fontRef idx="minor"/>
+    </dgm:style>
+  </dgm:styleLbl>
+  <dgm:styleLbl name="bgAcc1">
+    <dgm:scene3d>
+      <a:camera prst="orthographicFront"/>
+      <a:lightRig rig="threePt" dir="t"/>
+    </dgm:scene3d>
+    <dgm:sp3d/>
+    <dgm:txPr/>
+    <dgm:style>
+      <a:lnRef idx="2">
+        <a:scrgbClr r="0" g="0" b="0"/>
+      </a:lnRef>
+      <a:fillRef idx="1">
+        <a:scrgbClr r="0" g="0" b="0"/>
+      </a:fillRef>
+      <a:effectRef idx="0">
+        <a:scrgbClr r="0" g="0" b="0"/>
+      </a:effectRef>
+      <a:fontRef idx="minor"/>
+    </dgm:style>
+  </dgm:styleLbl>
+  <dgm:styleLbl name="solidFgAcc1">
+    <dgm:scene3d>
+      <a:camera prst="orthographicFront"/>
+      <a:lightRig rig="threePt" dir="t"/>
+    </dgm:scene3d>
+    <dgm:sp3d/>
+    <dgm:txPr/>
+    <dgm:style>
+      <a:lnRef idx="2">
+        <a:scrgbClr r="0" g="0" b="0"/>
+      </a:lnRef>
+      <a:fillRef idx="1">
+        <a:scrgbClr r="0" g="0" b="0"/>
+      </a:fillRef>
+      <a:effectRef idx="0">
+        <a:scrgbClr r="0" g="0" b="0"/>
+      </a:effectRef>
+      <a:fontRef idx="minor"/>
+    </dgm:style>
+  </dgm:styleLbl>
+  <dgm:styleLbl name="solidAlignAcc1">
+    <dgm:scene3d>
+      <a:camera prst="orthographicFront"/>
+      <a:lightRig rig="threePt" dir="t"/>
+    </dgm:scene3d>
+    <dgm:sp3d/>
+    <dgm:txPr/>
+    <dgm:style>
+      <a:lnRef idx="2">
+        <a:scrgbClr r="0" g="0" b="0"/>
+      </a:lnRef>
+      <a:fillRef idx="1">
+        <a:scrgbClr r="0" g="0" b="0"/>
+      </a:fillRef>
+      <a:effectRef idx="0">
+        <a:scrgbClr r="0" g="0" b="0"/>
+      </a:effectRef>
+      <a:fontRef idx="minor"/>
+    </dgm:style>
+  </dgm:styleLbl>
+  <dgm:styleLbl name="solidBgAcc1">
+    <dgm:scene3d>
+      <a:camera prst="orthographicFront"/>
+      <a:lightRig rig="threePt" dir="t"/>
+    </dgm:scene3d>
+    <dgm:sp3d/>
+    <dgm:txPr/>
+    <dgm:style>
+      <a:lnRef idx="2">
+        <a:scrgbClr r="0" g="0" b="0"/>
+      </a:lnRef>
+      <a:fillRef idx="1">
+        <a:scrgbClr r="0" g="0" b="0"/>
+      </a:fillRef>
+      <a:effectRef idx="0">
+        <a:scrgbClr r="0" g="0" b="0"/>
+      </a:effectRef>
+      <a:fontRef idx="minor"/>
+    </dgm:style>
+  </dgm:styleLbl>
+  <dgm:styleLbl name="fgAccFollowNode1">
+    <dgm:scene3d>
+      <a:camera prst="orthographicFront"/>
+      <a:lightRig rig="threePt" dir="t"/>
+    </dgm:scene3d>
+    <dgm:sp3d/>
+    <dgm:txPr/>
+    <dgm:style>
+      <a:lnRef idx="2">
+        <a:scrgbClr r="0" g="0" b="0"/>
+      </a:lnRef>
+      <a:fillRef idx="1">
+        <a:scrgbClr r="0" g="0" b="0"/>
+      </a:fillRef>
+      <a:effectRef idx="0">
+        <a:scrgbClr r="0" g="0" b="0"/>
+      </a:effectRef>
+      <a:fontRef idx="minor"/>
+    </dgm:style>
+  </dgm:styleLbl>
+  <dgm:styleLbl name="alignAccFollowNode1">
+    <dgm:scene3d>
+      <a:camera prst="orthographicFront"/>
+      <a:lightRig rig="threePt" dir="t"/>
+    </dgm:scene3d>
+    <dgm:sp3d/>
+    <dgm:txPr/>
+    <dgm:style>
+      <a:lnRef idx="2">
+        <a:scrgbClr r="0" g="0" b="0"/>
+      </a:lnRef>
+      <a:fillRef idx="1">
+        <a:scrgbClr r="0" g="0" b="0"/>
+      </a:fillRef>
+      <a:effectRef idx="0">
+        <a:scrgbClr r="0" g="0" b="0"/>
+      </a:effectRef>
+      <a:fontRef idx="minor"/>
+    </dgm:style>
+  </dgm:styleLbl>
+  <dgm:styleLbl name="bgAccFollowNode1">
+    <dgm:scene3d>
+      <a:camera prst="orthographicFront"/>
+      <a:lightRig rig="threePt" dir="t"/>
+    </dgm:scene3d>
+    <dgm:sp3d/>
+    <dgm:txPr/>
+    <dgm:style>
+      <a:lnRef idx="2">
+        <a:scrgbClr r="0" g="0" b="0"/>
+      </a:lnRef>
+      <a:fillRef idx="1">
+        <a:scrgbClr r="0" g="0" b="0"/>
+      </a:fillRef>
+      <a:effectRef idx="0">
+        <a:scrgbClr r="0" g="0" b="0"/>
+      </a:effectRef>
+      <a:fontRef idx="minor"/>
+    </dgm:style>
+  </dgm:styleLbl>
+  <dgm:styleLbl name="fgAcc0">
+    <dgm:scene3d>
+      <a:camera prst="orthographicFront"/>
+      <a:lightRig rig="threePt" dir="t"/>
+    </dgm:scene3d>
+    <dgm:sp3d/>
+    <dgm:txPr/>
+    <dgm:style>
+      <a:lnRef idx="2">
+        <a:scrgbClr r="0" g="0" b="0"/>
+      </a:lnRef>
+      <a:fillRef idx="1">
+        <a:scrgbClr r="0" g="0" b="0"/>
+      </a:fillRef>
+      <a:effectRef idx="0">
+        <a:scrgbClr r="0" g="0" b="0"/>
+      </a:effectRef>
+      <a:fontRef idx="minor"/>
+    </dgm:style>
+  </dgm:styleLbl>
+  <dgm:styleLbl name="fgAcc2">
+    <dgm:scene3d>
+      <a:camera prst="orthographicFront"/>
+      <a:lightRig rig="threePt" dir="t"/>
+    </dgm:scene3d>
+    <dgm:sp3d/>
+    <dgm:txPr/>
+    <dgm:style>
+      <a:lnRef idx="2">
+        <a:scrgbClr r="0" g="0" b="0"/>
+      </a:lnRef>
+      <a:fillRef idx="1">
+        <a:scrgbClr r="0" g="0" b="0"/>
+      </a:fillRef>
+      <a:effectRef idx="0">
+        <a:scrgbClr r="0" g="0" b="0"/>
+      </a:effectRef>
+      <a:fontRef idx="minor"/>
+    </dgm:style>
+  </dgm:styleLbl>
+  <dgm:styleLbl name="fgAcc3">
+    <dgm:scene3d>
+      <a:camera prst="orthographicFront"/>
+      <a:lightRig rig="threePt" dir="t"/>
+    </dgm:scene3d>
+    <dgm:sp3d/>
+    <dgm:txPr/>
+    <dgm:style>
+      <a:lnRef idx="2">
+        <a:scrgbClr r="0" g="0" b="0"/>
+      </a:lnRef>
+      <a:fillRef idx="1">
+        <a:scrgbClr r="0" g="0" b="0"/>
+      </a:fillRef>
+      <a:effectRef idx="0">
+        <a:scrgbClr r="0" g="0" b="0"/>
+      </a:effectRef>
+      <a:fontRef idx="minor"/>
+    </dgm:style>
+  </dgm:styleLbl>
+  <dgm:styleLbl name="fgAcc4">
+    <dgm:scene3d>
+      <a:camera prst="orthographicFront"/>
+      <a:lightRig rig="threePt" dir="t"/>
+    </dgm:scene3d>
+    <dgm:sp3d/>
+    <dgm:txPr/>
+    <dgm:style>
+      <a:lnRef idx="2">
+        <a:scrgbClr r="0" g="0" b="0"/>
+      </a:lnRef>
+      <a:fillRef idx="1">
+        <a:scrgbClr r="0" g="0" b="0"/>
+      </a:fillRef>
+      <a:effectRef idx="0">
+        <a:scrgbClr r="0" g="0" b="0"/>
+      </a:effectRef>
+      <a:fontRef idx="minor"/>
+    </dgm:style>
+  </dgm:styleLbl>
+  <dgm:styleLbl name="bgShp">
+    <dgm:scene3d>
+      <a:camera prst="orthographicFront"/>
+      <a:lightRig rig="threePt" dir="t"/>
+    </dgm:scene3d>
+    <dgm:sp3d/>
+    <dgm:txPr/>
+    <dgm:style>
+      <a:lnRef idx="0">
+        <a:scrgbClr r="0" g="0" b="0"/>
+      </a:lnRef>
+      <a:fillRef idx="1">
+        <a:scrgbClr r="0" g="0" b="0"/>
+      </a:fillRef>
+      <a:effectRef idx="0">
+        <a:scrgbClr r="0" g="0" b="0"/>
+      </a:effectRef>
+      <a:fontRef idx="minor"/>
+    </dgm:style>
+  </dgm:styleLbl>
+  <dgm:styleLbl name="dkBgShp">
+    <dgm:scene3d>
+      <a:camera prst="orthographicFront"/>
+      <a:lightRig rig="threePt" dir="t"/>
+    </dgm:scene3d>
+    <dgm:sp3d/>
+    <dgm:txPr/>
+    <dgm:style>
+      <a:lnRef idx="0">
+        <a:scrgbClr r="0" g="0" b="0"/>
+      </a:lnRef>
+      <a:fillRef idx="1">
+        <a:scrgbClr r="0" g="0" b="0"/>
+      </a:fillRef>
+      <a:effectRef idx="0">
+        <a:scrgbClr r="0" g="0" b="0"/>
+      </a:effectRef>
+      <a:fontRef idx="minor"/>
+    </dgm:style>
+  </dgm:styleLbl>
+  <dgm:styleLbl name="trBgShp">
+    <dgm:scene3d>
+      <a:camera prst="orthographicFront"/>
+      <a:lightRig rig="threePt" dir="t"/>
+    </dgm:scene3d>
+    <dgm:sp3d/>
+    <dgm:txPr/>
+    <dgm:style>
+      <a:lnRef idx="0">
+        <a:scrgbClr r="0" g="0" b="0"/>
+      </a:lnRef>
+      <a:fillRef idx="1">
+        <a:scrgbClr r="0" g="0" b="0"/>
+      </a:fillRef>
+      <a:effectRef idx="0">
+        <a:scrgbClr r="0" g="0" b="0"/>
+      </a:effectRef>
+      <a:fontRef idx="minor"/>
+    </dgm:style>
+  </dgm:styleLbl>
+  <dgm:styleLbl name="fgShp">
+    <dgm:scene3d>
+      <a:camera prst="orthographicFront"/>
+      <a:lightRig rig="threePt" dir="t"/>
+    </dgm:scene3d>
+    <dgm:sp3d/>
+    <dgm:txPr/>
+    <dgm:style>
+      <a:lnRef idx="2">
+        <a:scrgbClr r="0" g="0" b="0"/>
+      </a:lnRef>
+      <a:fillRef idx="1">
+        <a:scrgbClr r="0" g="0" b="0"/>
+      </a:fillRef>
+      <a:effectRef idx="0">
+        <a:scrgbClr r="0" g="0" b="0"/>
+      </a:effectRef>
+      <a:fontRef idx="minor"/>
+    </dgm:style>
+  </dgm:styleLbl>
+  <dgm:styleLbl name="revTx">
+    <dgm:scene3d>
+      <a:camera prst="orthographicFront"/>
+      <a:lightRig rig="threePt" dir="t"/>
+    </dgm:scene3d>
+    <dgm:sp3d/>
+    <dgm:txPr/>
+    <dgm:style>
+      <a:lnRef idx="0">
+        <a:scrgbClr r="0" g="0" b="0"/>
+      </a:lnRef>
+      <a:fillRef idx="0">
+        <a:scrgbClr r="0" g="0" b="0"/>
+      </a:fillRef>
+      <a:effectRef idx="0">
+        <a:scrgbClr r="0" g="0" b="0"/>
+      </a:effectRef>
+      <a:fontRef idx="minor"/>
+    </dgm:style>
+  </dgm:styleLbl>
+</dgm:styleDef>
+</file>
+
+<file path=ppt/diagrams/quickStyle4.xml><?xml version="1.0" encoding="utf-8"?>
 <dgm:styleDef xmlns:dgm="http://schemas.openxmlformats.org/drawingml/2006/diagram" xmlns:a="http://schemas.openxmlformats.org/drawingml/2006/main" uniqueId="urn:microsoft.com/office/officeart/2005/8/quickstyle/simple1">
   <dgm:title val=""/>
   <dgm:desc val=""/>
@@ -14393,31 +17610,6 @@
           </a:p>
         </p:txBody>
       </p:sp>
-      <p:sp>
-        <p:nvSpPr>
-          <p:cNvPr id="5" name="Subtítulo 4">
-            <a:extLst>
-              <a:ext uri="{FF2B5EF4-FFF2-40B4-BE49-F238E27FC236}">
-                <a16:creationId xmlns:a16="http://schemas.microsoft.com/office/drawing/2014/main" id="{5172DD45-1C6F-8F0C-459C-4CDBFE81717F}"/>
-              </a:ext>
-            </a:extLst>
-          </p:cNvPr>
-          <p:cNvSpPr>
-            <a:spLocks noGrp="1"/>
-          </p:cNvSpPr>
-          <p:nvPr>
-            <p:ph type="subTitle" idx="1"/>
-          </p:nvPr>
-        </p:nvSpPr>
-        <p:spPr/>
-        <p:txBody>
-          <a:bodyPr/>
-          <a:lstStyle/>
-          <a:p>
-            <a:endParaRPr lang="pt-BR"/>
-          </a:p>
-        </p:txBody>
-      </p:sp>
     </p:spTree>
     <p:extLst>
       <p:ext uri="{BB962C8B-B14F-4D97-AF65-F5344CB8AC3E}">
@@ -14972,7 +18164,18 @@
           <p:nvPr/>
         </p:nvPicPr>
         <p:blipFill>
-          <a:blip r:embed="rId2"/>
+          <a:blip r:embed="rId2">
+            <a:clrChange>
+              <a:clrFrom>
+                <a:srgbClr val="FFFFFF"/>
+              </a:clrFrom>
+              <a:clrTo>
+                <a:srgbClr val="FFFFFF">
+                  <a:alpha val="0"/>
+                </a:srgbClr>
+              </a:clrTo>
+            </a:clrChange>
+          </a:blip>
           <a:stretch>
             <a:fillRect/>
           </a:stretch>
@@ -15067,31 +18270,6 @@
               <a:rPr lang="pt-BR" b="1" dirty="0"/>
               <a:t> Life</a:t>
             </a:r>
-          </a:p>
-        </p:txBody>
-      </p:sp>
-      <p:sp>
-        <p:nvSpPr>
-          <p:cNvPr id="5" name="Subtítulo 4">
-            <a:extLst>
-              <a:ext uri="{FF2B5EF4-FFF2-40B4-BE49-F238E27FC236}">
-                <a16:creationId xmlns:a16="http://schemas.microsoft.com/office/drawing/2014/main" id="{3AC7B3FF-BFE7-642C-16F0-BF4A872F2EE5}"/>
-              </a:ext>
-            </a:extLst>
-          </p:cNvPr>
-          <p:cNvSpPr>
-            <a:spLocks noGrp="1"/>
-          </p:cNvSpPr>
-          <p:nvPr>
-            <p:ph type="subTitle" idx="1"/>
-          </p:nvPr>
-        </p:nvSpPr>
-        <p:spPr/>
-        <p:txBody>
-          <a:bodyPr/>
-          <a:lstStyle/>
-          <a:p>
-            <a:endParaRPr lang="pt-BR"/>
           </a:p>
         </p:txBody>
       </p:sp>
@@ -15767,6 +18945,104 @@
   <p:cSld>
     <p:spTree>
       <p:nvGrpSpPr>
+        <p:cNvPr id="1" name="">
+          <a:extLst>
+            <a:ext uri="{FF2B5EF4-FFF2-40B4-BE49-F238E27FC236}">
+              <a16:creationId xmlns:a16="http://schemas.microsoft.com/office/drawing/2014/main" id="{DCFD1A09-2953-A731-1767-D9E523A19B17}"/>
+            </a:ext>
+          </a:extLst>
+        </p:cNvPr>
+        <p:cNvGrpSpPr/>
+        <p:nvPr/>
+      </p:nvGrpSpPr>
+      <p:grpSpPr>
+        <a:xfrm>
+          <a:off x="0" y="0"/>
+          <a:ext cx="0" cy="0"/>
+          <a:chOff x="0" y="0"/>
+          <a:chExt cx="0" cy="0"/>
+        </a:xfrm>
+      </p:grpSpPr>
+      <p:sp>
+        <p:nvSpPr>
+          <p:cNvPr id="2" name="Título 1">
+            <a:extLst>
+              <a:ext uri="{FF2B5EF4-FFF2-40B4-BE49-F238E27FC236}">
+                <a16:creationId xmlns:a16="http://schemas.microsoft.com/office/drawing/2014/main" id="{C135D564-8B04-8E54-CF7E-BF2FF58EC123}"/>
+              </a:ext>
+            </a:extLst>
+          </p:cNvPr>
+          <p:cNvSpPr>
+            <a:spLocks noGrp="1"/>
+          </p:cNvSpPr>
+          <p:nvPr>
+            <p:ph type="title"/>
+          </p:nvPr>
+        </p:nvSpPr>
+        <p:spPr>
+          <a:xfrm>
+            <a:off x="322730" y="286871"/>
+            <a:ext cx="10772775" cy="848412"/>
+          </a:xfrm>
+        </p:spPr>
+        <p:txBody>
+          <a:bodyPr/>
+          <a:lstStyle/>
+          <a:p>
+            <a:r>
+              <a:rPr lang="pt-BR" b="1" dirty="0"/>
+              <a:t>Oportunidades</a:t>
+            </a:r>
+            <a:endParaRPr lang="pt-BR" dirty="0"/>
+          </a:p>
+        </p:txBody>
+      </p:sp>
+      <p:graphicFrame>
+        <p:nvGraphicFramePr>
+          <p:cNvPr id="3" name="Diagrama 2">
+            <a:extLst>
+              <a:ext uri="{FF2B5EF4-FFF2-40B4-BE49-F238E27FC236}">
+                <a16:creationId xmlns:a16="http://schemas.microsoft.com/office/drawing/2014/main" id="{90B5E03A-D6B7-CD40-D6A0-F6E3F65828E3}"/>
+              </a:ext>
+            </a:extLst>
+          </p:cNvPr>
+          <p:cNvGraphicFramePr/>
+          <p:nvPr>
+            <p:extLst>
+              <p:ext uri="{D42A27DB-BD31-4B8C-83A1-F6EECF244321}">
+                <p14:modId xmlns:p14="http://schemas.microsoft.com/office/powerpoint/2010/main" val="3690585515"/>
+              </p:ext>
+            </p:extLst>
+          </p:nvPr>
+        </p:nvGraphicFramePr>
+        <p:xfrm>
+          <a:off x="322729" y="1039907"/>
+          <a:ext cx="10614211" cy="4948518"/>
+        </p:xfrm>
+        <a:graphic>
+          <a:graphicData uri="http://schemas.openxmlformats.org/drawingml/2006/diagram">
+            <dgm:relIds xmlns:dgm="http://schemas.openxmlformats.org/drawingml/2006/diagram" xmlns:r="http://schemas.openxmlformats.org/officeDocument/2006/relationships" r:dm="rId2" r:lo="rId3" r:qs="rId4" r:cs="rId5"/>
+          </a:graphicData>
+        </a:graphic>
+      </p:graphicFrame>
+    </p:spTree>
+    <p:extLst>
+      <p:ext uri="{BB962C8B-B14F-4D97-AF65-F5344CB8AC3E}">
+        <p14:creationId xmlns:p14="http://schemas.microsoft.com/office/powerpoint/2010/main" val="61079187"/>
+      </p:ext>
+    </p:extLst>
+  </p:cSld>
+  <p:clrMapOvr>
+    <a:masterClrMapping/>
+  </p:clrMapOvr>
+</p:sld>
+</file>
+
+<file path=ppt/slides/slide16.xml><?xml version="1.0" encoding="utf-8"?>
+<p:sld xmlns:a="http://schemas.openxmlformats.org/drawingml/2006/main" xmlns:r="http://schemas.openxmlformats.org/officeDocument/2006/relationships" xmlns:p="http://schemas.openxmlformats.org/presentationml/2006/main">
+  <p:cSld>
+    <p:spTree>
+      <p:nvGrpSpPr>
         <p:cNvPr id="1" name=""/>
         <p:cNvGrpSpPr/>
         <p:nvPr/>
@@ -15897,6 +19173,147 @@
           <a:p>
             <a:pPr algn="ctr"/>
             <a:endParaRPr lang="pt-BR"/>
+          </a:p>
+        </p:txBody>
+      </p:sp>
+      <p:sp>
+        <p:nvSpPr>
+          <p:cNvPr id="6" name="CaixaDeTexto 5">
+            <a:extLst>
+              <a:ext uri="{FF2B5EF4-FFF2-40B4-BE49-F238E27FC236}">
+                <a16:creationId xmlns:a16="http://schemas.microsoft.com/office/drawing/2014/main" id="{085C05ED-D484-4656-4F0A-DEEEBA985527}"/>
+              </a:ext>
+            </a:extLst>
+          </p:cNvPr>
+          <p:cNvSpPr txBox="1"/>
+          <p:nvPr/>
+        </p:nvSpPr>
+        <p:spPr>
+          <a:xfrm>
+            <a:off x="1250397" y="3703918"/>
+            <a:ext cx="6096000" cy="369332"/>
+          </a:xfrm>
+          <a:prstGeom prst="rect">
+            <a:avLst/>
+          </a:prstGeom>
+          <a:noFill/>
+        </p:spPr>
+        <p:txBody>
+          <a:bodyPr wrap="square">
+            <a:spAutoFit/>
+          </a:bodyPr>
+          <a:lstStyle/>
+          <a:p>
+            <a:r>
+              <a:rPr lang="pt-BR" dirty="0">
+                <a:hlinkClick r:id="rId2"/>
+              </a:rPr>
+              <a:t>https://github.com/lucasrigobello/predictivemaintenance</a:t>
+            </a:r>
+            <a:endParaRPr lang="pt-BR" dirty="0"/>
+          </a:p>
+        </p:txBody>
+      </p:sp>
+      <p:pic>
+        <p:nvPicPr>
+          <p:cNvPr id="1026" name="Picture 2" descr="GitHub Logos and Usage · GitHub">
+            <a:extLst>
+              <a:ext uri="{FF2B5EF4-FFF2-40B4-BE49-F238E27FC236}">
+                <a16:creationId xmlns:a16="http://schemas.microsoft.com/office/drawing/2014/main" id="{FC82F1B8-595F-37C4-81F0-1FA424D17E63}"/>
+              </a:ext>
+            </a:extLst>
+          </p:cNvPr>
+          <p:cNvPicPr>
+            <a:picLocks noChangeAspect="1" noChangeArrowheads="1"/>
+          </p:cNvPicPr>
+          <p:nvPr/>
+        </p:nvPicPr>
+        <p:blipFill>
+          <a:blip r:embed="rId3">
+            <a:clrChange>
+              <a:clrFrom>
+                <a:srgbClr val="FFFFFF"/>
+              </a:clrFrom>
+              <a:clrTo>
+                <a:srgbClr val="FFFFFF">
+                  <a:alpha val="0"/>
+                </a:srgbClr>
+              </a:clrTo>
+            </a:clrChange>
+            <a:extLst>
+              <a:ext uri="{28A0092B-C50C-407E-A947-70E740481C1C}">
+                <a14:useLocalDpi xmlns:a14="http://schemas.microsoft.com/office/drawing/2010/main" val="0"/>
+              </a:ext>
+            </a:extLst>
+          </a:blip>
+          <a:srcRect/>
+          <a:stretch>
+            <a:fillRect/>
+          </a:stretch>
+        </p:blipFill>
+        <p:spPr bwMode="auto">
+          <a:xfrm>
+            <a:off x="676656" y="3429000"/>
+            <a:ext cx="644250" cy="644250"/>
+          </a:xfrm>
+          <a:prstGeom prst="rect">
+            <a:avLst/>
+          </a:prstGeom>
+          <a:noFill/>
+          <a:extLst>
+            <a:ext uri="{909E8E84-426E-40DD-AFC4-6F175D3DCCD1}">
+              <a14:hiddenFill xmlns:a14="http://schemas.microsoft.com/office/drawing/2010/main">
+                <a:solidFill>
+                  <a:srgbClr val="FFFFFF"/>
+                </a:solidFill>
+              </a14:hiddenFill>
+            </a:ext>
+          </a:extLst>
+        </p:spPr>
+      </p:pic>
+      <p:sp>
+        <p:nvSpPr>
+          <p:cNvPr id="7" name="CaixaDeTexto 6">
+            <a:extLst>
+              <a:ext uri="{FF2B5EF4-FFF2-40B4-BE49-F238E27FC236}">
+                <a16:creationId xmlns:a16="http://schemas.microsoft.com/office/drawing/2014/main" id="{2140CFED-7285-7B59-E161-B7516FDE598B}"/>
+              </a:ext>
+            </a:extLst>
+          </p:cNvPr>
+          <p:cNvSpPr txBox="1"/>
+          <p:nvPr/>
+        </p:nvSpPr>
+        <p:spPr>
+          <a:xfrm>
+            <a:off x="998781" y="2337768"/>
+            <a:ext cx="3976631" cy="1200329"/>
+          </a:xfrm>
+          <a:prstGeom prst="rect">
+            <a:avLst/>
+          </a:prstGeom>
+          <a:noFill/>
+        </p:spPr>
+        <p:txBody>
+          <a:bodyPr wrap="square">
+            <a:spAutoFit/>
+          </a:bodyPr>
+          <a:lstStyle/>
+          <a:p>
+            <a:r>
+              <a:rPr lang="pt-BR" dirty="0"/>
+              <a:t>Projeto desenvolvido para o Case pode ser encontrado no Github.</a:t>
+            </a:r>
+          </a:p>
+          <a:p>
+            <a:r>
+              <a:rPr lang="pt-BR" dirty="0"/>
+              <a:t>- Foi construído uma estrutura para servir os modelos criados via </a:t>
+            </a:r>
+            <a:r>
+              <a:rPr lang="pt-BR" dirty="0" err="1"/>
+              <a:t>FastAPI</a:t>
+            </a:r>
+            <a:endParaRPr lang="pt-BR" dirty="0"/>
           </a:p>
         </p:txBody>
       </p:sp>

--- a/eda notebooks/Case Predictive Maintanance.pptx
+++ b/eda notebooks/Case Predictive Maintanance.pptx
@@ -19285,8 +19285,8 @@
         </p:nvSpPr>
         <p:spPr>
           <a:xfrm>
-            <a:off x="998781" y="2337768"/>
-            <a:ext cx="3976631" cy="1200329"/>
+            <a:off x="998781" y="981136"/>
+            <a:ext cx="3976631" cy="2585323"/>
           </a:xfrm>
           <a:prstGeom prst="rect">
             <a:avLst/>
@@ -19301,17 +19301,59 @@
           <a:p>
             <a:r>
               <a:rPr lang="pt-BR" dirty="0"/>
-              <a:t>Projeto desenvolvido para o Case pode ser encontrado no Github.</a:t>
+              <a:t>O Projeto desenvolvido para o Case pode ser encontrado no Github.</a:t>
             </a:r>
           </a:p>
           <a:p>
+            <a:pPr marL="285750" indent="-285750">
+              <a:buFontTx/>
+              <a:buChar char="-"/>
+            </a:pPr>
             <a:r>
               <a:rPr lang="pt-BR" dirty="0"/>
-              <a:t>- Foi construído uma estrutura para servir os modelos criados via </a:t>
+              <a:t>Foi construído uma estrutura para servir os modelos criados via </a:t>
             </a:r>
             <a:r>
               <a:rPr lang="pt-BR" dirty="0" err="1"/>
               <a:t>FastAPI</a:t>
+            </a:r>
+            <a:endParaRPr lang="pt-BR" dirty="0"/>
+          </a:p>
+          <a:p>
+            <a:pPr marL="285750" indent="-285750">
+              <a:buFontTx/>
+              <a:buChar char="-"/>
+            </a:pPr>
+            <a:r>
+              <a:rPr lang="pt-BR" dirty="0"/>
+              <a:t>Contempla ativação de Github </a:t>
+            </a:r>
+            <a:r>
+              <a:rPr lang="pt-BR" dirty="0" err="1"/>
+              <a:t>Actions</a:t>
+            </a:r>
+            <a:r>
+              <a:rPr lang="pt-BR" dirty="0"/>
+              <a:t> para atualização da imagem no </a:t>
+            </a:r>
+            <a:r>
+              <a:rPr lang="pt-BR" dirty="0" err="1"/>
+              <a:t>DockerHub</a:t>
+            </a:r>
+            <a:endParaRPr lang="pt-BR" dirty="0"/>
+          </a:p>
+          <a:p>
+            <a:pPr marL="285750" indent="-285750">
+              <a:buFontTx/>
+              <a:buChar char="-"/>
+            </a:pPr>
+            <a:r>
+              <a:rPr lang="pt-BR" dirty="0"/>
+              <a:t>Imagem Docker e Estrutura para trabalhar com </a:t>
+            </a:r>
+            <a:r>
+              <a:rPr lang="pt-BR" dirty="0" err="1"/>
+              <a:t>Kubernets</a:t>
             </a:r>
             <a:endParaRPr lang="pt-BR" dirty="0"/>
           </a:p>

--- a/eda notebooks/Case Predictive Maintanance.pptx
+++ b/eda notebooks/Case Predictive Maintanance.pptx
@@ -5,7 +5,7 @@
     <p:sldMasterId id="2147483833" r:id="rId1"/>
   </p:sldMasterIdLst>
   <p:notesMasterIdLst>
-    <p:notesMasterId r:id="rId18"/>
+    <p:notesMasterId r:id="rId19"/>
   </p:notesMasterIdLst>
   <p:sldIdLst>
     <p:sldId id="256" r:id="rId2"/>
@@ -23,7 +23,8 @@
     <p:sldId id="275" r:id="rId14"/>
     <p:sldId id="272" r:id="rId15"/>
     <p:sldId id="276" r:id="rId16"/>
-    <p:sldId id="273" r:id="rId17"/>
+    <p:sldId id="277" r:id="rId17"/>
+    <p:sldId id="273" r:id="rId18"/>
   </p:sldIdLst>
   <p:sldSz cx="12192000" cy="6858000"/>
   <p:notesSz cx="6858000" cy="9144000"/>
@@ -3020,6 +3021,813 @@
     <dgm:fillClrLst meth="repeat">
       <a:schemeClr val="lt1">
         <a:alpha val="90000"/>
+      </a:schemeClr>
+    </dgm:fillClrLst>
+    <dgm:linClrLst meth="repeat">
+      <a:schemeClr val="accent1"/>
+    </dgm:linClrLst>
+    <dgm:effectClrLst/>
+    <dgm:txLinClrLst/>
+    <dgm:txFillClrLst meth="repeat">
+      <a:schemeClr val="dk1"/>
+    </dgm:txFillClrLst>
+    <dgm:txEffectClrLst/>
+  </dgm:styleLbl>
+  <dgm:styleLbl name="bgShp">
+    <dgm:fillClrLst meth="repeat">
+      <a:schemeClr val="accent1">
+        <a:tint val="40000"/>
+      </a:schemeClr>
+    </dgm:fillClrLst>
+    <dgm:linClrLst meth="repeat">
+      <a:schemeClr val="accent1"/>
+    </dgm:linClrLst>
+    <dgm:effectClrLst/>
+    <dgm:txLinClrLst/>
+    <dgm:txFillClrLst meth="repeat">
+      <a:schemeClr val="dk1"/>
+    </dgm:txFillClrLst>
+    <dgm:txEffectClrLst/>
+  </dgm:styleLbl>
+  <dgm:styleLbl name="dkBgShp">
+    <dgm:fillClrLst meth="repeat">
+      <a:schemeClr val="accent1">
+        <a:shade val="80000"/>
+      </a:schemeClr>
+    </dgm:fillClrLst>
+    <dgm:linClrLst meth="repeat">
+      <a:schemeClr val="accent1"/>
+    </dgm:linClrLst>
+    <dgm:effectClrLst/>
+    <dgm:txLinClrLst/>
+    <dgm:txFillClrLst meth="repeat">
+      <a:schemeClr val="lt1"/>
+    </dgm:txFillClrLst>
+    <dgm:txEffectClrLst/>
+  </dgm:styleLbl>
+  <dgm:styleLbl name="trBgShp">
+    <dgm:fillClrLst meth="repeat">
+      <a:schemeClr val="accent1">
+        <a:tint val="50000"/>
+        <a:alpha val="40000"/>
+      </a:schemeClr>
+    </dgm:fillClrLst>
+    <dgm:linClrLst meth="repeat">
+      <a:schemeClr val="accent1"/>
+    </dgm:linClrLst>
+    <dgm:effectClrLst/>
+    <dgm:txLinClrLst/>
+    <dgm:txFillClrLst meth="repeat">
+      <a:schemeClr val="lt1"/>
+    </dgm:txFillClrLst>
+    <dgm:txEffectClrLst/>
+  </dgm:styleLbl>
+  <dgm:styleLbl name="fgShp">
+    <dgm:fillClrLst meth="repeat">
+      <a:schemeClr val="accent1">
+        <a:tint val="60000"/>
+      </a:schemeClr>
+    </dgm:fillClrLst>
+    <dgm:linClrLst meth="repeat">
+      <a:schemeClr val="lt1"/>
+    </dgm:linClrLst>
+    <dgm:effectClrLst/>
+    <dgm:txLinClrLst/>
+    <dgm:txFillClrLst meth="repeat">
+      <a:schemeClr val="dk1"/>
+    </dgm:txFillClrLst>
+    <dgm:txEffectClrLst/>
+  </dgm:styleLbl>
+  <dgm:styleLbl name="revTx">
+    <dgm:fillClrLst meth="repeat">
+      <a:schemeClr val="lt1">
+        <a:alpha val="0"/>
+      </a:schemeClr>
+    </dgm:fillClrLst>
+    <dgm:linClrLst meth="repeat">
+      <a:schemeClr val="dk1">
+        <a:alpha val="0"/>
+      </a:schemeClr>
+    </dgm:linClrLst>
+    <dgm:effectClrLst/>
+    <dgm:txLinClrLst/>
+    <dgm:txFillClrLst meth="repeat">
+      <a:schemeClr val="tx1"/>
+    </dgm:txFillClrLst>
+    <dgm:txEffectClrLst/>
+  </dgm:styleLbl>
+</dgm:colorsDef>
+</file>
+
+<file path=ppt/diagrams/colors5.xml><?xml version="1.0" encoding="utf-8"?>
+<dgm:colorsDef xmlns:dgm="http://schemas.openxmlformats.org/drawingml/2006/diagram" xmlns:a="http://schemas.openxmlformats.org/drawingml/2006/main" uniqueId="urn:microsoft.com/office/officeart/2005/8/colors/accent1_1">
+  <dgm:title val=""/>
+  <dgm:desc val=""/>
+  <dgm:catLst>
+    <dgm:cat type="accent1" pri="11100"/>
+  </dgm:catLst>
+  <dgm:styleLbl name="node0">
+    <dgm:fillClrLst meth="repeat">
+      <a:schemeClr val="lt1"/>
+    </dgm:fillClrLst>
+    <dgm:linClrLst meth="repeat">
+      <a:schemeClr val="accent1">
+        <a:shade val="80000"/>
+      </a:schemeClr>
+    </dgm:linClrLst>
+    <dgm:effectClrLst/>
+    <dgm:txLinClrLst/>
+    <dgm:txFillClrLst meth="repeat">
+      <a:schemeClr val="dk1"/>
+    </dgm:txFillClrLst>
+    <dgm:txEffectClrLst/>
+  </dgm:styleLbl>
+  <dgm:styleLbl name="alignNode1">
+    <dgm:fillClrLst meth="repeat">
+      <a:schemeClr val="lt1"/>
+    </dgm:fillClrLst>
+    <dgm:linClrLst meth="repeat">
+      <a:schemeClr val="accent1">
+        <a:shade val="80000"/>
+      </a:schemeClr>
+    </dgm:linClrLst>
+    <dgm:effectClrLst/>
+    <dgm:txLinClrLst/>
+    <dgm:txFillClrLst meth="repeat">
+      <a:schemeClr val="dk1"/>
+    </dgm:txFillClrLst>
+    <dgm:txEffectClrLst/>
+  </dgm:styleLbl>
+  <dgm:styleLbl name="node1">
+    <dgm:fillClrLst meth="repeat">
+      <a:schemeClr val="lt1"/>
+    </dgm:fillClrLst>
+    <dgm:linClrLst meth="repeat">
+      <a:schemeClr val="accent1">
+        <a:shade val="80000"/>
+      </a:schemeClr>
+    </dgm:linClrLst>
+    <dgm:effectClrLst/>
+    <dgm:txLinClrLst/>
+    <dgm:txFillClrLst meth="repeat">
+      <a:schemeClr val="dk1"/>
+    </dgm:txFillClrLst>
+    <dgm:txEffectClrLst/>
+  </dgm:styleLbl>
+  <dgm:styleLbl name="lnNode1">
+    <dgm:fillClrLst meth="repeat">
+      <a:schemeClr val="lt1"/>
+    </dgm:fillClrLst>
+    <dgm:linClrLst meth="repeat">
+      <a:schemeClr val="accent1">
+        <a:shade val="80000"/>
+      </a:schemeClr>
+    </dgm:linClrLst>
+    <dgm:effectClrLst/>
+    <dgm:txLinClrLst/>
+    <dgm:txFillClrLst meth="repeat">
+      <a:schemeClr val="dk1"/>
+    </dgm:txFillClrLst>
+    <dgm:txEffectClrLst/>
+  </dgm:styleLbl>
+  <dgm:styleLbl name="vennNode1">
+    <dgm:fillClrLst meth="repeat">
+      <a:schemeClr val="lt1">
+        <a:alpha val="50000"/>
+      </a:schemeClr>
+    </dgm:fillClrLst>
+    <dgm:linClrLst meth="repeat">
+      <a:schemeClr val="accent1">
+        <a:shade val="80000"/>
+      </a:schemeClr>
+    </dgm:linClrLst>
+    <dgm:effectClrLst/>
+    <dgm:txLinClrLst/>
+    <dgm:txFillClrLst/>
+    <dgm:txEffectClrLst/>
+  </dgm:styleLbl>
+  <dgm:styleLbl name="node2">
+    <dgm:fillClrLst meth="repeat">
+      <a:schemeClr val="lt1"/>
+    </dgm:fillClrLst>
+    <dgm:linClrLst meth="repeat">
+      <a:schemeClr val="accent1">
+        <a:shade val="80000"/>
+      </a:schemeClr>
+    </dgm:linClrLst>
+    <dgm:effectClrLst/>
+    <dgm:txLinClrLst/>
+    <dgm:txFillClrLst meth="repeat">
+      <a:schemeClr val="dk1"/>
+    </dgm:txFillClrLst>
+    <dgm:txEffectClrLst/>
+  </dgm:styleLbl>
+  <dgm:styleLbl name="node3">
+    <dgm:fillClrLst meth="repeat">
+      <a:schemeClr val="lt1"/>
+    </dgm:fillClrLst>
+    <dgm:linClrLst meth="repeat">
+      <a:schemeClr val="accent1">
+        <a:shade val="80000"/>
+      </a:schemeClr>
+    </dgm:linClrLst>
+    <dgm:effectClrLst/>
+    <dgm:txLinClrLst/>
+    <dgm:txFillClrLst meth="repeat">
+      <a:schemeClr val="dk1"/>
+    </dgm:txFillClrLst>
+    <dgm:txEffectClrLst/>
+  </dgm:styleLbl>
+  <dgm:styleLbl name="node4">
+    <dgm:fillClrLst meth="repeat">
+      <a:schemeClr val="lt1"/>
+    </dgm:fillClrLst>
+    <dgm:linClrLst meth="repeat">
+      <a:schemeClr val="accent1">
+        <a:shade val="80000"/>
+      </a:schemeClr>
+    </dgm:linClrLst>
+    <dgm:effectClrLst/>
+    <dgm:txLinClrLst/>
+    <dgm:txFillClrLst meth="repeat">
+      <a:schemeClr val="dk1"/>
+    </dgm:txFillClrLst>
+    <dgm:txEffectClrLst/>
+  </dgm:styleLbl>
+  <dgm:styleLbl name="fgImgPlace1">
+    <dgm:fillClrLst meth="repeat">
+      <a:schemeClr val="accent1">
+        <a:tint val="40000"/>
+      </a:schemeClr>
+    </dgm:fillClrLst>
+    <dgm:linClrLst meth="repeat">
+      <a:schemeClr val="accent1">
+        <a:shade val="80000"/>
+      </a:schemeClr>
+    </dgm:linClrLst>
+    <dgm:effectClrLst/>
+    <dgm:txLinClrLst/>
+    <dgm:txFillClrLst meth="repeat">
+      <a:schemeClr val="lt1"/>
+    </dgm:txFillClrLst>
+    <dgm:txEffectClrLst/>
+  </dgm:styleLbl>
+  <dgm:styleLbl name="alignImgPlace1">
+    <dgm:fillClrLst meth="repeat">
+      <a:schemeClr val="accent1">
+        <a:tint val="40000"/>
+      </a:schemeClr>
+    </dgm:fillClrLst>
+    <dgm:linClrLst meth="repeat">
+      <a:schemeClr val="accent1">
+        <a:shade val="80000"/>
+      </a:schemeClr>
+    </dgm:linClrLst>
+    <dgm:effectClrLst/>
+    <dgm:txLinClrLst/>
+    <dgm:txFillClrLst meth="repeat">
+      <a:schemeClr val="lt1"/>
+    </dgm:txFillClrLst>
+    <dgm:txEffectClrLst/>
+  </dgm:styleLbl>
+  <dgm:styleLbl name="bgImgPlace1">
+    <dgm:fillClrLst meth="repeat">
+      <a:schemeClr val="accent1">
+        <a:tint val="40000"/>
+      </a:schemeClr>
+    </dgm:fillClrLst>
+    <dgm:linClrLst meth="repeat">
+      <a:schemeClr val="accent1">
+        <a:shade val="80000"/>
+      </a:schemeClr>
+    </dgm:linClrLst>
+    <dgm:effectClrLst/>
+    <dgm:txLinClrLst/>
+    <dgm:txFillClrLst meth="repeat">
+      <a:schemeClr val="lt1"/>
+    </dgm:txFillClrLst>
+    <dgm:txEffectClrLst/>
+  </dgm:styleLbl>
+  <dgm:styleLbl name="sibTrans2D1">
+    <dgm:fillClrLst meth="repeat">
+      <a:schemeClr val="accent1">
+        <a:tint val="60000"/>
+      </a:schemeClr>
+    </dgm:fillClrLst>
+    <dgm:linClrLst meth="repeat">
+      <a:schemeClr val="accent1">
+        <a:tint val="60000"/>
+      </a:schemeClr>
+    </dgm:linClrLst>
+    <dgm:effectClrLst/>
+    <dgm:txLinClrLst/>
+    <dgm:txFillClrLst meth="repeat">
+      <a:schemeClr val="dk1"/>
+    </dgm:txFillClrLst>
+    <dgm:txEffectClrLst/>
+  </dgm:styleLbl>
+  <dgm:styleLbl name="fgSibTrans2D1">
+    <dgm:fillClrLst meth="repeat">
+      <a:schemeClr val="accent1">
+        <a:tint val="60000"/>
+      </a:schemeClr>
+    </dgm:fillClrLst>
+    <dgm:linClrLst meth="repeat">
+      <a:schemeClr val="accent1">
+        <a:tint val="60000"/>
+      </a:schemeClr>
+    </dgm:linClrLst>
+    <dgm:effectClrLst/>
+    <dgm:txLinClrLst/>
+    <dgm:txFillClrLst meth="repeat">
+      <a:schemeClr val="dk1"/>
+    </dgm:txFillClrLst>
+    <dgm:txEffectClrLst/>
+  </dgm:styleLbl>
+  <dgm:styleLbl name="bgSibTrans2D1">
+    <dgm:fillClrLst meth="repeat">
+      <a:schemeClr val="accent1">
+        <a:tint val="60000"/>
+      </a:schemeClr>
+    </dgm:fillClrLst>
+    <dgm:linClrLst meth="repeat">
+      <a:schemeClr val="accent1">
+        <a:tint val="60000"/>
+      </a:schemeClr>
+    </dgm:linClrLst>
+    <dgm:effectClrLst/>
+    <dgm:txLinClrLst/>
+    <dgm:txFillClrLst meth="repeat">
+      <a:schemeClr val="dk1"/>
+    </dgm:txFillClrLst>
+    <dgm:txEffectClrLst/>
+  </dgm:styleLbl>
+  <dgm:styleLbl name="sibTrans1D1">
+    <dgm:fillClrLst meth="repeat">
+      <a:schemeClr val="accent1"/>
+    </dgm:fillClrLst>
+    <dgm:linClrLst meth="repeat">
+      <a:schemeClr val="accent1"/>
+    </dgm:linClrLst>
+    <dgm:effectClrLst/>
+    <dgm:txLinClrLst/>
+    <dgm:txFillClrLst meth="repeat">
+      <a:schemeClr val="tx1"/>
+    </dgm:txFillClrLst>
+    <dgm:txEffectClrLst/>
+  </dgm:styleLbl>
+  <dgm:styleLbl name="callout">
+    <dgm:fillClrLst meth="repeat">
+      <a:schemeClr val="accent1"/>
+    </dgm:fillClrLst>
+    <dgm:linClrLst meth="repeat">
+      <a:schemeClr val="accent1"/>
+    </dgm:linClrLst>
+    <dgm:effectClrLst/>
+    <dgm:txLinClrLst/>
+    <dgm:txFillClrLst meth="repeat">
+      <a:schemeClr val="tx1"/>
+    </dgm:txFillClrLst>
+    <dgm:txEffectClrLst/>
+  </dgm:styleLbl>
+  <dgm:styleLbl name="asst0">
+    <dgm:fillClrLst meth="repeat">
+      <a:schemeClr val="lt1"/>
+    </dgm:fillClrLst>
+    <dgm:linClrLst meth="repeat">
+      <a:schemeClr val="accent1">
+        <a:shade val="80000"/>
+      </a:schemeClr>
+    </dgm:linClrLst>
+    <dgm:effectClrLst/>
+    <dgm:txLinClrLst/>
+    <dgm:txFillClrLst meth="repeat">
+      <a:schemeClr val="dk1"/>
+    </dgm:txFillClrLst>
+    <dgm:txEffectClrLst/>
+  </dgm:styleLbl>
+  <dgm:styleLbl name="asst1">
+    <dgm:fillClrLst meth="repeat">
+      <a:schemeClr val="lt1"/>
+    </dgm:fillClrLst>
+    <dgm:linClrLst meth="repeat">
+      <a:schemeClr val="accent1">
+        <a:shade val="80000"/>
+      </a:schemeClr>
+    </dgm:linClrLst>
+    <dgm:effectClrLst/>
+    <dgm:txLinClrLst/>
+    <dgm:txFillClrLst meth="repeat">
+      <a:schemeClr val="dk1"/>
+    </dgm:txFillClrLst>
+    <dgm:txEffectClrLst/>
+  </dgm:styleLbl>
+  <dgm:styleLbl name="asst2">
+    <dgm:fillClrLst meth="repeat">
+      <a:schemeClr val="lt1"/>
+    </dgm:fillClrLst>
+    <dgm:linClrLst meth="repeat">
+      <a:schemeClr val="accent1">
+        <a:shade val="80000"/>
+      </a:schemeClr>
+    </dgm:linClrLst>
+    <dgm:effectClrLst/>
+    <dgm:txLinClrLst/>
+    <dgm:txFillClrLst meth="repeat">
+      <a:schemeClr val="dk1"/>
+    </dgm:txFillClrLst>
+    <dgm:txEffectClrLst/>
+  </dgm:styleLbl>
+  <dgm:styleLbl name="asst3">
+    <dgm:fillClrLst meth="repeat">
+      <a:schemeClr val="lt1"/>
+    </dgm:fillClrLst>
+    <dgm:linClrLst meth="repeat">
+      <a:schemeClr val="accent1">
+        <a:shade val="80000"/>
+      </a:schemeClr>
+    </dgm:linClrLst>
+    <dgm:effectClrLst/>
+    <dgm:txLinClrLst/>
+    <dgm:txFillClrLst meth="repeat">
+      <a:schemeClr val="dk1"/>
+    </dgm:txFillClrLst>
+    <dgm:txEffectClrLst/>
+  </dgm:styleLbl>
+  <dgm:styleLbl name="asst4">
+    <dgm:fillClrLst meth="repeat">
+      <a:schemeClr val="lt1"/>
+    </dgm:fillClrLst>
+    <dgm:linClrLst meth="repeat">
+      <a:schemeClr val="accent1">
+        <a:shade val="80000"/>
+      </a:schemeClr>
+    </dgm:linClrLst>
+    <dgm:effectClrLst/>
+    <dgm:txLinClrLst/>
+    <dgm:txFillClrLst meth="repeat">
+      <a:schemeClr val="dk1"/>
+    </dgm:txFillClrLst>
+    <dgm:txEffectClrLst/>
+  </dgm:styleLbl>
+  <dgm:styleLbl name="parChTrans2D1">
+    <dgm:fillClrLst meth="repeat">
+      <a:schemeClr val="accent1">
+        <a:tint val="60000"/>
+      </a:schemeClr>
+    </dgm:fillClrLst>
+    <dgm:linClrLst meth="repeat">
+      <a:schemeClr val="accent1">
+        <a:tint val="60000"/>
+      </a:schemeClr>
+    </dgm:linClrLst>
+    <dgm:effectClrLst/>
+    <dgm:txLinClrLst/>
+    <dgm:txFillClrLst/>
+    <dgm:txEffectClrLst/>
+  </dgm:styleLbl>
+  <dgm:styleLbl name="parChTrans2D2">
+    <dgm:fillClrLst meth="repeat">
+      <a:schemeClr val="accent1"/>
+    </dgm:fillClrLst>
+    <dgm:linClrLst meth="repeat">
+      <a:schemeClr val="accent1"/>
+    </dgm:linClrLst>
+    <dgm:effectClrLst/>
+    <dgm:txLinClrLst/>
+    <dgm:txFillClrLst/>
+    <dgm:txEffectClrLst/>
+  </dgm:styleLbl>
+  <dgm:styleLbl name="parChTrans2D3">
+    <dgm:fillClrLst meth="repeat">
+      <a:schemeClr val="accent1"/>
+    </dgm:fillClrLst>
+    <dgm:linClrLst meth="repeat">
+      <a:schemeClr val="accent1"/>
+    </dgm:linClrLst>
+    <dgm:effectClrLst/>
+    <dgm:txLinClrLst/>
+    <dgm:txFillClrLst/>
+    <dgm:txEffectClrLst/>
+  </dgm:styleLbl>
+  <dgm:styleLbl name="parChTrans2D4">
+    <dgm:fillClrLst meth="repeat">
+      <a:schemeClr val="accent1"/>
+    </dgm:fillClrLst>
+    <dgm:linClrLst meth="repeat">
+      <a:schemeClr val="accent1"/>
+    </dgm:linClrLst>
+    <dgm:effectClrLst/>
+    <dgm:txLinClrLst/>
+    <dgm:txFillClrLst meth="repeat">
+      <a:schemeClr val="lt1"/>
+    </dgm:txFillClrLst>
+    <dgm:txEffectClrLst/>
+  </dgm:styleLbl>
+  <dgm:styleLbl name="parChTrans1D1">
+    <dgm:fillClrLst meth="repeat">
+      <a:schemeClr val="accent1"/>
+    </dgm:fillClrLst>
+    <dgm:linClrLst meth="repeat">
+      <a:schemeClr val="accent1">
+        <a:shade val="60000"/>
+      </a:schemeClr>
+    </dgm:linClrLst>
+    <dgm:effectClrLst/>
+    <dgm:txLinClrLst/>
+    <dgm:txFillClrLst meth="repeat">
+      <a:schemeClr val="tx1"/>
+    </dgm:txFillClrLst>
+    <dgm:txEffectClrLst/>
+  </dgm:styleLbl>
+  <dgm:styleLbl name="parChTrans1D2">
+    <dgm:fillClrLst meth="repeat">
+      <a:schemeClr val="accent1"/>
+    </dgm:fillClrLst>
+    <dgm:linClrLst meth="repeat">
+      <a:schemeClr val="accent1">
+        <a:shade val="60000"/>
+      </a:schemeClr>
+    </dgm:linClrLst>
+    <dgm:effectClrLst/>
+    <dgm:txLinClrLst/>
+    <dgm:txFillClrLst meth="repeat">
+      <a:schemeClr val="tx1"/>
+    </dgm:txFillClrLst>
+    <dgm:txEffectClrLst/>
+  </dgm:styleLbl>
+  <dgm:styleLbl name="parChTrans1D3">
+    <dgm:fillClrLst meth="repeat">
+      <a:schemeClr val="accent1"/>
+    </dgm:fillClrLst>
+    <dgm:linClrLst meth="repeat">
+      <a:schemeClr val="accent1">
+        <a:shade val="80000"/>
+      </a:schemeClr>
+    </dgm:linClrLst>
+    <dgm:effectClrLst/>
+    <dgm:txLinClrLst/>
+    <dgm:txFillClrLst meth="repeat">
+      <a:schemeClr val="tx1"/>
+    </dgm:txFillClrLst>
+    <dgm:txEffectClrLst/>
+  </dgm:styleLbl>
+  <dgm:styleLbl name="parChTrans1D4">
+    <dgm:fillClrLst meth="repeat">
+      <a:schemeClr val="accent1"/>
+    </dgm:fillClrLst>
+    <dgm:linClrLst meth="repeat">
+      <a:schemeClr val="accent1">
+        <a:shade val="80000"/>
+      </a:schemeClr>
+    </dgm:linClrLst>
+    <dgm:effectClrLst/>
+    <dgm:txLinClrLst/>
+    <dgm:txFillClrLst meth="repeat">
+      <a:schemeClr val="tx1"/>
+    </dgm:txFillClrLst>
+    <dgm:txEffectClrLst/>
+  </dgm:styleLbl>
+  <dgm:styleLbl name="fgAcc1">
+    <dgm:fillClrLst meth="repeat">
+      <a:schemeClr val="accent1">
+        <a:alpha val="90000"/>
+        <a:tint val="40000"/>
+      </a:schemeClr>
+    </dgm:fillClrLst>
+    <dgm:linClrLst meth="repeat">
+      <a:schemeClr val="accent1"/>
+    </dgm:linClrLst>
+    <dgm:effectClrLst/>
+    <dgm:txLinClrLst/>
+    <dgm:txFillClrLst meth="repeat">
+      <a:schemeClr val="dk1"/>
+    </dgm:txFillClrLst>
+    <dgm:txEffectClrLst/>
+  </dgm:styleLbl>
+  <dgm:styleLbl name="conFgAcc1">
+    <dgm:fillClrLst meth="repeat">
+      <a:schemeClr val="accent1">
+        <a:alpha val="90000"/>
+        <a:tint val="40000"/>
+      </a:schemeClr>
+    </dgm:fillClrLst>
+    <dgm:linClrLst meth="repeat">
+      <a:schemeClr val="accent1"/>
+    </dgm:linClrLst>
+    <dgm:effectClrLst/>
+    <dgm:txLinClrLst/>
+    <dgm:txFillClrLst meth="repeat">
+      <a:schemeClr val="dk1"/>
+    </dgm:txFillClrLst>
+    <dgm:txEffectClrLst/>
+  </dgm:styleLbl>
+  <dgm:styleLbl name="alignAcc1">
+    <dgm:fillClrLst meth="repeat">
+      <a:schemeClr val="accent1">
+        <a:alpha val="90000"/>
+        <a:tint val="40000"/>
+      </a:schemeClr>
+    </dgm:fillClrLst>
+    <dgm:linClrLst meth="repeat">
+      <a:schemeClr val="accent1"/>
+    </dgm:linClrLst>
+    <dgm:effectClrLst/>
+    <dgm:txLinClrLst/>
+    <dgm:txFillClrLst meth="repeat">
+      <a:schemeClr val="dk1"/>
+    </dgm:txFillClrLst>
+    <dgm:txEffectClrLst/>
+  </dgm:styleLbl>
+  <dgm:styleLbl name="trAlignAcc1">
+    <dgm:fillClrLst meth="repeat">
+      <a:schemeClr val="accent1">
+        <a:alpha val="40000"/>
+        <a:tint val="40000"/>
+      </a:schemeClr>
+    </dgm:fillClrLst>
+    <dgm:linClrLst meth="repeat">
+      <a:schemeClr val="accent1"/>
+    </dgm:linClrLst>
+    <dgm:effectClrLst/>
+    <dgm:txLinClrLst/>
+    <dgm:txFillClrLst meth="repeat">
+      <a:schemeClr val="dk1"/>
+    </dgm:txFillClrLst>
+    <dgm:txEffectClrLst/>
+  </dgm:styleLbl>
+  <dgm:styleLbl name="bgAcc1">
+    <dgm:fillClrLst meth="repeat">
+      <a:schemeClr val="accent1">
+        <a:alpha val="90000"/>
+        <a:tint val="40000"/>
+      </a:schemeClr>
+    </dgm:fillClrLst>
+    <dgm:linClrLst meth="repeat">
+      <a:schemeClr val="accent1"/>
+    </dgm:linClrLst>
+    <dgm:effectClrLst/>
+    <dgm:txLinClrLst/>
+    <dgm:txFillClrLst meth="repeat">
+      <a:schemeClr val="dk1"/>
+    </dgm:txFillClrLst>
+    <dgm:txEffectClrLst/>
+  </dgm:styleLbl>
+  <dgm:styleLbl name="solidFgAcc1">
+    <dgm:fillClrLst meth="repeat">
+      <a:schemeClr val="lt1"/>
+    </dgm:fillClrLst>
+    <dgm:linClrLst meth="repeat">
+      <a:schemeClr val="accent1"/>
+    </dgm:linClrLst>
+    <dgm:effectClrLst/>
+    <dgm:txLinClrLst/>
+    <dgm:txFillClrLst meth="repeat">
+      <a:schemeClr val="dk1"/>
+    </dgm:txFillClrLst>
+    <dgm:txEffectClrLst/>
+  </dgm:styleLbl>
+  <dgm:styleLbl name="solidAlignAcc1">
+    <dgm:fillClrLst meth="repeat">
+      <a:schemeClr val="lt1"/>
+    </dgm:fillClrLst>
+    <dgm:linClrLst meth="repeat">
+      <a:schemeClr val="accent1"/>
+    </dgm:linClrLst>
+    <dgm:effectClrLst/>
+    <dgm:txLinClrLst/>
+    <dgm:txFillClrLst meth="repeat">
+      <a:schemeClr val="dk1"/>
+    </dgm:txFillClrLst>
+    <dgm:txEffectClrLst/>
+  </dgm:styleLbl>
+  <dgm:styleLbl name="solidBgAcc1">
+    <dgm:fillClrLst meth="repeat">
+      <a:schemeClr val="lt1"/>
+    </dgm:fillClrLst>
+    <dgm:linClrLst meth="repeat">
+      <a:schemeClr val="accent1"/>
+    </dgm:linClrLst>
+    <dgm:effectClrLst/>
+    <dgm:txLinClrLst/>
+    <dgm:txFillClrLst meth="repeat">
+      <a:schemeClr val="dk1"/>
+    </dgm:txFillClrLst>
+    <dgm:txEffectClrLst/>
+  </dgm:styleLbl>
+  <dgm:styleLbl name="fgAccFollowNode1">
+    <dgm:fillClrLst meth="repeat">
+      <a:schemeClr val="lt1">
+        <a:alpha val="90000"/>
+        <a:tint val="40000"/>
+      </a:schemeClr>
+    </dgm:fillClrLst>
+    <dgm:linClrLst meth="repeat">
+      <a:schemeClr val="accent1">
+        <a:alpha val="90000"/>
+      </a:schemeClr>
+    </dgm:linClrLst>
+    <dgm:effectClrLst/>
+    <dgm:txLinClrLst/>
+    <dgm:txFillClrLst meth="repeat">
+      <a:schemeClr val="dk1"/>
+    </dgm:txFillClrLst>
+    <dgm:txEffectClrLst/>
+  </dgm:styleLbl>
+  <dgm:styleLbl name="alignAccFollowNode1">
+    <dgm:fillClrLst meth="repeat">
+      <a:schemeClr val="lt1">
+        <a:alpha val="90000"/>
+        <a:tint val="40000"/>
+      </a:schemeClr>
+    </dgm:fillClrLst>
+    <dgm:linClrLst meth="repeat">
+      <a:schemeClr val="accent1">
+        <a:alpha val="90000"/>
+      </a:schemeClr>
+    </dgm:linClrLst>
+    <dgm:effectClrLst/>
+    <dgm:txLinClrLst/>
+    <dgm:txFillClrLst meth="repeat">
+      <a:schemeClr val="dk1"/>
+    </dgm:txFillClrLst>
+    <dgm:txEffectClrLst/>
+  </dgm:styleLbl>
+  <dgm:styleLbl name="bgAccFollowNode1">
+    <dgm:fillClrLst meth="repeat">
+      <a:schemeClr val="lt1">
+        <a:alpha val="90000"/>
+        <a:tint val="40000"/>
+      </a:schemeClr>
+    </dgm:fillClrLst>
+    <dgm:linClrLst meth="repeat">
+      <a:schemeClr val="accent1">
+        <a:alpha val="90000"/>
+      </a:schemeClr>
+    </dgm:linClrLst>
+    <dgm:effectClrLst/>
+    <dgm:txLinClrLst/>
+    <dgm:txFillClrLst meth="repeat">
+      <a:schemeClr val="dk1"/>
+    </dgm:txFillClrLst>
+    <dgm:txEffectClrLst/>
+  </dgm:styleLbl>
+  <dgm:styleLbl name="fgAcc0">
+    <dgm:fillClrLst meth="repeat">
+      <a:schemeClr val="accent1">
+        <a:alpha val="90000"/>
+        <a:tint val="40000"/>
+      </a:schemeClr>
+    </dgm:fillClrLst>
+    <dgm:linClrLst meth="repeat">
+      <a:schemeClr val="accent1"/>
+    </dgm:linClrLst>
+    <dgm:effectClrLst/>
+    <dgm:txLinClrLst/>
+    <dgm:txFillClrLst meth="repeat">
+      <a:schemeClr val="dk1"/>
+    </dgm:txFillClrLst>
+    <dgm:txEffectClrLst/>
+  </dgm:styleLbl>
+  <dgm:styleLbl name="fgAcc2">
+    <dgm:fillClrLst meth="repeat">
+      <a:schemeClr val="accent1">
+        <a:alpha val="90000"/>
+        <a:tint val="40000"/>
+      </a:schemeClr>
+    </dgm:fillClrLst>
+    <dgm:linClrLst meth="repeat">
+      <a:schemeClr val="accent1"/>
+    </dgm:linClrLst>
+    <dgm:effectClrLst/>
+    <dgm:txLinClrLst/>
+    <dgm:txFillClrLst meth="repeat">
+      <a:schemeClr val="dk1"/>
+    </dgm:txFillClrLst>
+    <dgm:txEffectClrLst/>
+  </dgm:styleLbl>
+  <dgm:styleLbl name="fgAcc3">
+    <dgm:fillClrLst meth="repeat">
+      <a:schemeClr val="accent1">
+        <a:alpha val="90000"/>
+        <a:tint val="40000"/>
+      </a:schemeClr>
+    </dgm:fillClrLst>
+    <dgm:linClrLst meth="repeat">
+      <a:schemeClr val="accent1"/>
+    </dgm:linClrLst>
+    <dgm:effectClrLst/>
+    <dgm:txLinClrLst/>
+    <dgm:txFillClrLst meth="repeat">
+      <a:schemeClr val="dk1"/>
+    </dgm:txFillClrLst>
+    <dgm:txEffectClrLst/>
+  </dgm:styleLbl>
+  <dgm:styleLbl name="fgAcc4">
+    <dgm:fillClrLst meth="repeat">
+      <a:schemeClr val="accent1">
+        <a:alpha val="90000"/>
+        <a:tint val="40000"/>
       </a:schemeClr>
     </dgm:fillClrLst>
     <dgm:linClrLst meth="repeat">
@@ -3440,7 +4248,7 @@
         <a:p>
           <a:r>
             <a:rPr lang="pt-BR" dirty="0"/>
-            <a:t>Apresentação</a:t>
+            <a:t>O Projeto</a:t>
           </a:r>
         </a:p>
       </dgm:t>
@@ -3600,7 +4408,7 @@
         <a:p>
           <a:r>
             <a:rPr lang="pt-BR" dirty="0"/>
-            <a:t>Recomendações práticas sobre como a equipe de manutenção pode utilizar esses modelos para reduzir custos e aumentar a confiabilidade operacional.</a:t>
+            <a:t>Recomendações práticas sobre como podemos utilizar esses modelos para que sejam úteis no dia a dia da operação e usuários.</a:t>
           </a:r>
         </a:p>
       </dgm:t>
@@ -5267,19 +6075,7 @@
         <a:p>
           <a:r>
             <a:rPr lang="pt-BR" dirty="0"/>
-            <a:t>Avaliar efeito de maior período da janela das métricas (Features). </a:t>
-          </a:r>
-          <a:r>
-            <a:rPr lang="pt-BR" dirty="0" err="1"/>
-            <a:t>Ex</a:t>
-          </a:r>
-          <a:r>
-            <a:rPr lang="pt-BR" dirty="0"/>
-            <a:t>: </a:t>
-          </a:r>
-          <a:r>
-            <a:rPr lang="pt-BR" b="0" i="0" dirty="0"/>
-            <a:t>SMOTE</a:t>
+            <a:t>Avaliar efeito de maior período da janela das métricas (Features).</a:t>
           </a:r>
           <a:endParaRPr lang="pt-BR" b="0" dirty="0"/>
         </a:p>
@@ -5315,10 +6111,9 @@
         <a:lstStyle/>
         <a:p>
           <a:r>
-            <a:rPr lang="pt-BR"/>
+            <a:rPr lang="pt-BR" dirty="0"/>
             <a:t>Utilizar a predição de RUL na Classificação. Ou, usar a predição de Classificação na predição de RUL</a:t>
           </a:r>
-          <a:endParaRPr lang="pt-BR" dirty="0"/>
         </a:p>
       </dgm:t>
     </dgm:pt>
@@ -5390,6 +6185,79 @@
         </a:p>
       </dgm:t>
     </dgm:pt>
+    <dgm:pt modelId="{58B23303-A2CE-4C9E-B45F-87E1BAD3CB34}">
+      <dgm:prSet phldrT="[Texto]" phldr="0"/>
+      <dgm:spPr/>
+      <dgm:t>
+        <a:bodyPr/>
+        <a:lstStyle/>
+        <a:p>
+          <a:r>
+            <a:rPr lang="pt-BR" b="0"/>
+            <a:t>Exemplo: usar 10 ciclos para construir as métricas Média, Máximo, Mínimo e Desvio Padrão.</a:t>
+          </a:r>
+          <a:endParaRPr lang="pt-BR" b="0" dirty="0"/>
+        </a:p>
+      </dgm:t>
+    </dgm:pt>
+    <dgm:pt modelId="{3F5FD50D-418D-4752-BCFE-19C304F962A0}" type="parTrans" cxnId="{44753DA6-48BF-4232-A7C3-E8A9E12B44A6}">
+      <dgm:prSet/>
+      <dgm:spPr/>
+      <dgm:t>
+        <a:bodyPr/>
+        <a:lstStyle/>
+        <a:p>
+          <a:endParaRPr lang="pt-BR"/>
+        </a:p>
+      </dgm:t>
+    </dgm:pt>
+    <dgm:pt modelId="{63514919-1768-4580-A96F-891DF11CF42A}" type="sibTrans" cxnId="{44753DA6-48BF-4232-A7C3-E8A9E12B44A6}">
+      <dgm:prSet/>
+      <dgm:spPr/>
+      <dgm:t>
+        <a:bodyPr/>
+        <a:lstStyle/>
+        <a:p>
+          <a:endParaRPr lang="pt-BR"/>
+        </a:p>
+      </dgm:t>
+    </dgm:pt>
+    <dgm:pt modelId="{8C7CFB70-500A-4874-859C-8CE7662BB875}">
+      <dgm:prSet phldrT="[Texto]" phldr="0"/>
+      <dgm:spPr/>
+      <dgm:t>
+        <a:bodyPr/>
+        <a:lstStyle/>
+        <a:p>
+          <a:r>
+            <a:rPr lang="pt-BR" dirty="0"/>
+            <a:t>Usar os modelos em cadeia.</a:t>
+          </a:r>
+        </a:p>
+      </dgm:t>
+    </dgm:pt>
+    <dgm:pt modelId="{08ADF842-45AC-4F2D-B868-458753455CA0}" type="parTrans" cxnId="{CB5D9BBE-E09C-4428-BBA6-161D11FC0D1C}">
+      <dgm:prSet/>
+      <dgm:spPr/>
+      <dgm:t>
+        <a:bodyPr/>
+        <a:lstStyle/>
+        <a:p>
+          <a:endParaRPr lang="pt-BR"/>
+        </a:p>
+      </dgm:t>
+    </dgm:pt>
+    <dgm:pt modelId="{CEE87026-8BF3-436F-BEDA-5B5F3391BBCF}" type="sibTrans" cxnId="{CB5D9BBE-E09C-4428-BBA6-161D11FC0D1C}">
+      <dgm:prSet/>
+      <dgm:spPr/>
+      <dgm:t>
+        <a:bodyPr/>
+        <a:lstStyle/>
+        <a:p>
+          <a:endParaRPr lang="pt-BR"/>
+        </a:p>
+      </dgm:t>
+    </dgm:pt>
     <dgm:pt modelId="{79C58CD1-7250-4B23-84BE-58728D5DCBA7}" type="pres">
       <dgm:prSet presAssocID="{2B47A0F6-2FA9-4E38-92B1-C3E8A98B4554}" presName="vert0" presStyleCnt="0">
         <dgm:presLayoutVars>
@@ -5409,7 +6277,7 @@
       <dgm:spPr/>
     </dgm:pt>
     <dgm:pt modelId="{BF2EAB99-B567-4A28-99AC-3C590E2D1025}" type="pres">
-      <dgm:prSet presAssocID="{F88669E7-B2DA-43C1-96F7-80C019362A2F}" presName="tx1" presStyleLbl="revTx" presStyleIdx="0" presStyleCnt="5"/>
+      <dgm:prSet presAssocID="{F88669E7-B2DA-43C1-96F7-80C019362A2F}" presName="tx1" presStyleLbl="revTx" presStyleIdx="0" presStyleCnt="7"/>
       <dgm:spPr/>
     </dgm:pt>
     <dgm:pt modelId="{9F8BF901-1E74-425C-9566-0E97F4ED3F55}" type="pres">
@@ -5429,7 +6297,7 @@
       <dgm:spPr/>
     </dgm:pt>
     <dgm:pt modelId="{369B4105-D366-4D35-9F94-ACC9A0DFC354}" type="pres">
-      <dgm:prSet presAssocID="{8FD80590-C7F5-4A74-8527-68E46442DBA6}" presName="tx2" presStyleLbl="revTx" presStyleIdx="1" presStyleCnt="5"/>
+      <dgm:prSet presAssocID="{8FD80590-C7F5-4A74-8527-68E46442DBA6}" presName="tx2" presStyleLbl="revTx" presStyleIdx="1" presStyleCnt="7"/>
       <dgm:spPr/>
     </dgm:pt>
     <dgm:pt modelId="{FF92AC22-93CF-4574-92E4-095C0763385A}" type="pres">
@@ -5445,7 +6313,7 @@
       <dgm:spPr/>
     </dgm:pt>
     <dgm:pt modelId="{CB83673F-1DFB-48D7-81B4-3DB80EC4AD16}" type="pres">
-      <dgm:prSet presAssocID="{4FFEFBD0-DA44-4820-BAC3-0FD599CDFD81}" presName="tx3" presStyleLbl="revTx" presStyleIdx="2" presStyleCnt="5"/>
+      <dgm:prSet presAssocID="{4FFEFBD0-DA44-4820-BAC3-0FD599CDFD81}" presName="tx3" presStyleLbl="revTx" presStyleIdx="2" presStyleCnt="7"/>
       <dgm:spPr/>
     </dgm:pt>
     <dgm:pt modelId="{78414064-C041-426F-8FC9-8BDD671A5A3D}" type="pres">
@@ -5469,11 +6337,27 @@
       <dgm:spPr/>
     </dgm:pt>
     <dgm:pt modelId="{A5F3EBC6-324B-4A26-A5E2-3F33A6F46762}" type="pres">
-      <dgm:prSet presAssocID="{1EA4C1D9-FCE4-495F-B2EF-CDACE3F4BA9B}" presName="tx2" presStyleLbl="revTx" presStyleIdx="3" presStyleCnt="5"/>
+      <dgm:prSet presAssocID="{1EA4C1D9-FCE4-495F-B2EF-CDACE3F4BA9B}" presName="tx2" presStyleLbl="revTx" presStyleIdx="3" presStyleCnt="7"/>
       <dgm:spPr/>
     </dgm:pt>
     <dgm:pt modelId="{0694889A-5E47-44DA-B3EE-F88293584B65}" type="pres">
       <dgm:prSet presAssocID="{1EA4C1D9-FCE4-495F-B2EF-CDACE3F4BA9B}" presName="vert2" presStyleCnt="0"/>
+      <dgm:spPr/>
+    </dgm:pt>
+    <dgm:pt modelId="{0EAB1E69-09E3-4C97-83A9-1493801AC81F}" type="pres">
+      <dgm:prSet presAssocID="{58B23303-A2CE-4C9E-B45F-87E1BAD3CB34}" presName="horz3" presStyleCnt="0"/>
+      <dgm:spPr/>
+    </dgm:pt>
+    <dgm:pt modelId="{6AA665B5-82F5-4AAB-846B-08FF2049C1EB}" type="pres">
+      <dgm:prSet presAssocID="{58B23303-A2CE-4C9E-B45F-87E1BAD3CB34}" presName="horzSpace3" presStyleCnt="0"/>
+      <dgm:spPr/>
+    </dgm:pt>
+    <dgm:pt modelId="{DAA74E96-31A6-4490-9064-AB27C44E95F9}" type="pres">
+      <dgm:prSet presAssocID="{58B23303-A2CE-4C9E-B45F-87E1BAD3CB34}" presName="tx3" presStyleLbl="revTx" presStyleIdx="4" presStyleCnt="7"/>
+      <dgm:spPr/>
+    </dgm:pt>
+    <dgm:pt modelId="{19520962-1E97-4BD0-A768-C8A5B9625328}" type="pres">
+      <dgm:prSet presAssocID="{58B23303-A2CE-4C9E-B45F-87E1BAD3CB34}" presName="vert3" presStyleCnt="0"/>
       <dgm:spPr/>
     </dgm:pt>
     <dgm:pt modelId="{CA427285-019A-471E-B1B3-723ECBF1E5B0}" type="pres">
@@ -5493,11 +6377,27 @@
       <dgm:spPr/>
     </dgm:pt>
     <dgm:pt modelId="{AA1BFEBE-EE3F-4BB6-897F-6CE57540A494}" type="pres">
-      <dgm:prSet presAssocID="{380FA72A-CE5E-4EB9-AB78-3B8058B6E10D}" presName="tx2" presStyleLbl="revTx" presStyleIdx="4" presStyleCnt="5"/>
+      <dgm:prSet presAssocID="{380FA72A-CE5E-4EB9-AB78-3B8058B6E10D}" presName="tx2" presStyleLbl="revTx" presStyleIdx="5" presStyleCnt="7"/>
       <dgm:spPr/>
     </dgm:pt>
     <dgm:pt modelId="{B11AF4AC-9203-43AF-BD9F-6548B6344B16}" type="pres">
       <dgm:prSet presAssocID="{380FA72A-CE5E-4EB9-AB78-3B8058B6E10D}" presName="vert2" presStyleCnt="0"/>
+      <dgm:spPr/>
+    </dgm:pt>
+    <dgm:pt modelId="{12191EAF-D6C8-42BE-9F74-3CB4455727E5}" type="pres">
+      <dgm:prSet presAssocID="{8C7CFB70-500A-4874-859C-8CE7662BB875}" presName="horz3" presStyleCnt="0"/>
+      <dgm:spPr/>
+    </dgm:pt>
+    <dgm:pt modelId="{3B9CDCD5-ACAC-48AB-A8C0-55C10B86C397}" type="pres">
+      <dgm:prSet presAssocID="{8C7CFB70-500A-4874-859C-8CE7662BB875}" presName="horzSpace3" presStyleCnt="0"/>
+      <dgm:spPr/>
+    </dgm:pt>
+    <dgm:pt modelId="{82E4EB83-DBEE-4499-B3EA-5992375B3151}" type="pres">
+      <dgm:prSet presAssocID="{8C7CFB70-500A-4874-859C-8CE7662BB875}" presName="tx3" presStyleLbl="revTx" presStyleIdx="6" presStyleCnt="7"/>
+      <dgm:spPr/>
+    </dgm:pt>
+    <dgm:pt modelId="{9BF09CC5-B875-4BD5-B4AF-73F2DE518E75}" type="pres">
+      <dgm:prSet presAssocID="{8C7CFB70-500A-4874-859C-8CE7662BB875}" presName="vert3" presStyleCnt="0"/>
       <dgm:spPr/>
     </dgm:pt>
     <dgm:pt modelId="{523F9227-928A-4DDF-B36A-C1C5755590BD}" type="pres">
@@ -5510,50 +6410,371 @@
     </dgm:pt>
   </dgm:ptLst>
   <dgm:cxnLst>
+    <dgm:cxn modelId="{834C8E02-D152-42CE-9B23-7512EB56C7A1}" type="presOf" srcId="{F88669E7-B2DA-43C1-96F7-80C019362A2F}" destId="{BF2EAB99-B567-4A28-99AC-3C590E2D1025}" srcOrd="0" destOrd="0" presId="urn:microsoft.com/office/officeart/2008/layout/LinedList"/>
+    <dgm:cxn modelId="{0C93DD0B-A8E2-449D-A679-64541CBEF3A2}" type="presOf" srcId="{8FD80590-C7F5-4A74-8527-68E46442DBA6}" destId="{369B4105-D366-4D35-9F94-ACC9A0DFC354}" srcOrd="0" destOrd="0" presId="urn:microsoft.com/office/officeart/2008/layout/LinedList"/>
+    <dgm:cxn modelId="{90CCA033-07C1-4E6A-994B-A692CE283268}" type="presOf" srcId="{1EA4C1D9-FCE4-495F-B2EF-CDACE3F4BA9B}" destId="{A5F3EBC6-324B-4A26-A5E2-3F33A6F46762}" srcOrd="0" destOrd="0" presId="urn:microsoft.com/office/officeart/2008/layout/LinedList"/>
     <dgm:cxn modelId="{AFAEA735-FC10-4FFD-93C1-2F186FE8E37A}" srcId="{F88669E7-B2DA-43C1-96F7-80C019362A2F}" destId="{1EA4C1D9-FCE4-495F-B2EF-CDACE3F4BA9B}" srcOrd="1" destOrd="0" parTransId="{39FF6ABC-35B0-49C9-A76C-633D3867EC8A}" sibTransId="{6E491550-9C97-4A4B-8A31-3B95760C8D42}"/>
-    <dgm:cxn modelId="{7EA64B65-CBD3-4B2B-ADFD-2E323B0819D1}" type="presOf" srcId="{F88669E7-B2DA-43C1-96F7-80C019362A2F}" destId="{BF2EAB99-B567-4A28-99AC-3C590E2D1025}" srcOrd="0" destOrd="0" presId="urn:microsoft.com/office/officeart/2008/layout/LinedList"/>
     <dgm:cxn modelId="{FCEEDF47-21EC-4B81-BFAF-BCA7498E9558}" srcId="{F88669E7-B2DA-43C1-96F7-80C019362A2F}" destId="{8FD80590-C7F5-4A74-8527-68E46442DBA6}" srcOrd="0" destOrd="0" parTransId="{598C9AFE-A681-46D2-B201-ADA7AAA6C7E5}" sibTransId="{E667067B-90E1-436A-A841-F2835B0E74E0}"/>
-    <dgm:cxn modelId="{3246C157-DC37-4227-A3D1-F1F1FD512867}" type="presOf" srcId="{380FA72A-CE5E-4EB9-AB78-3B8058B6E10D}" destId="{AA1BFEBE-EE3F-4BB6-897F-6CE57540A494}" srcOrd="0" destOrd="0" presId="urn:microsoft.com/office/officeart/2008/layout/LinedList"/>
-    <dgm:cxn modelId="{023FE48A-AFCA-40E8-929E-F1276C8EBEE5}" type="presOf" srcId="{4FFEFBD0-DA44-4820-BAC3-0FD599CDFD81}" destId="{CB83673F-1DFB-48D7-81B4-3DB80EC4AD16}" srcOrd="0" destOrd="0" presId="urn:microsoft.com/office/officeart/2008/layout/LinedList"/>
+    <dgm:cxn modelId="{83B7B476-2350-41B9-8C8A-1D08D29326D2}" type="presOf" srcId="{58B23303-A2CE-4C9E-B45F-87E1BAD3CB34}" destId="{DAA74E96-31A6-4490-9064-AB27C44E95F9}" srcOrd="0" destOrd="0" presId="urn:microsoft.com/office/officeart/2008/layout/LinedList"/>
+    <dgm:cxn modelId="{93198995-7224-4E1C-8E4F-26E51AE3A20F}" type="presOf" srcId="{8C7CFB70-500A-4874-859C-8CE7662BB875}" destId="{82E4EB83-DBEE-4499-B3EA-5992375B3151}" srcOrd="0" destOrd="0" presId="urn:microsoft.com/office/officeart/2008/layout/LinedList"/>
+    <dgm:cxn modelId="{44753DA6-48BF-4232-A7C3-E8A9E12B44A6}" srcId="{1EA4C1D9-FCE4-495F-B2EF-CDACE3F4BA9B}" destId="{58B23303-A2CE-4C9E-B45F-87E1BAD3CB34}" srcOrd="0" destOrd="0" parTransId="{3F5FD50D-418D-4752-BCFE-19C304F962A0}" sibTransId="{63514919-1768-4580-A96F-891DF11CF42A}"/>
     <dgm:cxn modelId="{AD3264AD-E826-4C32-96F8-7F5981ABD94D}" srcId="{2B47A0F6-2FA9-4E38-92B1-C3E8A98B4554}" destId="{F88669E7-B2DA-43C1-96F7-80C019362A2F}" srcOrd="0" destOrd="0" parTransId="{A754D644-063D-4236-A725-7A09329FA73A}" sibTransId="{F9BEED6F-4010-416F-8FA6-7E2449FAE764}"/>
-    <dgm:cxn modelId="{CFFAA3B9-4608-4073-9172-2EBBE74F6D48}" type="presOf" srcId="{1EA4C1D9-FCE4-495F-B2EF-CDACE3F4BA9B}" destId="{A5F3EBC6-324B-4A26-A5E2-3F33A6F46762}" srcOrd="0" destOrd="0" presId="urn:microsoft.com/office/officeart/2008/layout/LinedList"/>
-    <dgm:cxn modelId="{650EB4C5-6872-49CF-9AC6-B0F7E6C51A8C}" type="presOf" srcId="{8FD80590-C7F5-4A74-8527-68E46442DBA6}" destId="{369B4105-D366-4D35-9F94-ACC9A0DFC354}" srcOrd="0" destOrd="0" presId="urn:microsoft.com/office/officeart/2008/layout/LinedList"/>
+    <dgm:cxn modelId="{CB5D9BBE-E09C-4428-BBA6-161D11FC0D1C}" srcId="{380FA72A-CE5E-4EB9-AB78-3B8058B6E10D}" destId="{8C7CFB70-500A-4874-859C-8CE7662BB875}" srcOrd="0" destOrd="0" parTransId="{08ADF842-45AC-4F2D-B868-458753455CA0}" sibTransId="{CEE87026-8BF3-436F-BEDA-5B5F3391BBCF}"/>
     <dgm:cxn modelId="{6F9589CB-7EB3-4964-8040-2D76F9512A48}" srcId="{8FD80590-C7F5-4A74-8527-68E46442DBA6}" destId="{4FFEFBD0-DA44-4820-BAC3-0FD599CDFD81}" srcOrd="0" destOrd="0" parTransId="{B920231F-0EAF-403E-B46C-56E3AA7565C1}" sibTransId="{E45A2274-F101-424E-B38C-3968A8A2B4CD}"/>
+    <dgm:cxn modelId="{F5C9F8D2-D185-44DC-9FF4-F38DC8FF7A4A}" type="presOf" srcId="{4FFEFBD0-DA44-4820-BAC3-0FD599CDFD81}" destId="{CB83673F-1DFB-48D7-81B4-3DB80EC4AD16}" srcOrd="0" destOrd="0" presId="urn:microsoft.com/office/officeart/2008/layout/LinedList"/>
+    <dgm:cxn modelId="{293E3CE6-BD72-411C-8564-D9E0758C91F0}" type="presOf" srcId="{380FA72A-CE5E-4EB9-AB78-3B8058B6E10D}" destId="{AA1BFEBE-EE3F-4BB6-897F-6CE57540A494}" srcOrd="0" destOrd="0" presId="urn:microsoft.com/office/officeart/2008/layout/LinedList"/>
     <dgm:cxn modelId="{43463CF1-E9FC-464B-88D0-3A4D039A4825}" srcId="{F88669E7-B2DA-43C1-96F7-80C019362A2F}" destId="{380FA72A-CE5E-4EB9-AB78-3B8058B6E10D}" srcOrd="2" destOrd="0" parTransId="{7D87C63D-4781-4451-8E17-A3EB2976DE31}" sibTransId="{394271DA-C6FC-4513-868E-5585A5BAF07D}"/>
     <dgm:cxn modelId="{CF8CB0F3-8981-410A-A2DF-23D6C5012303}" type="presOf" srcId="{2B47A0F6-2FA9-4E38-92B1-C3E8A98B4554}" destId="{79C58CD1-7250-4B23-84BE-58728D5DCBA7}" srcOrd="0" destOrd="0" presId="urn:microsoft.com/office/officeart/2008/layout/LinedList"/>
-    <dgm:cxn modelId="{17BEA444-5F5B-4ABF-860F-3A91A57FDB1D}" type="presParOf" srcId="{79C58CD1-7250-4B23-84BE-58728D5DCBA7}" destId="{3F3DB835-D83C-46F0-A0FE-8678B5162E69}" srcOrd="0" destOrd="0" presId="urn:microsoft.com/office/officeart/2008/layout/LinedList"/>
-    <dgm:cxn modelId="{6A9BFD74-A47B-48C6-8F7E-6A48CB0B1295}" type="presParOf" srcId="{79C58CD1-7250-4B23-84BE-58728D5DCBA7}" destId="{03E717AE-6428-475A-BD44-13336F0EB902}" srcOrd="1" destOrd="0" presId="urn:microsoft.com/office/officeart/2008/layout/LinedList"/>
-    <dgm:cxn modelId="{B06D78A1-99DA-4791-AABB-3ECA43BCC7EB}" type="presParOf" srcId="{03E717AE-6428-475A-BD44-13336F0EB902}" destId="{BF2EAB99-B567-4A28-99AC-3C590E2D1025}" srcOrd="0" destOrd="0" presId="urn:microsoft.com/office/officeart/2008/layout/LinedList"/>
-    <dgm:cxn modelId="{44F34163-2655-4423-A96D-33D81D03A989}" type="presParOf" srcId="{03E717AE-6428-475A-BD44-13336F0EB902}" destId="{9F8BF901-1E74-425C-9566-0E97F4ED3F55}" srcOrd="1" destOrd="0" presId="urn:microsoft.com/office/officeart/2008/layout/LinedList"/>
-    <dgm:cxn modelId="{E08F6A7A-9CA1-4A11-AF99-187C8B9F1ABF}" type="presParOf" srcId="{9F8BF901-1E74-425C-9566-0E97F4ED3F55}" destId="{F11056D6-1173-4F12-BD37-CBF09C4B205F}" srcOrd="0" destOrd="0" presId="urn:microsoft.com/office/officeart/2008/layout/LinedList"/>
-    <dgm:cxn modelId="{52B47E8C-481D-427E-B367-9B6081C9E06C}" type="presParOf" srcId="{9F8BF901-1E74-425C-9566-0E97F4ED3F55}" destId="{59B6652F-3A4D-44C7-ACDB-1CC30D1ACC6F}" srcOrd="1" destOrd="0" presId="urn:microsoft.com/office/officeart/2008/layout/LinedList"/>
-    <dgm:cxn modelId="{44FF4827-B999-49C7-A519-F7AA496B9C2F}" type="presParOf" srcId="{59B6652F-3A4D-44C7-ACDB-1CC30D1ACC6F}" destId="{3967E957-30E0-46FF-A80A-9B575F7D71BA}" srcOrd="0" destOrd="0" presId="urn:microsoft.com/office/officeart/2008/layout/LinedList"/>
-    <dgm:cxn modelId="{46A27020-BFF5-4472-B56C-6F4E93A518FA}" type="presParOf" srcId="{59B6652F-3A4D-44C7-ACDB-1CC30D1ACC6F}" destId="{369B4105-D366-4D35-9F94-ACC9A0DFC354}" srcOrd="1" destOrd="0" presId="urn:microsoft.com/office/officeart/2008/layout/LinedList"/>
-    <dgm:cxn modelId="{2C445C9A-0615-4BE4-A774-A288847CC4FA}" type="presParOf" srcId="{59B6652F-3A4D-44C7-ACDB-1CC30D1ACC6F}" destId="{FF92AC22-93CF-4574-92E4-095C0763385A}" srcOrd="2" destOrd="0" presId="urn:microsoft.com/office/officeart/2008/layout/LinedList"/>
-    <dgm:cxn modelId="{BA65F73C-062F-4D1E-9318-C98EA44090AC}" type="presParOf" srcId="{FF92AC22-93CF-4574-92E4-095C0763385A}" destId="{EBFB311D-2956-4543-B497-07A19D20933B}" srcOrd="0" destOrd="0" presId="urn:microsoft.com/office/officeart/2008/layout/LinedList"/>
-    <dgm:cxn modelId="{7DED017F-EDFE-4767-A494-6AE2F323D6EC}" type="presParOf" srcId="{EBFB311D-2956-4543-B497-07A19D20933B}" destId="{F48553B4-FCC6-4DEA-A730-8AFEB7FAB3A0}" srcOrd="0" destOrd="0" presId="urn:microsoft.com/office/officeart/2008/layout/LinedList"/>
-    <dgm:cxn modelId="{DCBDBF58-CE37-49FE-9341-A3A33B644E3E}" type="presParOf" srcId="{EBFB311D-2956-4543-B497-07A19D20933B}" destId="{CB83673F-1DFB-48D7-81B4-3DB80EC4AD16}" srcOrd="1" destOrd="0" presId="urn:microsoft.com/office/officeart/2008/layout/LinedList"/>
-    <dgm:cxn modelId="{18F1E8B7-06E0-4ACC-B38A-AE7C0C24B170}" type="presParOf" srcId="{EBFB311D-2956-4543-B497-07A19D20933B}" destId="{78414064-C041-426F-8FC9-8BDD671A5A3D}" srcOrd="2" destOrd="0" presId="urn:microsoft.com/office/officeart/2008/layout/LinedList"/>
-    <dgm:cxn modelId="{B30C12EB-F922-4BDC-A993-2B1C96A1D852}" type="presParOf" srcId="{9F8BF901-1E74-425C-9566-0E97F4ED3F55}" destId="{427DBE3D-EC07-487F-BEA1-08E593943B3B}" srcOrd="2" destOrd="0" presId="urn:microsoft.com/office/officeart/2008/layout/LinedList"/>
-    <dgm:cxn modelId="{585A3131-0C2B-4517-8B9B-61BB730082B3}" type="presParOf" srcId="{9F8BF901-1E74-425C-9566-0E97F4ED3F55}" destId="{7756514A-571B-40E8-9BE3-25A7DB17B776}" srcOrd="3" destOrd="0" presId="urn:microsoft.com/office/officeart/2008/layout/LinedList"/>
-    <dgm:cxn modelId="{A17DAB44-144A-4E05-974F-5A9337D4388B}" type="presParOf" srcId="{9F8BF901-1E74-425C-9566-0E97F4ED3F55}" destId="{53E12393-2BA7-4127-AB4B-1FB1ECC2F21E}" srcOrd="4" destOrd="0" presId="urn:microsoft.com/office/officeart/2008/layout/LinedList"/>
-    <dgm:cxn modelId="{37D270D9-9ED8-4093-9EC4-3421FEEC8BA2}" type="presParOf" srcId="{53E12393-2BA7-4127-AB4B-1FB1ECC2F21E}" destId="{757A12FA-6D70-4B51-9648-5330D258CB2D}" srcOrd="0" destOrd="0" presId="urn:microsoft.com/office/officeart/2008/layout/LinedList"/>
-    <dgm:cxn modelId="{9846D5B1-B4B8-428F-8ADE-66723FD1A212}" type="presParOf" srcId="{53E12393-2BA7-4127-AB4B-1FB1ECC2F21E}" destId="{A5F3EBC6-324B-4A26-A5E2-3F33A6F46762}" srcOrd="1" destOrd="0" presId="urn:microsoft.com/office/officeart/2008/layout/LinedList"/>
-    <dgm:cxn modelId="{58646523-F8F4-4777-81F7-0EDA1EB935D3}" type="presParOf" srcId="{53E12393-2BA7-4127-AB4B-1FB1ECC2F21E}" destId="{0694889A-5E47-44DA-B3EE-F88293584B65}" srcOrd="2" destOrd="0" presId="urn:microsoft.com/office/officeart/2008/layout/LinedList"/>
-    <dgm:cxn modelId="{649D28AD-234C-48D5-BFF0-B94F4330C668}" type="presParOf" srcId="{9F8BF901-1E74-425C-9566-0E97F4ED3F55}" destId="{CA427285-019A-471E-B1B3-723ECBF1E5B0}" srcOrd="5" destOrd="0" presId="urn:microsoft.com/office/officeart/2008/layout/LinedList"/>
-    <dgm:cxn modelId="{268BA2BC-243E-4A9C-857E-B2D3CDB2ED40}" type="presParOf" srcId="{9F8BF901-1E74-425C-9566-0E97F4ED3F55}" destId="{147F88FE-2133-459A-8A75-F7367F1AADAC}" srcOrd="6" destOrd="0" presId="urn:microsoft.com/office/officeart/2008/layout/LinedList"/>
-    <dgm:cxn modelId="{2775AFB8-A1F5-426F-B307-F85EA9C6AE1B}" type="presParOf" srcId="{9F8BF901-1E74-425C-9566-0E97F4ED3F55}" destId="{0EF4E7CC-9102-484E-924E-06ECE1CDA8F7}" srcOrd="7" destOrd="0" presId="urn:microsoft.com/office/officeart/2008/layout/LinedList"/>
-    <dgm:cxn modelId="{20FAC44F-6417-4E15-B5F0-571B5D48239C}" type="presParOf" srcId="{0EF4E7CC-9102-484E-924E-06ECE1CDA8F7}" destId="{CF0E0724-B2B6-4B4D-97FE-339C7B622870}" srcOrd="0" destOrd="0" presId="urn:microsoft.com/office/officeart/2008/layout/LinedList"/>
-    <dgm:cxn modelId="{7879EEEF-C0EB-484C-A182-A245F5705160}" type="presParOf" srcId="{0EF4E7CC-9102-484E-924E-06ECE1CDA8F7}" destId="{AA1BFEBE-EE3F-4BB6-897F-6CE57540A494}" srcOrd="1" destOrd="0" presId="urn:microsoft.com/office/officeart/2008/layout/LinedList"/>
-    <dgm:cxn modelId="{FEE25334-E0B9-40C3-9C94-A5209506D2B3}" type="presParOf" srcId="{0EF4E7CC-9102-484E-924E-06ECE1CDA8F7}" destId="{B11AF4AC-9203-43AF-BD9F-6548B6344B16}" srcOrd="2" destOrd="0" presId="urn:microsoft.com/office/officeart/2008/layout/LinedList"/>
-    <dgm:cxn modelId="{B7639EA4-BEE8-45C4-93C9-BB07E797C6BC}" type="presParOf" srcId="{9F8BF901-1E74-425C-9566-0E97F4ED3F55}" destId="{523F9227-928A-4DDF-B36A-C1C5755590BD}" srcOrd="8" destOrd="0" presId="urn:microsoft.com/office/officeart/2008/layout/LinedList"/>
-    <dgm:cxn modelId="{4608EFA0-BF6F-46D5-A682-EEE7EE77D287}" type="presParOf" srcId="{9F8BF901-1E74-425C-9566-0E97F4ED3F55}" destId="{44AE5FAF-3182-40F3-AD3F-F21A6E8E94E4}" srcOrd="9" destOrd="0" presId="urn:microsoft.com/office/officeart/2008/layout/LinedList"/>
+    <dgm:cxn modelId="{29ADD67C-1974-4647-94D4-0810B590AD9A}" type="presParOf" srcId="{79C58CD1-7250-4B23-84BE-58728D5DCBA7}" destId="{3F3DB835-D83C-46F0-A0FE-8678B5162E69}" srcOrd="0" destOrd="0" presId="urn:microsoft.com/office/officeart/2008/layout/LinedList"/>
+    <dgm:cxn modelId="{692C49F4-14BA-4746-9E97-A275A2857485}" type="presParOf" srcId="{79C58CD1-7250-4B23-84BE-58728D5DCBA7}" destId="{03E717AE-6428-475A-BD44-13336F0EB902}" srcOrd="1" destOrd="0" presId="urn:microsoft.com/office/officeart/2008/layout/LinedList"/>
+    <dgm:cxn modelId="{3ACF2796-4727-4FA1-AB12-6F996484A069}" type="presParOf" srcId="{03E717AE-6428-475A-BD44-13336F0EB902}" destId="{BF2EAB99-B567-4A28-99AC-3C590E2D1025}" srcOrd="0" destOrd="0" presId="urn:microsoft.com/office/officeart/2008/layout/LinedList"/>
+    <dgm:cxn modelId="{F169DD65-219F-4EB5-94A4-1AF7A15AC907}" type="presParOf" srcId="{03E717AE-6428-475A-BD44-13336F0EB902}" destId="{9F8BF901-1E74-425C-9566-0E97F4ED3F55}" srcOrd="1" destOrd="0" presId="urn:microsoft.com/office/officeart/2008/layout/LinedList"/>
+    <dgm:cxn modelId="{8137F54E-96C7-4A78-91D0-100CD1F3AA4C}" type="presParOf" srcId="{9F8BF901-1E74-425C-9566-0E97F4ED3F55}" destId="{F11056D6-1173-4F12-BD37-CBF09C4B205F}" srcOrd="0" destOrd="0" presId="urn:microsoft.com/office/officeart/2008/layout/LinedList"/>
+    <dgm:cxn modelId="{026E43CB-6C28-47C0-94F3-8FD6D3B56A48}" type="presParOf" srcId="{9F8BF901-1E74-425C-9566-0E97F4ED3F55}" destId="{59B6652F-3A4D-44C7-ACDB-1CC30D1ACC6F}" srcOrd="1" destOrd="0" presId="urn:microsoft.com/office/officeart/2008/layout/LinedList"/>
+    <dgm:cxn modelId="{A1757E68-A852-40B2-9C5A-0E8E47CE278E}" type="presParOf" srcId="{59B6652F-3A4D-44C7-ACDB-1CC30D1ACC6F}" destId="{3967E957-30E0-46FF-A80A-9B575F7D71BA}" srcOrd="0" destOrd="0" presId="urn:microsoft.com/office/officeart/2008/layout/LinedList"/>
+    <dgm:cxn modelId="{2ED88608-AFCA-48DC-B968-57FCBAEF519F}" type="presParOf" srcId="{59B6652F-3A4D-44C7-ACDB-1CC30D1ACC6F}" destId="{369B4105-D366-4D35-9F94-ACC9A0DFC354}" srcOrd="1" destOrd="0" presId="urn:microsoft.com/office/officeart/2008/layout/LinedList"/>
+    <dgm:cxn modelId="{2B34C321-0406-4B84-98CD-FE33E424A16F}" type="presParOf" srcId="{59B6652F-3A4D-44C7-ACDB-1CC30D1ACC6F}" destId="{FF92AC22-93CF-4574-92E4-095C0763385A}" srcOrd="2" destOrd="0" presId="urn:microsoft.com/office/officeart/2008/layout/LinedList"/>
+    <dgm:cxn modelId="{4507CFB3-885F-40C1-9527-6E1C9B7072C9}" type="presParOf" srcId="{FF92AC22-93CF-4574-92E4-095C0763385A}" destId="{EBFB311D-2956-4543-B497-07A19D20933B}" srcOrd="0" destOrd="0" presId="urn:microsoft.com/office/officeart/2008/layout/LinedList"/>
+    <dgm:cxn modelId="{BB91A4C5-76C5-4BAA-BD29-4B356734E65E}" type="presParOf" srcId="{EBFB311D-2956-4543-B497-07A19D20933B}" destId="{F48553B4-FCC6-4DEA-A730-8AFEB7FAB3A0}" srcOrd="0" destOrd="0" presId="urn:microsoft.com/office/officeart/2008/layout/LinedList"/>
+    <dgm:cxn modelId="{11C49A36-4586-4259-A943-CDE8FB99F63F}" type="presParOf" srcId="{EBFB311D-2956-4543-B497-07A19D20933B}" destId="{CB83673F-1DFB-48D7-81B4-3DB80EC4AD16}" srcOrd="1" destOrd="0" presId="urn:microsoft.com/office/officeart/2008/layout/LinedList"/>
+    <dgm:cxn modelId="{F4F98B5A-59C6-435D-A8A9-3A51DFB54333}" type="presParOf" srcId="{EBFB311D-2956-4543-B497-07A19D20933B}" destId="{78414064-C041-426F-8FC9-8BDD671A5A3D}" srcOrd="2" destOrd="0" presId="urn:microsoft.com/office/officeart/2008/layout/LinedList"/>
+    <dgm:cxn modelId="{280A691B-83AB-407D-8148-B11B642AB029}" type="presParOf" srcId="{9F8BF901-1E74-425C-9566-0E97F4ED3F55}" destId="{427DBE3D-EC07-487F-BEA1-08E593943B3B}" srcOrd="2" destOrd="0" presId="urn:microsoft.com/office/officeart/2008/layout/LinedList"/>
+    <dgm:cxn modelId="{94EE607A-A31F-4D51-96AF-CC34B48D7480}" type="presParOf" srcId="{9F8BF901-1E74-425C-9566-0E97F4ED3F55}" destId="{7756514A-571B-40E8-9BE3-25A7DB17B776}" srcOrd="3" destOrd="0" presId="urn:microsoft.com/office/officeart/2008/layout/LinedList"/>
+    <dgm:cxn modelId="{82183621-7B7C-464D-BBAC-4705380C4541}" type="presParOf" srcId="{9F8BF901-1E74-425C-9566-0E97F4ED3F55}" destId="{53E12393-2BA7-4127-AB4B-1FB1ECC2F21E}" srcOrd="4" destOrd="0" presId="urn:microsoft.com/office/officeart/2008/layout/LinedList"/>
+    <dgm:cxn modelId="{04B05136-AEEF-461A-ACAD-AF32DABCEA15}" type="presParOf" srcId="{53E12393-2BA7-4127-AB4B-1FB1ECC2F21E}" destId="{757A12FA-6D70-4B51-9648-5330D258CB2D}" srcOrd="0" destOrd="0" presId="urn:microsoft.com/office/officeart/2008/layout/LinedList"/>
+    <dgm:cxn modelId="{977D6B60-2EFC-447D-871B-02E35DA86576}" type="presParOf" srcId="{53E12393-2BA7-4127-AB4B-1FB1ECC2F21E}" destId="{A5F3EBC6-324B-4A26-A5E2-3F33A6F46762}" srcOrd="1" destOrd="0" presId="urn:microsoft.com/office/officeart/2008/layout/LinedList"/>
+    <dgm:cxn modelId="{BB0EE95B-B36A-4D05-9C1F-0AB13A57BCC4}" type="presParOf" srcId="{53E12393-2BA7-4127-AB4B-1FB1ECC2F21E}" destId="{0694889A-5E47-44DA-B3EE-F88293584B65}" srcOrd="2" destOrd="0" presId="urn:microsoft.com/office/officeart/2008/layout/LinedList"/>
+    <dgm:cxn modelId="{467EF765-32DE-4462-8ACF-F08A0253C1C3}" type="presParOf" srcId="{0694889A-5E47-44DA-B3EE-F88293584B65}" destId="{0EAB1E69-09E3-4C97-83A9-1493801AC81F}" srcOrd="0" destOrd="0" presId="urn:microsoft.com/office/officeart/2008/layout/LinedList"/>
+    <dgm:cxn modelId="{CFB07095-2482-462B-B68B-D4F9DE48C969}" type="presParOf" srcId="{0EAB1E69-09E3-4C97-83A9-1493801AC81F}" destId="{6AA665B5-82F5-4AAB-846B-08FF2049C1EB}" srcOrd="0" destOrd="0" presId="urn:microsoft.com/office/officeart/2008/layout/LinedList"/>
+    <dgm:cxn modelId="{BFEC91D9-9E81-47E2-ABAB-61C48C781BB8}" type="presParOf" srcId="{0EAB1E69-09E3-4C97-83A9-1493801AC81F}" destId="{DAA74E96-31A6-4490-9064-AB27C44E95F9}" srcOrd="1" destOrd="0" presId="urn:microsoft.com/office/officeart/2008/layout/LinedList"/>
+    <dgm:cxn modelId="{8C7AC8B9-C47D-4DA9-B414-C7F514F98C18}" type="presParOf" srcId="{0EAB1E69-09E3-4C97-83A9-1493801AC81F}" destId="{19520962-1E97-4BD0-A768-C8A5B9625328}" srcOrd="2" destOrd="0" presId="urn:microsoft.com/office/officeart/2008/layout/LinedList"/>
+    <dgm:cxn modelId="{A60F78DF-F7B7-43FA-A964-1A0290692AA2}" type="presParOf" srcId="{9F8BF901-1E74-425C-9566-0E97F4ED3F55}" destId="{CA427285-019A-471E-B1B3-723ECBF1E5B0}" srcOrd="5" destOrd="0" presId="urn:microsoft.com/office/officeart/2008/layout/LinedList"/>
+    <dgm:cxn modelId="{40020AB1-80AE-439E-998A-9104B4B83D3D}" type="presParOf" srcId="{9F8BF901-1E74-425C-9566-0E97F4ED3F55}" destId="{147F88FE-2133-459A-8A75-F7367F1AADAC}" srcOrd="6" destOrd="0" presId="urn:microsoft.com/office/officeart/2008/layout/LinedList"/>
+    <dgm:cxn modelId="{2766FDCA-5C4A-4D36-BE30-76632EC2EE77}" type="presParOf" srcId="{9F8BF901-1E74-425C-9566-0E97F4ED3F55}" destId="{0EF4E7CC-9102-484E-924E-06ECE1CDA8F7}" srcOrd="7" destOrd="0" presId="urn:microsoft.com/office/officeart/2008/layout/LinedList"/>
+    <dgm:cxn modelId="{B36D915A-572C-4892-8435-D2AE866A714F}" type="presParOf" srcId="{0EF4E7CC-9102-484E-924E-06ECE1CDA8F7}" destId="{CF0E0724-B2B6-4B4D-97FE-339C7B622870}" srcOrd="0" destOrd="0" presId="urn:microsoft.com/office/officeart/2008/layout/LinedList"/>
+    <dgm:cxn modelId="{9036D8A4-6977-4EAB-9FCD-5B5FFB96D4BA}" type="presParOf" srcId="{0EF4E7CC-9102-484E-924E-06ECE1CDA8F7}" destId="{AA1BFEBE-EE3F-4BB6-897F-6CE57540A494}" srcOrd="1" destOrd="0" presId="urn:microsoft.com/office/officeart/2008/layout/LinedList"/>
+    <dgm:cxn modelId="{8676A1A6-5E53-44A5-B0BF-9E7B2C93845F}" type="presParOf" srcId="{0EF4E7CC-9102-484E-924E-06ECE1CDA8F7}" destId="{B11AF4AC-9203-43AF-BD9F-6548B6344B16}" srcOrd="2" destOrd="0" presId="urn:microsoft.com/office/officeart/2008/layout/LinedList"/>
+    <dgm:cxn modelId="{5762872E-91E6-49BB-A4FF-C7BE1B6A8D65}" type="presParOf" srcId="{B11AF4AC-9203-43AF-BD9F-6548B6344B16}" destId="{12191EAF-D6C8-42BE-9F74-3CB4455727E5}" srcOrd="0" destOrd="0" presId="urn:microsoft.com/office/officeart/2008/layout/LinedList"/>
+    <dgm:cxn modelId="{34DB6CED-16DF-4642-A9F2-037269AED484}" type="presParOf" srcId="{12191EAF-D6C8-42BE-9F74-3CB4455727E5}" destId="{3B9CDCD5-ACAC-48AB-A8C0-55C10B86C397}" srcOrd="0" destOrd="0" presId="urn:microsoft.com/office/officeart/2008/layout/LinedList"/>
+    <dgm:cxn modelId="{6D927BD6-62B3-41B2-9C9E-CD0556E012FD}" type="presParOf" srcId="{12191EAF-D6C8-42BE-9F74-3CB4455727E5}" destId="{82E4EB83-DBEE-4499-B3EA-5992375B3151}" srcOrd="1" destOrd="0" presId="urn:microsoft.com/office/officeart/2008/layout/LinedList"/>
+    <dgm:cxn modelId="{FB507CC8-5B81-49C3-84CB-91D5A240FF6B}" type="presParOf" srcId="{12191EAF-D6C8-42BE-9F74-3CB4455727E5}" destId="{9BF09CC5-B875-4BD5-B4AF-73F2DE518E75}" srcOrd="2" destOrd="0" presId="urn:microsoft.com/office/officeart/2008/layout/LinedList"/>
+    <dgm:cxn modelId="{444A9378-715F-4894-8188-C106A2DD1769}" type="presParOf" srcId="{9F8BF901-1E74-425C-9566-0E97F4ED3F55}" destId="{523F9227-928A-4DDF-B36A-C1C5755590BD}" srcOrd="8" destOrd="0" presId="urn:microsoft.com/office/officeart/2008/layout/LinedList"/>
+    <dgm:cxn modelId="{FF34E21D-D1AE-43CD-9663-2C76498F5B29}" type="presParOf" srcId="{9F8BF901-1E74-425C-9566-0E97F4ED3F55}" destId="{44AE5FAF-3182-40F3-AD3F-F21A6E8E94E4}" srcOrd="9" destOrd="0" presId="urn:microsoft.com/office/officeart/2008/layout/LinedList"/>
   </dgm:cxnLst>
   <dgm:bg/>
   <dgm:whole/>
   <dgm:extLst>
     <a:ext uri="http://schemas.microsoft.com/office/drawing/2008/diagram">
       <dsp:dataModelExt xmlns:dsp="http://schemas.microsoft.com/office/drawing/2008/diagram" relId="rId6" minVer="http://schemas.openxmlformats.org/drawingml/2006/diagram"/>
+    </a:ext>
+  </dgm:extLst>
+</dgm:dataModel>
+</file>
+
+<file path=ppt/diagrams/data5.xml><?xml version="1.0" encoding="utf-8"?>
+<dgm:dataModel xmlns:dgm="http://schemas.openxmlformats.org/drawingml/2006/diagram" xmlns:a="http://schemas.openxmlformats.org/drawingml/2006/main">
+  <dgm:ptLst>
+    <dgm:pt modelId="{946AC643-BC38-418D-B312-0EBBBDF752F9}" type="doc">
+      <dgm:prSet loTypeId="urn:microsoft.com/office/officeart/2005/8/layout/default" loCatId="list" qsTypeId="urn:microsoft.com/office/officeart/2005/8/quickstyle/simple2" qsCatId="simple" csTypeId="urn:microsoft.com/office/officeart/2005/8/colors/accent1_1" csCatId="accent1" phldr="1"/>
+      <dgm:spPr/>
+      <dgm:t>
+        <a:bodyPr/>
+        <a:lstStyle/>
+        <a:p>
+          <a:endParaRPr lang="pt-BR"/>
+        </a:p>
+      </dgm:t>
+    </dgm:pt>
+    <dgm:pt modelId="{DFC7181A-0638-405B-9131-168A90E54D56}">
+      <dgm:prSet phldrT="[Texto]" phldr="0"/>
+      <dgm:spPr/>
+      <dgm:t>
+        <a:bodyPr/>
+        <a:lstStyle/>
+        <a:p>
+          <a:r>
+            <a:rPr lang="pt-BR" dirty="0"/>
+            <a:t>Business </a:t>
+          </a:r>
+          <a:r>
+            <a:rPr lang="pt-BR" dirty="0" err="1"/>
+            <a:t>Understanding</a:t>
+          </a:r>
+          <a:endParaRPr lang="pt-BR" dirty="0"/>
+        </a:p>
+      </dgm:t>
+    </dgm:pt>
+    <dgm:pt modelId="{FF00A302-3F34-49EE-9091-7184C48688D8}" type="parTrans" cxnId="{EBEC4C8F-BE6A-4E8D-83E3-677965E5509F}">
+      <dgm:prSet/>
+      <dgm:spPr/>
+      <dgm:t>
+        <a:bodyPr/>
+        <a:lstStyle/>
+        <a:p>
+          <a:endParaRPr lang="pt-BR"/>
+        </a:p>
+      </dgm:t>
+    </dgm:pt>
+    <dgm:pt modelId="{7CB6DD19-D1A3-422E-A337-041B82613C8E}" type="sibTrans" cxnId="{EBEC4C8F-BE6A-4E8D-83E3-677965E5509F}">
+      <dgm:prSet/>
+      <dgm:spPr/>
+      <dgm:t>
+        <a:bodyPr/>
+        <a:lstStyle/>
+        <a:p>
+          <a:endParaRPr lang="pt-BR"/>
+        </a:p>
+      </dgm:t>
+    </dgm:pt>
+    <dgm:pt modelId="{BE39B9CB-6D23-4235-8ADF-66717D24BCAB}">
+      <dgm:prSet phldrT="[Texto]" phldr="0"/>
+      <dgm:spPr/>
+      <dgm:t>
+        <a:bodyPr/>
+        <a:lstStyle/>
+        <a:p>
+          <a:r>
+            <a:rPr lang="pt-BR" dirty="0"/>
+            <a:t>Data </a:t>
+          </a:r>
+          <a:r>
+            <a:rPr lang="pt-BR" dirty="0" err="1"/>
+            <a:t>Understanding</a:t>
+          </a:r>
+          <a:endParaRPr lang="pt-BR" dirty="0"/>
+        </a:p>
+      </dgm:t>
+    </dgm:pt>
+    <dgm:pt modelId="{6ACB926C-E475-43A4-B46B-AAAEAE4B7F8C}" type="parTrans" cxnId="{773130AE-EB8B-4EF7-A65E-D70A84E7ED15}">
+      <dgm:prSet/>
+      <dgm:spPr/>
+      <dgm:t>
+        <a:bodyPr/>
+        <a:lstStyle/>
+        <a:p>
+          <a:endParaRPr lang="pt-BR"/>
+        </a:p>
+      </dgm:t>
+    </dgm:pt>
+    <dgm:pt modelId="{1D62BFBF-92D0-43D0-815B-D730DB7F163C}" type="sibTrans" cxnId="{773130AE-EB8B-4EF7-A65E-D70A84E7ED15}">
+      <dgm:prSet/>
+      <dgm:spPr/>
+      <dgm:t>
+        <a:bodyPr/>
+        <a:lstStyle/>
+        <a:p>
+          <a:endParaRPr lang="pt-BR"/>
+        </a:p>
+      </dgm:t>
+    </dgm:pt>
+    <dgm:pt modelId="{E9DA4588-B131-411E-B044-3AB3B32684D6}">
+      <dgm:prSet phldrT="[Texto]" phldr="0"/>
+      <dgm:spPr/>
+      <dgm:t>
+        <a:bodyPr/>
+        <a:lstStyle/>
+        <a:p>
+          <a:r>
+            <a:rPr lang="pt-BR" dirty="0"/>
+            <a:t>Data </a:t>
+          </a:r>
+          <a:r>
+            <a:rPr lang="pt-BR" dirty="0" err="1"/>
+            <a:t>Preparation</a:t>
+          </a:r>
+          <a:endParaRPr lang="pt-BR" dirty="0"/>
+        </a:p>
+      </dgm:t>
+    </dgm:pt>
+    <dgm:pt modelId="{2B439967-079C-4FFF-9F70-7410E9732E09}" type="parTrans" cxnId="{C1D01333-5C7B-41BF-9348-33302D87C822}">
+      <dgm:prSet/>
+      <dgm:spPr/>
+      <dgm:t>
+        <a:bodyPr/>
+        <a:lstStyle/>
+        <a:p>
+          <a:endParaRPr lang="pt-BR"/>
+        </a:p>
+      </dgm:t>
+    </dgm:pt>
+    <dgm:pt modelId="{181E24BC-5183-4FFE-88CB-DC4E09B0DD87}" type="sibTrans" cxnId="{C1D01333-5C7B-41BF-9348-33302D87C822}">
+      <dgm:prSet/>
+      <dgm:spPr/>
+      <dgm:t>
+        <a:bodyPr/>
+        <a:lstStyle/>
+        <a:p>
+          <a:endParaRPr lang="pt-BR"/>
+        </a:p>
+      </dgm:t>
+    </dgm:pt>
+    <dgm:pt modelId="{95877F61-891F-42D2-8D14-B6F75F9B74E5}">
+      <dgm:prSet phldrT="[Texto]" phldr="0"/>
+      <dgm:spPr/>
+      <dgm:t>
+        <a:bodyPr/>
+        <a:lstStyle/>
+        <a:p>
+          <a:r>
+            <a:rPr lang="pt-BR"/>
+            <a:t>Modeling</a:t>
+          </a:r>
+          <a:endParaRPr lang="pt-BR" dirty="0"/>
+        </a:p>
+      </dgm:t>
+    </dgm:pt>
+    <dgm:pt modelId="{D43CD72F-7D41-4D42-A9CC-9BB3FA2B9C42}" type="parTrans" cxnId="{AF3259F3-7BB5-4067-8184-07A325A6092A}">
+      <dgm:prSet/>
+      <dgm:spPr/>
+      <dgm:t>
+        <a:bodyPr/>
+        <a:lstStyle/>
+        <a:p>
+          <a:endParaRPr lang="pt-BR"/>
+        </a:p>
+      </dgm:t>
+    </dgm:pt>
+    <dgm:pt modelId="{C2B3F5F6-CAA0-49D3-AF8A-300A271A3679}" type="sibTrans" cxnId="{AF3259F3-7BB5-4067-8184-07A325A6092A}">
+      <dgm:prSet/>
+      <dgm:spPr/>
+      <dgm:t>
+        <a:bodyPr/>
+        <a:lstStyle/>
+        <a:p>
+          <a:endParaRPr lang="pt-BR"/>
+        </a:p>
+      </dgm:t>
+    </dgm:pt>
+    <dgm:pt modelId="{DD4201CB-1994-4B87-89D2-34944BDAC30F}">
+      <dgm:prSet phldrT="[Texto]" phldr="0"/>
+      <dgm:spPr/>
+      <dgm:t>
+        <a:bodyPr/>
+        <a:lstStyle/>
+        <a:p>
+          <a:r>
+            <a:rPr lang="pt-BR"/>
+            <a:t>Evaluation</a:t>
+          </a:r>
+          <a:endParaRPr lang="pt-BR" dirty="0"/>
+        </a:p>
+      </dgm:t>
+    </dgm:pt>
+    <dgm:pt modelId="{4FDDB5FA-57AA-4DF6-8927-38D464F6FE99}" type="parTrans" cxnId="{9AF673A5-A0F2-4E2B-B0BF-8E47BA20FEEF}">
+      <dgm:prSet/>
+      <dgm:spPr/>
+      <dgm:t>
+        <a:bodyPr/>
+        <a:lstStyle/>
+        <a:p>
+          <a:endParaRPr lang="pt-BR"/>
+        </a:p>
+      </dgm:t>
+    </dgm:pt>
+    <dgm:pt modelId="{703E6B39-AFB1-4885-8C7D-7702422E40F8}" type="sibTrans" cxnId="{9AF673A5-A0F2-4E2B-B0BF-8E47BA20FEEF}">
+      <dgm:prSet/>
+      <dgm:spPr/>
+      <dgm:t>
+        <a:bodyPr/>
+        <a:lstStyle/>
+        <a:p>
+          <a:endParaRPr lang="pt-BR"/>
+        </a:p>
+      </dgm:t>
+    </dgm:pt>
+    <dgm:pt modelId="{DA9DADE0-B167-4358-9FC1-0F993AC0C858}" type="pres">
+      <dgm:prSet presAssocID="{946AC643-BC38-418D-B312-0EBBBDF752F9}" presName="diagram" presStyleCnt="0">
+        <dgm:presLayoutVars>
+          <dgm:dir/>
+          <dgm:resizeHandles val="exact"/>
+        </dgm:presLayoutVars>
+      </dgm:prSet>
+      <dgm:spPr/>
+    </dgm:pt>
+    <dgm:pt modelId="{9D6389B8-2780-477D-9CBE-1B02EEE8711F}" type="pres">
+      <dgm:prSet presAssocID="{DFC7181A-0638-405B-9131-168A90E54D56}" presName="node" presStyleLbl="node1" presStyleIdx="0" presStyleCnt="5">
+        <dgm:presLayoutVars>
+          <dgm:bulletEnabled val="1"/>
+        </dgm:presLayoutVars>
+      </dgm:prSet>
+      <dgm:spPr/>
+    </dgm:pt>
+    <dgm:pt modelId="{54C2FDE9-4BA9-44F8-8348-AFDF76F84757}" type="pres">
+      <dgm:prSet presAssocID="{7CB6DD19-D1A3-422E-A337-041B82613C8E}" presName="sibTrans" presStyleCnt="0"/>
+      <dgm:spPr/>
+    </dgm:pt>
+    <dgm:pt modelId="{20444558-087C-4785-B3DA-F10558290887}" type="pres">
+      <dgm:prSet presAssocID="{BE39B9CB-6D23-4235-8ADF-66717D24BCAB}" presName="node" presStyleLbl="node1" presStyleIdx="1" presStyleCnt="5">
+        <dgm:presLayoutVars>
+          <dgm:bulletEnabled val="1"/>
+        </dgm:presLayoutVars>
+      </dgm:prSet>
+      <dgm:spPr/>
+    </dgm:pt>
+    <dgm:pt modelId="{1D08B596-85DD-4E50-90D5-BAF3D2C80AA7}" type="pres">
+      <dgm:prSet presAssocID="{1D62BFBF-92D0-43D0-815B-D730DB7F163C}" presName="sibTrans" presStyleCnt="0"/>
+      <dgm:spPr/>
+    </dgm:pt>
+    <dgm:pt modelId="{39EC8217-2623-464D-BDDC-1F524284F67F}" type="pres">
+      <dgm:prSet presAssocID="{E9DA4588-B131-411E-B044-3AB3B32684D6}" presName="node" presStyleLbl="node1" presStyleIdx="2" presStyleCnt="5">
+        <dgm:presLayoutVars>
+          <dgm:bulletEnabled val="1"/>
+        </dgm:presLayoutVars>
+      </dgm:prSet>
+      <dgm:spPr/>
+    </dgm:pt>
+    <dgm:pt modelId="{D24F43BF-A650-452F-98FC-C3FED5CE5855}" type="pres">
+      <dgm:prSet presAssocID="{181E24BC-5183-4FFE-88CB-DC4E09B0DD87}" presName="sibTrans" presStyleCnt="0"/>
+      <dgm:spPr/>
+    </dgm:pt>
+    <dgm:pt modelId="{E747BCF2-696D-4997-844B-F5ACF9494BF9}" type="pres">
+      <dgm:prSet presAssocID="{95877F61-891F-42D2-8D14-B6F75F9B74E5}" presName="node" presStyleLbl="node1" presStyleIdx="3" presStyleCnt="5">
+        <dgm:presLayoutVars>
+          <dgm:bulletEnabled val="1"/>
+        </dgm:presLayoutVars>
+      </dgm:prSet>
+      <dgm:spPr/>
+    </dgm:pt>
+    <dgm:pt modelId="{7C2B3D4A-05C3-43BA-A134-C1F8F0484BA7}" type="pres">
+      <dgm:prSet presAssocID="{C2B3F5F6-CAA0-49D3-AF8A-300A271A3679}" presName="sibTrans" presStyleCnt="0"/>
+      <dgm:spPr/>
+    </dgm:pt>
+    <dgm:pt modelId="{FACD9D2A-A350-4306-B3CB-FDB03AE25B24}" type="pres">
+      <dgm:prSet presAssocID="{DD4201CB-1994-4B87-89D2-34944BDAC30F}" presName="node" presStyleLbl="node1" presStyleIdx="4" presStyleCnt="5">
+        <dgm:presLayoutVars>
+          <dgm:bulletEnabled val="1"/>
+        </dgm:presLayoutVars>
+      </dgm:prSet>
+      <dgm:spPr/>
+    </dgm:pt>
+  </dgm:ptLst>
+  <dgm:cxnLst>
+    <dgm:cxn modelId="{69FDC21C-ADAA-455A-838F-C5F3CFEE0300}" type="presOf" srcId="{946AC643-BC38-418D-B312-0EBBBDF752F9}" destId="{DA9DADE0-B167-4358-9FC1-0F993AC0C858}" srcOrd="0" destOrd="0" presId="urn:microsoft.com/office/officeart/2005/8/layout/default"/>
+    <dgm:cxn modelId="{C1D01333-5C7B-41BF-9348-33302D87C822}" srcId="{946AC643-BC38-418D-B312-0EBBBDF752F9}" destId="{E9DA4588-B131-411E-B044-3AB3B32684D6}" srcOrd="2" destOrd="0" parTransId="{2B439967-079C-4FFF-9F70-7410E9732E09}" sibTransId="{181E24BC-5183-4FFE-88CB-DC4E09B0DD87}"/>
+    <dgm:cxn modelId="{04B7D534-4B8D-459C-887C-878F3142CF7C}" type="presOf" srcId="{DD4201CB-1994-4B87-89D2-34944BDAC30F}" destId="{FACD9D2A-A350-4306-B3CB-FDB03AE25B24}" srcOrd="0" destOrd="0" presId="urn:microsoft.com/office/officeart/2005/8/layout/default"/>
+    <dgm:cxn modelId="{0DA3E35F-D6E6-43FC-BA02-D46D76CD5A3F}" type="presOf" srcId="{95877F61-891F-42D2-8D14-B6F75F9B74E5}" destId="{E747BCF2-696D-4997-844B-F5ACF9494BF9}" srcOrd="0" destOrd="0" presId="urn:microsoft.com/office/officeart/2005/8/layout/default"/>
+    <dgm:cxn modelId="{EBEC4C8F-BE6A-4E8D-83E3-677965E5509F}" srcId="{946AC643-BC38-418D-B312-0EBBBDF752F9}" destId="{DFC7181A-0638-405B-9131-168A90E54D56}" srcOrd="0" destOrd="0" parTransId="{FF00A302-3F34-49EE-9091-7184C48688D8}" sibTransId="{7CB6DD19-D1A3-422E-A337-041B82613C8E}"/>
+    <dgm:cxn modelId="{9AF673A5-A0F2-4E2B-B0BF-8E47BA20FEEF}" srcId="{946AC643-BC38-418D-B312-0EBBBDF752F9}" destId="{DD4201CB-1994-4B87-89D2-34944BDAC30F}" srcOrd="4" destOrd="0" parTransId="{4FDDB5FA-57AA-4DF6-8927-38D464F6FE99}" sibTransId="{703E6B39-AFB1-4885-8C7D-7702422E40F8}"/>
+    <dgm:cxn modelId="{773130AE-EB8B-4EF7-A65E-D70A84E7ED15}" srcId="{946AC643-BC38-418D-B312-0EBBBDF752F9}" destId="{BE39B9CB-6D23-4235-8ADF-66717D24BCAB}" srcOrd="1" destOrd="0" parTransId="{6ACB926C-E475-43A4-B46B-AAAEAE4B7F8C}" sibTransId="{1D62BFBF-92D0-43D0-815B-D730DB7F163C}"/>
+    <dgm:cxn modelId="{3A8C87DE-BD2B-425C-AD61-45279167502E}" type="presOf" srcId="{E9DA4588-B131-411E-B044-3AB3B32684D6}" destId="{39EC8217-2623-464D-BDDC-1F524284F67F}" srcOrd="0" destOrd="0" presId="urn:microsoft.com/office/officeart/2005/8/layout/default"/>
+    <dgm:cxn modelId="{D18BE8F2-36DE-4A8F-A21D-062F4398A364}" type="presOf" srcId="{BE39B9CB-6D23-4235-8ADF-66717D24BCAB}" destId="{20444558-087C-4785-B3DA-F10558290887}" srcOrd="0" destOrd="0" presId="urn:microsoft.com/office/officeart/2005/8/layout/default"/>
+    <dgm:cxn modelId="{AF3259F3-7BB5-4067-8184-07A325A6092A}" srcId="{946AC643-BC38-418D-B312-0EBBBDF752F9}" destId="{95877F61-891F-42D2-8D14-B6F75F9B74E5}" srcOrd="3" destOrd="0" parTransId="{D43CD72F-7D41-4D42-A9CC-9BB3FA2B9C42}" sibTransId="{C2B3F5F6-CAA0-49D3-AF8A-300A271A3679}"/>
+    <dgm:cxn modelId="{ABC555F8-147C-4B30-A197-06AE1CA26EDE}" type="presOf" srcId="{DFC7181A-0638-405B-9131-168A90E54D56}" destId="{9D6389B8-2780-477D-9CBE-1B02EEE8711F}" srcOrd="0" destOrd="0" presId="urn:microsoft.com/office/officeart/2005/8/layout/default"/>
+    <dgm:cxn modelId="{BFA19C82-7304-4CF1-91B9-E4154935CB12}" type="presParOf" srcId="{DA9DADE0-B167-4358-9FC1-0F993AC0C858}" destId="{9D6389B8-2780-477D-9CBE-1B02EEE8711F}" srcOrd="0" destOrd="0" presId="urn:microsoft.com/office/officeart/2005/8/layout/default"/>
+    <dgm:cxn modelId="{C94C8693-C409-426C-BAAE-30F8ED65F4C1}" type="presParOf" srcId="{DA9DADE0-B167-4358-9FC1-0F993AC0C858}" destId="{54C2FDE9-4BA9-44F8-8348-AFDF76F84757}" srcOrd="1" destOrd="0" presId="urn:microsoft.com/office/officeart/2005/8/layout/default"/>
+    <dgm:cxn modelId="{FAA1A8B1-485F-4B3A-9CC9-762E70D3A617}" type="presParOf" srcId="{DA9DADE0-B167-4358-9FC1-0F993AC0C858}" destId="{20444558-087C-4785-B3DA-F10558290887}" srcOrd="2" destOrd="0" presId="urn:microsoft.com/office/officeart/2005/8/layout/default"/>
+    <dgm:cxn modelId="{DE983057-822B-4E2A-A7F0-281E3FB21404}" type="presParOf" srcId="{DA9DADE0-B167-4358-9FC1-0F993AC0C858}" destId="{1D08B596-85DD-4E50-90D5-BAF3D2C80AA7}" srcOrd="3" destOrd="0" presId="urn:microsoft.com/office/officeart/2005/8/layout/default"/>
+    <dgm:cxn modelId="{13703E45-4C76-47DA-9F13-EFA1A0A1FA31}" type="presParOf" srcId="{DA9DADE0-B167-4358-9FC1-0F993AC0C858}" destId="{39EC8217-2623-464D-BDDC-1F524284F67F}" srcOrd="4" destOrd="0" presId="urn:microsoft.com/office/officeart/2005/8/layout/default"/>
+    <dgm:cxn modelId="{86963279-8156-4FE8-8E09-6AF95F344B18}" type="presParOf" srcId="{DA9DADE0-B167-4358-9FC1-0F993AC0C858}" destId="{D24F43BF-A650-452F-98FC-C3FED5CE5855}" srcOrd="5" destOrd="0" presId="urn:microsoft.com/office/officeart/2005/8/layout/default"/>
+    <dgm:cxn modelId="{E94AEFE4-D294-4975-801A-DD516E18F035}" type="presParOf" srcId="{DA9DADE0-B167-4358-9FC1-0F993AC0C858}" destId="{E747BCF2-696D-4997-844B-F5ACF9494BF9}" srcOrd="6" destOrd="0" presId="urn:microsoft.com/office/officeart/2005/8/layout/default"/>
+    <dgm:cxn modelId="{6A169808-0850-464C-95AE-2909B6F35384}" type="presParOf" srcId="{DA9DADE0-B167-4358-9FC1-0F993AC0C858}" destId="{7C2B3D4A-05C3-43BA-A134-C1F8F0484BA7}" srcOrd="7" destOrd="0" presId="urn:microsoft.com/office/officeart/2005/8/layout/default"/>
+    <dgm:cxn modelId="{8C037F2C-BB38-4A0E-BCA4-9C685C0EDE50}" type="presParOf" srcId="{DA9DADE0-B167-4358-9FC1-0F993AC0C858}" destId="{FACD9D2A-A350-4306-B3CB-FDB03AE25B24}" srcOrd="8" destOrd="0" presId="urn:microsoft.com/office/officeart/2005/8/layout/default"/>
+  </dgm:cxnLst>
+  <dgm:bg/>
+  <dgm:whole/>
+  <dgm:extLst>
+    <a:ext uri="http://schemas.microsoft.com/office/drawing/2008/diagram">
+      <dsp:dataModelExt xmlns:dsp="http://schemas.microsoft.com/office/drawing/2008/diagram" relId="rId10" minVer="http://schemas.openxmlformats.org/drawingml/2006/diagram"/>
     </a:ext>
   </dgm:extLst>
 </dgm:dataModel>
@@ -5983,12 +7204,12 @@
         </a:fontRef>
       </dsp:style>
       <dsp:txBody>
-        <a:bodyPr spcFirstLastPara="0" vert="horz" wrap="square" lIns="87630" tIns="87630" rIns="87630" bIns="87630" numCol="1" spcCol="1270" anchor="t" anchorCtr="0">
+        <a:bodyPr spcFirstLastPara="0" vert="horz" wrap="square" lIns="91440" tIns="91440" rIns="91440" bIns="91440" numCol="1" spcCol="1270" anchor="t" anchorCtr="0">
           <a:noAutofit/>
         </a:bodyPr>
         <a:lstStyle/>
         <a:p>
-          <a:pPr marL="0" lvl="0" indent="0" algn="l" defTabSz="1022350">
+          <a:pPr marL="0" lvl="0" indent="0" algn="l" defTabSz="1066800">
             <a:lnSpc>
               <a:spcPct val="90000"/>
             </a:lnSpc>
@@ -6001,12 +7222,12 @@
             <a:buNone/>
           </a:pPr>
           <a:r>
-            <a:rPr lang="pt-BR" sz="2300" kern="1200" dirty="0"/>
-            <a:t>Apresentação</a:t>
+            <a:rPr lang="pt-BR" sz="2400" kern="1200" dirty="0"/>
+            <a:t>O Projeto</a:t>
           </a:r>
         </a:p>
         <a:p>
-          <a:pPr marL="171450" lvl="1" indent="-171450" algn="l" defTabSz="800100">
+          <a:pPr marL="171450" lvl="1" indent="-171450" algn="l" defTabSz="844550">
             <a:lnSpc>
               <a:spcPct val="90000"/>
             </a:lnSpc>
@@ -6019,12 +7240,12 @@
             <a:buChar char="•"/>
           </a:pPr>
           <a:r>
-            <a:rPr lang="pt-BR" sz="1800" kern="1200" dirty="0"/>
+            <a:rPr lang="pt-BR" sz="1900" kern="1200" dirty="0"/>
             <a:t>A caracterização do problema e descrição das variáveis consideradas para os ativos.</a:t>
           </a:r>
         </a:p>
         <a:p>
-          <a:pPr marL="171450" lvl="1" indent="-171450" algn="l" defTabSz="800100">
+          <a:pPr marL="171450" lvl="1" indent="-171450" algn="l" defTabSz="844550">
             <a:lnSpc>
               <a:spcPct val="90000"/>
             </a:lnSpc>
@@ -6037,12 +7258,12 @@
             <a:buChar char="•"/>
           </a:pPr>
           <a:r>
-            <a:rPr lang="pt-BR" sz="1800" kern="1200" dirty="0"/>
+            <a:rPr lang="pt-BR" sz="1900" kern="1200" dirty="0"/>
             <a:t>A metodologia aplicada para construção e avaliação dos modelos.</a:t>
           </a:r>
         </a:p>
         <a:p>
-          <a:pPr marL="171450" lvl="1" indent="-171450" algn="l" defTabSz="800100">
+          <a:pPr marL="171450" lvl="1" indent="-171450" algn="l" defTabSz="844550">
             <a:lnSpc>
               <a:spcPct val="90000"/>
             </a:lnSpc>
@@ -6055,12 +7276,12 @@
             <a:buChar char="•"/>
           </a:pPr>
           <a:r>
-            <a:rPr lang="pt-BR" sz="1800" kern="1200" dirty="0"/>
+            <a:rPr lang="pt-BR" sz="1900" kern="1200" dirty="0"/>
             <a:t>Os resultados obtidos em termos de acurácia e métricas de desempenho (KPIs).</a:t>
           </a:r>
         </a:p>
         <a:p>
-          <a:pPr marL="171450" lvl="1" indent="-171450" algn="l" defTabSz="800100">
+          <a:pPr marL="171450" lvl="1" indent="-171450" algn="l" defTabSz="844550">
             <a:lnSpc>
               <a:spcPct val="90000"/>
             </a:lnSpc>
@@ -6073,8 +7294,8 @@
             <a:buChar char="•"/>
           </a:pPr>
           <a:r>
-            <a:rPr lang="pt-BR" sz="1800" kern="1200" dirty="0"/>
-            <a:t>Recomendações práticas sobre como a equipe de manutenção pode utilizar esses modelos para reduzir custos e aumentar a confiabilidade operacional.</a:t>
+            <a:rPr lang="pt-BR" sz="1900" kern="1200" dirty="0"/>
+            <a:t>Recomendações práticas sobre como podemos utilizar esses modelos para que sejam úteis no dia a dia da operação e usuários.</a:t>
           </a:r>
         </a:p>
       </dsp:txBody>
@@ -8249,25 +9470,74 @@
           </a:pPr>
           <a:r>
             <a:rPr lang="pt-BR" sz="2400" kern="1200" dirty="0"/>
-            <a:t>Avaliar efeito de maior período da janela das métricas (Features). </a:t>
-          </a:r>
-          <a:r>
-            <a:rPr lang="pt-BR" sz="2400" kern="1200" dirty="0" err="1"/>
-            <a:t>Ex</a:t>
-          </a:r>
-          <a:r>
-            <a:rPr lang="pt-BR" sz="2400" kern="1200" dirty="0"/>
-            <a:t>: </a:t>
-          </a:r>
-          <a:r>
-            <a:rPr lang="pt-BR" sz="2400" b="0" i="0" kern="1200" dirty="0"/>
-            <a:t>SMOTE</a:t>
+            <a:t>Avaliar efeito de maior período da janela das métricas (Features).</a:t>
           </a:r>
           <a:endParaRPr lang="pt-BR" sz="2400" b="0" kern="1200" dirty="0"/>
         </a:p>
       </dsp:txBody>
       <dsp:txXfrm>
         <a:off x="2282055" y="1701053"/>
+        <a:ext cx="4086471" cy="1546411"/>
+      </dsp:txXfrm>
+    </dsp:sp>
+    <dsp:sp modelId="{DAA74E96-31A6-4490-9064-AB27C44E95F9}">
+      <dsp:nvSpPr>
+        <dsp:cNvPr id="0" name=""/>
+        <dsp:cNvSpPr/>
+      </dsp:nvSpPr>
+      <dsp:spPr>
+        <a:xfrm>
+          <a:off x="6527739" y="1701053"/>
+          <a:ext cx="4086471" cy="1546411"/>
+        </a:xfrm>
+        <a:prstGeom prst="rect">
+          <a:avLst/>
+        </a:prstGeom>
+        <a:noFill/>
+        <a:ln>
+          <a:noFill/>
+        </a:ln>
+        <a:effectLst/>
+      </dsp:spPr>
+      <dsp:style>
+        <a:lnRef idx="0">
+          <a:scrgbClr r="0" g="0" b="0"/>
+        </a:lnRef>
+        <a:fillRef idx="0">
+          <a:scrgbClr r="0" g="0" b="0"/>
+        </a:fillRef>
+        <a:effectRef idx="0">
+          <a:scrgbClr r="0" g="0" b="0"/>
+        </a:effectRef>
+        <a:fontRef idx="minor"/>
+      </dsp:style>
+      <dsp:txBody>
+        <a:bodyPr spcFirstLastPara="0" vert="horz" wrap="square" lIns="38100" tIns="38100" rIns="38100" bIns="38100" numCol="1" spcCol="1270" anchor="t" anchorCtr="0">
+          <a:noAutofit/>
+        </a:bodyPr>
+        <a:lstStyle/>
+        <a:p>
+          <a:pPr marL="0" lvl="0" indent="0" algn="l" defTabSz="444500">
+            <a:lnSpc>
+              <a:spcPct val="90000"/>
+            </a:lnSpc>
+            <a:spcBef>
+              <a:spcPct val="0"/>
+            </a:spcBef>
+            <a:spcAft>
+              <a:spcPct val="35000"/>
+            </a:spcAft>
+            <a:buNone/>
+          </a:pPr>
+          <a:r>
+            <a:rPr lang="pt-BR" sz="1000" b="0" kern="1200"/>
+            <a:t>Exemplo: usar 10 ciclos para construir as métricas Média, Máximo, Mínimo e Desvio Padrão.</a:t>
+          </a:r>
+          <a:endParaRPr lang="pt-BR" sz="1000" b="0" kern="1200" dirty="0"/>
+        </a:p>
+      </dsp:txBody>
+      <dsp:txXfrm>
+        <a:off x="6527739" y="1701053"/>
         <a:ext cx="4086471" cy="1546411"/>
       </dsp:txXfrm>
     </dsp:sp>
@@ -8369,14 +9639,73 @@
             <a:buNone/>
           </a:pPr>
           <a:r>
-            <a:rPr lang="pt-BR" sz="2400" kern="1200"/>
+            <a:rPr lang="pt-BR" sz="2400" kern="1200" dirty="0"/>
             <a:t>Utilizar a predição de RUL na Classificação. Ou, usar a predição de Classificação na predição de RUL</a:t>
           </a:r>
-          <a:endParaRPr lang="pt-BR" sz="2400" kern="1200" dirty="0"/>
         </a:p>
       </dsp:txBody>
       <dsp:txXfrm>
         <a:off x="2282055" y="3324785"/>
+        <a:ext cx="4086471" cy="1546411"/>
+      </dsp:txXfrm>
+    </dsp:sp>
+    <dsp:sp modelId="{82E4EB83-DBEE-4499-B3EA-5992375B3151}">
+      <dsp:nvSpPr>
+        <dsp:cNvPr id="0" name=""/>
+        <dsp:cNvSpPr/>
+      </dsp:nvSpPr>
+      <dsp:spPr>
+        <a:xfrm>
+          <a:off x="6527739" y="3324785"/>
+          <a:ext cx="4086471" cy="1546411"/>
+        </a:xfrm>
+        <a:prstGeom prst="rect">
+          <a:avLst/>
+        </a:prstGeom>
+        <a:noFill/>
+        <a:ln>
+          <a:noFill/>
+        </a:ln>
+        <a:effectLst/>
+      </dsp:spPr>
+      <dsp:style>
+        <a:lnRef idx="0">
+          <a:scrgbClr r="0" g="0" b="0"/>
+        </a:lnRef>
+        <a:fillRef idx="0">
+          <a:scrgbClr r="0" g="0" b="0"/>
+        </a:fillRef>
+        <a:effectRef idx="0">
+          <a:scrgbClr r="0" g="0" b="0"/>
+        </a:effectRef>
+        <a:fontRef idx="minor"/>
+      </dsp:style>
+      <dsp:txBody>
+        <a:bodyPr spcFirstLastPara="0" vert="horz" wrap="square" lIns="38100" tIns="38100" rIns="38100" bIns="38100" numCol="1" spcCol="1270" anchor="t" anchorCtr="0">
+          <a:noAutofit/>
+        </a:bodyPr>
+        <a:lstStyle/>
+        <a:p>
+          <a:pPr marL="0" lvl="0" indent="0" algn="l" defTabSz="444500">
+            <a:lnSpc>
+              <a:spcPct val="90000"/>
+            </a:lnSpc>
+            <a:spcBef>
+              <a:spcPct val="0"/>
+            </a:spcBef>
+            <a:spcAft>
+              <a:spcPct val="35000"/>
+            </a:spcAft>
+            <a:buNone/>
+          </a:pPr>
+          <a:r>
+            <a:rPr lang="pt-BR" sz="1000" kern="1200" dirty="0"/>
+            <a:t>Usar os modelos em cadeia.</a:t>
+          </a:r>
+        </a:p>
+      </dsp:txBody>
+      <dsp:txXfrm>
+        <a:off x="6527739" y="3324785"/>
         <a:ext cx="4086471" cy="1546411"/>
       </dsp:txXfrm>
     </dsp:sp>
@@ -8427,6 +9756,425 @@
         </a:effectRef>
         <a:fontRef idx="minor"/>
       </dsp:style>
+    </dsp:sp>
+  </dsp:spTree>
+</dsp:drawing>
+</file>
+
+<file path=ppt/diagrams/drawing5.xml><?xml version="1.0" encoding="utf-8"?>
+<dsp:drawing xmlns:dgm="http://schemas.openxmlformats.org/drawingml/2006/diagram" xmlns:dsp="http://schemas.microsoft.com/office/drawing/2008/diagram" xmlns:a="http://schemas.openxmlformats.org/drawingml/2006/main">
+  <dsp:spTree>
+    <dsp:nvGrpSpPr>
+      <dsp:cNvPr id="0" name=""/>
+      <dsp:cNvGrpSpPr/>
+    </dsp:nvGrpSpPr>
+    <dsp:grpSpPr/>
+    <dsp:sp modelId="{9D6389B8-2780-477D-9CBE-1B02EEE8711F}">
+      <dsp:nvSpPr>
+        <dsp:cNvPr id="0" name=""/>
+        <dsp:cNvSpPr/>
+      </dsp:nvSpPr>
+      <dsp:spPr>
+        <a:xfrm>
+          <a:off x="2204" y="363611"/>
+          <a:ext cx="1193312" cy="715987"/>
+        </a:xfrm>
+        <a:prstGeom prst="rect">
+          <a:avLst/>
+        </a:prstGeom>
+        <a:solidFill>
+          <a:schemeClr val="lt1">
+            <a:hueOff val="0"/>
+            <a:satOff val="0"/>
+            <a:lumOff val="0"/>
+            <a:alphaOff val="0"/>
+          </a:schemeClr>
+        </a:solidFill>
+        <a:ln w="19050" cap="flat" cmpd="sng" algn="ctr">
+          <a:solidFill>
+            <a:schemeClr val="accent1">
+              <a:shade val="80000"/>
+              <a:hueOff val="0"/>
+              <a:satOff val="0"/>
+              <a:lumOff val="0"/>
+              <a:alphaOff val="0"/>
+            </a:schemeClr>
+          </a:solidFill>
+          <a:prstDash val="solid"/>
+        </a:ln>
+        <a:effectLst/>
+      </dsp:spPr>
+      <dsp:style>
+        <a:lnRef idx="3">
+          <a:scrgbClr r="0" g="0" b="0"/>
+        </a:lnRef>
+        <a:fillRef idx="1">
+          <a:scrgbClr r="0" g="0" b="0"/>
+        </a:fillRef>
+        <a:effectRef idx="1">
+          <a:scrgbClr r="0" g="0" b="0"/>
+        </a:effectRef>
+        <a:fontRef idx="minor">
+          <a:schemeClr val="lt1"/>
+        </a:fontRef>
+      </dsp:style>
+      <dsp:txBody>
+        <a:bodyPr spcFirstLastPara="0" vert="horz" wrap="square" lIns="53340" tIns="53340" rIns="53340" bIns="53340" numCol="1" spcCol="1270" anchor="ctr" anchorCtr="0">
+          <a:noAutofit/>
+        </a:bodyPr>
+        <a:lstStyle/>
+        <a:p>
+          <a:pPr marL="0" lvl="0" indent="0" algn="ctr" defTabSz="622300">
+            <a:lnSpc>
+              <a:spcPct val="90000"/>
+            </a:lnSpc>
+            <a:spcBef>
+              <a:spcPct val="0"/>
+            </a:spcBef>
+            <a:spcAft>
+              <a:spcPct val="35000"/>
+            </a:spcAft>
+            <a:buNone/>
+          </a:pPr>
+          <a:r>
+            <a:rPr lang="pt-BR" sz="1400" kern="1200" dirty="0"/>
+            <a:t>Business </a:t>
+          </a:r>
+          <a:r>
+            <a:rPr lang="pt-BR" sz="1400" kern="1200" dirty="0" err="1"/>
+            <a:t>Understanding</a:t>
+          </a:r>
+          <a:endParaRPr lang="pt-BR" sz="1400" kern="1200" dirty="0"/>
+        </a:p>
+      </dsp:txBody>
+      <dsp:txXfrm>
+        <a:off x="2204" y="363611"/>
+        <a:ext cx="1193312" cy="715987"/>
+      </dsp:txXfrm>
+    </dsp:sp>
+    <dsp:sp modelId="{20444558-087C-4785-B3DA-F10558290887}">
+      <dsp:nvSpPr>
+        <dsp:cNvPr id="0" name=""/>
+        <dsp:cNvSpPr/>
+      </dsp:nvSpPr>
+      <dsp:spPr>
+        <a:xfrm>
+          <a:off x="1314848" y="363611"/>
+          <a:ext cx="1193312" cy="715987"/>
+        </a:xfrm>
+        <a:prstGeom prst="rect">
+          <a:avLst/>
+        </a:prstGeom>
+        <a:solidFill>
+          <a:schemeClr val="lt1">
+            <a:hueOff val="0"/>
+            <a:satOff val="0"/>
+            <a:lumOff val="0"/>
+            <a:alphaOff val="0"/>
+          </a:schemeClr>
+        </a:solidFill>
+        <a:ln w="19050" cap="flat" cmpd="sng" algn="ctr">
+          <a:solidFill>
+            <a:schemeClr val="accent1">
+              <a:shade val="80000"/>
+              <a:hueOff val="0"/>
+              <a:satOff val="0"/>
+              <a:lumOff val="0"/>
+              <a:alphaOff val="0"/>
+            </a:schemeClr>
+          </a:solidFill>
+          <a:prstDash val="solid"/>
+        </a:ln>
+        <a:effectLst/>
+      </dsp:spPr>
+      <dsp:style>
+        <a:lnRef idx="3">
+          <a:scrgbClr r="0" g="0" b="0"/>
+        </a:lnRef>
+        <a:fillRef idx="1">
+          <a:scrgbClr r="0" g="0" b="0"/>
+        </a:fillRef>
+        <a:effectRef idx="1">
+          <a:scrgbClr r="0" g="0" b="0"/>
+        </a:effectRef>
+        <a:fontRef idx="minor">
+          <a:schemeClr val="lt1"/>
+        </a:fontRef>
+      </dsp:style>
+      <dsp:txBody>
+        <a:bodyPr spcFirstLastPara="0" vert="horz" wrap="square" lIns="53340" tIns="53340" rIns="53340" bIns="53340" numCol="1" spcCol="1270" anchor="ctr" anchorCtr="0">
+          <a:noAutofit/>
+        </a:bodyPr>
+        <a:lstStyle/>
+        <a:p>
+          <a:pPr marL="0" lvl="0" indent="0" algn="ctr" defTabSz="622300">
+            <a:lnSpc>
+              <a:spcPct val="90000"/>
+            </a:lnSpc>
+            <a:spcBef>
+              <a:spcPct val="0"/>
+            </a:spcBef>
+            <a:spcAft>
+              <a:spcPct val="35000"/>
+            </a:spcAft>
+            <a:buNone/>
+          </a:pPr>
+          <a:r>
+            <a:rPr lang="pt-BR" sz="1400" kern="1200" dirty="0"/>
+            <a:t>Data </a:t>
+          </a:r>
+          <a:r>
+            <a:rPr lang="pt-BR" sz="1400" kern="1200" dirty="0" err="1"/>
+            <a:t>Understanding</a:t>
+          </a:r>
+          <a:endParaRPr lang="pt-BR" sz="1400" kern="1200" dirty="0"/>
+        </a:p>
+      </dsp:txBody>
+      <dsp:txXfrm>
+        <a:off x="1314848" y="363611"/>
+        <a:ext cx="1193312" cy="715987"/>
+      </dsp:txXfrm>
+    </dsp:sp>
+    <dsp:sp modelId="{39EC8217-2623-464D-BDDC-1F524284F67F}">
+      <dsp:nvSpPr>
+        <dsp:cNvPr id="0" name=""/>
+        <dsp:cNvSpPr/>
+      </dsp:nvSpPr>
+      <dsp:spPr>
+        <a:xfrm>
+          <a:off x="2627492" y="363611"/>
+          <a:ext cx="1193312" cy="715987"/>
+        </a:xfrm>
+        <a:prstGeom prst="rect">
+          <a:avLst/>
+        </a:prstGeom>
+        <a:solidFill>
+          <a:schemeClr val="lt1">
+            <a:hueOff val="0"/>
+            <a:satOff val="0"/>
+            <a:lumOff val="0"/>
+            <a:alphaOff val="0"/>
+          </a:schemeClr>
+        </a:solidFill>
+        <a:ln w="19050" cap="flat" cmpd="sng" algn="ctr">
+          <a:solidFill>
+            <a:schemeClr val="accent1">
+              <a:shade val="80000"/>
+              <a:hueOff val="0"/>
+              <a:satOff val="0"/>
+              <a:lumOff val="0"/>
+              <a:alphaOff val="0"/>
+            </a:schemeClr>
+          </a:solidFill>
+          <a:prstDash val="solid"/>
+        </a:ln>
+        <a:effectLst/>
+      </dsp:spPr>
+      <dsp:style>
+        <a:lnRef idx="3">
+          <a:scrgbClr r="0" g="0" b="0"/>
+        </a:lnRef>
+        <a:fillRef idx="1">
+          <a:scrgbClr r="0" g="0" b="0"/>
+        </a:fillRef>
+        <a:effectRef idx="1">
+          <a:scrgbClr r="0" g="0" b="0"/>
+        </a:effectRef>
+        <a:fontRef idx="minor">
+          <a:schemeClr val="lt1"/>
+        </a:fontRef>
+      </dsp:style>
+      <dsp:txBody>
+        <a:bodyPr spcFirstLastPara="0" vert="horz" wrap="square" lIns="53340" tIns="53340" rIns="53340" bIns="53340" numCol="1" spcCol="1270" anchor="ctr" anchorCtr="0">
+          <a:noAutofit/>
+        </a:bodyPr>
+        <a:lstStyle/>
+        <a:p>
+          <a:pPr marL="0" lvl="0" indent="0" algn="ctr" defTabSz="622300">
+            <a:lnSpc>
+              <a:spcPct val="90000"/>
+            </a:lnSpc>
+            <a:spcBef>
+              <a:spcPct val="0"/>
+            </a:spcBef>
+            <a:spcAft>
+              <a:spcPct val="35000"/>
+            </a:spcAft>
+            <a:buNone/>
+          </a:pPr>
+          <a:r>
+            <a:rPr lang="pt-BR" sz="1400" kern="1200" dirty="0"/>
+            <a:t>Data </a:t>
+          </a:r>
+          <a:r>
+            <a:rPr lang="pt-BR" sz="1400" kern="1200" dirty="0" err="1"/>
+            <a:t>Preparation</a:t>
+          </a:r>
+          <a:endParaRPr lang="pt-BR" sz="1400" kern="1200" dirty="0"/>
+        </a:p>
+      </dsp:txBody>
+      <dsp:txXfrm>
+        <a:off x="2627492" y="363611"/>
+        <a:ext cx="1193312" cy="715987"/>
+      </dsp:txXfrm>
+    </dsp:sp>
+    <dsp:sp modelId="{E747BCF2-696D-4997-844B-F5ACF9494BF9}">
+      <dsp:nvSpPr>
+        <dsp:cNvPr id="0" name=""/>
+        <dsp:cNvSpPr/>
+      </dsp:nvSpPr>
+      <dsp:spPr>
+        <a:xfrm>
+          <a:off x="3940136" y="363611"/>
+          <a:ext cx="1193312" cy="715987"/>
+        </a:xfrm>
+        <a:prstGeom prst="rect">
+          <a:avLst/>
+        </a:prstGeom>
+        <a:solidFill>
+          <a:schemeClr val="lt1">
+            <a:hueOff val="0"/>
+            <a:satOff val="0"/>
+            <a:lumOff val="0"/>
+            <a:alphaOff val="0"/>
+          </a:schemeClr>
+        </a:solidFill>
+        <a:ln w="19050" cap="flat" cmpd="sng" algn="ctr">
+          <a:solidFill>
+            <a:schemeClr val="accent1">
+              <a:shade val="80000"/>
+              <a:hueOff val="0"/>
+              <a:satOff val="0"/>
+              <a:lumOff val="0"/>
+              <a:alphaOff val="0"/>
+            </a:schemeClr>
+          </a:solidFill>
+          <a:prstDash val="solid"/>
+        </a:ln>
+        <a:effectLst/>
+      </dsp:spPr>
+      <dsp:style>
+        <a:lnRef idx="3">
+          <a:scrgbClr r="0" g="0" b="0"/>
+        </a:lnRef>
+        <a:fillRef idx="1">
+          <a:scrgbClr r="0" g="0" b="0"/>
+        </a:fillRef>
+        <a:effectRef idx="1">
+          <a:scrgbClr r="0" g="0" b="0"/>
+        </a:effectRef>
+        <a:fontRef idx="minor">
+          <a:schemeClr val="lt1"/>
+        </a:fontRef>
+      </dsp:style>
+      <dsp:txBody>
+        <a:bodyPr spcFirstLastPara="0" vert="horz" wrap="square" lIns="53340" tIns="53340" rIns="53340" bIns="53340" numCol="1" spcCol="1270" anchor="ctr" anchorCtr="0">
+          <a:noAutofit/>
+        </a:bodyPr>
+        <a:lstStyle/>
+        <a:p>
+          <a:pPr marL="0" lvl="0" indent="0" algn="ctr" defTabSz="622300">
+            <a:lnSpc>
+              <a:spcPct val="90000"/>
+            </a:lnSpc>
+            <a:spcBef>
+              <a:spcPct val="0"/>
+            </a:spcBef>
+            <a:spcAft>
+              <a:spcPct val="35000"/>
+            </a:spcAft>
+            <a:buNone/>
+          </a:pPr>
+          <a:r>
+            <a:rPr lang="pt-BR" sz="1400" kern="1200"/>
+            <a:t>Modeling</a:t>
+          </a:r>
+          <a:endParaRPr lang="pt-BR" sz="1400" kern="1200" dirty="0"/>
+        </a:p>
+      </dsp:txBody>
+      <dsp:txXfrm>
+        <a:off x="3940136" y="363611"/>
+        <a:ext cx="1193312" cy="715987"/>
+      </dsp:txXfrm>
+    </dsp:sp>
+    <dsp:sp modelId="{FACD9D2A-A350-4306-B3CB-FDB03AE25B24}">
+      <dsp:nvSpPr>
+        <dsp:cNvPr id="0" name=""/>
+        <dsp:cNvSpPr/>
+      </dsp:nvSpPr>
+      <dsp:spPr>
+        <a:xfrm>
+          <a:off x="5252780" y="363611"/>
+          <a:ext cx="1193312" cy="715987"/>
+        </a:xfrm>
+        <a:prstGeom prst="rect">
+          <a:avLst/>
+        </a:prstGeom>
+        <a:solidFill>
+          <a:schemeClr val="lt1">
+            <a:hueOff val="0"/>
+            <a:satOff val="0"/>
+            <a:lumOff val="0"/>
+            <a:alphaOff val="0"/>
+          </a:schemeClr>
+        </a:solidFill>
+        <a:ln w="19050" cap="flat" cmpd="sng" algn="ctr">
+          <a:solidFill>
+            <a:schemeClr val="accent1">
+              <a:shade val="80000"/>
+              <a:hueOff val="0"/>
+              <a:satOff val="0"/>
+              <a:lumOff val="0"/>
+              <a:alphaOff val="0"/>
+            </a:schemeClr>
+          </a:solidFill>
+          <a:prstDash val="solid"/>
+        </a:ln>
+        <a:effectLst/>
+      </dsp:spPr>
+      <dsp:style>
+        <a:lnRef idx="3">
+          <a:scrgbClr r="0" g="0" b="0"/>
+        </a:lnRef>
+        <a:fillRef idx="1">
+          <a:scrgbClr r="0" g="0" b="0"/>
+        </a:fillRef>
+        <a:effectRef idx="1">
+          <a:scrgbClr r="0" g="0" b="0"/>
+        </a:effectRef>
+        <a:fontRef idx="minor">
+          <a:schemeClr val="lt1"/>
+        </a:fontRef>
+      </dsp:style>
+      <dsp:txBody>
+        <a:bodyPr spcFirstLastPara="0" vert="horz" wrap="square" lIns="53340" tIns="53340" rIns="53340" bIns="53340" numCol="1" spcCol="1270" anchor="ctr" anchorCtr="0">
+          <a:noAutofit/>
+        </a:bodyPr>
+        <a:lstStyle/>
+        <a:p>
+          <a:pPr marL="0" lvl="0" indent="0" algn="ctr" defTabSz="622300">
+            <a:lnSpc>
+              <a:spcPct val="90000"/>
+            </a:lnSpc>
+            <a:spcBef>
+              <a:spcPct val="0"/>
+            </a:spcBef>
+            <a:spcAft>
+              <a:spcPct val="35000"/>
+            </a:spcAft>
+            <a:buNone/>
+          </a:pPr>
+          <a:r>
+            <a:rPr lang="pt-BR" sz="1400" kern="1200"/>
+            <a:t>Evaluation</a:t>
+          </a:r>
+          <a:endParaRPr lang="pt-BR" sz="1400" kern="1200" dirty="0"/>
+        </a:p>
+      </dsp:txBody>
+      <dsp:txXfrm>
+        <a:off x="5252780" y="363611"/>
+        <a:ext cx="1193312" cy="715987"/>
+      </dsp:txXfrm>
     </dsp:sp>
   </dsp:spTree>
 </dsp:drawing>
@@ -9493,6 +11241,153 @@
 </dgm:layoutDef>
 </file>
 
+<file path=ppt/diagrams/layout5.xml><?xml version="1.0" encoding="utf-8"?>
+<dgm:layoutDef xmlns:dgm="http://schemas.openxmlformats.org/drawingml/2006/diagram" xmlns:a="http://schemas.openxmlformats.org/drawingml/2006/main" uniqueId="urn:microsoft.com/office/officeart/2005/8/layout/default">
+  <dgm:title val=""/>
+  <dgm:desc val=""/>
+  <dgm:catLst>
+    <dgm:cat type="list" pri="400"/>
+  </dgm:catLst>
+  <dgm:sampData>
+    <dgm:dataModel>
+      <dgm:ptLst>
+        <dgm:pt modelId="0" type="doc"/>
+        <dgm:pt modelId="1">
+          <dgm:prSet phldr="1"/>
+        </dgm:pt>
+        <dgm:pt modelId="2">
+          <dgm:prSet phldr="1"/>
+        </dgm:pt>
+        <dgm:pt modelId="3">
+          <dgm:prSet phldr="1"/>
+        </dgm:pt>
+        <dgm:pt modelId="4">
+          <dgm:prSet phldr="1"/>
+        </dgm:pt>
+        <dgm:pt modelId="5">
+          <dgm:prSet phldr="1"/>
+        </dgm:pt>
+      </dgm:ptLst>
+      <dgm:cxnLst>
+        <dgm:cxn modelId="6" srcId="0" destId="1" srcOrd="0" destOrd="0"/>
+        <dgm:cxn modelId="7" srcId="0" destId="2" srcOrd="1" destOrd="0"/>
+        <dgm:cxn modelId="8" srcId="0" destId="3" srcOrd="2" destOrd="0"/>
+        <dgm:cxn modelId="9" srcId="0" destId="4" srcOrd="3" destOrd="0"/>
+        <dgm:cxn modelId="10" srcId="0" destId="5" srcOrd="4" destOrd="0"/>
+      </dgm:cxnLst>
+      <dgm:bg/>
+      <dgm:whole/>
+    </dgm:dataModel>
+  </dgm:sampData>
+  <dgm:styleData>
+    <dgm:dataModel>
+      <dgm:ptLst>
+        <dgm:pt modelId="0" type="doc"/>
+        <dgm:pt modelId="1"/>
+        <dgm:pt modelId="2"/>
+      </dgm:ptLst>
+      <dgm:cxnLst>
+        <dgm:cxn modelId="3" srcId="0" destId="1" srcOrd="0" destOrd="0"/>
+        <dgm:cxn modelId="4" srcId="0" destId="2" srcOrd="1" destOrd="0"/>
+      </dgm:cxnLst>
+      <dgm:bg/>
+      <dgm:whole/>
+    </dgm:dataModel>
+  </dgm:styleData>
+  <dgm:clrData>
+    <dgm:dataModel>
+      <dgm:ptLst>
+        <dgm:pt modelId="0" type="doc"/>
+        <dgm:pt modelId="1"/>
+        <dgm:pt modelId="2"/>
+        <dgm:pt modelId="3"/>
+        <dgm:pt modelId="4"/>
+        <dgm:pt modelId="5"/>
+        <dgm:pt modelId="6"/>
+      </dgm:ptLst>
+      <dgm:cxnLst>
+        <dgm:cxn modelId="7" srcId="0" destId="1" srcOrd="0" destOrd="0"/>
+        <dgm:cxn modelId="8" srcId="0" destId="2" srcOrd="1" destOrd="0"/>
+        <dgm:cxn modelId="9" srcId="0" destId="3" srcOrd="2" destOrd="0"/>
+        <dgm:cxn modelId="10" srcId="0" destId="4" srcOrd="3" destOrd="0"/>
+        <dgm:cxn modelId="11" srcId="0" destId="5" srcOrd="4" destOrd="0"/>
+        <dgm:cxn modelId="12" srcId="0" destId="6" srcOrd="5" destOrd="0"/>
+      </dgm:cxnLst>
+      <dgm:bg/>
+      <dgm:whole/>
+    </dgm:dataModel>
+  </dgm:clrData>
+  <dgm:layoutNode name="diagram">
+    <dgm:varLst>
+      <dgm:dir/>
+      <dgm:resizeHandles val="exact"/>
+    </dgm:varLst>
+    <dgm:choose name="Name0">
+      <dgm:if name="Name1" func="var" arg="dir" op="equ" val="norm">
+        <dgm:alg type="snake">
+          <dgm:param type="grDir" val="tL"/>
+          <dgm:param type="flowDir" val="row"/>
+          <dgm:param type="contDir" val="sameDir"/>
+          <dgm:param type="off" val="ctr"/>
+        </dgm:alg>
+      </dgm:if>
+      <dgm:else name="Name2">
+        <dgm:alg type="snake">
+          <dgm:param type="grDir" val="tR"/>
+          <dgm:param type="flowDir" val="row"/>
+          <dgm:param type="contDir" val="sameDir"/>
+          <dgm:param type="off" val="ctr"/>
+        </dgm:alg>
+      </dgm:else>
+    </dgm:choose>
+    <dgm:shape xmlns:r="http://schemas.openxmlformats.org/officeDocument/2006/relationships" r:blip="">
+      <dgm:adjLst/>
+    </dgm:shape>
+    <dgm:presOf/>
+    <dgm:constrLst>
+      <dgm:constr type="w" for="ch" forName="node" refType="w"/>
+      <dgm:constr type="h" for="ch" forName="node" refType="w" refFor="ch" refForName="node" fact="0.6"/>
+      <dgm:constr type="w" for="ch" forName="sibTrans" refType="w" refFor="ch" refForName="node" fact="0.1"/>
+      <dgm:constr type="sp" refType="w" refFor="ch" refForName="sibTrans"/>
+      <dgm:constr type="primFontSz" for="ch" forName="node" op="equ" val="65"/>
+    </dgm:constrLst>
+    <dgm:ruleLst/>
+    <dgm:forEach name="Name3" axis="ch" ptType="node">
+      <dgm:layoutNode name="node">
+        <dgm:varLst>
+          <dgm:bulletEnabled val="1"/>
+        </dgm:varLst>
+        <dgm:alg type="tx"/>
+        <dgm:shape xmlns:r="http://schemas.openxmlformats.org/officeDocument/2006/relationships" type="rect" r:blip="">
+          <dgm:adjLst/>
+        </dgm:shape>
+        <dgm:presOf axis="desOrSelf" ptType="node"/>
+        <dgm:constrLst>
+          <dgm:constr type="lMarg" refType="primFontSz" fact="0.3"/>
+          <dgm:constr type="rMarg" refType="primFontSz" fact="0.3"/>
+          <dgm:constr type="tMarg" refType="primFontSz" fact="0.3"/>
+          <dgm:constr type="bMarg" refType="primFontSz" fact="0.3"/>
+        </dgm:constrLst>
+        <dgm:ruleLst>
+          <dgm:rule type="primFontSz" val="5" fact="NaN" max="NaN"/>
+        </dgm:ruleLst>
+      </dgm:layoutNode>
+      <dgm:forEach name="Name4" axis="followSib" ptType="sibTrans" cnt="1">
+        <dgm:layoutNode name="sibTrans">
+          <dgm:alg type="sp"/>
+          <dgm:shape xmlns:r="http://schemas.openxmlformats.org/officeDocument/2006/relationships" r:blip="">
+            <dgm:adjLst/>
+          </dgm:shape>
+          <dgm:presOf/>
+          <dgm:constrLst/>
+          <dgm:ruleLst/>
+        </dgm:layoutNode>
+      </dgm:forEach>
+    </dgm:forEach>
+  </dgm:layoutNode>
+</dgm:layoutDef>
+</file>
+
 <file path=ppt/diagrams/quickStyle1.xml><?xml version="1.0" encoding="utf-8"?>
 <dgm:styleDef xmlns:dgm="http://schemas.openxmlformats.org/drawingml/2006/diagram" xmlns:a="http://schemas.openxmlformats.org/drawingml/2006/main" uniqueId="urn:microsoft.com/office/officeart/2005/8/quickstyle/simple1">
   <dgm:title val=""/>
@@ -13601,6 +15496,1040 @@
         <a:scrgbClr r="0" g="0" b="0"/>
       </a:fillRef>
       <a:effectRef idx="0">
+        <a:scrgbClr r="0" g="0" b="0"/>
+      </a:effectRef>
+      <a:fontRef idx="minor"/>
+    </dgm:style>
+  </dgm:styleLbl>
+  <dgm:styleLbl name="revTx">
+    <dgm:scene3d>
+      <a:camera prst="orthographicFront"/>
+      <a:lightRig rig="threePt" dir="t"/>
+    </dgm:scene3d>
+    <dgm:sp3d/>
+    <dgm:txPr/>
+    <dgm:style>
+      <a:lnRef idx="0">
+        <a:scrgbClr r="0" g="0" b="0"/>
+      </a:lnRef>
+      <a:fillRef idx="0">
+        <a:scrgbClr r="0" g="0" b="0"/>
+      </a:fillRef>
+      <a:effectRef idx="0">
+        <a:scrgbClr r="0" g="0" b="0"/>
+      </a:effectRef>
+      <a:fontRef idx="minor"/>
+    </dgm:style>
+  </dgm:styleLbl>
+</dgm:styleDef>
+</file>
+
+<file path=ppt/diagrams/quickStyle5.xml><?xml version="1.0" encoding="utf-8"?>
+<dgm:styleDef xmlns:dgm="http://schemas.openxmlformats.org/drawingml/2006/diagram" xmlns:a="http://schemas.openxmlformats.org/drawingml/2006/main" uniqueId="urn:microsoft.com/office/officeart/2005/8/quickstyle/simple2">
+  <dgm:title val=""/>
+  <dgm:desc val=""/>
+  <dgm:catLst>
+    <dgm:cat type="simple" pri="10200"/>
+  </dgm:catLst>
+  <dgm:scene3d>
+    <a:camera prst="orthographicFront"/>
+    <a:lightRig rig="threePt" dir="t"/>
+  </dgm:scene3d>
+  <dgm:styleLbl name="node0">
+    <dgm:scene3d>
+      <a:camera prst="orthographicFront"/>
+      <a:lightRig rig="threePt" dir="t"/>
+    </dgm:scene3d>
+    <dgm:sp3d/>
+    <dgm:txPr/>
+    <dgm:style>
+      <a:lnRef idx="3">
+        <a:scrgbClr r="0" g="0" b="0"/>
+      </a:lnRef>
+      <a:fillRef idx="1">
+        <a:scrgbClr r="0" g="0" b="0"/>
+      </a:fillRef>
+      <a:effectRef idx="1">
+        <a:scrgbClr r="0" g="0" b="0"/>
+      </a:effectRef>
+      <a:fontRef idx="minor">
+        <a:schemeClr val="lt1"/>
+      </a:fontRef>
+    </dgm:style>
+  </dgm:styleLbl>
+  <dgm:styleLbl name="lnNode1">
+    <dgm:scene3d>
+      <a:camera prst="orthographicFront"/>
+      <a:lightRig rig="threePt" dir="t"/>
+    </dgm:scene3d>
+    <dgm:sp3d/>
+    <dgm:txPr/>
+    <dgm:style>
+      <a:lnRef idx="3">
+        <a:scrgbClr r="0" g="0" b="0"/>
+      </a:lnRef>
+      <a:fillRef idx="1">
+        <a:scrgbClr r="0" g="0" b="0"/>
+      </a:fillRef>
+      <a:effectRef idx="1">
+        <a:scrgbClr r="0" g="0" b="0"/>
+      </a:effectRef>
+      <a:fontRef idx="minor">
+        <a:schemeClr val="lt1"/>
+      </a:fontRef>
+    </dgm:style>
+  </dgm:styleLbl>
+  <dgm:styleLbl name="vennNode1">
+    <dgm:scene3d>
+      <a:camera prst="orthographicFront"/>
+      <a:lightRig rig="threePt" dir="t"/>
+    </dgm:scene3d>
+    <dgm:sp3d/>
+    <dgm:txPr/>
+    <dgm:style>
+      <a:lnRef idx="3">
+        <a:scrgbClr r="0" g="0" b="0"/>
+      </a:lnRef>
+      <a:fillRef idx="1">
+        <a:scrgbClr r="0" g="0" b="0"/>
+      </a:fillRef>
+      <a:effectRef idx="0">
+        <a:scrgbClr r="0" g="0" b="0"/>
+      </a:effectRef>
+      <a:fontRef idx="minor">
+        <a:schemeClr val="tx1"/>
+      </a:fontRef>
+    </dgm:style>
+  </dgm:styleLbl>
+  <dgm:styleLbl name="alignNode1">
+    <dgm:scene3d>
+      <a:camera prst="orthographicFront"/>
+      <a:lightRig rig="threePt" dir="t"/>
+    </dgm:scene3d>
+    <dgm:sp3d/>
+    <dgm:txPr/>
+    <dgm:style>
+      <a:lnRef idx="2">
+        <a:scrgbClr r="0" g="0" b="0"/>
+      </a:lnRef>
+      <a:fillRef idx="1">
+        <a:scrgbClr r="0" g="0" b="0"/>
+      </a:fillRef>
+      <a:effectRef idx="1">
+        <a:scrgbClr r="0" g="0" b="0"/>
+      </a:effectRef>
+      <a:fontRef idx="minor">
+        <a:schemeClr val="lt1"/>
+      </a:fontRef>
+    </dgm:style>
+  </dgm:styleLbl>
+  <dgm:styleLbl name="node1">
+    <dgm:scene3d>
+      <a:camera prst="orthographicFront"/>
+      <a:lightRig rig="threePt" dir="t"/>
+    </dgm:scene3d>
+    <dgm:sp3d/>
+    <dgm:txPr/>
+    <dgm:style>
+      <a:lnRef idx="3">
+        <a:scrgbClr r="0" g="0" b="0"/>
+      </a:lnRef>
+      <a:fillRef idx="1">
+        <a:scrgbClr r="0" g="0" b="0"/>
+      </a:fillRef>
+      <a:effectRef idx="1">
+        <a:scrgbClr r="0" g="0" b="0"/>
+      </a:effectRef>
+      <a:fontRef idx="minor">
+        <a:schemeClr val="lt1"/>
+      </a:fontRef>
+    </dgm:style>
+  </dgm:styleLbl>
+  <dgm:styleLbl name="node2">
+    <dgm:scene3d>
+      <a:camera prst="orthographicFront"/>
+      <a:lightRig rig="threePt" dir="t"/>
+    </dgm:scene3d>
+    <dgm:sp3d/>
+    <dgm:txPr/>
+    <dgm:style>
+      <a:lnRef idx="3">
+        <a:scrgbClr r="0" g="0" b="0"/>
+      </a:lnRef>
+      <a:fillRef idx="1">
+        <a:scrgbClr r="0" g="0" b="0"/>
+      </a:fillRef>
+      <a:effectRef idx="1">
+        <a:scrgbClr r="0" g="0" b="0"/>
+      </a:effectRef>
+      <a:fontRef idx="minor">
+        <a:schemeClr val="lt1"/>
+      </a:fontRef>
+    </dgm:style>
+  </dgm:styleLbl>
+  <dgm:styleLbl name="node3">
+    <dgm:scene3d>
+      <a:camera prst="orthographicFront"/>
+      <a:lightRig rig="threePt" dir="t"/>
+    </dgm:scene3d>
+    <dgm:sp3d/>
+    <dgm:txPr/>
+    <dgm:style>
+      <a:lnRef idx="3">
+        <a:scrgbClr r="0" g="0" b="0"/>
+      </a:lnRef>
+      <a:fillRef idx="1">
+        <a:scrgbClr r="0" g="0" b="0"/>
+      </a:fillRef>
+      <a:effectRef idx="1">
+        <a:scrgbClr r="0" g="0" b="0"/>
+      </a:effectRef>
+      <a:fontRef idx="minor">
+        <a:schemeClr val="lt1"/>
+      </a:fontRef>
+    </dgm:style>
+  </dgm:styleLbl>
+  <dgm:styleLbl name="node4">
+    <dgm:scene3d>
+      <a:camera prst="orthographicFront"/>
+      <a:lightRig rig="threePt" dir="t"/>
+    </dgm:scene3d>
+    <dgm:sp3d/>
+    <dgm:txPr/>
+    <dgm:style>
+      <a:lnRef idx="3">
+        <a:scrgbClr r="0" g="0" b="0"/>
+      </a:lnRef>
+      <a:fillRef idx="1">
+        <a:scrgbClr r="0" g="0" b="0"/>
+      </a:fillRef>
+      <a:effectRef idx="1">
+        <a:scrgbClr r="0" g="0" b="0"/>
+      </a:effectRef>
+      <a:fontRef idx="minor">
+        <a:schemeClr val="lt1"/>
+      </a:fontRef>
+    </dgm:style>
+  </dgm:styleLbl>
+  <dgm:styleLbl name="fgImgPlace1">
+    <dgm:scene3d>
+      <a:camera prst="orthographicFront"/>
+      <a:lightRig rig="threePt" dir="t"/>
+    </dgm:scene3d>
+    <dgm:sp3d/>
+    <dgm:txPr/>
+    <dgm:style>
+      <a:lnRef idx="3">
+        <a:scrgbClr r="0" g="0" b="0"/>
+      </a:lnRef>
+      <a:fillRef idx="1">
+        <a:scrgbClr r="0" g="0" b="0"/>
+      </a:fillRef>
+      <a:effectRef idx="1">
+        <a:scrgbClr r="0" g="0" b="0"/>
+      </a:effectRef>
+      <a:fontRef idx="minor"/>
+    </dgm:style>
+  </dgm:styleLbl>
+  <dgm:styleLbl name="alignImgPlace1">
+    <dgm:scene3d>
+      <a:camera prst="orthographicFront"/>
+      <a:lightRig rig="threePt" dir="t"/>
+    </dgm:scene3d>
+    <dgm:sp3d/>
+    <dgm:txPr/>
+    <dgm:style>
+      <a:lnRef idx="3">
+        <a:scrgbClr r="0" g="0" b="0"/>
+      </a:lnRef>
+      <a:fillRef idx="1">
+        <a:scrgbClr r="0" g="0" b="0"/>
+      </a:fillRef>
+      <a:effectRef idx="1">
+        <a:scrgbClr r="0" g="0" b="0"/>
+      </a:effectRef>
+      <a:fontRef idx="minor"/>
+    </dgm:style>
+  </dgm:styleLbl>
+  <dgm:styleLbl name="bgImgPlace1">
+    <dgm:scene3d>
+      <a:camera prst="orthographicFront"/>
+      <a:lightRig rig="threePt" dir="t"/>
+    </dgm:scene3d>
+    <dgm:sp3d/>
+    <dgm:txPr/>
+    <dgm:style>
+      <a:lnRef idx="3">
+        <a:scrgbClr r="0" g="0" b="0"/>
+      </a:lnRef>
+      <a:fillRef idx="1">
+        <a:scrgbClr r="0" g="0" b="0"/>
+      </a:fillRef>
+      <a:effectRef idx="1">
+        <a:scrgbClr r="0" g="0" b="0"/>
+      </a:effectRef>
+      <a:fontRef idx="minor"/>
+    </dgm:style>
+  </dgm:styleLbl>
+  <dgm:styleLbl name="sibTrans2D1">
+    <dgm:scene3d>
+      <a:camera prst="orthographicFront"/>
+      <a:lightRig rig="threePt" dir="t"/>
+    </dgm:scene3d>
+    <dgm:sp3d/>
+    <dgm:txPr/>
+    <dgm:style>
+      <a:lnRef idx="0">
+        <a:scrgbClr r="0" g="0" b="0"/>
+      </a:lnRef>
+      <a:fillRef idx="1">
+        <a:scrgbClr r="0" g="0" b="0"/>
+      </a:fillRef>
+      <a:effectRef idx="1">
+        <a:scrgbClr r="0" g="0" b="0"/>
+      </a:effectRef>
+      <a:fontRef idx="minor">
+        <a:schemeClr val="lt1"/>
+      </a:fontRef>
+    </dgm:style>
+  </dgm:styleLbl>
+  <dgm:styleLbl name="fgSibTrans2D1">
+    <dgm:scene3d>
+      <a:camera prst="orthographicFront"/>
+      <a:lightRig rig="threePt" dir="t"/>
+    </dgm:scene3d>
+    <dgm:sp3d/>
+    <dgm:txPr/>
+    <dgm:style>
+      <a:lnRef idx="0">
+        <a:scrgbClr r="0" g="0" b="0"/>
+      </a:lnRef>
+      <a:fillRef idx="1">
+        <a:scrgbClr r="0" g="0" b="0"/>
+      </a:fillRef>
+      <a:effectRef idx="1">
+        <a:scrgbClr r="0" g="0" b="0"/>
+      </a:effectRef>
+      <a:fontRef idx="minor">
+        <a:schemeClr val="lt1"/>
+      </a:fontRef>
+    </dgm:style>
+  </dgm:styleLbl>
+  <dgm:styleLbl name="bgSibTrans2D1">
+    <dgm:scene3d>
+      <a:camera prst="orthographicFront"/>
+      <a:lightRig rig="threePt" dir="t"/>
+    </dgm:scene3d>
+    <dgm:sp3d/>
+    <dgm:txPr/>
+    <dgm:style>
+      <a:lnRef idx="0">
+        <a:scrgbClr r="0" g="0" b="0"/>
+      </a:lnRef>
+      <a:fillRef idx="1">
+        <a:scrgbClr r="0" g="0" b="0"/>
+      </a:fillRef>
+      <a:effectRef idx="1">
+        <a:scrgbClr r="0" g="0" b="0"/>
+      </a:effectRef>
+      <a:fontRef idx="minor">
+        <a:schemeClr val="lt1"/>
+      </a:fontRef>
+    </dgm:style>
+  </dgm:styleLbl>
+  <dgm:styleLbl name="sibTrans1D1">
+    <dgm:scene3d>
+      <a:camera prst="orthographicFront"/>
+      <a:lightRig rig="threePt" dir="t"/>
+    </dgm:scene3d>
+    <dgm:sp3d/>
+    <dgm:txPr/>
+    <dgm:style>
+      <a:lnRef idx="1">
+        <a:scrgbClr r="0" g="0" b="0"/>
+      </a:lnRef>
+      <a:fillRef idx="0">
+        <a:scrgbClr r="0" g="0" b="0"/>
+      </a:fillRef>
+      <a:effectRef idx="0">
+        <a:scrgbClr r="0" g="0" b="0"/>
+      </a:effectRef>
+      <a:fontRef idx="minor"/>
+    </dgm:style>
+  </dgm:styleLbl>
+  <dgm:styleLbl name="callout">
+    <dgm:scene3d>
+      <a:camera prst="orthographicFront"/>
+      <a:lightRig rig="threePt" dir="t"/>
+    </dgm:scene3d>
+    <dgm:sp3d/>
+    <dgm:txPr/>
+    <dgm:style>
+      <a:lnRef idx="2">
+        <a:scrgbClr r="0" g="0" b="0"/>
+      </a:lnRef>
+      <a:fillRef idx="1">
+        <a:scrgbClr r="0" g="0" b="0"/>
+      </a:fillRef>
+      <a:effectRef idx="1">
+        <a:scrgbClr r="0" g="0" b="0"/>
+      </a:effectRef>
+      <a:fontRef idx="minor"/>
+    </dgm:style>
+  </dgm:styleLbl>
+  <dgm:styleLbl name="asst0">
+    <dgm:scene3d>
+      <a:camera prst="orthographicFront"/>
+      <a:lightRig rig="threePt" dir="t"/>
+    </dgm:scene3d>
+    <dgm:sp3d/>
+    <dgm:txPr/>
+    <dgm:style>
+      <a:lnRef idx="3">
+        <a:scrgbClr r="0" g="0" b="0"/>
+      </a:lnRef>
+      <a:fillRef idx="1">
+        <a:scrgbClr r="0" g="0" b="0"/>
+      </a:fillRef>
+      <a:effectRef idx="1">
+        <a:scrgbClr r="0" g="0" b="0"/>
+      </a:effectRef>
+      <a:fontRef idx="minor">
+        <a:schemeClr val="lt1"/>
+      </a:fontRef>
+    </dgm:style>
+  </dgm:styleLbl>
+  <dgm:styleLbl name="asst1">
+    <dgm:scene3d>
+      <a:camera prst="orthographicFront"/>
+      <a:lightRig rig="threePt" dir="t"/>
+    </dgm:scene3d>
+    <dgm:sp3d/>
+    <dgm:txPr/>
+    <dgm:style>
+      <a:lnRef idx="3">
+        <a:scrgbClr r="0" g="0" b="0"/>
+      </a:lnRef>
+      <a:fillRef idx="1">
+        <a:scrgbClr r="0" g="0" b="0"/>
+      </a:fillRef>
+      <a:effectRef idx="1">
+        <a:scrgbClr r="0" g="0" b="0"/>
+      </a:effectRef>
+      <a:fontRef idx="minor">
+        <a:schemeClr val="lt1"/>
+      </a:fontRef>
+    </dgm:style>
+  </dgm:styleLbl>
+  <dgm:styleLbl name="asst2">
+    <dgm:scene3d>
+      <a:camera prst="orthographicFront"/>
+      <a:lightRig rig="threePt" dir="t"/>
+    </dgm:scene3d>
+    <dgm:sp3d/>
+    <dgm:txPr/>
+    <dgm:style>
+      <a:lnRef idx="3">
+        <a:scrgbClr r="0" g="0" b="0"/>
+      </a:lnRef>
+      <a:fillRef idx="1">
+        <a:scrgbClr r="0" g="0" b="0"/>
+      </a:fillRef>
+      <a:effectRef idx="1">
+        <a:scrgbClr r="0" g="0" b="0"/>
+      </a:effectRef>
+      <a:fontRef idx="minor">
+        <a:schemeClr val="lt1"/>
+      </a:fontRef>
+    </dgm:style>
+  </dgm:styleLbl>
+  <dgm:styleLbl name="asst3">
+    <dgm:scene3d>
+      <a:camera prst="orthographicFront"/>
+      <a:lightRig rig="threePt" dir="t"/>
+    </dgm:scene3d>
+    <dgm:sp3d/>
+    <dgm:txPr/>
+    <dgm:style>
+      <a:lnRef idx="3">
+        <a:scrgbClr r="0" g="0" b="0"/>
+      </a:lnRef>
+      <a:fillRef idx="1">
+        <a:scrgbClr r="0" g="0" b="0"/>
+      </a:fillRef>
+      <a:effectRef idx="1">
+        <a:scrgbClr r="0" g="0" b="0"/>
+      </a:effectRef>
+      <a:fontRef idx="minor">
+        <a:schemeClr val="lt1"/>
+      </a:fontRef>
+    </dgm:style>
+  </dgm:styleLbl>
+  <dgm:styleLbl name="asst4">
+    <dgm:scene3d>
+      <a:camera prst="orthographicFront"/>
+      <a:lightRig rig="threePt" dir="t"/>
+    </dgm:scene3d>
+    <dgm:sp3d/>
+    <dgm:txPr/>
+    <dgm:style>
+      <a:lnRef idx="3">
+        <a:scrgbClr r="0" g="0" b="0"/>
+      </a:lnRef>
+      <a:fillRef idx="1">
+        <a:scrgbClr r="0" g="0" b="0"/>
+      </a:fillRef>
+      <a:effectRef idx="1">
+        <a:scrgbClr r="0" g="0" b="0"/>
+      </a:effectRef>
+      <a:fontRef idx="minor">
+        <a:schemeClr val="lt1"/>
+      </a:fontRef>
+    </dgm:style>
+  </dgm:styleLbl>
+  <dgm:styleLbl name="parChTrans2D1">
+    <dgm:scene3d>
+      <a:camera prst="orthographicFront"/>
+      <a:lightRig rig="threePt" dir="t"/>
+    </dgm:scene3d>
+    <dgm:sp3d/>
+    <dgm:txPr/>
+    <dgm:style>
+      <a:lnRef idx="3">
+        <a:scrgbClr r="0" g="0" b="0"/>
+      </a:lnRef>
+      <a:fillRef idx="1">
+        <a:scrgbClr r="0" g="0" b="0"/>
+      </a:fillRef>
+      <a:effectRef idx="1">
+        <a:scrgbClr r="0" g="0" b="0"/>
+      </a:effectRef>
+      <a:fontRef idx="minor">
+        <a:schemeClr val="lt1"/>
+      </a:fontRef>
+    </dgm:style>
+  </dgm:styleLbl>
+  <dgm:styleLbl name="parChTrans2D2">
+    <dgm:scene3d>
+      <a:camera prst="orthographicFront"/>
+      <a:lightRig rig="threePt" dir="t"/>
+    </dgm:scene3d>
+    <dgm:sp3d/>
+    <dgm:txPr/>
+    <dgm:style>
+      <a:lnRef idx="3">
+        <a:scrgbClr r="0" g="0" b="0"/>
+      </a:lnRef>
+      <a:fillRef idx="1">
+        <a:scrgbClr r="0" g="0" b="0"/>
+      </a:fillRef>
+      <a:effectRef idx="1">
+        <a:scrgbClr r="0" g="0" b="0"/>
+      </a:effectRef>
+      <a:fontRef idx="minor">
+        <a:schemeClr val="lt1"/>
+      </a:fontRef>
+    </dgm:style>
+  </dgm:styleLbl>
+  <dgm:styleLbl name="parChTrans2D3">
+    <dgm:scene3d>
+      <a:camera prst="orthographicFront"/>
+      <a:lightRig rig="threePt" dir="t"/>
+    </dgm:scene3d>
+    <dgm:sp3d/>
+    <dgm:txPr/>
+    <dgm:style>
+      <a:lnRef idx="3">
+        <a:scrgbClr r="0" g="0" b="0"/>
+      </a:lnRef>
+      <a:fillRef idx="1">
+        <a:scrgbClr r="0" g="0" b="0"/>
+      </a:fillRef>
+      <a:effectRef idx="1">
+        <a:scrgbClr r="0" g="0" b="0"/>
+      </a:effectRef>
+      <a:fontRef idx="minor">
+        <a:schemeClr val="lt1"/>
+      </a:fontRef>
+    </dgm:style>
+  </dgm:styleLbl>
+  <dgm:styleLbl name="parChTrans2D4">
+    <dgm:scene3d>
+      <a:camera prst="orthographicFront"/>
+      <a:lightRig rig="threePt" dir="t"/>
+    </dgm:scene3d>
+    <dgm:sp3d/>
+    <dgm:txPr/>
+    <dgm:style>
+      <a:lnRef idx="3">
+        <a:scrgbClr r="0" g="0" b="0"/>
+      </a:lnRef>
+      <a:fillRef idx="1">
+        <a:scrgbClr r="0" g="0" b="0"/>
+      </a:fillRef>
+      <a:effectRef idx="1">
+        <a:scrgbClr r="0" g="0" b="0"/>
+      </a:effectRef>
+      <a:fontRef idx="minor">
+        <a:schemeClr val="lt1"/>
+      </a:fontRef>
+    </dgm:style>
+  </dgm:styleLbl>
+  <dgm:styleLbl name="parChTrans1D1">
+    <dgm:scene3d>
+      <a:camera prst="orthographicFront"/>
+      <a:lightRig rig="threePt" dir="t"/>
+    </dgm:scene3d>
+    <dgm:sp3d/>
+    <dgm:txPr/>
+    <dgm:style>
+      <a:lnRef idx="2">
+        <a:scrgbClr r="0" g="0" b="0"/>
+      </a:lnRef>
+      <a:fillRef idx="0">
+        <a:scrgbClr r="0" g="0" b="0"/>
+      </a:fillRef>
+      <a:effectRef idx="0">
+        <a:scrgbClr r="0" g="0" b="0"/>
+      </a:effectRef>
+      <a:fontRef idx="minor"/>
+    </dgm:style>
+  </dgm:styleLbl>
+  <dgm:styleLbl name="parChTrans1D2">
+    <dgm:scene3d>
+      <a:camera prst="orthographicFront"/>
+      <a:lightRig rig="threePt" dir="t"/>
+    </dgm:scene3d>
+    <dgm:sp3d/>
+    <dgm:txPr/>
+    <dgm:style>
+      <a:lnRef idx="2">
+        <a:scrgbClr r="0" g="0" b="0"/>
+      </a:lnRef>
+      <a:fillRef idx="0">
+        <a:scrgbClr r="0" g="0" b="0"/>
+      </a:fillRef>
+      <a:effectRef idx="0">
+        <a:scrgbClr r="0" g="0" b="0"/>
+      </a:effectRef>
+      <a:fontRef idx="minor"/>
+    </dgm:style>
+  </dgm:styleLbl>
+  <dgm:styleLbl name="parChTrans1D3">
+    <dgm:scene3d>
+      <a:camera prst="orthographicFront"/>
+      <a:lightRig rig="threePt" dir="t"/>
+    </dgm:scene3d>
+    <dgm:sp3d/>
+    <dgm:txPr/>
+    <dgm:style>
+      <a:lnRef idx="2">
+        <a:scrgbClr r="0" g="0" b="0"/>
+      </a:lnRef>
+      <a:fillRef idx="0">
+        <a:scrgbClr r="0" g="0" b="0"/>
+      </a:fillRef>
+      <a:effectRef idx="0">
+        <a:scrgbClr r="0" g="0" b="0"/>
+      </a:effectRef>
+      <a:fontRef idx="minor"/>
+    </dgm:style>
+  </dgm:styleLbl>
+  <dgm:styleLbl name="parChTrans1D4">
+    <dgm:scene3d>
+      <a:camera prst="orthographicFront"/>
+      <a:lightRig rig="threePt" dir="t"/>
+    </dgm:scene3d>
+    <dgm:sp3d/>
+    <dgm:txPr/>
+    <dgm:style>
+      <a:lnRef idx="2">
+        <a:scrgbClr r="0" g="0" b="0"/>
+      </a:lnRef>
+      <a:fillRef idx="0">
+        <a:scrgbClr r="0" g="0" b="0"/>
+      </a:fillRef>
+      <a:effectRef idx="0">
+        <a:scrgbClr r="0" g="0" b="0"/>
+      </a:effectRef>
+      <a:fontRef idx="minor"/>
+    </dgm:style>
+  </dgm:styleLbl>
+  <dgm:styleLbl name="fgAcc1">
+    <dgm:scene3d>
+      <a:camera prst="orthographicFront"/>
+      <a:lightRig rig="threePt" dir="t"/>
+    </dgm:scene3d>
+    <dgm:sp3d/>
+    <dgm:txPr/>
+    <dgm:style>
+      <a:lnRef idx="2">
+        <a:scrgbClr r="0" g="0" b="0"/>
+      </a:lnRef>
+      <a:fillRef idx="1">
+        <a:scrgbClr r="0" g="0" b="0"/>
+      </a:fillRef>
+      <a:effectRef idx="0">
+        <a:scrgbClr r="0" g="0" b="0"/>
+      </a:effectRef>
+      <a:fontRef idx="minor"/>
+    </dgm:style>
+  </dgm:styleLbl>
+  <dgm:styleLbl name="conFgAcc1">
+    <dgm:scene3d>
+      <a:camera prst="orthographicFront"/>
+      <a:lightRig rig="threePt" dir="t"/>
+    </dgm:scene3d>
+    <dgm:sp3d/>
+    <dgm:txPr/>
+    <dgm:style>
+      <a:lnRef idx="2">
+        <a:scrgbClr r="0" g="0" b="0"/>
+      </a:lnRef>
+      <a:fillRef idx="1">
+        <a:scrgbClr r="0" g="0" b="0"/>
+      </a:fillRef>
+      <a:effectRef idx="0">
+        <a:scrgbClr r="0" g="0" b="0"/>
+      </a:effectRef>
+      <a:fontRef idx="minor"/>
+    </dgm:style>
+  </dgm:styleLbl>
+  <dgm:styleLbl name="alignAcc1">
+    <dgm:scene3d>
+      <a:camera prst="orthographicFront"/>
+      <a:lightRig rig="threePt" dir="t"/>
+    </dgm:scene3d>
+    <dgm:sp3d/>
+    <dgm:txPr/>
+    <dgm:style>
+      <a:lnRef idx="2">
+        <a:scrgbClr r="0" g="0" b="0"/>
+      </a:lnRef>
+      <a:fillRef idx="1">
+        <a:scrgbClr r="0" g="0" b="0"/>
+      </a:fillRef>
+      <a:effectRef idx="0">
+        <a:scrgbClr r="0" g="0" b="0"/>
+      </a:effectRef>
+      <a:fontRef idx="minor"/>
+    </dgm:style>
+  </dgm:styleLbl>
+  <dgm:styleLbl name="trAlignAcc1">
+    <dgm:scene3d>
+      <a:camera prst="orthographicFront"/>
+      <a:lightRig rig="threePt" dir="t"/>
+    </dgm:scene3d>
+    <dgm:sp3d/>
+    <dgm:txPr/>
+    <dgm:style>
+      <a:lnRef idx="1">
+        <a:scrgbClr r="0" g="0" b="0"/>
+      </a:lnRef>
+      <a:fillRef idx="1">
+        <a:scrgbClr r="0" g="0" b="0"/>
+      </a:fillRef>
+      <a:effectRef idx="0">
+        <a:scrgbClr r="0" g="0" b="0"/>
+      </a:effectRef>
+      <a:fontRef idx="minor"/>
+    </dgm:style>
+  </dgm:styleLbl>
+  <dgm:styleLbl name="bgAcc1">
+    <dgm:scene3d>
+      <a:camera prst="orthographicFront"/>
+      <a:lightRig rig="threePt" dir="t"/>
+    </dgm:scene3d>
+    <dgm:sp3d/>
+    <dgm:txPr/>
+    <dgm:style>
+      <a:lnRef idx="2">
+        <a:scrgbClr r="0" g="0" b="0"/>
+      </a:lnRef>
+      <a:fillRef idx="1">
+        <a:scrgbClr r="0" g="0" b="0"/>
+      </a:fillRef>
+      <a:effectRef idx="0">
+        <a:scrgbClr r="0" g="0" b="0"/>
+      </a:effectRef>
+      <a:fontRef idx="minor"/>
+    </dgm:style>
+  </dgm:styleLbl>
+  <dgm:styleLbl name="solidFgAcc1">
+    <dgm:scene3d>
+      <a:camera prst="orthographicFront"/>
+      <a:lightRig rig="threePt" dir="t"/>
+    </dgm:scene3d>
+    <dgm:sp3d/>
+    <dgm:txPr/>
+    <dgm:style>
+      <a:lnRef idx="2">
+        <a:scrgbClr r="0" g="0" b="0"/>
+      </a:lnRef>
+      <a:fillRef idx="1">
+        <a:scrgbClr r="0" g="0" b="0"/>
+      </a:fillRef>
+      <a:effectRef idx="0">
+        <a:scrgbClr r="0" g="0" b="0"/>
+      </a:effectRef>
+      <a:fontRef idx="minor"/>
+    </dgm:style>
+  </dgm:styleLbl>
+  <dgm:styleLbl name="solidAlignAcc1">
+    <dgm:scene3d>
+      <a:camera prst="orthographicFront"/>
+      <a:lightRig rig="threePt" dir="t"/>
+    </dgm:scene3d>
+    <dgm:sp3d/>
+    <dgm:txPr/>
+    <dgm:style>
+      <a:lnRef idx="2">
+        <a:scrgbClr r="0" g="0" b="0"/>
+      </a:lnRef>
+      <a:fillRef idx="1">
+        <a:scrgbClr r="0" g="0" b="0"/>
+      </a:fillRef>
+      <a:effectRef idx="0">
+        <a:scrgbClr r="0" g="0" b="0"/>
+      </a:effectRef>
+      <a:fontRef idx="minor"/>
+    </dgm:style>
+  </dgm:styleLbl>
+  <dgm:styleLbl name="solidBgAcc1">
+    <dgm:scene3d>
+      <a:camera prst="orthographicFront"/>
+      <a:lightRig rig="threePt" dir="t"/>
+    </dgm:scene3d>
+    <dgm:sp3d/>
+    <dgm:txPr/>
+    <dgm:style>
+      <a:lnRef idx="2">
+        <a:scrgbClr r="0" g="0" b="0"/>
+      </a:lnRef>
+      <a:fillRef idx="1">
+        <a:scrgbClr r="0" g="0" b="0"/>
+      </a:fillRef>
+      <a:effectRef idx="0">
+        <a:scrgbClr r="0" g="0" b="0"/>
+      </a:effectRef>
+      <a:fontRef idx="minor"/>
+    </dgm:style>
+  </dgm:styleLbl>
+  <dgm:styleLbl name="fgAccFollowNode1">
+    <dgm:scene3d>
+      <a:camera prst="orthographicFront"/>
+      <a:lightRig rig="threePt" dir="t"/>
+    </dgm:scene3d>
+    <dgm:sp3d/>
+    <dgm:txPr/>
+    <dgm:style>
+      <a:lnRef idx="2">
+        <a:scrgbClr r="0" g="0" b="0"/>
+      </a:lnRef>
+      <a:fillRef idx="1">
+        <a:scrgbClr r="0" g="0" b="0"/>
+      </a:fillRef>
+      <a:effectRef idx="0">
+        <a:scrgbClr r="0" g="0" b="0"/>
+      </a:effectRef>
+      <a:fontRef idx="minor"/>
+    </dgm:style>
+  </dgm:styleLbl>
+  <dgm:styleLbl name="alignAccFollowNode1">
+    <dgm:scene3d>
+      <a:camera prst="orthographicFront"/>
+      <a:lightRig rig="threePt" dir="t"/>
+    </dgm:scene3d>
+    <dgm:sp3d/>
+    <dgm:txPr/>
+    <dgm:style>
+      <a:lnRef idx="2">
+        <a:scrgbClr r="0" g="0" b="0"/>
+      </a:lnRef>
+      <a:fillRef idx="1">
+        <a:scrgbClr r="0" g="0" b="0"/>
+      </a:fillRef>
+      <a:effectRef idx="0">
+        <a:scrgbClr r="0" g="0" b="0"/>
+      </a:effectRef>
+      <a:fontRef idx="minor"/>
+    </dgm:style>
+  </dgm:styleLbl>
+  <dgm:styleLbl name="bgAccFollowNode1">
+    <dgm:scene3d>
+      <a:camera prst="orthographicFront"/>
+      <a:lightRig rig="threePt" dir="t"/>
+    </dgm:scene3d>
+    <dgm:sp3d/>
+    <dgm:txPr/>
+    <dgm:style>
+      <a:lnRef idx="2">
+        <a:scrgbClr r="0" g="0" b="0"/>
+      </a:lnRef>
+      <a:fillRef idx="1">
+        <a:scrgbClr r="0" g="0" b="0"/>
+      </a:fillRef>
+      <a:effectRef idx="0">
+        <a:scrgbClr r="0" g="0" b="0"/>
+      </a:effectRef>
+      <a:fontRef idx="minor"/>
+    </dgm:style>
+  </dgm:styleLbl>
+  <dgm:styleLbl name="fgAcc0">
+    <dgm:scene3d>
+      <a:camera prst="orthographicFront"/>
+      <a:lightRig rig="threePt" dir="t"/>
+    </dgm:scene3d>
+    <dgm:sp3d/>
+    <dgm:txPr/>
+    <dgm:style>
+      <a:lnRef idx="2">
+        <a:scrgbClr r="0" g="0" b="0"/>
+      </a:lnRef>
+      <a:fillRef idx="1">
+        <a:scrgbClr r="0" g="0" b="0"/>
+      </a:fillRef>
+      <a:effectRef idx="0">
+        <a:scrgbClr r="0" g="0" b="0"/>
+      </a:effectRef>
+      <a:fontRef idx="minor"/>
+    </dgm:style>
+  </dgm:styleLbl>
+  <dgm:styleLbl name="fgAcc2">
+    <dgm:scene3d>
+      <a:camera prst="orthographicFront"/>
+      <a:lightRig rig="threePt" dir="t"/>
+    </dgm:scene3d>
+    <dgm:sp3d/>
+    <dgm:txPr/>
+    <dgm:style>
+      <a:lnRef idx="2">
+        <a:scrgbClr r="0" g="0" b="0"/>
+      </a:lnRef>
+      <a:fillRef idx="1">
+        <a:scrgbClr r="0" g="0" b="0"/>
+      </a:fillRef>
+      <a:effectRef idx="0">
+        <a:scrgbClr r="0" g="0" b="0"/>
+      </a:effectRef>
+      <a:fontRef idx="minor"/>
+    </dgm:style>
+  </dgm:styleLbl>
+  <dgm:styleLbl name="fgAcc3">
+    <dgm:scene3d>
+      <a:camera prst="orthographicFront"/>
+      <a:lightRig rig="threePt" dir="t"/>
+    </dgm:scene3d>
+    <dgm:sp3d/>
+    <dgm:txPr/>
+    <dgm:style>
+      <a:lnRef idx="2">
+        <a:scrgbClr r="0" g="0" b="0"/>
+      </a:lnRef>
+      <a:fillRef idx="1">
+        <a:scrgbClr r="0" g="0" b="0"/>
+      </a:fillRef>
+      <a:effectRef idx="0">
+        <a:scrgbClr r="0" g="0" b="0"/>
+      </a:effectRef>
+      <a:fontRef idx="minor"/>
+    </dgm:style>
+  </dgm:styleLbl>
+  <dgm:styleLbl name="fgAcc4">
+    <dgm:scene3d>
+      <a:camera prst="orthographicFront"/>
+      <a:lightRig rig="threePt" dir="t"/>
+    </dgm:scene3d>
+    <dgm:sp3d/>
+    <dgm:txPr/>
+    <dgm:style>
+      <a:lnRef idx="2">
+        <a:scrgbClr r="0" g="0" b="0"/>
+      </a:lnRef>
+      <a:fillRef idx="1">
+        <a:scrgbClr r="0" g="0" b="0"/>
+      </a:fillRef>
+      <a:effectRef idx="0">
+        <a:scrgbClr r="0" g="0" b="0"/>
+      </a:effectRef>
+      <a:fontRef idx="minor"/>
+    </dgm:style>
+  </dgm:styleLbl>
+  <dgm:styleLbl name="bgShp">
+    <dgm:scene3d>
+      <a:camera prst="orthographicFront"/>
+      <a:lightRig rig="threePt" dir="t"/>
+    </dgm:scene3d>
+    <dgm:sp3d/>
+    <dgm:txPr/>
+    <dgm:style>
+      <a:lnRef idx="0">
+        <a:scrgbClr r="0" g="0" b="0"/>
+      </a:lnRef>
+      <a:fillRef idx="1">
+        <a:scrgbClr r="0" g="0" b="0"/>
+      </a:fillRef>
+      <a:effectRef idx="0">
+        <a:scrgbClr r="0" g="0" b="0"/>
+      </a:effectRef>
+      <a:fontRef idx="minor"/>
+    </dgm:style>
+  </dgm:styleLbl>
+  <dgm:styleLbl name="dkBgShp">
+    <dgm:scene3d>
+      <a:camera prst="orthographicFront"/>
+      <a:lightRig rig="threePt" dir="t"/>
+    </dgm:scene3d>
+    <dgm:sp3d/>
+    <dgm:txPr/>
+    <dgm:style>
+      <a:lnRef idx="0">
+        <a:scrgbClr r="0" g="0" b="0"/>
+      </a:lnRef>
+      <a:fillRef idx="1">
+        <a:scrgbClr r="0" g="0" b="0"/>
+      </a:fillRef>
+      <a:effectRef idx="0">
+        <a:scrgbClr r="0" g="0" b="0"/>
+      </a:effectRef>
+      <a:fontRef idx="minor"/>
+    </dgm:style>
+  </dgm:styleLbl>
+  <dgm:styleLbl name="trBgShp">
+    <dgm:scene3d>
+      <a:camera prst="orthographicFront"/>
+      <a:lightRig rig="threePt" dir="t"/>
+    </dgm:scene3d>
+    <dgm:sp3d/>
+    <dgm:txPr/>
+    <dgm:style>
+      <a:lnRef idx="0">
+        <a:scrgbClr r="0" g="0" b="0"/>
+      </a:lnRef>
+      <a:fillRef idx="1">
+        <a:scrgbClr r="0" g="0" b="0"/>
+      </a:fillRef>
+      <a:effectRef idx="0">
+        <a:scrgbClr r="0" g="0" b="0"/>
+      </a:effectRef>
+      <a:fontRef idx="minor"/>
+    </dgm:style>
+  </dgm:styleLbl>
+  <dgm:styleLbl name="fgShp">
+    <dgm:scene3d>
+      <a:camera prst="orthographicFront"/>
+      <a:lightRig rig="threePt" dir="t"/>
+    </dgm:scene3d>
+    <dgm:sp3d/>
+    <dgm:txPr/>
+    <dgm:style>
+      <a:lnRef idx="3">
+        <a:scrgbClr r="0" g="0" b="0"/>
+      </a:lnRef>
+      <a:fillRef idx="1">
+        <a:scrgbClr r="0" g="0" b="0"/>
+      </a:fillRef>
+      <a:effectRef idx="1">
         <a:scrgbClr r="0" g="0" b="0"/>
       </a:effectRef>
       <a:fontRef idx="minor"/>
@@ -17398,7 +20327,12 @@
             <p:ph type="subTitle" idx="1"/>
           </p:nvPr>
         </p:nvSpPr>
-        <p:spPr/>
+        <p:spPr>
+          <a:xfrm>
+            <a:off x="667512" y="4206876"/>
+            <a:ext cx="7499335" cy="1645920"/>
+          </a:xfrm>
+        </p:spPr>
         <p:txBody>
           <a:bodyPr/>
           <a:lstStyle/>
@@ -18362,7 +21296,7 @@
             </a:r>
             <a:r>
               <a:rPr lang="pt-BR" sz="2700" b="1" dirty="0"/>
-              <a:t> Life – RUL (tempo restante até a falha</a:t>
+              <a:t> Life – RUL (tempo restante até a falha)</a:t>
             </a:r>
             <a:endParaRPr lang="pt-BR" dirty="0"/>
           </a:p>
@@ -19010,7 +21944,7 @@
           <p:nvPr>
             <p:extLst>
               <p:ext uri="{D42A27DB-BD31-4B8C-83A1-F6EECF244321}">
-                <p14:modId xmlns:p14="http://schemas.microsoft.com/office/powerpoint/2010/main" val="3690585515"/>
+                <p14:modId xmlns:p14="http://schemas.microsoft.com/office/powerpoint/2010/main" val="2407474557"/>
               </p:ext>
             </p:extLst>
           </p:nvPr>
@@ -19039,6 +21973,1059 @@
 </file>
 
 <file path=ppt/slides/slide16.xml><?xml version="1.0" encoding="utf-8"?>
+<p:sld xmlns:a="http://schemas.openxmlformats.org/drawingml/2006/main" xmlns:r="http://schemas.openxmlformats.org/officeDocument/2006/relationships" xmlns:p="http://schemas.openxmlformats.org/presentationml/2006/main">
+  <p:cSld>
+    <p:spTree>
+      <p:nvGrpSpPr>
+        <p:cNvPr id="1" name="">
+          <a:extLst>
+            <a:ext uri="{FF2B5EF4-FFF2-40B4-BE49-F238E27FC236}">
+              <a16:creationId xmlns:a16="http://schemas.microsoft.com/office/drawing/2014/main" id="{1D6E555E-56AD-4EC2-9E5D-C4E522DA2DEC}"/>
+            </a:ext>
+          </a:extLst>
+        </p:cNvPr>
+        <p:cNvGrpSpPr/>
+        <p:nvPr/>
+      </p:nvGrpSpPr>
+      <p:grpSpPr>
+        <a:xfrm>
+          <a:off x="0" y="0"/>
+          <a:ext cx="0" cy="0"/>
+          <a:chOff x="0" y="0"/>
+          <a:chExt cx="0" cy="0"/>
+        </a:xfrm>
+      </p:grpSpPr>
+      <p:sp>
+        <p:nvSpPr>
+          <p:cNvPr id="2" name="Título 1">
+            <a:extLst>
+              <a:ext uri="{FF2B5EF4-FFF2-40B4-BE49-F238E27FC236}">
+                <a16:creationId xmlns:a16="http://schemas.microsoft.com/office/drawing/2014/main" id="{FF856DB2-B868-4B50-2E41-B95AFA7CA741}"/>
+              </a:ext>
+            </a:extLst>
+          </p:cNvPr>
+          <p:cNvSpPr>
+            <a:spLocks noGrp="1"/>
+          </p:cNvSpPr>
+          <p:nvPr>
+            <p:ph type="title"/>
+          </p:nvPr>
+        </p:nvSpPr>
+        <p:spPr>
+          <a:xfrm>
+            <a:off x="0" y="44825"/>
+            <a:ext cx="11095505" cy="959713"/>
+          </a:xfrm>
+        </p:spPr>
+        <p:txBody>
+          <a:bodyPr>
+            <a:normAutofit fontScale="90000"/>
+          </a:bodyPr>
+          <a:lstStyle/>
+          <a:p>
+            <a:r>
+              <a:rPr lang="pt-BR" b="1" dirty="0"/>
+              <a:t>Oportunidades</a:t>
+            </a:r>
+            <a:br>
+              <a:rPr lang="pt-BR" b="1" dirty="0"/>
+            </a:br>
+            <a:r>
+              <a:rPr lang="pt-BR" sz="3100" dirty="0"/>
+              <a:t>Como utilizar os Modelos</a:t>
+            </a:r>
+            <a:endParaRPr lang="pt-BR" dirty="0"/>
+          </a:p>
+        </p:txBody>
+      </p:sp>
+      <p:sp>
+        <p:nvSpPr>
+          <p:cNvPr id="4" name="Retângulo: Cantos Arredondados 3">
+            <a:extLst>
+              <a:ext uri="{FF2B5EF4-FFF2-40B4-BE49-F238E27FC236}">
+                <a16:creationId xmlns:a16="http://schemas.microsoft.com/office/drawing/2014/main" id="{2D215763-FACD-E453-F406-B6CAA6A2B8C4}"/>
+              </a:ext>
+            </a:extLst>
+          </p:cNvPr>
+          <p:cNvSpPr/>
+          <p:nvPr/>
+        </p:nvSpPr>
+        <p:spPr>
+          <a:xfrm>
+            <a:off x="151283" y="1532964"/>
+            <a:ext cx="6739431" cy="1823509"/>
+          </a:xfrm>
+          <a:prstGeom prst="roundRect">
+            <a:avLst/>
+          </a:prstGeom>
+        </p:spPr>
+        <p:style>
+          <a:lnRef idx="2">
+            <a:schemeClr val="accent1">
+              <a:shade val="15000"/>
+            </a:schemeClr>
+          </a:lnRef>
+          <a:fillRef idx="1">
+            <a:schemeClr val="accent1"/>
+          </a:fillRef>
+          <a:effectRef idx="0">
+            <a:schemeClr val="accent1"/>
+          </a:effectRef>
+          <a:fontRef idx="minor">
+            <a:schemeClr val="lt1"/>
+          </a:fontRef>
+        </p:style>
+        <p:txBody>
+          <a:bodyPr rtlCol="0" anchor="ctr"/>
+          <a:lstStyle/>
+          <a:p>
+            <a:pPr algn="ctr"/>
+            <a:endParaRPr lang="pt-BR" dirty="0"/>
+          </a:p>
+        </p:txBody>
+      </p:sp>
+      <p:grpSp>
+        <p:nvGrpSpPr>
+          <p:cNvPr id="9" name="Agrupar 8">
+            <a:extLst>
+              <a:ext uri="{FF2B5EF4-FFF2-40B4-BE49-F238E27FC236}">
+                <a16:creationId xmlns:a16="http://schemas.microsoft.com/office/drawing/2014/main" id="{07DD4E69-6BD5-5E70-B355-657C45A01A3A}"/>
+              </a:ext>
+            </a:extLst>
+          </p:cNvPr>
+          <p:cNvGrpSpPr/>
+          <p:nvPr/>
+        </p:nvGrpSpPr>
+        <p:grpSpPr>
+          <a:xfrm>
+            <a:off x="8140520" y="3558988"/>
+            <a:ext cx="3829468" cy="3200399"/>
+            <a:chOff x="8201304" y="3137646"/>
+            <a:chExt cx="3829468" cy="3200399"/>
+          </a:xfrm>
+        </p:grpSpPr>
+        <p:sp>
+          <p:nvSpPr>
+            <p:cNvPr id="6" name="Retângulo: Cantos Arredondados 5">
+              <a:extLst>
+                <a:ext uri="{FF2B5EF4-FFF2-40B4-BE49-F238E27FC236}">
+                  <a16:creationId xmlns:a16="http://schemas.microsoft.com/office/drawing/2014/main" id="{6E2AC30A-0C34-0190-FB1C-EB0F520F560B}"/>
+                </a:ext>
+              </a:extLst>
+            </p:cNvPr>
+            <p:cNvSpPr/>
+            <p:nvPr/>
+          </p:nvSpPr>
+          <p:spPr>
+            <a:xfrm>
+              <a:off x="8201304" y="3137646"/>
+              <a:ext cx="3667966" cy="3200399"/>
+            </a:xfrm>
+            <a:prstGeom prst="roundRect">
+              <a:avLst/>
+            </a:prstGeom>
+          </p:spPr>
+          <p:style>
+            <a:lnRef idx="2">
+              <a:schemeClr val="accent1">
+                <a:shade val="15000"/>
+              </a:schemeClr>
+            </a:lnRef>
+            <a:fillRef idx="1">
+              <a:schemeClr val="accent1"/>
+            </a:fillRef>
+            <a:effectRef idx="0">
+              <a:schemeClr val="accent1"/>
+            </a:effectRef>
+            <a:fontRef idx="minor">
+              <a:schemeClr val="lt1"/>
+            </a:fontRef>
+          </p:style>
+          <p:txBody>
+            <a:bodyPr rtlCol="0" anchor="ctr"/>
+            <a:lstStyle/>
+            <a:p>
+              <a:pPr algn="ctr"/>
+              <a:endParaRPr lang="pt-BR"/>
+            </a:p>
+          </p:txBody>
+        </p:sp>
+        <p:pic>
+          <p:nvPicPr>
+            <p:cNvPr id="1026" name="Picture 2" descr="Aplicativo png Imagens – Download Grátis no Freepik">
+              <a:extLst>
+                <a:ext uri="{FF2B5EF4-FFF2-40B4-BE49-F238E27FC236}">
+                  <a16:creationId xmlns:a16="http://schemas.microsoft.com/office/drawing/2014/main" id="{A0C17488-15E0-069E-0FD6-2BF3ED7691FC}"/>
+                </a:ext>
+              </a:extLst>
+            </p:cNvPr>
+            <p:cNvPicPr>
+              <a:picLocks noChangeAspect="1" noChangeArrowheads="1"/>
+            </p:cNvPicPr>
+            <p:nvPr/>
+          </p:nvPicPr>
+          <p:blipFill>
+            <a:blip r:embed="rId2">
+              <a:clrChange>
+                <a:clrFrom>
+                  <a:srgbClr val="FFFFFF"/>
+                </a:clrFrom>
+                <a:clrTo>
+                  <a:srgbClr val="FFFFFF">
+                    <a:alpha val="0"/>
+                  </a:srgbClr>
+                </a:clrTo>
+              </a:clrChange>
+              <a:extLst>
+                <a:ext uri="{28A0092B-C50C-407E-A947-70E740481C1C}">
+                  <a14:useLocalDpi xmlns:a14="http://schemas.microsoft.com/office/drawing/2010/main" val="0"/>
+                </a:ext>
+              </a:extLst>
+            </a:blip>
+            <a:srcRect/>
+            <a:stretch>
+              <a:fillRect/>
+            </a:stretch>
+          </p:blipFill>
+          <p:spPr bwMode="auto">
+            <a:xfrm>
+              <a:off x="10276445" y="4583718"/>
+              <a:ext cx="1754327" cy="1754327"/>
+            </a:xfrm>
+            <a:prstGeom prst="rect">
+              <a:avLst/>
+            </a:prstGeom>
+            <a:noFill/>
+            <a:extLst>
+              <a:ext uri="{909E8E84-426E-40DD-AFC4-6F175D3DCCD1}">
+                <a14:hiddenFill xmlns:a14="http://schemas.microsoft.com/office/drawing/2010/main">
+                  <a:solidFill>
+                    <a:srgbClr val="FFFFFF"/>
+                  </a:solidFill>
+                </a14:hiddenFill>
+              </a:ext>
+            </a:extLst>
+          </p:spPr>
+        </p:pic>
+        <p:pic>
+          <p:nvPicPr>
+            <p:cNvPr id="1028" name="Picture 4" descr="Aplicação de software - ícones de seo e web grátis">
+              <a:extLst>
+                <a:ext uri="{FF2B5EF4-FFF2-40B4-BE49-F238E27FC236}">
+                  <a16:creationId xmlns:a16="http://schemas.microsoft.com/office/drawing/2014/main" id="{24982BAC-3917-985A-F2C0-1B19E40DB02D}"/>
+                </a:ext>
+              </a:extLst>
+            </p:cNvPr>
+            <p:cNvPicPr>
+              <a:picLocks noChangeAspect="1" noChangeArrowheads="1"/>
+            </p:cNvPicPr>
+            <p:nvPr/>
+          </p:nvPicPr>
+          <p:blipFill>
+            <a:blip r:embed="rId3">
+              <a:extLst>
+                <a:ext uri="{28A0092B-C50C-407E-A947-70E740481C1C}">
+                  <a14:useLocalDpi xmlns:a14="http://schemas.microsoft.com/office/drawing/2010/main" val="0"/>
+                </a:ext>
+              </a:extLst>
+            </a:blip>
+            <a:srcRect/>
+            <a:stretch>
+              <a:fillRect/>
+            </a:stretch>
+          </p:blipFill>
+          <p:spPr bwMode="auto">
+            <a:xfrm>
+              <a:off x="8713761" y="4690445"/>
+              <a:ext cx="1493958" cy="1493958"/>
+            </a:xfrm>
+            <a:prstGeom prst="rect">
+              <a:avLst/>
+            </a:prstGeom>
+            <a:noFill/>
+            <a:extLst>
+              <a:ext uri="{909E8E84-426E-40DD-AFC4-6F175D3DCCD1}">
+                <a14:hiddenFill xmlns:a14="http://schemas.microsoft.com/office/drawing/2010/main">
+                  <a:solidFill>
+                    <a:srgbClr val="FFFFFF"/>
+                  </a:solidFill>
+                </a14:hiddenFill>
+              </a:ext>
+            </a:extLst>
+          </p:spPr>
+        </p:pic>
+        <p:sp>
+          <p:nvSpPr>
+            <p:cNvPr id="7" name="CaixaDeTexto 6">
+              <a:extLst>
+                <a:ext uri="{FF2B5EF4-FFF2-40B4-BE49-F238E27FC236}">
+                  <a16:creationId xmlns:a16="http://schemas.microsoft.com/office/drawing/2014/main" id="{00DDD855-255A-8D37-8371-C1B5AF899BBE}"/>
+                </a:ext>
+              </a:extLst>
+            </p:cNvPr>
+            <p:cNvSpPr txBox="1"/>
+            <p:nvPr/>
+          </p:nvSpPr>
+          <p:spPr>
+            <a:xfrm>
+              <a:off x="8446154" y="3243742"/>
+              <a:ext cx="3388658" cy="1477328"/>
+            </a:xfrm>
+            <a:prstGeom prst="rect">
+              <a:avLst/>
+            </a:prstGeom>
+            <a:noFill/>
+          </p:spPr>
+          <p:txBody>
+            <a:bodyPr wrap="square" rtlCol="0">
+              <a:spAutoFit/>
+            </a:bodyPr>
+            <a:lstStyle/>
+            <a:p>
+              <a:r>
+                <a:rPr lang="pt-BR" dirty="0">
+                  <a:solidFill>
+                    <a:schemeClr val="bg1"/>
+                  </a:solidFill>
+                </a:rPr>
+                <a:t>Aplicações para o Usuário</a:t>
+              </a:r>
+            </a:p>
+            <a:p>
+              <a:pPr marL="285750" indent="-285750">
+                <a:buFontTx/>
+                <a:buChar char="-"/>
+              </a:pPr>
+              <a:r>
+                <a:rPr lang="pt-BR" dirty="0">
+                  <a:solidFill>
+                    <a:schemeClr val="bg1"/>
+                  </a:solidFill>
+                </a:rPr>
+                <a:t>Avaliação RUL</a:t>
+              </a:r>
+            </a:p>
+            <a:p>
+              <a:pPr marL="285750" indent="-285750">
+                <a:buFontTx/>
+                <a:buChar char="-"/>
+              </a:pPr>
+              <a:r>
+                <a:rPr lang="pt-BR" dirty="0">
+                  <a:solidFill>
+                    <a:schemeClr val="bg1"/>
+                  </a:solidFill>
+                </a:rPr>
+                <a:t>Predição de Falha</a:t>
+              </a:r>
+            </a:p>
+            <a:p>
+              <a:pPr marL="285750" indent="-285750">
+                <a:buFontTx/>
+                <a:buChar char="-"/>
+              </a:pPr>
+              <a:r>
+                <a:rPr lang="pt-BR" dirty="0">
+                  <a:solidFill>
+                    <a:schemeClr val="bg1"/>
+                  </a:solidFill>
+                </a:rPr>
+                <a:t>Simulação de Parâmetros operacionais</a:t>
+              </a:r>
+            </a:p>
+          </p:txBody>
+        </p:sp>
+      </p:grpSp>
+      <p:pic>
+        <p:nvPicPr>
+          <p:cNvPr id="1036" name="Picture 12" descr="How I Created a Data Science Project Following CRISP-DM Lifecycle | Towards Data  Science">
+            <a:extLst>
+              <a:ext uri="{FF2B5EF4-FFF2-40B4-BE49-F238E27FC236}">
+                <a16:creationId xmlns:a16="http://schemas.microsoft.com/office/drawing/2014/main" id="{FC8F5D37-1268-B027-F6EF-CEBF9B02313E}"/>
+              </a:ext>
+            </a:extLst>
+          </p:cNvPr>
+          <p:cNvPicPr>
+            <a:picLocks noChangeAspect="1" noChangeArrowheads="1"/>
+          </p:cNvPicPr>
+          <p:nvPr/>
+        </p:nvPicPr>
+        <p:blipFill>
+          <a:blip r:embed="rId4">
+            <a:clrChange>
+              <a:clrFrom>
+                <a:srgbClr val="FFFFFF"/>
+              </a:clrFrom>
+              <a:clrTo>
+                <a:srgbClr val="FFFFFF">
+                  <a:alpha val="0"/>
+                </a:srgbClr>
+              </a:clrTo>
+            </a:clrChange>
+            <a:extLst>
+              <a:ext uri="{28A0092B-C50C-407E-A947-70E740481C1C}">
+                <a14:useLocalDpi xmlns:a14="http://schemas.microsoft.com/office/drawing/2010/main" val="0"/>
+              </a:ext>
+            </a:extLst>
+          </a:blip>
+          <a:srcRect/>
+          <a:stretch>
+            <a:fillRect/>
+          </a:stretch>
+        </p:blipFill>
+        <p:spPr bwMode="auto">
+          <a:xfrm>
+            <a:off x="6961442" y="72161"/>
+            <a:ext cx="3039035" cy="3053880"/>
+          </a:xfrm>
+          <a:prstGeom prst="rect">
+            <a:avLst/>
+          </a:prstGeom>
+          <a:noFill/>
+          <a:extLst>
+            <a:ext uri="{909E8E84-426E-40DD-AFC4-6F175D3DCCD1}">
+              <a14:hiddenFill xmlns:a14="http://schemas.microsoft.com/office/drawing/2010/main">
+                <a:solidFill>
+                  <a:srgbClr val="FFFFFF"/>
+                </a:solidFill>
+              </a14:hiddenFill>
+            </a:ext>
+          </a:extLst>
+        </p:spPr>
+      </p:pic>
+      <p:grpSp>
+        <p:nvGrpSpPr>
+          <p:cNvPr id="11" name="Agrupar 10">
+            <a:extLst>
+              <a:ext uri="{FF2B5EF4-FFF2-40B4-BE49-F238E27FC236}">
+                <a16:creationId xmlns:a16="http://schemas.microsoft.com/office/drawing/2014/main" id="{72020E97-B33C-302A-240D-6A49AA804E09}"/>
+              </a:ext>
+            </a:extLst>
+          </p:cNvPr>
+          <p:cNvGrpSpPr/>
+          <p:nvPr/>
+        </p:nvGrpSpPr>
+        <p:grpSpPr>
+          <a:xfrm>
+            <a:off x="71718" y="3866546"/>
+            <a:ext cx="6818997" cy="2946629"/>
+            <a:chOff x="71718" y="3866546"/>
+            <a:chExt cx="6818997" cy="2946629"/>
+          </a:xfrm>
+        </p:grpSpPr>
+        <p:sp>
+          <p:nvSpPr>
+            <p:cNvPr id="5" name="Retângulo: Cantos Arredondados 4">
+              <a:extLst>
+                <a:ext uri="{FF2B5EF4-FFF2-40B4-BE49-F238E27FC236}">
+                  <a16:creationId xmlns:a16="http://schemas.microsoft.com/office/drawing/2014/main" id="{797AB782-3A07-7220-307E-78582A7B5EE3}"/>
+                </a:ext>
+              </a:extLst>
+            </p:cNvPr>
+            <p:cNvSpPr/>
+            <p:nvPr/>
+          </p:nvSpPr>
+          <p:spPr>
+            <a:xfrm>
+              <a:off x="71718" y="3866546"/>
+              <a:ext cx="4455458" cy="2771059"/>
+            </a:xfrm>
+            <a:prstGeom prst="roundRect">
+              <a:avLst/>
+            </a:prstGeom>
+            <a:solidFill>
+              <a:schemeClr val="bg2"/>
+            </a:solidFill>
+          </p:spPr>
+          <p:style>
+            <a:lnRef idx="2">
+              <a:schemeClr val="accent1">
+                <a:shade val="15000"/>
+              </a:schemeClr>
+            </a:lnRef>
+            <a:fillRef idx="1">
+              <a:schemeClr val="accent1"/>
+            </a:fillRef>
+            <a:effectRef idx="0">
+              <a:schemeClr val="accent1"/>
+            </a:effectRef>
+            <a:fontRef idx="minor">
+              <a:schemeClr val="lt1"/>
+            </a:fontRef>
+          </p:style>
+          <p:txBody>
+            <a:bodyPr rtlCol="0" anchor="ctr"/>
+            <a:lstStyle/>
+            <a:p>
+              <a:pPr algn="ctr"/>
+              <a:endParaRPr lang="pt-BR"/>
+            </a:p>
+          </p:txBody>
+        </p:sp>
+        <p:pic>
+          <p:nvPicPr>
+            <p:cNvPr id="1034" name="Picture 10" descr="Extend MLflow Model Registry Features | Databricks Blog">
+              <a:extLst>
+                <a:ext uri="{FF2B5EF4-FFF2-40B4-BE49-F238E27FC236}">
+                  <a16:creationId xmlns:a16="http://schemas.microsoft.com/office/drawing/2014/main" id="{DFBB1BE4-E953-8CF4-240B-62E3C76703E5}"/>
+                </a:ext>
+              </a:extLst>
+            </p:cNvPr>
+            <p:cNvPicPr>
+              <a:picLocks noChangeAspect="1" noChangeArrowheads="1"/>
+            </p:cNvPicPr>
+            <p:nvPr/>
+          </p:nvPicPr>
+          <p:blipFill rotWithShape="1">
+            <a:blip r:embed="rId5">
+              <a:clrChange>
+                <a:clrFrom>
+                  <a:srgbClr val="FFFFFF"/>
+                </a:clrFrom>
+                <a:clrTo>
+                  <a:srgbClr val="FFFFFF">
+                    <a:alpha val="0"/>
+                  </a:srgbClr>
+                </a:clrTo>
+              </a:clrChange>
+              <a:extLst>
+                <a:ext uri="{28A0092B-C50C-407E-A947-70E740481C1C}">
+                  <a14:useLocalDpi xmlns:a14="http://schemas.microsoft.com/office/drawing/2010/main" val="0"/>
+                </a:ext>
+              </a:extLst>
+            </a:blip>
+            <a:srcRect r="27515"/>
+            <a:stretch>
+              <a:fillRect/>
+            </a:stretch>
+          </p:blipFill>
+          <p:spPr bwMode="auto">
+            <a:xfrm>
+              <a:off x="383514" y="4042116"/>
+              <a:ext cx="3825922" cy="2771059"/>
+            </a:xfrm>
+            <a:prstGeom prst="rect">
+              <a:avLst/>
+            </a:prstGeom>
+            <a:noFill/>
+            <a:extLst>
+              <a:ext uri="{909E8E84-426E-40DD-AFC4-6F175D3DCCD1}">
+                <a14:hiddenFill xmlns:a14="http://schemas.microsoft.com/office/drawing/2010/main">
+                  <a:solidFill>
+                    <a:srgbClr val="FFFFFF"/>
+                  </a:solidFill>
+                </a14:hiddenFill>
+              </a:ext>
+            </a:extLst>
+          </p:spPr>
+        </p:pic>
+        <p:sp>
+          <p:nvSpPr>
+            <p:cNvPr id="8" name="Retângulo: Cantos Arredondados 7">
+              <a:extLst>
+                <a:ext uri="{FF2B5EF4-FFF2-40B4-BE49-F238E27FC236}">
+                  <a16:creationId xmlns:a16="http://schemas.microsoft.com/office/drawing/2014/main" id="{D0819E44-F3FD-F842-BB3B-4BA21DEF4EC8}"/>
+                </a:ext>
+              </a:extLst>
+            </p:cNvPr>
+            <p:cNvSpPr/>
+            <p:nvPr/>
+          </p:nvSpPr>
+          <p:spPr>
+            <a:xfrm>
+              <a:off x="4521232" y="3866546"/>
+              <a:ext cx="2369483" cy="2771059"/>
+            </a:xfrm>
+            <a:prstGeom prst="roundRect">
+              <a:avLst/>
+            </a:prstGeom>
+            <a:solidFill>
+              <a:schemeClr val="bg1">
+                <a:lumMod val="65000"/>
+              </a:schemeClr>
+            </a:solidFill>
+          </p:spPr>
+          <p:style>
+            <a:lnRef idx="2">
+              <a:schemeClr val="accent1">
+                <a:shade val="15000"/>
+              </a:schemeClr>
+            </a:lnRef>
+            <a:fillRef idx="1">
+              <a:schemeClr val="accent1"/>
+            </a:fillRef>
+            <a:effectRef idx="0">
+              <a:schemeClr val="accent1"/>
+            </a:effectRef>
+            <a:fontRef idx="minor">
+              <a:schemeClr val="lt1"/>
+            </a:fontRef>
+          </p:style>
+          <p:txBody>
+            <a:bodyPr rtlCol="0" anchor="ctr"/>
+            <a:lstStyle/>
+            <a:p>
+              <a:pPr algn="ctr"/>
+              <a:endParaRPr lang="pt-BR" dirty="0"/>
+            </a:p>
+          </p:txBody>
+        </p:sp>
+        <p:sp>
+          <p:nvSpPr>
+            <p:cNvPr id="10" name="CaixaDeTexto 9">
+              <a:extLst>
+                <a:ext uri="{FF2B5EF4-FFF2-40B4-BE49-F238E27FC236}">
+                  <a16:creationId xmlns:a16="http://schemas.microsoft.com/office/drawing/2014/main" id="{39EA63E7-552A-A5F3-8ADC-04A02F9F8648}"/>
+                </a:ext>
+              </a:extLst>
+            </p:cNvPr>
+            <p:cNvSpPr txBox="1"/>
+            <p:nvPr/>
+          </p:nvSpPr>
+          <p:spPr>
+            <a:xfrm>
+              <a:off x="4693248" y="4137848"/>
+              <a:ext cx="2125746" cy="2308324"/>
+            </a:xfrm>
+            <a:prstGeom prst="rect">
+              <a:avLst/>
+            </a:prstGeom>
+            <a:noFill/>
+          </p:spPr>
+          <p:txBody>
+            <a:bodyPr wrap="square" rtlCol="0">
+              <a:spAutoFit/>
+            </a:bodyPr>
+            <a:lstStyle/>
+            <a:p>
+              <a:r>
+                <a:rPr lang="pt-BR" dirty="0">
+                  <a:solidFill>
+                    <a:schemeClr val="bg1"/>
+                  </a:solidFill>
+                </a:rPr>
+                <a:t>Servir os Models</a:t>
+              </a:r>
+            </a:p>
+            <a:p>
+              <a:r>
+                <a:rPr lang="pt-BR" b="1" dirty="0" err="1">
+                  <a:solidFill>
+                    <a:schemeClr val="bg1"/>
+                  </a:solidFill>
+                </a:rPr>
+                <a:t>Deploy</a:t>
+              </a:r>
+              <a:endParaRPr lang="pt-BR" dirty="0">
+                <a:solidFill>
+                  <a:schemeClr val="bg1"/>
+                </a:solidFill>
+              </a:endParaRPr>
+            </a:p>
+            <a:p>
+              <a:pPr marL="285750" indent="-285750">
+                <a:buFontTx/>
+                <a:buChar char="-"/>
+              </a:pPr>
+              <a:r>
+                <a:rPr lang="pt-BR" dirty="0">
+                  <a:solidFill>
+                    <a:schemeClr val="bg1"/>
+                  </a:solidFill>
+                </a:rPr>
+                <a:t>Criar serviço agendado e recorrente </a:t>
+              </a:r>
+            </a:p>
+            <a:p>
+              <a:pPr marL="285750" indent="-285750">
+                <a:buFontTx/>
+                <a:buChar char="-"/>
+              </a:pPr>
+              <a:r>
+                <a:rPr lang="pt-BR" dirty="0">
+                  <a:solidFill>
+                    <a:schemeClr val="bg1"/>
+                  </a:solidFill>
+                </a:rPr>
+                <a:t>Criar API para consumo por outras aplicações</a:t>
+              </a:r>
+            </a:p>
+          </p:txBody>
+        </p:sp>
+      </p:grpSp>
+      <p:sp>
+        <p:nvSpPr>
+          <p:cNvPr id="14" name="Título 1">
+            <a:extLst>
+              <a:ext uri="{FF2B5EF4-FFF2-40B4-BE49-F238E27FC236}">
+                <a16:creationId xmlns:a16="http://schemas.microsoft.com/office/drawing/2014/main" id="{E0D6ADDA-F49E-057D-D7FC-6990B470B7FF}"/>
+              </a:ext>
+            </a:extLst>
+          </p:cNvPr>
+          <p:cNvSpPr txBox="1">
+            <a:spLocks/>
+          </p:cNvSpPr>
+          <p:nvPr/>
+        </p:nvSpPr>
+        <p:spPr>
+          <a:xfrm>
+            <a:off x="288381" y="3349349"/>
+            <a:ext cx="2905681" cy="1135283"/>
+          </a:xfrm>
+          <a:prstGeom prst="rect">
+            <a:avLst/>
+          </a:prstGeom>
+        </p:spPr>
+        <p:txBody>
+          <a:bodyPr vert="horz" lIns="91440" tIns="45720" rIns="91440" bIns="45720" rtlCol="0" anchor="ctr">
+            <a:normAutofit fontScale="97500"/>
+          </a:bodyPr>
+          <a:lstStyle>
+            <a:lvl1pPr algn="l" defTabSz="914400" rtl="0" eaLnBrk="1" latinLnBrk="0" hangingPunct="1">
+              <a:lnSpc>
+                <a:spcPct val="85000"/>
+              </a:lnSpc>
+              <a:spcBef>
+                <a:spcPct val="0"/>
+              </a:spcBef>
+              <a:buNone/>
+              <a:defRPr sz="5400" kern="1200" spc="-120" baseline="0">
+                <a:solidFill>
+                  <a:schemeClr val="accent1"/>
+                </a:solidFill>
+                <a:latin typeface="+mj-lt"/>
+                <a:ea typeface="+mj-ea"/>
+                <a:cs typeface="+mj-cs"/>
+              </a:defRPr>
+            </a:lvl1pPr>
+          </a:lstStyle>
+          <a:p>
+            <a:r>
+              <a:rPr lang="pt-BR" sz="3200" b="1" dirty="0">
+                <a:ln>
+                  <a:solidFill>
+                    <a:schemeClr val="tx1"/>
+                  </a:solidFill>
+                </a:ln>
+                <a:solidFill>
+                  <a:schemeClr val="bg1"/>
+                </a:solidFill>
+              </a:rPr>
+              <a:t>Engenheiro de Machine Learning</a:t>
+            </a:r>
+            <a:endParaRPr lang="pt-BR" sz="3200" dirty="0">
+              <a:ln>
+                <a:solidFill>
+                  <a:schemeClr val="tx1"/>
+                </a:solidFill>
+              </a:ln>
+              <a:solidFill>
+                <a:schemeClr val="bg1"/>
+              </a:solidFill>
+            </a:endParaRPr>
+          </a:p>
+        </p:txBody>
+      </p:sp>
+      <p:sp>
+        <p:nvSpPr>
+          <p:cNvPr id="15" name="Título 1">
+            <a:extLst>
+              <a:ext uri="{FF2B5EF4-FFF2-40B4-BE49-F238E27FC236}">
+                <a16:creationId xmlns:a16="http://schemas.microsoft.com/office/drawing/2014/main" id="{9BDCE623-2261-EDC3-107D-48B319FFD066}"/>
+              </a:ext>
+            </a:extLst>
+          </p:cNvPr>
+          <p:cNvSpPr txBox="1">
+            <a:spLocks/>
+          </p:cNvSpPr>
+          <p:nvPr/>
+        </p:nvSpPr>
+        <p:spPr>
+          <a:xfrm>
+            <a:off x="296849" y="1004538"/>
+            <a:ext cx="2008094" cy="1135283"/>
+          </a:xfrm>
+          <a:prstGeom prst="rect">
+            <a:avLst/>
+          </a:prstGeom>
+        </p:spPr>
+        <p:txBody>
+          <a:bodyPr vert="horz" lIns="91440" tIns="45720" rIns="91440" bIns="45720" rtlCol="0" anchor="ctr">
+            <a:normAutofit fontScale="97500"/>
+          </a:bodyPr>
+          <a:lstStyle>
+            <a:lvl1pPr algn="l" defTabSz="914400" rtl="0" eaLnBrk="1" latinLnBrk="0" hangingPunct="1">
+              <a:lnSpc>
+                <a:spcPct val="85000"/>
+              </a:lnSpc>
+              <a:spcBef>
+                <a:spcPct val="0"/>
+              </a:spcBef>
+              <a:buNone/>
+              <a:defRPr sz="5400" kern="1200" spc="-120" baseline="0">
+                <a:solidFill>
+                  <a:schemeClr val="accent1"/>
+                </a:solidFill>
+                <a:latin typeface="+mj-lt"/>
+                <a:ea typeface="+mj-ea"/>
+                <a:cs typeface="+mj-cs"/>
+              </a:defRPr>
+            </a:lvl1pPr>
+          </a:lstStyle>
+          <a:p>
+            <a:r>
+              <a:rPr lang="pt-BR" sz="3200" b="1" dirty="0">
+                <a:ln>
+                  <a:solidFill>
+                    <a:schemeClr val="tx1"/>
+                  </a:solidFill>
+                </a:ln>
+                <a:solidFill>
+                  <a:schemeClr val="bg1"/>
+                </a:solidFill>
+              </a:rPr>
+              <a:t>Cientista de Dados</a:t>
+            </a:r>
+            <a:endParaRPr lang="pt-BR" sz="3200" dirty="0">
+              <a:ln>
+                <a:solidFill>
+                  <a:schemeClr val="tx1"/>
+                </a:solidFill>
+              </a:ln>
+              <a:solidFill>
+                <a:schemeClr val="bg1"/>
+              </a:solidFill>
+            </a:endParaRPr>
+          </a:p>
+        </p:txBody>
+      </p:sp>
+      <p:graphicFrame>
+        <p:nvGraphicFramePr>
+          <p:cNvPr id="17" name="Diagrama 16">
+            <a:extLst>
+              <a:ext uri="{FF2B5EF4-FFF2-40B4-BE49-F238E27FC236}">
+                <a16:creationId xmlns:a16="http://schemas.microsoft.com/office/drawing/2014/main" id="{40F68098-C75B-4FCC-CD06-67C9BE22A100}"/>
+              </a:ext>
+            </a:extLst>
+          </p:cNvPr>
+          <p:cNvGraphicFramePr/>
+          <p:nvPr>
+            <p:extLst>
+              <p:ext uri="{D42A27DB-BD31-4B8C-83A1-F6EECF244321}">
+                <p14:modId xmlns:p14="http://schemas.microsoft.com/office/powerpoint/2010/main" val="439967633"/>
+              </p:ext>
+            </p:extLst>
+          </p:nvPr>
+        </p:nvGraphicFramePr>
+        <p:xfrm>
+          <a:off x="296849" y="1747750"/>
+          <a:ext cx="6448297" cy="1443210"/>
+        </p:xfrm>
+        <a:graphic>
+          <a:graphicData uri="http://schemas.openxmlformats.org/drawingml/2006/diagram">
+            <dgm:relIds xmlns:dgm="http://schemas.openxmlformats.org/drawingml/2006/diagram" xmlns:r="http://schemas.openxmlformats.org/officeDocument/2006/relationships" r:dm="rId6" r:lo="rId7" r:qs="rId8" r:cs="rId9"/>
+          </a:graphicData>
+        </a:graphic>
+      </p:graphicFrame>
+      <p:sp>
+        <p:nvSpPr>
+          <p:cNvPr id="18" name="Título 1">
+            <a:extLst>
+              <a:ext uri="{FF2B5EF4-FFF2-40B4-BE49-F238E27FC236}">
+                <a16:creationId xmlns:a16="http://schemas.microsoft.com/office/drawing/2014/main" id="{E250C737-036D-134E-472F-2DD0696F434A}"/>
+              </a:ext>
+            </a:extLst>
+          </p:cNvPr>
+          <p:cNvSpPr txBox="1">
+            <a:spLocks/>
+          </p:cNvSpPr>
+          <p:nvPr/>
+        </p:nvSpPr>
+        <p:spPr>
+          <a:xfrm>
+            <a:off x="10152610" y="2788831"/>
+            <a:ext cx="2905681" cy="1135283"/>
+          </a:xfrm>
+          <a:prstGeom prst="rect">
+            <a:avLst/>
+          </a:prstGeom>
+        </p:spPr>
+        <p:txBody>
+          <a:bodyPr vert="horz" lIns="91440" tIns="45720" rIns="91440" bIns="45720" rtlCol="0" anchor="ctr">
+            <a:normAutofit fontScale="97500"/>
+          </a:bodyPr>
+          <a:lstStyle>
+            <a:lvl1pPr algn="l" defTabSz="914400" rtl="0" eaLnBrk="1" latinLnBrk="0" hangingPunct="1">
+              <a:lnSpc>
+                <a:spcPct val="85000"/>
+              </a:lnSpc>
+              <a:spcBef>
+                <a:spcPct val="0"/>
+              </a:spcBef>
+              <a:buNone/>
+              <a:defRPr sz="5400" kern="1200" spc="-120" baseline="0">
+                <a:solidFill>
+                  <a:schemeClr val="accent1"/>
+                </a:solidFill>
+                <a:latin typeface="+mj-lt"/>
+                <a:ea typeface="+mj-ea"/>
+                <a:cs typeface="+mj-cs"/>
+              </a:defRPr>
+            </a:lvl1pPr>
+          </a:lstStyle>
+          <a:p>
+            <a:r>
+              <a:rPr lang="pt-BR" sz="3200" b="1" dirty="0">
+                <a:ln>
+                  <a:solidFill>
+                    <a:schemeClr val="tx1"/>
+                  </a:solidFill>
+                </a:ln>
+                <a:solidFill>
+                  <a:schemeClr val="bg1"/>
+                </a:solidFill>
+              </a:rPr>
+              <a:t>Usuário</a:t>
+            </a:r>
+            <a:endParaRPr lang="pt-BR" sz="3200" dirty="0">
+              <a:ln>
+                <a:solidFill>
+                  <a:schemeClr val="tx1"/>
+                </a:solidFill>
+              </a:ln>
+              <a:solidFill>
+                <a:schemeClr val="bg1"/>
+              </a:solidFill>
+            </a:endParaRPr>
+          </a:p>
+        </p:txBody>
+      </p:sp>
+      <p:sp>
+        <p:nvSpPr>
+          <p:cNvPr id="24" name="Forma 23">
+            <a:extLst>
+              <a:ext uri="{FF2B5EF4-FFF2-40B4-BE49-F238E27FC236}">
+                <a16:creationId xmlns:a16="http://schemas.microsoft.com/office/drawing/2014/main" id="{D1B6F49F-C744-EAFF-40BC-26589BBB88CA}"/>
+              </a:ext>
+            </a:extLst>
+          </p:cNvPr>
+          <p:cNvSpPr/>
+          <p:nvPr/>
+        </p:nvSpPr>
+        <p:spPr>
+          <a:xfrm rot="10374985">
+            <a:off x="3816134" y="3099930"/>
+            <a:ext cx="1825780" cy="1074203"/>
+          </a:xfrm>
+          <a:prstGeom prst="swooshArrow">
+            <a:avLst>
+              <a:gd name="adj1" fmla="val 16310"/>
+              <a:gd name="adj2" fmla="val 31370"/>
+            </a:avLst>
+          </a:prstGeom>
+        </p:spPr>
+        <p:style>
+          <a:lnRef idx="2">
+            <a:schemeClr val="lt1">
+              <a:hueOff val="0"/>
+              <a:satOff val="0"/>
+              <a:lumOff val="0"/>
+              <a:alphaOff val="0"/>
+            </a:schemeClr>
+          </a:lnRef>
+          <a:fillRef idx="1">
+            <a:schemeClr val="accent1">
+              <a:shade val="50000"/>
+              <a:hueOff val="0"/>
+              <a:satOff val="0"/>
+              <a:lumOff val="0"/>
+              <a:alphaOff val="0"/>
+            </a:schemeClr>
+          </a:fillRef>
+          <a:effectRef idx="0">
+            <a:schemeClr val="accent1">
+              <a:shade val="50000"/>
+              <a:hueOff val="0"/>
+              <a:satOff val="0"/>
+              <a:lumOff val="0"/>
+              <a:alphaOff val="0"/>
+            </a:schemeClr>
+          </a:effectRef>
+          <a:fontRef idx="minor">
+            <a:schemeClr val="lt1"/>
+          </a:fontRef>
+        </p:style>
+      </p:sp>
+      <p:sp>
+        <p:nvSpPr>
+          <p:cNvPr id="26" name="Forma 25">
+            <a:extLst>
+              <a:ext uri="{FF2B5EF4-FFF2-40B4-BE49-F238E27FC236}">
+                <a16:creationId xmlns:a16="http://schemas.microsoft.com/office/drawing/2014/main" id="{6CE1AA48-559B-373E-2DE0-1052417743E7}"/>
+              </a:ext>
+            </a:extLst>
+          </p:cNvPr>
+          <p:cNvSpPr/>
+          <p:nvPr/>
+        </p:nvSpPr>
+        <p:spPr>
+          <a:xfrm>
+            <a:off x="6490282" y="4217807"/>
+            <a:ext cx="1825780" cy="1074203"/>
+          </a:xfrm>
+          <a:prstGeom prst="swooshArrow">
+            <a:avLst>
+              <a:gd name="adj1" fmla="val 16310"/>
+              <a:gd name="adj2" fmla="val 31370"/>
+            </a:avLst>
+          </a:prstGeom>
+        </p:spPr>
+        <p:style>
+          <a:lnRef idx="2">
+            <a:schemeClr val="lt1">
+              <a:hueOff val="0"/>
+              <a:satOff val="0"/>
+              <a:lumOff val="0"/>
+              <a:alphaOff val="0"/>
+            </a:schemeClr>
+          </a:lnRef>
+          <a:fillRef idx="1">
+            <a:schemeClr val="accent1">
+              <a:shade val="50000"/>
+              <a:hueOff val="0"/>
+              <a:satOff val="0"/>
+              <a:lumOff val="0"/>
+              <a:alphaOff val="0"/>
+            </a:schemeClr>
+          </a:fillRef>
+          <a:effectRef idx="0">
+            <a:schemeClr val="accent1">
+              <a:shade val="50000"/>
+              <a:hueOff val="0"/>
+              <a:satOff val="0"/>
+              <a:lumOff val="0"/>
+              <a:alphaOff val="0"/>
+            </a:schemeClr>
+          </a:effectRef>
+          <a:fontRef idx="minor">
+            <a:schemeClr val="lt1"/>
+          </a:fontRef>
+        </p:style>
+      </p:sp>
+    </p:spTree>
+    <p:extLst>
+      <p:ext uri="{BB962C8B-B14F-4D97-AF65-F5344CB8AC3E}">
+        <p14:creationId xmlns:p14="http://schemas.microsoft.com/office/powerpoint/2010/main" val="3171289528"/>
+      </p:ext>
+    </p:extLst>
+  </p:cSld>
+  <p:clrMapOvr>
+    <a:masterClrMapping/>
+  </p:clrMapOvr>
+</p:sld>
+</file>
+
+<file path=ppt/slides/slide17.xml><?xml version="1.0" encoding="utf-8"?>
 <p:sld xmlns:a="http://schemas.openxmlformats.org/drawingml/2006/main" xmlns:r="http://schemas.openxmlformats.org/officeDocument/2006/relationships" xmlns:p="http://schemas.openxmlformats.org/presentationml/2006/main">
   <p:cSld>
     <p:spTree>
@@ -19285,8 +23272,8 @@
         </p:nvSpPr>
         <p:spPr>
           <a:xfrm>
-            <a:off x="998781" y="981136"/>
-            <a:ext cx="3976631" cy="2585323"/>
+            <a:off x="998781" y="704137"/>
+            <a:ext cx="4756560" cy="2862322"/>
           </a:xfrm>
           <a:prstGeom prst="rect">
             <a:avLst/>
@@ -19340,7 +23327,56 @@
               <a:rPr lang="pt-BR" dirty="0" err="1"/>
               <a:t>DockerHub</a:t>
             </a:r>
-            <a:endParaRPr lang="pt-BR" dirty="0"/>
+            <a:r>
+              <a:rPr lang="pt-BR" dirty="0"/>
+              <a:t> (</a:t>
+            </a:r>
+            <a:r>
+              <a:rPr lang="pt-BR" dirty="0">
+                <a:hlinkClick r:id="rId4"/>
+              </a:rPr>
+              <a:t>https://hub.docker.com/</a:t>
+            </a:r>
+            <a:r>
+              <a:rPr lang="pt-BR" dirty="0" err="1">
+                <a:hlinkClick r:id="rId4"/>
+              </a:rPr>
+              <a:t>repository</a:t>
+            </a:r>
+            <a:r>
+              <a:rPr lang="pt-BR" dirty="0">
+                <a:hlinkClick r:id="rId4"/>
+              </a:rPr>
+              <a:t>/</a:t>
+            </a:r>
+            <a:r>
+              <a:rPr lang="pt-BR" dirty="0" err="1">
+                <a:hlinkClick r:id="rId4"/>
+              </a:rPr>
+              <a:t>docker</a:t>
+            </a:r>
+            <a:r>
+              <a:rPr lang="pt-BR" dirty="0">
+                <a:hlinkClick r:id="rId4"/>
+              </a:rPr>
+              <a:t>/lucasrigobello/</a:t>
+            </a:r>
+            <a:r>
+              <a:rPr lang="pt-BR" dirty="0" err="1">
+                <a:hlinkClick r:id="rId4"/>
+              </a:rPr>
+              <a:t>predictivemaintenance</a:t>
+            </a:r>
+            <a:r>
+              <a:rPr lang="pt-BR" dirty="0">
+                <a:hlinkClick r:id="rId4"/>
+              </a:rPr>
+              <a:t>/general</a:t>
+            </a:r>
+            <a:r>
+              <a:rPr lang="pt-BR" dirty="0"/>
+              <a:t>)</a:t>
+            </a:r>
           </a:p>
           <a:p>
             <a:pPr marL="285750" indent="-285750">
@@ -19463,7 +23499,7 @@
           <p:nvPr>
             <p:extLst>
               <p:ext uri="{D42A27DB-BD31-4B8C-83A1-F6EECF244321}">
-                <p14:modId xmlns:p14="http://schemas.microsoft.com/office/powerpoint/2010/main" val="3319821835"/>
+                <p14:modId xmlns:p14="http://schemas.microsoft.com/office/powerpoint/2010/main" val="3502526080"/>
               </p:ext>
             </p:extLst>
           </p:nvPr>
@@ -19663,7 +23699,12 @@
             <p:ph type="title"/>
           </p:nvPr>
         </p:nvSpPr>
-        <p:spPr/>
+        <p:spPr>
+          <a:xfrm>
+            <a:off x="0" y="0"/>
+            <a:ext cx="10772775" cy="1174872"/>
+          </a:xfrm>
+        </p:spPr>
         <p:txBody>
           <a:bodyPr/>
           <a:lstStyle/>
@@ -19676,6 +23717,282 @@
           </a:p>
         </p:txBody>
       </p:sp>
+      <p:pic>
+        <p:nvPicPr>
+          <p:cNvPr id="4" name="Imagem 3">
+            <a:extLst>
+              <a:ext uri="{FF2B5EF4-FFF2-40B4-BE49-F238E27FC236}">
+                <a16:creationId xmlns:a16="http://schemas.microsoft.com/office/drawing/2014/main" id="{201A7E05-D9EA-1B17-1B28-A9009A287D94}"/>
+              </a:ext>
+            </a:extLst>
+          </p:cNvPr>
+          <p:cNvPicPr>
+            <a:picLocks noChangeAspect="1"/>
+          </p:cNvPicPr>
+          <p:nvPr/>
+        </p:nvPicPr>
+        <p:blipFill>
+          <a:blip r:embed="rId2">
+            <a:clrChange>
+              <a:clrFrom>
+                <a:srgbClr val="FFFFFF"/>
+              </a:clrFrom>
+              <a:clrTo>
+                <a:srgbClr val="FFFFFF">
+                  <a:alpha val="0"/>
+                </a:srgbClr>
+              </a:clrTo>
+            </a:clrChange>
+            <a:extLst>
+              <a:ext uri="{28A0092B-C50C-407E-A947-70E740481C1C}">
+                <a14:useLocalDpi xmlns:a14="http://schemas.microsoft.com/office/drawing/2010/main" val="0"/>
+              </a:ext>
+            </a:extLst>
+          </a:blip>
+          <a:stretch>
+            <a:fillRect/>
+          </a:stretch>
+        </p:blipFill>
+        <p:spPr>
+          <a:xfrm>
+            <a:off x="-1" y="677667"/>
+            <a:ext cx="5860800" cy="2160000"/>
+          </a:xfrm>
+          <a:prstGeom prst="rect">
+            <a:avLst/>
+          </a:prstGeom>
+        </p:spPr>
+      </p:pic>
+      <p:pic>
+        <p:nvPicPr>
+          <p:cNvPr id="6" name="Imagem 5">
+            <a:extLst>
+              <a:ext uri="{FF2B5EF4-FFF2-40B4-BE49-F238E27FC236}">
+                <a16:creationId xmlns:a16="http://schemas.microsoft.com/office/drawing/2014/main" id="{E16B4CB1-24FE-B84E-BF23-F43F94E4C0A8}"/>
+              </a:ext>
+            </a:extLst>
+          </p:cNvPr>
+          <p:cNvPicPr>
+            <a:picLocks noChangeAspect="1"/>
+          </p:cNvPicPr>
+          <p:nvPr/>
+        </p:nvPicPr>
+        <p:blipFill>
+          <a:blip r:embed="rId3">
+            <a:clrChange>
+              <a:clrFrom>
+                <a:srgbClr val="FFFFFF"/>
+              </a:clrFrom>
+              <a:clrTo>
+                <a:srgbClr val="FFFFFF">
+                  <a:alpha val="0"/>
+                </a:srgbClr>
+              </a:clrTo>
+            </a:clrChange>
+            <a:extLst>
+              <a:ext uri="{28A0092B-C50C-407E-A947-70E740481C1C}">
+                <a14:useLocalDpi xmlns:a14="http://schemas.microsoft.com/office/drawing/2010/main" val="0"/>
+              </a:ext>
+            </a:extLst>
+          </a:blip>
+          <a:stretch>
+            <a:fillRect/>
+          </a:stretch>
+        </p:blipFill>
+        <p:spPr>
+          <a:xfrm>
+            <a:off x="6331200" y="677667"/>
+            <a:ext cx="5860800" cy="2160000"/>
+          </a:xfrm>
+          <a:prstGeom prst="rect">
+            <a:avLst/>
+          </a:prstGeom>
+        </p:spPr>
+      </p:pic>
+      <p:pic>
+        <p:nvPicPr>
+          <p:cNvPr id="8" name="Imagem 7">
+            <a:extLst>
+              <a:ext uri="{FF2B5EF4-FFF2-40B4-BE49-F238E27FC236}">
+                <a16:creationId xmlns:a16="http://schemas.microsoft.com/office/drawing/2014/main" id="{A70AD94E-4705-8841-2433-49A3C0AA6588}"/>
+              </a:ext>
+            </a:extLst>
+          </p:cNvPr>
+          <p:cNvPicPr>
+            <a:picLocks noChangeAspect="1"/>
+          </p:cNvPicPr>
+          <p:nvPr/>
+        </p:nvPicPr>
+        <p:blipFill>
+          <a:blip r:embed="rId4">
+            <a:clrChange>
+              <a:clrFrom>
+                <a:srgbClr val="FFFFFF"/>
+              </a:clrFrom>
+              <a:clrTo>
+                <a:srgbClr val="FFFFFF">
+                  <a:alpha val="0"/>
+                </a:srgbClr>
+              </a:clrTo>
+            </a:clrChange>
+            <a:extLst>
+              <a:ext uri="{28A0092B-C50C-407E-A947-70E740481C1C}">
+                <a14:useLocalDpi xmlns:a14="http://schemas.microsoft.com/office/drawing/2010/main" val="0"/>
+              </a:ext>
+            </a:extLst>
+          </a:blip>
+          <a:stretch>
+            <a:fillRect/>
+          </a:stretch>
+        </p:blipFill>
+        <p:spPr>
+          <a:xfrm>
+            <a:off x="0" y="2735538"/>
+            <a:ext cx="5860801" cy="2160000"/>
+          </a:xfrm>
+          <a:prstGeom prst="rect">
+            <a:avLst/>
+          </a:prstGeom>
+        </p:spPr>
+      </p:pic>
+      <p:pic>
+        <p:nvPicPr>
+          <p:cNvPr id="10" name="Imagem 9">
+            <a:extLst>
+              <a:ext uri="{FF2B5EF4-FFF2-40B4-BE49-F238E27FC236}">
+                <a16:creationId xmlns:a16="http://schemas.microsoft.com/office/drawing/2014/main" id="{E90DE324-E51C-168D-CA81-F35867E7C750}"/>
+              </a:ext>
+            </a:extLst>
+          </p:cNvPr>
+          <p:cNvPicPr>
+            <a:picLocks noChangeAspect="1"/>
+          </p:cNvPicPr>
+          <p:nvPr/>
+        </p:nvPicPr>
+        <p:blipFill>
+          <a:blip r:embed="rId5">
+            <a:clrChange>
+              <a:clrFrom>
+                <a:srgbClr val="FFFFFF"/>
+              </a:clrFrom>
+              <a:clrTo>
+                <a:srgbClr val="FFFFFF">
+                  <a:alpha val="0"/>
+                </a:srgbClr>
+              </a:clrTo>
+            </a:clrChange>
+            <a:extLst>
+              <a:ext uri="{28A0092B-C50C-407E-A947-70E740481C1C}">
+                <a14:useLocalDpi xmlns:a14="http://schemas.microsoft.com/office/drawing/2010/main" val="0"/>
+              </a:ext>
+            </a:extLst>
+          </a:blip>
+          <a:stretch>
+            <a:fillRect/>
+          </a:stretch>
+        </p:blipFill>
+        <p:spPr>
+          <a:xfrm>
+            <a:off x="6331200" y="2735538"/>
+            <a:ext cx="5860800" cy="2160000"/>
+          </a:xfrm>
+          <a:prstGeom prst="rect">
+            <a:avLst/>
+          </a:prstGeom>
+        </p:spPr>
+      </p:pic>
+      <p:pic>
+        <p:nvPicPr>
+          <p:cNvPr id="12" name="Imagem 11">
+            <a:extLst>
+              <a:ext uri="{FF2B5EF4-FFF2-40B4-BE49-F238E27FC236}">
+                <a16:creationId xmlns:a16="http://schemas.microsoft.com/office/drawing/2014/main" id="{0F09CBD3-DCF7-724E-AC41-2080AD727E70}"/>
+              </a:ext>
+            </a:extLst>
+          </p:cNvPr>
+          <p:cNvPicPr>
+            <a:picLocks noChangeAspect="1"/>
+          </p:cNvPicPr>
+          <p:nvPr/>
+        </p:nvPicPr>
+        <p:blipFill>
+          <a:blip r:embed="rId6">
+            <a:clrChange>
+              <a:clrFrom>
+                <a:srgbClr val="FFFFFF"/>
+              </a:clrFrom>
+              <a:clrTo>
+                <a:srgbClr val="FFFFFF">
+                  <a:alpha val="0"/>
+                </a:srgbClr>
+              </a:clrTo>
+            </a:clrChange>
+            <a:extLst>
+              <a:ext uri="{28A0092B-C50C-407E-A947-70E740481C1C}">
+                <a14:useLocalDpi xmlns:a14="http://schemas.microsoft.com/office/drawing/2010/main" val="0"/>
+              </a:ext>
+            </a:extLst>
+          </a:blip>
+          <a:stretch>
+            <a:fillRect/>
+          </a:stretch>
+        </p:blipFill>
+        <p:spPr>
+          <a:xfrm>
+            <a:off x="-1" y="4698000"/>
+            <a:ext cx="5860801" cy="2160000"/>
+          </a:xfrm>
+          <a:prstGeom prst="rect">
+            <a:avLst/>
+          </a:prstGeom>
+        </p:spPr>
+      </p:pic>
+      <p:pic>
+        <p:nvPicPr>
+          <p:cNvPr id="14" name="Imagem 13">
+            <a:extLst>
+              <a:ext uri="{FF2B5EF4-FFF2-40B4-BE49-F238E27FC236}">
+                <a16:creationId xmlns:a16="http://schemas.microsoft.com/office/drawing/2014/main" id="{DC530FC7-8A10-1E3F-9154-7A8F14023978}"/>
+              </a:ext>
+            </a:extLst>
+          </p:cNvPr>
+          <p:cNvPicPr>
+            <a:picLocks noChangeAspect="1"/>
+          </p:cNvPicPr>
+          <p:nvPr/>
+        </p:nvPicPr>
+        <p:blipFill>
+          <a:blip r:embed="rId7">
+            <a:clrChange>
+              <a:clrFrom>
+                <a:srgbClr val="FFFFFF"/>
+              </a:clrFrom>
+              <a:clrTo>
+                <a:srgbClr val="FFFFFF">
+                  <a:alpha val="0"/>
+                </a:srgbClr>
+              </a:clrTo>
+            </a:clrChange>
+            <a:extLst>
+              <a:ext uri="{28A0092B-C50C-407E-A947-70E740481C1C}">
+                <a14:useLocalDpi xmlns:a14="http://schemas.microsoft.com/office/drawing/2010/main" val="0"/>
+              </a:ext>
+            </a:extLst>
+          </a:blip>
+          <a:stretch>
+            <a:fillRect/>
+          </a:stretch>
+        </p:blipFill>
+        <p:spPr>
+          <a:xfrm>
+            <a:off x="6331201" y="4698000"/>
+            <a:ext cx="5860800" cy="2160000"/>
+          </a:xfrm>
+          <a:prstGeom prst="rect">
+            <a:avLst/>
+          </a:prstGeom>
+        </p:spPr>
+      </p:pic>
     </p:spTree>
     <p:extLst>
       <p:ext uri="{BB962C8B-B14F-4D97-AF65-F5344CB8AC3E}">
